--- a/7组项目汇报.pptx
+++ b/7组项目汇报.pptx
@@ -1,34 +1,34 @@
 
 <file path=ppt/presentation.xml><?xml version="1.0" encoding="utf-8"?>
-<p:presentation xmlns:a="http://schemas.openxmlformats.org/drawingml/2006/main" xmlns:r="http://schemas.openxmlformats.org/officeDocument/2006/relationships" xmlns:p="http://schemas.openxmlformats.org/presentationml/2006/main" saveSubsetFonts="1">
+<p:presentation xmlns:a="http://schemas.openxmlformats.org/drawingml/2006/main" xmlns:r="http://schemas.openxmlformats.org/officeDocument/2006/relationships" xmlns:p="http://schemas.openxmlformats.org/presentationml/2006/main">
   <p:sldMasterIdLst>
     <p:sldMasterId id="2147483648" r:id="rId1"/>
   </p:sldMasterIdLst>
   <p:notesMasterIdLst>
-    <p:notesMasterId r:id="rId20"/>
+    <p:notesMasterId r:id="rId4"/>
   </p:notesMasterIdLst>
   <p:handoutMasterIdLst>
-    <p:handoutMasterId r:id="rId21"/>
+    <p:handoutMasterId r:id="rId22"/>
   </p:handoutMasterIdLst>
   <p:sldIdLst>
-    <p:sldId id="274" r:id="rId2"/>
-    <p:sldId id="275" r:id="rId3"/>
-    <p:sldId id="259" r:id="rId4"/>
-    <p:sldId id="261" r:id="rId5"/>
-    <p:sldId id="264" r:id="rId6"/>
-    <p:sldId id="260" r:id="rId7"/>
-    <p:sldId id="263" r:id="rId8"/>
-    <p:sldId id="267" r:id="rId9"/>
-    <p:sldId id="277" r:id="rId10"/>
-    <p:sldId id="279" r:id="rId11"/>
-    <p:sldId id="280" r:id="rId12"/>
-    <p:sldId id="281" r:id="rId13"/>
-    <p:sldId id="282" r:id="rId14"/>
-    <p:sldId id="283" r:id="rId15"/>
-    <p:sldId id="284" r:id="rId16"/>
-    <p:sldId id="285" r:id="rId17"/>
-    <p:sldId id="273" r:id="rId18"/>
-    <p:sldId id="272" r:id="rId19"/>
+    <p:sldId id="274" r:id="rId3"/>
+    <p:sldId id="275" r:id="rId5"/>
+    <p:sldId id="259" r:id="rId6"/>
+    <p:sldId id="261" r:id="rId7"/>
+    <p:sldId id="264" r:id="rId8"/>
+    <p:sldId id="260" r:id="rId9"/>
+    <p:sldId id="263" r:id="rId10"/>
+    <p:sldId id="267" r:id="rId11"/>
+    <p:sldId id="277" r:id="rId12"/>
+    <p:sldId id="279" r:id="rId13"/>
+    <p:sldId id="280" r:id="rId14"/>
+    <p:sldId id="281" r:id="rId15"/>
+    <p:sldId id="282" r:id="rId16"/>
+    <p:sldId id="283" r:id="rId17"/>
+    <p:sldId id="284" r:id="rId18"/>
+    <p:sldId id="285" r:id="rId19"/>
+    <p:sldId id="273" r:id="rId20"/>
+    <p:sldId id="272" r:id="rId21"/>
   </p:sldIdLst>
   <p:sldSz cx="12192000" cy="6858000"/>
   <p:notesSz cx="6858000" cy="9144000"/>
@@ -127,36 +127,6 @@
       </a:defRPr>
     </a:lvl9pPr>
   </p:defaultTextStyle>
-  <p:extLst>
-    <p:ext uri="{EFAFB233-063F-42B5-8137-9DF3F51BA10A}">
-      <p15:sldGuideLst xmlns="" xmlns:p15="http://schemas.microsoft.com/office/powerpoint/2012/main">
-        <p15:guide id="1" orient="horz" pos="2160" userDrawn="1">
-          <p15:clr>
-            <a:srgbClr val="A4A3A4"/>
-          </p15:clr>
-        </p15:guide>
-        <p15:guide id="2" pos="3840" userDrawn="1">
-          <p15:clr>
-            <a:srgbClr val="A4A3A4"/>
-          </p15:clr>
-        </p15:guide>
-      </p15:sldGuideLst>
-    </p:ext>
-    <p:ext uri="{2D200454-40CA-4A62-9FC3-DE9A4176ACB9}">
-      <p15:notesGuideLst xmlns="" xmlns:p15="http://schemas.microsoft.com/office/powerpoint/2012/main">
-        <p15:guide id="1" orient="horz" pos="2880">
-          <p15:clr>
-            <a:srgbClr val="A4A3A4"/>
-          </p15:clr>
-        </p15:guide>
-        <p15:guide id="2" pos="2160">
-          <p15:clr>
-            <a:srgbClr val="A4A3A4"/>
-          </p15:clr>
-        </p15:guide>
-      </p15:notesGuideLst>
-    </p:ext>
-  </p:extLst>
 </p:presentation>
 </file>
 
@@ -242,7 +212,6 @@
           <a:p>
             <a:fld id="{599FB382-3D9B-4346-987F-99D71E9C8B9E}" type="datetimeFigureOut">
               <a:rPr lang="zh-CN" altLang="en-US" smtClean="0"/>
-              <a:t>2018/7/4</a:t>
             </a:fld>
             <a:endParaRPr lang="zh-CN" altLang="en-US"/>
           </a:p>
@@ -308,18 +277,12 @@
           <a:p>
             <a:fld id="{3C06A1FA-382C-4573-B6A9-25762B83C5C5}" type="slidenum">
               <a:rPr lang="zh-CN" altLang="en-US" smtClean="0"/>
-              <a:t>‹#›</a:t>
             </a:fld>
             <a:endParaRPr lang="zh-CN" altLang="en-US"/>
           </a:p>
         </p:txBody>
       </p:sp>
     </p:spTree>
-    <p:extLst>
-      <p:ext uri="{BB962C8B-B14F-4D97-AF65-F5344CB8AC3E}">
-        <p14:creationId xmlns:p14="http://schemas.microsoft.com/office/powerpoint/2010/main" val="1614061987"/>
-      </p:ext>
-    </p:extLst>
   </p:cSld>
   <p:clrMap bg1="lt1" tx1="dk1" bg2="lt2" tx2="dk2" accent1="accent1" accent2="accent2" accent3="accent3" accent4="accent4" accent5="accent5" accent6="accent6" hlink="hlink" folHlink="folHlink"/>
 </p:handoutMaster>
@@ -407,7 +370,6 @@
           <a:p>
             <a:fld id="{A7B3C0A3-BB4C-4E75-8C09-0BD5B3C6AD06}" type="datetimeFigureOut">
               <a:rPr lang="zh-CN" altLang="en-US" smtClean="0"/>
-              <a:t>2018/7/4</a:t>
             </a:fld>
             <a:endParaRPr lang="zh-CN" altLang="en-US"/>
           </a:p>
@@ -474,6 +436,7 @@
               <a:rPr lang="zh-CN" altLang="en-US" smtClean="0"/>
               <a:t>单击此处编辑母版文本样式</a:t>
             </a:r>
+            <a:endParaRPr lang="zh-CN" altLang="en-US" smtClean="0"/>
           </a:p>
           <a:p>
             <a:pPr lvl="1"/>
@@ -481,6 +444,7 @@
               <a:rPr lang="zh-CN" altLang="en-US" smtClean="0"/>
               <a:t>第二级</a:t>
             </a:r>
+            <a:endParaRPr lang="zh-CN" altLang="en-US" smtClean="0"/>
           </a:p>
           <a:p>
             <a:pPr lvl="2"/>
@@ -488,6 +452,7 @@
               <a:rPr lang="zh-CN" altLang="en-US" smtClean="0"/>
               <a:t>第三级</a:t>
             </a:r>
+            <a:endParaRPr lang="zh-CN" altLang="en-US" smtClean="0"/>
           </a:p>
           <a:p>
             <a:pPr lvl="3"/>
@@ -495,6 +460,7 @@
               <a:rPr lang="zh-CN" altLang="en-US" smtClean="0"/>
               <a:t>第四级</a:t>
             </a:r>
+            <a:endParaRPr lang="zh-CN" altLang="en-US" smtClean="0"/>
           </a:p>
           <a:p>
             <a:pPr lvl="4"/>
@@ -566,18 +532,12 @@
           <a:p>
             <a:fld id="{298BA3E8-04D0-482A-842B-D2E551459FA3}" type="slidenum">
               <a:rPr lang="zh-CN" altLang="en-US" smtClean="0"/>
-              <a:t>‹#›</a:t>
             </a:fld>
             <a:endParaRPr lang="zh-CN" altLang="en-US"/>
           </a:p>
         </p:txBody>
       </p:sp>
     </p:spTree>
-    <p:extLst>
-      <p:ext uri="{BB962C8B-B14F-4D97-AF65-F5344CB8AC3E}">
-        <p14:creationId xmlns:p14="http://schemas.microsoft.com/office/powerpoint/2010/main" val="3328689956"/>
-      </p:ext>
-    </p:extLst>
   </p:cSld>
   <p:clrMap bg1="lt1" tx1="dk1" bg2="lt2" tx2="dk2" accent1="accent1" accent2="accent2" accent3="accent3" accent4="accent4" accent5="accent5" accent6="accent6" hlink="hlink" folHlink="folHlink"/>
   <p:notesStyle>
@@ -745,18 +705,12 @@
           <a:p>
             <a:fld id="{298BA3E8-04D0-482A-842B-D2E551459FA3}" type="slidenum">
               <a:rPr lang="zh-CN" altLang="en-US" smtClean="0"/>
-              <a:t>1</a:t>
             </a:fld>
             <a:endParaRPr lang="zh-CN" altLang="en-US"/>
           </a:p>
         </p:txBody>
       </p:sp>
     </p:spTree>
-    <p:extLst>
-      <p:ext uri="{BB962C8B-B14F-4D97-AF65-F5344CB8AC3E}">
-        <p14:creationId xmlns:p14="http://schemas.microsoft.com/office/powerpoint/2010/main" val="2532319016"/>
-      </p:ext>
-    </p:extLst>
   </p:cSld>
   <p:clrMapOvr>
     <a:masterClrMapping/>
@@ -834,18 +788,12 @@
           <a:p>
             <a:fld id="{298BA3E8-04D0-482A-842B-D2E551459FA3}" type="slidenum">
               <a:rPr lang="zh-CN" altLang="en-US" smtClean="0"/>
-              <a:t>10</a:t>
             </a:fld>
             <a:endParaRPr lang="zh-CN" altLang="en-US"/>
           </a:p>
         </p:txBody>
       </p:sp>
     </p:spTree>
-    <p:extLst>
-      <p:ext uri="{BB962C8B-B14F-4D97-AF65-F5344CB8AC3E}">
-        <p14:creationId xmlns:p14="http://schemas.microsoft.com/office/powerpoint/2010/main" val="1428569407"/>
-      </p:ext>
-    </p:extLst>
   </p:cSld>
   <p:clrMapOvr>
     <a:masterClrMapping/>
@@ -923,18 +871,12 @@
           <a:p>
             <a:fld id="{298BA3E8-04D0-482A-842B-D2E551459FA3}" type="slidenum">
               <a:rPr lang="zh-CN" altLang="en-US" smtClean="0"/>
-              <a:t>11</a:t>
             </a:fld>
             <a:endParaRPr lang="zh-CN" altLang="en-US"/>
           </a:p>
         </p:txBody>
       </p:sp>
     </p:spTree>
-    <p:extLst>
-      <p:ext uri="{BB962C8B-B14F-4D97-AF65-F5344CB8AC3E}">
-        <p14:creationId xmlns:p14="http://schemas.microsoft.com/office/powerpoint/2010/main" val="1428569407"/>
-      </p:ext>
-    </p:extLst>
   </p:cSld>
   <p:clrMapOvr>
     <a:masterClrMapping/>
@@ -1012,18 +954,12 @@
           <a:p>
             <a:fld id="{298BA3E8-04D0-482A-842B-D2E551459FA3}" type="slidenum">
               <a:rPr lang="zh-CN" altLang="en-US" smtClean="0"/>
-              <a:t>12</a:t>
             </a:fld>
             <a:endParaRPr lang="zh-CN" altLang="en-US"/>
           </a:p>
         </p:txBody>
       </p:sp>
     </p:spTree>
-    <p:extLst>
-      <p:ext uri="{BB962C8B-B14F-4D97-AF65-F5344CB8AC3E}">
-        <p14:creationId xmlns:p14="http://schemas.microsoft.com/office/powerpoint/2010/main" val="1428569407"/>
-      </p:ext>
-    </p:extLst>
   </p:cSld>
   <p:clrMapOvr>
     <a:masterClrMapping/>
@@ -1101,18 +1037,12 @@
           <a:p>
             <a:fld id="{298BA3E8-04D0-482A-842B-D2E551459FA3}" type="slidenum">
               <a:rPr lang="zh-CN" altLang="en-US" smtClean="0"/>
-              <a:t>13</a:t>
             </a:fld>
             <a:endParaRPr lang="zh-CN" altLang="en-US"/>
           </a:p>
         </p:txBody>
       </p:sp>
     </p:spTree>
-    <p:extLst>
-      <p:ext uri="{BB962C8B-B14F-4D97-AF65-F5344CB8AC3E}">
-        <p14:creationId xmlns:p14="http://schemas.microsoft.com/office/powerpoint/2010/main" val="1428569407"/>
-      </p:ext>
-    </p:extLst>
   </p:cSld>
   <p:clrMapOvr>
     <a:masterClrMapping/>
@@ -1190,18 +1120,12 @@
           <a:p>
             <a:fld id="{298BA3E8-04D0-482A-842B-D2E551459FA3}" type="slidenum">
               <a:rPr lang="zh-CN" altLang="en-US" smtClean="0"/>
-              <a:t>14</a:t>
             </a:fld>
             <a:endParaRPr lang="zh-CN" altLang="en-US"/>
           </a:p>
         </p:txBody>
       </p:sp>
     </p:spTree>
-    <p:extLst>
-      <p:ext uri="{BB962C8B-B14F-4D97-AF65-F5344CB8AC3E}">
-        <p14:creationId xmlns:p14="http://schemas.microsoft.com/office/powerpoint/2010/main" val="1428569407"/>
-      </p:ext>
-    </p:extLst>
   </p:cSld>
   <p:clrMapOvr>
     <a:masterClrMapping/>
@@ -1279,18 +1203,12 @@
           <a:p>
             <a:fld id="{298BA3E8-04D0-482A-842B-D2E551459FA3}" type="slidenum">
               <a:rPr lang="zh-CN" altLang="en-US" smtClean="0"/>
-              <a:t>15</a:t>
             </a:fld>
             <a:endParaRPr lang="zh-CN" altLang="en-US"/>
           </a:p>
         </p:txBody>
       </p:sp>
     </p:spTree>
-    <p:extLst>
-      <p:ext uri="{BB962C8B-B14F-4D97-AF65-F5344CB8AC3E}">
-        <p14:creationId xmlns:p14="http://schemas.microsoft.com/office/powerpoint/2010/main" val="1428569407"/>
-      </p:ext>
-    </p:extLst>
   </p:cSld>
   <p:clrMapOvr>
     <a:masterClrMapping/>
@@ -1368,18 +1286,12 @@
           <a:p>
             <a:fld id="{298BA3E8-04D0-482A-842B-D2E551459FA3}" type="slidenum">
               <a:rPr lang="zh-CN" altLang="en-US" smtClean="0"/>
-              <a:t>16</a:t>
             </a:fld>
             <a:endParaRPr lang="zh-CN" altLang="en-US"/>
           </a:p>
         </p:txBody>
       </p:sp>
     </p:spTree>
-    <p:extLst>
-      <p:ext uri="{BB962C8B-B14F-4D97-AF65-F5344CB8AC3E}">
-        <p14:creationId xmlns:p14="http://schemas.microsoft.com/office/powerpoint/2010/main" val="1428569407"/>
-      </p:ext>
-    </p:extLst>
   </p:cSld>
   <p:clrMapOvr>
     <a:masterClrMapping/>
@@ -1452,18 +1364,12 @@
           <a:p>
             <a:fld id="{3478A948-9DDE-4D71-BE98-DB3674A98521}" type="slidenum">
               <a:rPr lang="zh-CN" altLang="en-US" smtClean="0"/>
-              <a:t>17</a:t>
             </a:fld>
             <a:endParaRPr lang="zh-CN" altLang="en-US"/>
           </a:p>
         </p:txBody>
       </p:sp>
     </p:spTree>
-    <p:extLst>
-      <p:ext uri="{BB962C8B-B14F-4D97-AF65-F5344CB8AC3E}">
-        <p14:creationId xmlns:p14="http://schemas.microsoft.com/office/powerpoint/2010/main" val="3399893581"/>
-      </p:ext>
-    </p:extLst>
   </p:cSld>
   <p:clrMapOvr>
     <a:masterClrMapping/>
@@ -1541,18 +1447,12 @@
           <a:p>
             <a:fld id="{298BA3E8-04D0-482A-842B-D2E551459FA3}" type="slidenum">
               <a:rPr lang="zh-CN" altLang="en-US" smtClean="0"/>
-              <a:t>18</a:t>
             </a:fld>
             <a:endParaRPr lang="zh-CN" altLang="en-US"/>
           </a:p>
         </p:txBody>
       </p:sp>
     </p:spTree>
-    <p:extLst>
-      <p:ext uri="{BB962C8B-B14F-4D97-AF65-F5344CB8AC3E}">
-        <p14:creationId xmlns:p14="http://schemas.microsoft.com/office/powerpoint/2010/main" val="2079185560"/>
-      </p:ext>
-    </p:extLst>
   </p:cSld>
   <p:clrMapOvr>
     <a:masterClrMapping/>
@@ -1630,18 +1530,12 @@
           <a:p>
             <a:fld id="{298BA3E8-04D0-482A-842B-D2E551459FA3}" type="slidenum">
               <a:rPr lang="zh-CN" altLang="en-US" smtClean="0"/>
-              <a:t>2</a:t>
             </a:fld>
             <a:endParaRPr lang="zh-CN" altLang="en-US"/>
           </a:p>
         </p:txBody>
       </p:sp>
     </p:spTree>
-    <p:extLst>
-      <p:ext uri="{BB962C8B-B14F-4D97-AF65-F5344CB8AC3E}">
-        <p14:creationId xmlns:p14="http://schemas.microsoft.com/office/powerpoint/2010/main" val="3140765001"/>
-      </p:ext>
-    </p:extLst>
   </p:cSld>
   <p:clrMapOvr>
     <a:masterClrMapping/>
@@ -1719,18 +1613,12 @@
           <a:p>
             <a:fld id="{298BA3E8-04D0-482A-842B-D2E551459FA3}" type="slidenum">
               <a:rPr lang="zh-CN" altLang="en-US" smtClean="0"/>
-              <a:t>3</a:t>
             </a:fld>
             <a:endParaRPr lang="zh-CN" altLang="en-US"/>
           </a:p>
         </p:txBody>
       </p:sp>
     </p:spTree>
-    <p:extLst>
-      <p:ext uri="{BB962C8B-B14F-4D97-AF65-F5344CB8AC3E}">
-        <p14:creationId xmlns:p14="http://schemas.microsoft.com/office/powerpoint/2010/main" val="1464888554"/>
-      </p:ext>
-    </p:extLst>
   </p:cSld>
   <p:clrMapOvr>
     <a:masterClrMapping/>
@@ -1808,18 +1696,12 @@
           <a:p>
             <a:fld id="{298BA3E8-04D0-482A-842B-D2E551459FA3}" type="slidenum">
               <a:rPr lang="zh-CN" altLang="en-US" smtClean="0"/>
-              <a:t>4</a:t>
             </a:fld>
             <a:endParaRPr lang="zh-CN" altLang="en-US"/>
           </a:p>
         </p:txBody>
       </p:sp>
     </p:spTree>
-    <p:extLst>
-      <p:ext uri="{BB962C8B-B14F-4D97-AF65-F5344CB8AC3E}">
-        <p14:creationId xmlns:p14="http://schemas.microsoft.com/office/powerpoint/2010/main" val="2762700357"/>
-      </p:ext>
-    </p:extLst>
   </p:cSld>
   <p:clrMapOvr>
     <a:masterClrMapping/>
@@ -1897,18 +1779,12 @@
           <a:p>
             <a:fld id="{298BA3E8-04D0-482A-842B-D2E551459FA3}" type="slidenum">
               <a:rPr lang="zh-CN" altLang="en-US" smtClean="0"/>
-              <a:t>5</a:t>
             </a:fld>
             <a:endParaRPr lang="zh-CN" altLang="en-US"/>
           </a:p>
         </p:txBody>
       </p:sp>
     </p:spTree>
-    <p:extLst>
-      <p:ext uri="{BB962C8B-B14F-4D97-AF65-F5344CB8AC3E}">
-        <p14:creationId xmlns:p14="http://schemas.microsoft.com/office/powerpoint/2010/main" val="175931715"/>
-      </p:ext>
-    </p:extLst>
   </p:cSld>
   <p:clrMapOvr>
     <a:masterClrMapping/>
@@ -1986,18 +1862,12 @@
           <a:p>
             <a:fld id="{298BA3E8-04D0-482A-842B-D2E551459FA3}" type="slidenum">
               <a:rPr lang="zh-CN" altLang="en-US" smtClean="0"/>
-              <a:t>6</a:t>
             </a:fld>
             <a:endParaRPr lang="zh-CN" altLang="en-US"/>
           </a:p>
         </p:txBody>
       </p:sp>
     </p:spTree>
-    <p:extLst>
-      <p:ext uri="{BB962C8B-B14F-4D97-AF65-F5344CB8AC3E}">
-        <p14:creationId xmlns:p14="http://schemas.microsoft.com/office/powerpoint/2010/main" val="4082578441"/>
-      </p:ext>
-    </p:extLst>
   </p:cSld>
   <p:clrMapOvr>
     <a:masterClrMapping/>
@@ -2075,18 +1945,12 @@
           <a:p>
             <a:fld id="{298BA3E8-04D0-482A-842B-D2E551459FA3}" type="slidenum">
               <a:rPr lang="zh-CN" altLang="en-US" smtClean="0"/>
-              <a:t>7</a:t>
             </a:fld>
             <a:endParaRPr lang="zh-CN" altLang="en-US"/>
           </a:p>
         </p:txBody>
       </p:sp>
     </p:spTree>
-    <p:extLst>
-      <p:ext uri="{BB962C8B-B14F-4D97-AF65-F5344CB8AC3E}">
-        <p14:creationId xmlns:p14="http://schemas.microsoft.com/office/powerpoint/2010/main" val="3727088950"/>
-      </p:ext>
-    </p:extLst>
   </p:cSld>
   <p:clrMapOvr>
     <a:masterClrMapping/>
@@ -2164,18 +2028,12 @@
           <a:p>
             <a:fld id="{298BA3E8-04D0-482A-842B-D2E551459FA3}" type="slidenum">
               <a:rPr lang="zh-CN" altLang="en-US" smtClean="0"/>
-              <a:t>8</a:t>
             </a:fld>
             <a:endParaRPr lang="zh-CN" altLang="en-US"/>
           </a:p>
         </p:txBody>
       </p:sp>
     </p:spTree>
-    <p:extLst>
-      <p:ext uri="{BB962C8B-B14F-4D97-AF65-F5344CB8AC3E}">
-        <p14:creationId xmlns:p14="http://schemas.microsoft.com/office/powerpoint/2010/main" val="1752799434"/>
-      </p:ext>
-    </p:extLst>
   </p:cSld>
   <p:clrMapOvr>
     <a:masterClrMapping/>
@@ -2253,18 +2111,12 @@
           <a:p>
             <a:fld id="{298BA3E8-04D0-482A-842B-D2E551459FA3}" type="slidenum">
               <a:rPr lang="zh-CN" altLang="en-US" smtClean="0"/>
-              <a:t>9</a:t>
             </a:fld>
             <a:endParaRPr lang="zh-CN" altLang="en-US"/>
           </a:p>
         </p:txBody>
       </p:sp>
     </p:spTree>
-    <p:extLst>
-      <p:ext uri="{BB962C8B-B14F-4D97-AF65-F5344CB8AC3E}">
-        <p14:creationId xmlns:p14="http://schemas.microsoft.com/office/powerpoint/2010/main" val="1428569407"/>
-      </p:ext>
-    </p:extLst>
   </p:cSld>
   <p:clrMapOvr>
     <a:masterClrMapping/>
@@ -2453,7 +2305,6 @@
           <a:p>
             <a:fld id="{530820CF-B880-4189-942D-D702A7CBA730}" type="datetimeFigureOut">
               <a:rPr lang="zh-CN" altLang="en-US" smtClean="0"/>
-              <a:t>2018/7/4</a:t>
             </a:fld>
             <a:endParaRPr lang="zh-CN" altLang="en-US"/>
           </a:p>
@@ -2495,7 +2346,6 @@
           <a:p>
             <a:fld id="{0C913308-F349-4B6D-A68A-DD1791B4A57B}" type="slidenum">
               <a:rPr lang="zh-CN" altLang="en-US" smtClean="0"/>
-              <a:t>‹#›</a:t>
             </a:fld>
             <a:endParaRPr lang="zh-CN" altLang="en-US"/>
           </a:p>
@@ -2569,6 +2419,7 @@
               <a:rPr lang="zh-CN" altLang="en-US" smtClean="0"/>
               <a:t>单击此处编辑母版文本样式</a:t>
             </a:r>
+            <a:endParaRPr lang="zh-CN" altLang="en-US" smtClean="0"/>
           </a:p>
           <a:p>
             <a:pPr lvl="1"/>
@@ -2576,6 +2427,7 @@
               <a:rPr lang="zh-CN" altLang="en-US" smtClean="0"/>
               <a:t>第二级</a:t>
             </a:r>
+            <a:endParaRPr lang="zh-CN" altLang="en-US" smtClean="0"/>
           </a:p>
           <a:p>
             <a:pPr lvl="2"/>
@@ -2583,6 +2435,7 @@
               <a:rPr lang="zh-CN" altLang="en-US" smtClean="0"/>
               <a:t>第三级</a:t>
             </a:r>
+            <a:endParaRPr lang="zh-CN" altLang="en-US" smtClean="0"/>
           </a:p>
           <a:p>
             <a:pPr lvl="3"/>
@@ -2590,6 +2443,7 @@
               <a:rPr lang="zh-CN" altLang="en-US" smtClean="0"/>
               <a:t>第四级</a:t>
             </a:r>
+            <a:endParaRPr lang="zh-CN" altLang="en-US" smtClean="0"/>
           </a:p>
           <a:p>
             <a:pPr lvl="4"/>
@@ -2618,7 +2472,6 @@
           <a:p>
             <a:fld id="{530820CF-B880-4189-942D-D702A7CBA730}" type="datetimeFigureOut">
               <a:rPr lang="zh-CN" altLang="en-US" smtClean="0"/>
-              <a:t>2018/7/4</a:t>
             </a:fld>
             <a:endParaRPr lang="zh-CN" altLang="en-US"/>
           </a:p>
@@ -2660,7 +2513,6 @@
           <a:p>
             <a:fld id="{0C913308-F349-4B6D-A68A-DD1791B4A57B}" type="slidenum">
               <a:rPr lang="zh-CN" altLang="en-US" smtClean="0"/>
-              <a:t>‹#›</a:t>
             </a:fld>
             <a:endParaRPr lang="zh-CN" altLang="en-US"/>
           </a:p>
@@ -2744,6 +2596,7 @@
               <a:rPr lang="zh-CN" altLang="en-US" smtClean="0"/>
               <a:t>单击此处编辑母版文本样式</a:t>
             </a:r>
+            <a:endParaRPr lang="zh-CN" altLang="en-US" smtClean="0"/>
           </a:p>
           <a:p>
             <a:pPr lvl="1"/>
@@ -2751,6 +2604,7 @@
               <a:rPr lang="zh-CN" altLang="en-US" smtClean="0"/>
               <a:t>第二级</a:t>
             </a:r>
+            <a:endParaRPr lang="zh-CN" altLang="en-US" smtClean="0"/>
           </a:p>
           <a:p>
             <a:pPr lvl="2"/>
@@ -2758,6 +2612,7 @@
               <a:rPr lang="zh-CN" altLang="en-US" smtClean="0"/>
               <a:t>第三级</a:t>
             </a:r>
+            <a:endParaRPr lang="zh-CN" altLang="en-US" smtClean="0"/>
           </a:p>
           <a:p>
             <a:pPr lvl="3"/>
@@ -2765,6 +2620,7 @@
               <a:rPr lang="zh-CN" altLang="en-US" smtClean="0"/>
               <a:t>第四级</a:t>
             </a:r>
+            <a:endParaRPr lang="zh-CN" altLang="en-US" smtClean="0"/>
           </a:p>
           <a:p>
             <a:pPr lvl="4"/>
@@ -2793,7 +2649,6 @@
           <a:p>
             <a:fld id="{530820CF-B880-4189-942D-D702A7CBA730}" type="datetimeFigureOut">
               <a:rPr lang="zh-CN" altLang="en-US" smtClean="0"/>
-              <a:t>2018/7/4</a:t>
             </a:fld>
             <a:endParaRPr lang="zh-CN" altLang="en-US"/>
           </a:p>
@@ -2835,7 +2690,6 @@
           <a:p>
             <a:fld id="{0C913308-F349-4B6D-A68A-DD1791B4A57B}" type="slidenum">
               <a:rPr lang="zh-CN" altLang="en-US" smtClean="0"/>
-              <a:t>‹#›</a:t>
             </a:fld>
             <a:endParaRPr lang="zh-CN" altLang="en-US"/>
           </a:p>
@@ -2867,22 +2721,17 @@
         </a:xfrm>
       </p:grpSpPr>
     </p:spTree>
-    <p:extLst>
-      <p:ext uri="{BB962C8B-B14F-4D97-AF65-F5344CB8AC3E}">
-        <p14:creationId xmlns:p14="http://schemas.microsoft.com/office/powerpoint/2010/main" val="3604112298"/>
-      </p:ext>
-    </p:extLst>
   </p:cSld>
   <p:clrMapOvr>
     <a:masterClrMapping/>
   </p:clrMapOvr>
-  <mc:AlternateContent xmlns:mc="http://schemas.openxmlformats.org/markup-compatibility/2006" xmlns:p14="http://schemas.microsoft.com/office/powerpoint/2010/main">
-    <mc:Choice Requires="p14">
+  <mc:AlternateContent xmlns:mc="http://schemas.openxmlformats.org/markup-compatibility/2006">
+    <mc:Choice xmlns:p14="http://schemas.microsoft.com/office/powerpoint/2010/main" Requires="p14">
       <p:transition p14:dur="10" advTm="0">
         <p:random/>
       </p:transition>
     </mc:Choice>
-    <mc:Fallback xmlns="">
+    <mc:Fallback>
       <p:transition advTm="0">
         <p:random/>
       </p:transition>
@@ -2958,6 +2807,7 @@
               <a:rPr lang="zh-CN" altLang="en-US" smtClean="0"/>
               <a:t>单击此处编辑母版文本样式</a:t>
             </a:r>
+            <a:endParaRPr lang="zh-CN" altLang="en-US" smtClean="0"/>
           </a:p>
           <a:p>
             <a:pPr lvl="1"/>
@@ -2965,6 +2815,7 @@
               <a:rPr lang="zh-CN" altLang="en-US" smtClean="0"/>
               <a:t>第二级</a:t>
             </a:r>
+            <a:endParaRPr lang="zh-CN" altLang="en-US" smtClean="0"/>
           </a:p>
           <a:p>
             <a:pPr lvl="2"/>
@@ -2972,6 +2823,7 @@
               <a:rPr lang="zh-CN" altLang="en-US" smtClean="0"/>
               <a:t>第三级</a:t>
             </a:r>
+            <a:endParaRPr lang="zh-CN" altLang="en-US" smtClean="0"/>
           </a:p>
           <a:p>
             <a:pPr lvl="3"/>
@@ -2979,6 +2831,7 @@
               <a:rPr lang="zh-CN" altLang="en-US" smtClean="0"/>
               <a:t>第四级</a:t>
             </a:r>
+            <a:endParaRPr lang="zh-CN" altLang="en-US" smtClean="0"/>
           </a:p>
           <a:p>
             <a:pPr lvl="4"/>
@@ -3007,7 +2860,6 @@
           <a:p>
             <a:fld id="{530820CF-B880-4189-942D-D702A7CBA730}" type="datetimeFigureOut">
               <a:rPr lang="zh-CN" altLang="en-US" smtClean="0"/>
-              <a:t>2018/7/4</a:t>
             </a:fld>
             <a:endParaRPr lang="zh-CN" altLang="en-US"/>
           </a:p>
@@ -3049,7 +2901,6 @@
           <a:p>
             <a:fld id="{0C913308-F349-4B6D-A68A-DD1791B4A57B}" type="slidenum">
               <a:rPr lang="zh-CN" altLang="en-US" smtClean="0"/>
-              <a:t>‹#›</a:t>
             </a:fld>
             <a:endParaRPr lang="zh-CN" altLang="en-US"/>
           </a:p>
@@ -3228,6 +3079,7 @@
               <a:rPr lang="zh-CN" altLang="en-US" smtClean="0"/>
               <a:t>单击此处编辑母版文本样式</a:t>
             </a:r>
+            <a:endParaRPr lang="zh-CN" altLang="en-US" smtClean="0"/>
           </a:p>
         </p:txBody>
       </p:sp>
@@ -3248,7 +3100,6 @@
           <a:p>
             <a:fld id="{530820CF-B880-4189-942D-D702A7CBA730}" type="datetimeFigureOut">
               <a:rPr lang="zh-CN" altLang="en-US" smtClean="0"/>
-              <a:t>2018/7/4</a:t>
             </a:fld>
             <a:endParaRPr lang="zh-CN" altLang="en-US"/>
           </a:p>
@@ -3290,7 +3141,6 @@
           <a:p>
             <a:fld id="{0C913308-F349-4B6D-A68A-DD1791B4A57B}" type="slidenum">
               <a:rPr lang="zh-CN" altLang="en-US" smtClean="0"/>
-              <a:t>‹#›</a:t>
             </a:fld>
             <a:endParaRPr lang="zh-CN" altLang="en-US"/>
           </a:p>
@@ -3397,6 +3247,7 @@
               <a:rPr lang="zh-CN" altLang="en-US" smtClean="0"/>
               <a:t>单击此处编辑母版文本样式</a:t>
             </a:r>
+            <a:endParaRPr lang="zh-CN" altLang="en-US" smtClean="0"/>
           </a:p>
           <a:p>
             <a:pPr lvl="1"/>
@@ -3404,6 +3255,7 @@
               <a:rPr lang="zh-CN" altLang="en-US" smtClean="0"/>
               <a:t>第二级</a:t>
             </a:r>
+            <a:endParaRPr lang="zh-CN" altLang="en-US" smtClean="0"/>
           </a:p>
           <a:p>
             <a:pPr lvl="2"/>
@@ -3411,6 +3263,7 @@
               <a:rPr lang="zh-CN" altLang="en-US" smtClean="0"/>
               <a:t>第三级</a:t>
             </a:r>
+            <a:endParaRPr lang="zh-CN" altLang="en-US" smtClean="0"/>
           </a:p>
           <a:p>
             <a:pPr lvl="3"/>
@@ -3418,6 +3271,7 @@
               <a:rPr lang="zh-CN" altLang="en-US" smtClean="0"/>
               <a:t>第四级</a:t>
             </a:r>
+            <a:endParaRPr lang="zh-CN" altLang="en-US" smtClean="0"/>
           </a:p>
           <a:p>
             <a:pPr lvl="4"/>
@@ -3482,6 +3336,7 @@
               <a:rPr lang="zh-CN" altLang="en-US" smtClean="0"/>
               <a:t>单击此处编辑母版文本样式</a:t>
             </a:r>
+            <a:endParaRPr lang="zh-CN" altLang="en-US" smtClean="0"/>
           </a:p>
           <a:p>
             <a:pPr lvl="1"/>
@@ -3489,6 +3344,7 @@
               <a:rPr lang="zh-CN" altLang="en-US" smtClean="0"/>
               <a:t>第二级</a:t>
             </a:r>
+            <a:endParaRPr lang="zh-CN" altLang="en-US" smtClean="0"/>
           </a:p>
           <a:p>
             <a:pPr lvl="2"/>
@@ -3496,6 +3352,7 @@
               <a:rPr lang="zh-CN" altLang="en-US" smtClean="0"/>
               <a:t>第三级</a:t>
             </a:r>
+            <a:endParaRPr lang="zh-CN" altLang="en-US" smtClean="0"/>
           </a:p>
           <a:p>
             <a:pPr lvl="3"/>
@@ -3503,6 +3360,7 @@
               <a:rPr lang="zh-CN" altLang="en-US" smtClean="0"/>
               <a:t>第四级</a:t>
             </a:r>
+            <a:endParaRPr lang="zh-CN" altLang="en-US" smtClean="0"/>
           </a:p>
           <a:p>
             <a:pPr lvl="4"/>
@@ -3531,7 +3389,6 @@
           <a:p>
             <a:fld id="{530820CF-B880-4189-942D-D702A7CBA730}" type="datetimeFigureOut">
               <a:rPr lang="zh-CN" altLang="en-US" smtClean="0"/>
-              <a:t>2018/7/4</a:t>
             </a:fld>
             <a:endParaRPr lang="zh-CN" altLang="en-US"/>
           </a:p>
@@ -3573,7 +3430,6 @@
           <a:p>
             <a:fld id="{0C913308-F349-4B6D-A68A-DD1791B4A57B}" type="slidenum">
               <a:rPr lang="zh-CN" altLang="en-US" smtClean="0"/>
-              <a:t>‹#›</a:t>
             </a:fld>
             <a:endParaRPr lang="zh-CN" altLang="en-US"/>
           </a:p>
@@ -3693,6 +3549,7 @@
               <a:rPr lang="zh-CN" altLang="en-US" smtClean="0"/>
               <a:t>单击此处编辑母版文本样式</a:t>
             </a:r>
+            <a:endParaRPr lang="zh-CN" altLang="en-US" smtClean="0"/>
           </a:p>
         </p:txBody>
       </p:sp>
@@ -3749,6 +3606,7 @@
               <a:rPr lang="zh-CN" altLang="en-US" smtClean="0"/>
               <a:t>单击此处编辑母版文本样式</a:t>
             </a:r>
+            <a:endParaRPr lang="zh-CN" altLang="en-US" smtClean="0"/>
           </a:p>
           <a:p>
             <a:pPr lvl="1"/>
@@ -3756,6 +3614,7 @@
               <a:rPr lang="zh-CN" altLang="en-US" smtClean="0"/>
               <a:t>第二级</a:t>
             </a:r>
+            <a:endParaRPr lang="zh-CN" altLang="en-US" smtClean="0"/>
           </a:p>
           <a:p>
             <a:pPr lvl="2"/>
@@ -3763,6 +3622,7 @@
               <a:rPr lang="zh-CN" altLang="en-US" smtClean="0"/>
               <a:t>第三级</a:t>
             </a:r>
+            <a:endParaRPr lang="zh-CN" altLang="en-US" smtClean="0"/>
           </a:p>
           <a:p>
             <a:pPr lvl="3"/>
@@ -3770,6 +3630,7 @@
               <a:rPr lang="zh-CN" altLang="en-US" smtClean="0"/>
               <a:t>第四级</a:t>
             </a:r>
+            <a:endParaRPr lang="zh-CN" altLang="en-US" smtClean="0"/>
           </a:p>
           <a:p>
             <a:pPr lvl="4"/>
@@ -3843,6 +3704,7 @@
               <a:rPr lang="zh-CN" altLang="en-US" smtClean="0"/>
               <a:t>单击此处编辑母版文本样式</a:t>
             </a:r>
+            <a:endParaRPr lang="zh-CN" altLang="en-US" smtClean="0"/>
           </a:p>
         </p:txBody>
       </p:sp>
@@ -3899,6 +3761,7 @@
               <a:rPr lang="zh-CN" altLang="en-US" smtClean="0"/>
               <a:t>单击此处编辑母版文本样式</a:t>
             </a:r>
+            <a:endParaRPr lang="zh-CN" altLang="en-US" smtClean="0"/>
           </a:p>
           <a:p>
             <a:pPr lvl="1"/>
@@ -3906,6 +3769,7 @@
               <a:rPr lang="zh-CN" altLang="en-US" smtClean="0"/>
               <a:t>第二级</a:t>
             </a:r>
+            <a:endParaRPr lang="zh-CN" altLang="en-US" smtClean="0"/>
           </a:p>
           <a:p>
             <a:pPr lvl="2"/>
@@ -3913,6 +3777,7 @@
               <a:rPr lang="zh-CN" altLang="en-US" smtClean="0"/>
               <a:t>第三级</a:t>
             </a:r>
+            <a:endParaRPr lang="zh-CN" altLang="en-US" smtClean="0"/>
           </a:p>
           <a:p>
             <a:pPr lvl="3"/>
@@ -3920,6 +3785,7 @@
               <a:rPr lang="zh-CN" altLang="en-US" smtClean="0"/>
               <a:t>第四级</a:t>
             </a:r>
+            <a:endParaRPr lang="zh-CN" altLang="en-US" smtClean="0"/>
           </a:p>
           <a:p>
             <a:pPr lvl="4"/>
@@ -3948,7 +3814,6 @@
           <a:p>
             <a:fld id="{530820CF-B880-4189-942D-D702A7CBA730}" type="datetimeFigureOut">
               <a:rPr lang="zh-CN" altLang="en-US" smtClean="0"/>
-              <a:t>2018/7/4</a:t>
             </a:fld>
             <a:endParaRPr lang="zh-CN" altLang="en-US"/>
           </a:p>
@@ -3990,7 +3855,6 @@
           <a:p>
             <a:fld id="{0C913308-F349-4B6D-A68A-DD1791B4A57B}" type="slidenum">
               <a:rPr lang="zh-CN" altLang="en-US" smtClean="0"/>
-              <a:t>‹#›</a:t>
             </a:fld>
             <a:endParaRPr lang="zh-CN" altLang="en-US"/>
           </a:p>
@@ -4061,7 +3925,6 @@
           <a:p>
             <a:fld id="{530820CF-B880-4189-942D-D702A7CBA730}" type="datetimeFigureOut">
               <a:rPr lang="zh-CN" altLang="en-US" smtClean="0"/>
-              <a:t>2018/7/4</a:t>
             </a:fld>
             <a:endParaRPr lang="zh-CN" altLang="en-US"/>
           </a:p>
@@ -4103,7 +3966,6 @@
           <a:p>
             <a:fld id="{0C913308-F349-4B6D-A68A-DD1791B4A57B}" type="slidenum">
               <a:rPr lang="zh-CN" altLang="en-US" smtClean="0"/>
-              <a:t>‹#›</a:t>
             </a:fld>
             <a:endParaRPr lang="zh-CN" altLang="en-US"/>
           </a:p>
@@ -4151,7 +4013,6 @@
           <a:p>
             <a:fld id="{530820CF-B880-4189-942D-D702A7CBA730}" type="datetimeFigureOut">
               <a:rPr lang="zh-CN" altLang="en-US" smtClean="0"/>
-              <a:t>2018/7/4</a:t>
             </a:fld>
             <a:endParaRPr lang="zh-CN" altLang="en-US"/>
           </a:p>
@@ -4193,7 +4054,6 @@
           <a:p>
             <a:fld id="{0C913308-F349-4B6D-A68A-DD1791B4A57B}" type="slidenum">
               <a:rPr lang="zh-CN" altLang="en-US" smtClean="0"/>
-              <a:t>‹#›</a:t>
             </a:fld>
             <a:endParaRPr lang="zh-CN" altLang="en-US"/>
           </a:p>
@@ -4316,6 +4176,7 @@
               <a:rPr lang="zh-CN" altLang="en-US" smtClean="0"/>
               <a:t>单击此处编辑母版文本样式</a:t>
             </a:r>
+            <a:endParaRPr lang="zh-CN" altLang="en-US" smtClean="0"/>
           </a:p>
           <a:p>
             <a:pPr lvl="1"/>
@@ -4323,6 +4184,7 @@
               <a:rPr lang="zh-CN" altLang="en-US" smtClean="0"/>
               <a:t>第二级</a:t>
             </a:r>
+            <a:endParaRPr lang="zh-CN" altLang="en-US" smtClean="0"/>
           </a:p>
           <a:p>
             <a:pPr lvl="2"/>
@@ -4330,6 +4192,7 @@
               <a:rPr lang="zh-CN" altLang="en-US" smtClean="0"/>
               <a:t>第三级</a:t>
             </a:r>
+            <a:endParaRPr lang="zh-CN" altLang="en-US" smtClean="0"/>
           </a:p>
           <a:p>
             <a:pPr lvl="3"/>
@@ -4337,6 +4200,7 @@
               <a:rPr lang="zh-CN" altLang="en-US" smtClean="0"/>
               <a:t>第四级</a:t>
             </a:r>
+            <a:endParaRPr lang="zh-CN" altLang="en-US" smtClean="0"/>
           </a:p>
           <a:p>
             <a:pPr lvl="4"/>
@@ -4410,6 +4274,7 @@
               <a:rPr lang="zh-CN" altLang="en-US" smtClean="0"/>
               <a:t>单击此处编辑母版文本样式</a:t>
             </a:r>
+            <a:endParaRPr lang="zh-CN" altLang="en-US" smtClean="0"/>
           </a:p>
         </p:txBody>
       </p:sp>
@@ -4430,7 +4295,6 @@
           <a:p>
             <a:fld id="{530820CF-B880-4189-942D-D702A7CBA730}" type="datetimeFigureOut">
               <a:rPr lang="zh-CN" altLang="en-US" smtClean="0"/>
-              <a:t>2018/7/4</a:t>
             </a:fld>
             <a:endParaRPr lang="zh-CN" altLang="en-US"/>
           </a:p>
@@ -4472,7 +4336,6 @@
           <a:p>
             <a:fld id="{0C913308-F349-4B6D-A68A-DD1791B4A57B}" type="slidenum">
               <a:rPr lang="zh-CN" altLang="en-US" smtClean="0"/>
-              <a:t>‹#›</a:t>
             </a:fld>
             <a:endParaRPr lang="zh-CN" altLang="en-US"/>
           </a:p>
@@ -4658,6 +4521,7 @@
               <a:rPr lang="zh-CN" altLang="en-US" smtClean="0"/>
               <a:t>单击此处编辑母版文本样式</a:t>
             </a:r>
+            <a:endParaRPr lang="zh-CN" altLang="en-US" smtClean="0"/>
           </a:p>
         </p:txBody>
       </p:sp>
@@ -4678,7 +4542,6 @@
           <a:p>
             <a:fld id="{530820CF-B880-4189-942D-D702A7CBA730}" type="datetimeFigureOut">
               <a:rPr lang="zh-CN" altLang="en-US" smtClean="0"/>
-              <a:t>2018/7/4</a:t>
             </a:fld>
             <a:endParaRPr lang="zh-CN" altLang="en-US"/>
           </a:p>
@@ -4720,7 +4583,6 @@
           <a:p>
             <a:fld id="{0C913308-F349-4B6D-A68A-DD1791B4A57B}" type="slidenum">
               <a:rPr lang="zh-CN" altLang="en-US" smtClean="0"/>
-              <a:t>‹#›</a:t>
             </a:fld>
             <a:endParaRPr lang="zh-CN" altLang="en-US"/>
           </a:p>
@@ -4834,6 +4696,11 @@
               </a:rPr>
               <a:t>www.1ppt.com/hangye/ </a:t>
             </a:r>
+            <a:endParaRPr lang="en-US" altLang="zh-CN" sz="100" dirty="0">
+              <a:solidFill>
+                <a:schemeClr val="bg1"/>
+              </a:solidFill>
+            </a:endParaRPr>
           </a:p>
           <a:p>
             <a:pPr lvl="0"/>
@@ -4885,6 +4752,11 @@
               </a:rPr>
               <a:t>www.1ppt.com/sucai/</a:t>
             </a:r>
+            <a:endParaRPr lang="en-US" altLang="zh-CN" sz="100" dirty="0">
+              <a:solidFill>
+                <a:schemeClr val="bg1"/>
+              </a:solidFill>
+            </a:endParaRPr>
           </a:p>
           <a:p>
             <a:pPr lvl="0"/>
@@ -4928,6 +4800,11 @@
               </a:rPr>
               <a:t>www.1ppt.com/tubiao/      </a:t>
             </a:r>
+            <a:endParaRPr lang="en-US" altLang="zh-CN" sz="100" dirty="0">
+              <a:solidFill>
+                <a:schemeClr val="bg1"/>
+              </a:solidFill>
+            </a:endParaRPr>
           </a:p>
           <a:p>
             <a:pPr lvl="0"/>
@@ -4979,6 +4856,11 @@
               </a:rPr>
               <a:t>www.1ppt.com/powerpoint/      </a:t>
             </a:r>
+            <a:endParaRPr lang="en-US" altLang="zh-CN" sz="100" dirty="0">
+              <a:solidFill>
+                <a:schemeClr val="bg1"/>
+              </a:solidFill>
+            </a:endParaRPr>
           </a:p>
           <a:p>
             <a:pPr lvl="0"/>
@@ -5022,6 +4904,11 @@
               </a:rPr>
               <a:t>www.1ppt.com/excel/  </a:t>
             </a:r>
+            <a:endParaRPr lang="en-US" altLang="zh-CN" sz="100" dirty="0">
+              <a:solidFill>
+                <a:schemeClr val="bg1"/>
+              </a:solidFill>
+            </a:endParaRPr>
           </a:p>
           <a:p>
             <a:pPr lvl="0"/>
@@ -5057,6 +4944,11 @@
               </a:rPr>
               <a:t>www.1ppt.com/kejian/ </a:t>
             </a:r>
+            <a:endParaRPr lang="en-US" altLang="zh-CN" sz="100" dirty="0">
+              <a:solidFill>
+                <a:schemeClr val="bg1"/>
+              </a:solidFill>
+            </a:endParaRPr>
           </a:p>
           <a:p>
             <a:pPr lvl="0"/>
@@ -5092,6 +4984,11 @@
               </a:rPr>
               <a:t>www.1ppt.com/shiti/  </a:t>
             </a:r>
+            <a:endParaRPr lang="en-US" altLang="zh-CN" sz="100" dirty="0">
+              <a:solidFill>
+                <a:schemeClr val="bg1"/>
+              </a:solidFill>
+            </a:endParaRPr>
           </a:p>
           <a:p>
             <a:pPr lvl="0"/>
@@ -5288,6 +5185,7 @@
               <a:rPr lang="zh-CN" altLang="en-US" dirty="0" smtClean="0"/>
               <a:t>单击此处编辑母版文本样式</a:t>
             </a:r>
+            <a:endParaRPr lang="zh-CN" altLang="en-US" dirty="0" smtClean="0"/>
           </a:p>
           <a:p>
             <a:pPr lvl="1"/>
@@ -5295,6 +5193,7 @@
               <a:rPr lang="zh-CN" altLang="en-US" dirty="0" smtClean="0"/>
               <a:t>第二级</a:t>
             </a:r>
+            <a:endParaRPr lang="zh-CN" altLang="en-US" dirty="0" smtClean="0"/>
           </a:p>
           <a:p>
             <a:pPr lvl="2"/>
@@ -5302,6 +5201,7 @@
               <a:rPr lang="zh-CN" altLang="en-US" dirty="0" smtClean="0"/>
               <a:t>第三级</a:t>
             </a:r>
+            <a:endParaRPr lang="zh-CN" altLang="en-US" dirty="0" smtClean="0"/>
           </a:p>
           <a:p>
             <a:pPr lvl="3"/>
@@ -5309,6 +5209,7 @@
               <a:rPr lang="zh-CN" altLang="en-US" dirty="0" smtClean="0"/>
               <a:t>第四级</a:t>
             </a:r>
+            <a:endParaRPr lang="zh-CN" altLang="en-US" dirty="0" smtClean="0"/>
           </a:p>
           <a:p>
             <a:pPr lvl="4"/>
@@ -5355,7 +5256,6 @@
           <a:p>
             <a:fld id="{530820CF-B880-4189-942D-D702A7CBA730}" type="datetimeFigureOut">
               <a:rPr lang="zh-CN" altLang="en-US" smtClean="0"/>
-              <a:t>2018/7/4</a:t>
             </a:fld>
             <a:endParaRPr lang="zh-CN" altLang="en-US"/>
           </a:p>
@@ -5433,7 +5333,6 @@
           <a:p>
             <a:fld id="{0C913308-F349-4B6D-A68A-DD1791B4A57B}" type="slidenum">
               <a:rPr lang="zh-CN" altLang="en-US" smtClean="0"/>
-              <a:t>‹#›</a:t>
             </a:fld>
             <a:endParaRPr lang="zh-CN" altLang="en-US"/>
           </a:p>
@@ -5474,8 +5373,8 @@
           <a:solidFill>
             <a:prstClr val="white"/>
           </a:solidFill>
-          <a:latin typeface="微软雅黑" pitchFamily="34" charset="-122"/>
-          <a:ea typeface="微软雅黑" pitchFamily="34" charset="-122"/>
+          <a:latin typeface="微软雅黑" panose="020B0503020204020204" pitchFamily="34" charset="-122"/>
+          <a:ea typeface="微软雅黑" panose="020B0503020204020204" pitchFamily="34" charset="-122"/>
           <a:cs typeface="+mn-cs"/>
         </a:defRPr>
       </a:lvl1pPr>
@@ -5485,14 +5384,14 @@
         <a:spcBef>
           <a:spcPct val="20000"/>
         </a:spcBef>
-        <a:buFont typeface="Arial" pitchFamily="34" charset="0"/>
+        <a:buFont typeface="Arial" panose="020B0604020202020204" pitchFamily="34" charset="0"/>
         <a:buChar char="•"/>
         <a:defRPr sz="2000" kern="1200">
           <a:solidFill>
             <a:schemeClr val="bg1"/>
           </a:solidFill>
-          <a:latin typeface="微软雅黑" pitchFamily="34" charset="-122"/>
-          <a:ea typeface="微软雅黑" pitchFamily="34" charset="-122"/>
+          <a:latin typeface="微软雅黑" panose="020B0503020204020204" pitchFamily="34" charset="-122"/>
+          <a:ea typeface="微软雅黑" panose="020B0503020204020204" pitchFamily="34" charset="-122"/>
           <a:cs typeface="+mn-cs"/>
         </a:defRPr>
       </a:lvl1pPr>
@@ -5500,14 +5399,14 @@
         <a:spcBef>
           <a:spcPct val="20000"/>
         </a:spcBef>
-        <a:buFont typeface="Arial" pitchFamily="34" charset="0"/>
+        <a:buFont typeface="Arial" panose="020B0604020202020204" pitchFamily="34" charset="0"/>
         <a:buChar char="–"/>
         <a:defRPr sz="1800" kern="1200">
           <a:solidFill>
             <a:schemeClr val="bg1"/>
           </a:solidFill>
-          <a:latin typeface="微软雅黑" pitchFamily="34" charset="-122"/>
-          <a:ea typeface="微软雅黑" pitchFamily="34" charset="-122"/>
+          <a:latin typeface="微软雅黑" panose="020B0503020204020204" pitchFamily="34" charset="-122"/>
+          <a:ea typeface="微软雅黑" panose="020B0503020204020204" pitchFamily="34" charset="-122"/>
           <a:cs typeface="+mn-cs"/>
         </a:defRPr>
       </a:lvl2pPr>
@@ -5515,14 +5414,14 @@
         <a:spcBef>
           <a:spcPct val="20000"/>
         </a:spcBef>
-        <a:buFont typeface="Arial" pitchFamily="34" charset="0"/>
+        <a:buFont typeface="Arial" panose="020B0604020202020204" pitchFamily="34" charset="0"/>
         <a:buChar char="•"/>
         <a:defRPr sz="1600" kern="1200">
           <a:solidFill>
             <a:schemeClr val="bg1"/>
           </a:solidFill>
-          <a:latin typeface="微软雅黑" pitchFamily="34" charset="-122"/>
-          <a:ea typeface="微软雅黑" pitchFamily="34" charset="-122"/>
+          <a:latin typeface="微软雅黑" panose="020B0503020204020204" pitchFamily="34" charset="-122"/>
+          <a:ea typeface="微软雅黑" panose="020B0503020204020204" pitchFamily="34" charset="-122"/>
           <a:cs typeface="+mn-cs"/>
         </a:defRPr>
       </a:lvl3pPr>
@@ -5530,14 +5429,14 @@
         <a:spcBef>
           <a:spcPct val="20000"/>
         </a:spcBef>
-        <a:buFont typeface="Arial" pitchFamily="34" charset="0"/>
+        <a:buFont typeface="Arial" panose="020B0604020202020204" pitchFamily="34" charset="0"/>
         <a:buChar char="–"/>
         <a:defRPr sz="1400" kern="1200">
           <a:solidFill>
             <a:schemeClr val="bg1"/>
           </a:solidFill>
-          <a:latin typeface="微软雅黑" pitchFamily="34" charset="-122"/>
-          <a:ea typeface="微软雅黑" pitchFamily="34" charset="-122"/>
+          <a:latin typeface="微软雅黑" panose="020B0503020204020204" pitchFamily="34" charset="-122"/>
+          <a:ea typeface="微软雅黑" panose="020B0503020204020204" pitchFamily="34" charset="-122"/>
           <a:cs typeface="+mn-cs"/>
         </a:defRPr>
       </a:lvl4pPr>
@@ -5545,14 +5444,14 @@
         <a:spcBef>
           <a:spcPct val="20000"/>
         </a:spcBef>
-        <a:buFont typeface="Arial" pitchFamily="34" charset="0"/>
+        <a:buFont typeface="Arial" panose="020B0604020202020204" pitchFamily="34" charset="0"/>
         <a:buChar char="»"/>
         <a:defRPr sz="1400" kern="1200">
           <a:solidFill>
             <a:schemeClr val="bg1"/>
           </a:solidFill>
-          <a:latin typeface="微软雅黑" pitchFamily="34" charset="-122"/>
-          <a:ea typeface="微软雅黑" pitchFamily="34" charset="-122"/>
+          <a:latin typeface="微软雅黑" panose="020B0503020204020204" pitchFamily="34" charset="-122"/>
+          <a:ea typeface="微软雅黑" panose="020B0503020204020204" pitchFamily="34" charset="-122"/>
           <a:cs typeface="+mn-cs"/>
         </a:defRPr>
       </a:lvl5pPr>
@@ -5560,7 +5459,7 @@
         <a:spcBef>
           <a:spcPct val="20000"/>
         </a:spcBef>
-        <a:buFont typeface="Arial" pitchFamily="34" charset="0"/>
+        <a:buFont typeface="Arial" panose="020B0604020202020204" pitchFamily="34" charset="0"/>
         <a:buChar char="•"/>
         <a:defRPr sz="2000" kern="1200">
           <a:solidFill>
@@ -5575,7 +5474,7 @@
         <a:spcBef>
           <a:spcPct val="20000"/>
         </a:spcBef>
-        <a:buFont typeface="Arial" pitchFamily="34" charset="0"/>
+        <a:buFont typeface="Arial" panose="020B0604020202020204" pitchFamily="34" charset="0"/>
         <a:buChar char="•"/>
         <a:defRPr sz="2000" kern="1200">
           <a:solidFill>
@@ -5590,7 +5489,7 @@
         <a:spcBef>
           <a:spcPct val="20000"/>
         </a:spcBef>
-        <a:buFont typeface="Arial" pitchFamily="34" charset="0"/>
+        <a:buFont typeface="Arial" panose="020B0604020202020204" pitchFamily="34" charset="0"/>
         <a:buChar char="•"/>
         <a:defRPr sz="2000" kern="1200">
           <a:solidFill>
@@ -5605,7 +5504,7 @@
         <a:spcBef>
           <a:spcPct val="20000"/>
         </a:spcBef>
-        <a:buFont typeface="Arial" pitchFamily="34" charset="0"/>
+        <a:buFont typeface="Arial" panose="020B0604020202020204" pitchFamily="34" charset="0"/>
         <a:buChar char="•"/>
         <a:defRPr sz="2000" kern="1200">
           <a:solidFill>
@@ -6857,13 +6756,7 @@
           <p:nvPr/>
         </p:nvPicPr>
         <p:blipFill>
-          <a:blip r:embed="rId3" cstate="screen">
-            <a:extLst>
-              <a:ext uri="{28A0092B-C50C-407E-A947-70E740481C1C}">
-                <a14:useLocalDpi xmlns:a14="http://schemas.microsoft.com/office/drawing/2010/main"/>
-              </a:ext>
-            </a:extLst>
-          </a:blip>
+          <a:blip r:embed="rId1" cstate="screen"/>
           <a:srcRect/>
           <a:stretch>
             <a:fillRect/>
@@ -6892,9 +6785,7 @@
       <p:sp>
         <p:nvSpPr>
           <p:cNvPr id="23" name="标题 1"/>
-          <p:cNvSpPr txBox="1">
-            <a:spLocks/>
-          </p:cNvSpPr>
+          <p:cNvSpPr txBox="1"/>
           <p:nvPr/>
         </p:nvSpPr>
         <p:spPr>
@@ -6929,8 +6820,8 @@
                     <a:fillToRect l="50000" t="50000" r="50000" b="50000"/>
                   </a:path>
                 </a:gradFill>
-                <a:latin typeface="微软雅黑" pitchFamily="34" charset="-122"/>
-                <a:ea typeface="微软雅黑" pitchFamily="34" charset="-122"/>
+                <a:latin typeface="微软雅黑" panose="020B0503020204020204" pitchFamily="34" charset="-122"/>
+                <a:ea typeface="微软雅黑" panose="020B0503020204020204" pitchFamily="34" charset="-122"/>
               </a:defRPr>
             </a:lvl1pPr>
           </a:lstStyle>
@@ -6951,9 +6842,7 @@
       <p:sp>
         <p:nvSpPr>
           <p:cNvPr id="24" name="副标题 2"/>
-          <p:cNvSpPr txBox="1">
-            <a:spLocks/>
-          </p:cNvSpPr>
+          <p:cNvSpPr txBox="1"/>
           <p:nvPr/>
         </p:nvSpPr>
         <p:spPr>
@@ -6974,7 +6863,7 @@
               <a:spcBef>
                 <a:spcPct val="20000"/>
               </a:spcBef>
-              <a:buFont typeface="Arial" pitchFamily="34" charset="0"/>
+              <a:buFont typeface="Arial" panose="020B0604020202020204" pitchFamily="34" charset="0"/>
               <a:buChar char="•"/>
               <a:defRPr sz="2000" kern="1200">
                 <a:solidFill>
@@ -6989,7 +6878,7 @@
               <a:spcBef>
                 <a:spcPct val="20000"/>
               </a:spcBef>
-              <a:buFont typeface="Arial" pitchFamily="34" charset="0"/>
+              <a:buFont typeface="Arial" panose="020B0604020202020204" pitchFamily="34" charset="0"/>
               <a:buChar char="–"/>
               <a:defRPr sz="1800" kern="1200">
                 <a:solidFill>
@@ -7004,7 +6893,7 @@
               <a:spcBef>
                 <a:spcPct val="20000"/>
               </a:spcBef>
-              <a:buFont typeface="Arial" pitchFamily="34" charset="0"/>
+              <a:buFont typeface="Arial" panose="020B0604020202020204" pitchFamily="34" charset="0"/>
               <a:buChar char="•"/>
               <a:defRPr sz="1600" kern="1200">
                 <a:solidFill>
@@ -7019,7 +6908,7 @@
               <a:spcBef>
                 <a:spcPct val="20000"/>
               </a:spcBef>
-              <a:buFont typeface="Arial" pitchFamily="34" charset="0"/>
+              <a:buFont typeface="Arial" panose="020B0604020202020204" pitchFamily="34" charset="0"/>
               <a:buChar char="–"/>
               <a:defRPr sz="1400" kern="1200">
                 <a:solidFill>
@@ -7034,7 +6923,7 @@
               <a:spcBef>
                 <a:spcPct val="20000"/>
               </a:spcBef>
-              <a:buFont typeface="Arial" pitchFamily="34" charset="0"/>
+              <a:buFont typeface="Arial" panose="020B0604020202020204" pitchFamily="34" charset="0"/>
               <a:buChar char="»"/>
               <a:defRPr sz="1400" kern="1200">
                 <a:solidFill>
@@ -7049,7 +6938,7 @@
               <a:spcBef>
                 <a:spcPct val="20000"/>
               </a:spcBef>
-              <a:buFont typeface="Arial" pitchFamily="34" charset="0"/>
+              <a:buFont typeface="Arial" panose="020B0604020202020204" pitchFamily="34" charset="0"/>
               <a:buChar char="•"/>
               <a:defRPr sz="2000" kern="1200">
                 <a:solidFill>
@@ -7064,7 +6953,7 @@
               <a:spcBef>
                 <a:spcPct val="20000"/>
               </a:spcBef>
-              <a:buFont typeface="Arial" pitchFamily="34" charset="0"/>
+              <a:buFont typeface="Arial" panose="020B0604020202020204" pitchFamily="34" charset="0"/>
               <a:buChar char="•"/>
               <a:defRPr sz="2000" kern="1200">
                 <a:solidFill>
@@ -7079,7 +6968,7 @@
               <a:spcBef>
                 <a:spcPct val="20000"/>
               </a:spcBef>
-              <a:buFont typeface="Arial" pitchFamily="34" charset="0"/>
+              <a:buFont typeface="Arial" panose="020B0604020202020204" pitchFamily="34" charset="0"/>
               <a:buChar char="•"/>
               <a:defRPr sz="2000" kern="1200">
                 <a:solidFill>
@@ -7094,7 +6983,7 @@
               <a:spcBef>
                 <a:spcPct val="20000"/>
               </a:spcBef>
-              <a:buFont typeface="Arial" pitchFamily="34" charset="0"/>
+              <a:buFont typeface="Arial" panose="020B0604020202020204" pitchFamily="34" charset="0"/>
               <a:buChar char="•"/>
               <a:defRPr sz="2000" kern="1200">
                 <a:solidFill>
@@ -7119,8 +7008,8 @@
                     <a:lumOff val="40000"/>
                   </a:schemeClr>
                 </a:solidFill>
-                <a:latin typeface="Verdana"/>
-                <a:ea typeface="微软雅黑"/>
+                <a:latin typeface="Verdana" panose="020B0604030504040204"/>
+                <a:ea typeface="微软雅黑" panose="020B0503020204020204" pitchFamily="34" charset="-122"/>
               </a:rPr>
               <a:t>2018/07/05</a:t>
             </a:r>
@@ -7131,29 +7020,27 @@
                   <a:lumOff val="40000"/>
                 </a:schemeClr>
               </a:solidFill>
-              <a:latin typeface="Verdana"/>
-              <a:ea typeface="微软雅黑"/>
+              <a:latin typeface="Verdana" panose="020B0604030504040204"/>
+              <a:ea typeface="微软雅黑" panose="020B0503020204020204" pitchFamily="34" charset="-122"/>
             </a:endParaRPr>
           </a:p>
         </p:txBody>
       </p:sp>
     </p:spTree>
-    <p:extLst>
-      <p:ext uri="{BB962C8B-B14F-4D97-AF65-F5344CB8AC3E}">
-        <p14:creationId xmlns:p14="http://schemas.microsoft.com/office/powerpoint/2010/main" val="6246886"/>
-      </p:ext>
-    </p:extLst>
+    <p:custDataLst>
+      <p:tags r:id="rId2"/>
+    </p:custDataLst>
   </p:cSld>
   <p:clrMapOvr>
     <a:masterClrMapping/>
   </p:clrMapOvr>
-  <mc:AlternateContent xmlns:mc="http://schemas.openxmlformats.org/markup-compatibility/2006" xmlns:p14="http://schemas.microsoft.com/office/powerpoint/2010/main">
-    <mc:Choice Requires="p14">
+  <mc:AlternateContent xmlns:mc="http://schemas.openxmlformats.org/markup-compatibility/2006">
+    <mc:Choice xmlns:p14="http://schemas.microsoft.com/office/powerpoint/2010/main" Requires="p14">
       <p:transition spd="med" p14:dur="700" advTm="5812">
         <p:fade/>
       </p:transition>
     </mc:Choice>
-    <mc:Fallback xmlns="">
+    <mc:Fallback>
       <p:transition spd="med" advTm="5812">
         <p:fade/>
       </p:transition>
@@ -7918,7 +7805,7 @@
                         <p:par>
                           <p:cTn id="45" fill="hold">
                             <p:stCondLst>
-                              <p:cond delay="1500"/>
+                              <p:cond delay="500"/>
                             </p:stCondLst>
                             <p:childTnLst>
                               <p:par>
@@ -8000,7 +7887,7 @@
                         <p:par>
                           <p:cTn id="50" fill="hold">
                             <p:stCondLst>
-                              <p:cond delay="2500"/>
+                              <p:cond delay="1500"/>
                             </p:stCondLst>
                             <p:childTnLst>
                               <p:par>
@@ -8326,8 +8213,8 @@
                     <a:fillToRect l="50000" t="50000" r="50000" b="50000"/>
                   </a:path>
                 </a:gradFill>
-                <a:latin typeface="微软雅黑" pitchFamily="34" charset="-122"/>
-                <a:ea typeface="微软雅黑" pitchFamily="34" charset="-122"/>
+                <a:latin typeface="微软雅黑" panose="020B0503020204020204" pitchFamily="34" charset="-122"/>
+                <a:ea typeface="微软雅黑" panose="020B0503020204020204" pitchFamily="34" charset="-122"/>
               </a:rPr>
               <a:t>成 员 项 目 分 配</a:t>
             </a:r>
@@ -8345,8 +8232,8 @@
                   <a:fillToRect l="50000" t="50000" r="50000" b="50000"/>
                 </a:path>
               </a:gradFill>
-              <a:latin typeface="微软雅黑" pitchFamily="34" charset="-122"/>
-              <a:ea typeface="微软雅黑" pitchFamily="34" charset="-122"/>
+              <a:latin typeface="微软雅黑" panose="020B0503020204020204" pitchFamily="34" charset="-122"/>
+              <a:ea typeface="微软雅黑" panose="020B0503020204020204" pitchFamily="34" charset="-122"/>
             </a:endParaRPr>
           </a:p>
         </p:txBody>
@@ -8417,8 +8304,8 @@
             <a:p>
               <a:pPr algn="ctr"/>
               <a:endParaRPr lang="zh-CN" altLang="en-US">
-                <a:latin typeface="微软雅黑" pitchFamily="34" charset="-122"/>
-                <a:ea typeface="微软雅黑" pitchFamily="34" charset="-122"/>
+                <a:latin typeface="微软雅黑" panose="020B0503020204020204" pitchFamily="34" charset="-122"/>
+                <a:ea typeface="微软雅黑" panose="020B0503020204020204" pitchFamily="34" charset="-122"/>
               </a:endParaRPr>
             </a:p>
           </p:txBody>
@@ -8460,8 +8347,8 @@
                     <a:fillToRect l="50000" t="50000" r="50000" b="50000"/>
                   </a:path>
                 </a:gradFill>
-                <a:latin typeface="微软雅黑" pitchFamily="34" charset="-122"/>
-                <a:ea typeface="微软雅黑" pitchFamily="34" charset="-122"/>
+                <a:latin typeface="微软雅黑" panose="020B0503020204020204" pitchFamily="34" charset="-122"/>
+                <a:ea typeface="微软雅黑" panose="020B0503020204020204" pitchFamily="34" charset="-122"/>
               </a:endParaRPr>
             </a:p>
             <a:p>
@@ -8481,8 +8368,8 @@
                       <a:fillToRect l="50000" t="50000" r="50000" b="50000"/>
                     </a:path>
                   </a:gradFill>
-                  <a:latin typeface="微软雅黑" pitchFamily="34" charset="-122"/>
-                  <a:ea typeface="微软雅黑" pitchFamily="34" charset="-122"/>
+                  <a:latin typeface="微软雅黑" panose="020B0503020204020204" pitchFamily="34" charset="-122"/>
+                  <a:ea typeface="微软雅黑" panose="020B0503020204020204" pitchFamily="34" charset="-122"/>
                 </a:rPr>
                 <a:t>修改密码</a:t>
               </a:r>
@@ -8500,8 +8387,8 @@
                     <a:fillToRect l="50000" t="50000" r="50000" b="50000"/>
                   </a:path>
                 </a:gradFill>
-                <a:latin typeface="微软雅黑" pitchFamily="34" charset="-122"/>
-                <a:ea typeface="微软雅黑" pitchFamily="34" charset="-122"/>
+                <a:latin typeface="微软雅黑" panose="020B0503020204020204" pitchFamily="34" charset="-122"/>
+                <a:ea typeface="微软雅黑" panose="020B0503020204020204" pitchFamily="34" charset="-122"/>
               </a:endParaRPr>
             </a:p>
           </p:txBody>
@@ -8573,8 +8460,8 @@
             <a:p>
               <a:pPr algn="ctr"/>
               <a:endParaRPr lang="zh-CN" altLang="en-US">
-                <a:latin typeface="微软雅黑" pitchFamily="34" charset="-122"/>
-                <a:ea typeface="微软雅黑" pitchFamily="34" charset="-122"/>
+                <a:latin typeface="微软雅黑" panose="020B0503020204020204" pitchFamily="34" charset="-122"/>
+                <a:ea typeface="微软雅黑" panose="020B0503020204020204" pitchFamily="34" charset="-122"/>
               </a:endParaRPr>
             </a:p>
           </p:txBody>
@@ -8617,8 +8504,8 @@
                       <a:fillToRect l="50000" t="50000" r="50000" b="50000"/>
                     </a:path>
                   </a:gradFill>
-                  <a:latin typeface="微软雅黑" pitchFamily="34" charset="-122"/>
-                  <a:ea typeface="微软雅黑" pitchFamily="34" charset="-122"/>
+                  <a:latin typeface="微软雅黑" panose="020B0503020204020204" pitchFamily="34" charset="-122"/>
+                  <a:ea typeface="微软雅黑" panose="020B0503020204020204" pitchFamily="34" charset="-122"/>
                 </a:rPr>
                 <a:t>短</a:t>
               </a:r>
@@ -8637,8 +8524,8 @@
                       <a:fillToRect l="50000" t="50000" r="50000" b="50000"/>
                     </a:path>
                   </a:gradFill>
-                  <a:latin typeface="微软雅黑" pitchFamily="34" charset="-122"/>
-                  <a:ea typeface="微软雅黑" pitchFamily="34" charset="-122"/>
+                  <a:latin typeface="微软雅黑" panose="020B0503020204020204" pitchFamily="34" charset="-122"/>
+                  <a:ea typeface="微软雅黑" panose="020B0503020204020204" pitchFamily="34" charset="-122"/>
                 </a:rPr>
                 <a:t>信校验</a:t>
               </a:r>
@@ -8656,8 +8543,8 @@
                     <a:fillToRect l="50000" t="50000" r="50000" b="50000"/>
                   </a:path>
                 </a:gradFill>
-                <a:latin typeface="微软雅黑" pitchFamily="34" charset="-122"/>
-                <a:ea typeface="微软雅黑" pitchFamily="34" charset="-122"/>
+                <a:latin typeface="微软雅黑" panose="020B0503020204020204" pitchFamily="34" charset="-122"/>
+                <a:ea typeface="微软雅黑" panose="020B0503020204020204" pitchFamily="34" charset="-122"/>
               </a:endParaRPr>
             </a:p>
           </p:txBody>
@@ -8729,8 +8616,8 @@
             <a:p>
               <a:pPr algn="ctr"/>
               <a:endParaRPr lang="zh-CN" altLang="en-US">
-                <a:latin typeface="微软雅黑" pitchFamily="34" charset="-122"/>
-                <a:ea typeface="微软雅黑" pitchFamily="34" charset="-122"/>
+                <a:latin typeface="微软雅黑" panose="020B0503020204020204" pitchFamily="34" charset="-122"/>
+                <a:ea typeface="微软雅黑" panose="020B0503020204020204" pitchFamily="34" charset="-122"/>
               </a:endParaRPr>
             </a:p>
           </p:txBody>
@@ -8773,8 +8660,8 @@
                       <a:fillToRect l="50000" t="50000" r="50000" b="50000"/>
                     </a:path>
                   </a:gradFill>
-                  <a:latin typeface="微软雅黑" pitchFamily="34" charset="-122"/>
-                  <a:ea typeface="微软雅黑" pitchFamily="34" charset="-122"/>
+                  <a:latin typeface="微软雅黑" panose="020B0503020204020204" pitchFamily="34" charset="-122"/>
+                  <a:ea typeface="微软雅黑" panose="020B0503020204020204" pitchFamily="34" charset="-122"/>
                 </a:rPr>
                 <a:t>图片校验</a:t>
               </a:r>
@@ -8792,8 +8679,8 @@
                     <a:fillToRect l="50000" t="50000" r="50000" b="50000"/>
                   </a:path>
                 </a:gradFill>
-                <a:latin typeface="微软雅黑" pitchFamily="34" charset="-122"/>
-                <a:ea typeface="微软雅黑" pitchFamily="34" charset="-122"/>
+                <a:latin typeface="微软雅黑" panose="020B0503020204020204" pitchFamily="34" charset="-122"/>
+                <a:ea typeface="微软雅黑" panose="020B0503020204020204" pitchFamily="34" charset="-122"/>
               </a:endParaRPr>
             </a:p>
           </p:txBody>
@@ -8858,9 +8745,6 @@
         </p:style>
         <p:txBody>
           <a:bodyPr rot="0" spcFirstLastPara="0" vertOverflow="overflow" horzOverflow="overflow" vert="horz" wrap="square" lIns="91440" tIns="45720" rIns="91440" bIns="45720" numCol="1" spcCol="0" rtlCol="0" fromWordArt="0" anchor="ctr" anchorCtr="0" forceAA="0" compatLnSpc="1">
-            <a:prstTxWarp prst="textNoShape">
-              <a:avLst/>
-            </a:prstTxWarp>
             <a:noAutofit/>
           </a:bodyPr>
           <a:lstStyle/>
@@ -8870,8 +8754,8 @@
               <a:solidFill>
                 <a:srgbClr val="07405E"/>
               </a:solidFill>
-              <a:latin typeface="微软雅黑" pitchFamily="34" charset="-122"/>
-              <a:ea typeface="微软雅黑" pitchFamily="34" charset="-122"/>
+              <a:latin typeface="微软雅黑" panose="020B0503020204020204" pitchFamily="34" charset="-122"/>
+              <a:ea typeface="微软雅黑" panose="020B0503020204020204" pitchFamily="34" charset="-122"/>
             </a:endParaRPr>
           </a:p>
         </p:txBody>
@@ -8935,9 +8819,6 @@
         </p:style>
         <p:txBody>
           <a:bodyPr rot="0" spcFirstLastPara="0" vertOverflow="overflow" horzOverflow="overflow" vert="horz" wrap="square" lIns="91440" tIns="45720" rIns="91440" bIns="45720" numCol="1" spcCol="0" rtlCol="0" fromWordArt="0" anchor="ctr" anchorCtr="0" forceAA="0" compatLnSpc="1">
-            <a:prstTxWarp prst="textNoShape">
-              <a:avLst/>
-            </a:prstTxWarp>
             <a:noAutofit/>
           </a:bodyPr>
           <a:lstStyle/>
@@ -8947,8 +8828,8 @@
               <a:solidFill>
                 <a:srgbClr val="07405E"/>
               </a:solidFill>
-              <a:latin typeface="微软雅黑" pitchFamily="34" charset="-122"/>
-              <a:ea typeface="微软雅黑" pitchFamily="34" charset="-122"/>
+              <a:latin typeface="微软雅黑" panose="020B0503020204020204" pitchFamily="34" charset="-122"/>
+              <a:ea typeface="微软雅黑" panose="020B0503020204020204" pitchFamily="34" charset="-122"/>
             </a:endParaRPr>
           </a:p>
         </p:txBody>
@@ -9012,9 +8893,6 @@
         </p:style>
         <p:txBody>
           <a:bodyPr rot="0" spcFirstLastPara="0" vertOverflow="overflow" horzOverflow="overflow" vert="horz" wrap="square" lIns="91440" tIns="45720" rIns="91440" bIns="45720" numCol="1" spcCol="0" rtlCol="0" fromWordArt="0" anchor="ctr" anchorCtr="0" forceAA="0" compatLnSpc="1">
-            <a:prstTxWarp prst="textNoShape">
-              <a:avLst/>
-            </a:prstTxWarp>
             <a:noAutofit/>
           </a:bodyPr>
           <a:lstStyle/>
@@ -9024,8 +8902,8 @@
               <a:solidFill>
                 <a:srgbClr val="07405E"/>
               </a:solidFill>
-              <a:latin typeface="微软雅黑" pitchFamily="34" charset="-122"/>
-              <a:ea typeface="微软雅黑" pitchFamily="34" charset="-122"/>
+              <a:latin typeface="微软雅黑" panose="020B0503020204020204" pitchFamily="34" charset="-122"/>
+              <a:ea typeface="微软雅黑" panose="020B0503020204020204" pitchFamily="34" charset="-122"/>
             </a:endParaRPr>
           </a:p>
         </p:txBody>
@@ -9066,8 +8944,8 @@
                     <a:fillToRect l="50000" t="50000" r="50000" b="50000"/>
                   </a:path>
                 </a:gradFill>
-                <a:latin typeface="微软雅黑" pitchFamily="34" charset="-122"/>
-                <a:ea typeface="微软雅黑" pitchFamily="34" charset="-122"/>
+                <a:latin typeface="微软雅黑" panose="020B0503020204020204" pitchFamily="34" charset="-122"/>
+                <a:ea typeface="微软雅黑" panose="020B0503020204020204" pitchFamily="34" charset="-122"/>
               </a:rPr>
               <a:t>----------</a:t>
             </a:r>
@@ -9086,8 +8964,8 @@
                     <a:fillToRect l="50000" t="50000" r="50000" b="50000"/>
                   </a:path>
                 </a:gradFill>
-                <a:latin typeface="微软雅黑" pitchFamily="34" charset="-122"/>
-                <a:ea typeface="微软雅黑" pitchFamily="34" charset="-122"/>
+                <a:latin typeface="微软雅黑" panose="020B0503020204020204" pitchFamily="34" charset="-122"/>
+                <a:ea typeface="微软雅黑" panose="020B0503020204020204" pitchFamily="34" charset="-122"/>
               </a:rPr>
               <a:t>刘 倩</a:t>
             </a:r>
@@ -9105,90 +8983,24 @@
                   <a:fillToRect l="50000" t="50000" r="50000" b="50000"/>
                 </a:path>
               </a:gradFill>
-              <a:latin typeface="微软雅黑" pitchFamily="34" charset="-122"/>
-              <a:ea typeface="微软雅黑" pitchFamily="34" charset="-122"/>
-            </a:endParaRPr>
-          </a:p>
-        </p:txBody>
-      </p:sp>
-      <p:sp>
-        <p:nvSpPr>
-          <p:cNvPr id="16" name="矩形 15"/>
-          <p:cNvSpPr/>
-          <p:nvPr/>
-        </p:nvSpPr>
-        <p:spPr>
-          <a:xfrm>
-            <a:off x="5080337" y="3244334"/>
-            <a:ext cx="2031325" cy="369332"/>
-          </a:xfrm>
-          <a:prstGeom prst="rect">
-            <a:avLst/>
-          </a:prstGeom>
-        </p:spPr>
-        <p:txBody>
-          <a:bodyPr wrap="none">
-            <a:spAutoFit/>
-          </a:bodyPr>
-          <a:lstStyle/>
-          <a:p>
-            <a:r>
-              <a:rPr lang="zh-CN" altLang="en-US" b="1" u="sng" dirty="0">
-                <a:gradFill>
-                  <a:gsLst>
-                    <a:gs pos="100000">
-                      <a:srgbClr val="398EB6"/>
-                    </a:gs>
-                    <a:gs pos="0">
-                      <a:srgbClr val="B4DAF1"/>
-                    </a:gs>
-                  </a:gsLst>
-                  <a:path path="circle">
-                    <a:fillToRect l="50000" t="50000" r="50000" b="50000"/>
-                  </a:path>
-                </a:gradFill>
-                <a:latin typeface="微软雅黑" pitchFamily="34" charset="-122"/>
-                <a:ea typeface="微软雅黑" pitchFamily="34" charset="-122"/>
-              </a:rPr>
-              <a:t>成员分配所遇难题</a:t>
-            </a:r>
-            <a:endParaRPr lang="zh-CN" altLang="en-US" b="1" u="sng" dirty="0">
-              <a:gradFill>
-                <a:gsLst>
-                  <a:gs pos="100000">
-                    <a:srgbClr val="398EB6"/>
-                  </a:gs>
-                  <a:gs pos="0">
-                    <a:srgbClr val="B4DAF1"/>
-                  </a:gs>
-                </a:gsLst>
-                <a:path path="circle">
-                  <a:fillToRect l="50000" t="50000" r="50000" b="50000"/>
-                </a:path>
-              </a:gradFill>
-              <a:latin typeface="微软雅黑" pitchFamily="34" charset="-122"/>
-              <a:ea typeface="微软雅黑" pitchFamily="34" charset="-122"/>
+              <a:latin typeface="微软雅黑" panose="020B0503020204020204" pitchFamily="34" charset="-122"/>
+              <a:ea typeface="微软雅黑" panose="020B0503020204020204" pitchFamily="34" charset="-122"/>
             </a:endParaRPr>
           </a:p>
         </p:txBody>
       </p:sp>
     </p:spTree>
-    <p:extLst>
-      <p:ext uri="{BB962C8B-B14F-4D97-AF65-F5344CB8AC3E}">
-        <p14:creationId xmlns:p14="http://schemas.microsoft.com/office/powerpoint/2010/main" val="1895356009"/>
-      </p:ext>
-    </p:extLst>
   </p:cSld>
   <p:clrMapOvr>
     <a:masterClrMapping/>
   </p:clrMapOvr>
-  <mc:AlternateContent xmlns:mc="http://schemas.openxmlformats.org/markup-compatibility/2006" xmlns:p14="http://schemas.microsoft.com/office/powerpoint/2010/main">
-    <mc:Choice Requires="p14">
+  <mc:AlternateContent xmlns:mc="http://schemas.openxmlformats.org/markup-compatibility/2006">
+    <mc:Choice xmlns:p14="http://schemas.microsoft.com/office/powerpoint/2010/main" Requires="p14">
       <p:transition spd="slow" p14:dur="2000" advTm="3532">
-        <p14:reveal dir="r"/>
+        <p14:reveal thruBlk="1"/>
       </p:transition>
     </mc:Choice>
-    <mc:Fallback xmlns="">
+    <mc:Fallback>
       <p:transition spd="slow" advTm="3532">
         <p:fade/>
       </p:transition>
@@ -9561,8 +9373,8 @@
                     <a:fillToRect l="50000" t="50000" r="50000" b="50000"/>
                   </a:path>
                 </a:gradFill>
-                <a:latin typeface="微软雅黑" pitchFamily="34" charset="-122"/>
-                <a:ea typeface="微软雅黑" pitchFamily="34" charset="-122"/>
+                <a:latin typeface="微软雅黑" panose="020B0503020204020204" pitchFamily="34" charset="-122"/>
+                <a:ea typeface="微软雅黑" panose="020B0503020204020204" pitchFamily="34" charset="-122"/>
               </a:rPr>
               <a:t>成 员 项 目 分 配</a:t>
             </a:r>
@@ -9580,8 +9392,8 @@
                   <a:fillToRect l="50000" t="50000" r="50000" b="50000"/>
                 </a:path>
               </a:gradFill>
-              <a:latin typeface="微软雅黑" pitchFamily="34" charset="-122"/>
-              <a:ea typeface="微软雅黑" pitchFamily="34" charset="-122"/>
+              <a:latin typeface="微软雅黑" panose="020B0503020204020204" pitchFamily="34" charset="-122"/>
+              <a:ea typeface="微软雅黑" panose="020B0503020204020204" pitchFamily="34" charset="-122"/>
             </a:endParaRPr>
           </a:p>
         </p:txBody>
@@ -9652,8 +9464,8 @@
             <a:p>
               <a:pPr algn="ctr"/>
               <a:endParaRPr lang="zh-CN" altLang="en-US">
-                <a:latin typeface="微软雅黑" pitchFamily="34" charset="-122"/>
-                <a:ea typeface="微软雅黑" pitchFamily="34" charset="-122"/>
+                <a:latin typeface="微软雅黑" panose="020B0503020204020204" pitchFamily="34" charset="-122"/>
+                <a:ea typeface="微软雅黑" panose="020B0503020204020204" pitchFamily="34" charset="-122"/>
               </a:endParaRPr>
             </a:p>
           </p:txBody>
@@ -9695,8 +9507,8 @@
                     <a:fillToRect l="50000" t="50000" r="50000" b="50000"/>
                   </a:path>
                 </a:gradFill>
-                <a:latin typeface="微软雅黑" pitchFamily="34" charset="-122"/>
-                <a:ea typeface="微软雅黑" pitchFamily="34" charset="-122"/>
+                <a:latin typeface="微软雅黑" panose="020B0503020204020204" pitchFamily="34" charset="-122"/>
+                <a:ea typeface="微软雅黑" panose="020B0503020204020204" pitchFamily="34" charset="-122"/>
               </a:endParaRPr>
             </a:p>
             <a:p>
@@ -9716,8 +9528,8 @@
                       <a:fillToRect l="50000" t="50000" r="50000" b="50000"/>
                     </a:path>
                   </a:gradFill>
-                  <a:latin typeface="微软雅黑" pitchFamily="34" charset="-122"/>
-                  <a:ea typeface="微软雅黑" pitchFamily="34" charset="-122"/>
+                  <a:latin typeface="微软雅黑" panose="020B0503020204020204" pitchFamily="34" charset="-122"/>
+                  <a:ea typeface="微软雅黑" panose="020B0503020204020204" pitchFamily="34" charset="-122"/>
                 </a:rPr>
                 <a:t>忘记密码</a:t>
               </a:r>
@@ -9735,8 +9547,8 @@
                     <a:fillToRect l="50000" t="50000" r="50000" b="50000"/>
                   </a:path>
                 </a:gradFill>
-                <a:latin typeface="微软雅黑" pitchFamily="34" charset="-122"/>
-                <a:ea typeface="微软雅黑" pitchFamily="34" charset="-122"/>
+                <a:latin typeface="微软雅黑" panose="020B0503020204020204" pitchFamily="34" charset="-122"/>
+                <a:ea typeface="微软雅黑" panose="020B0503020204020204" pitchFamily="34" charset="-122"/>
               </a:endParaRPr>
             </a:p>
           </p:txBody>
@@ -9808,8 +9620,8 @@
             <a:p>
               <a:pPr algn="ctr"/>
               <a:endParaRPr lang="zh-CN" altLang="en-US">
-                <a:latin typeface="微软雅黑" pitchFamily="34" charset="-122"/>
-                <a:ea typeface="微软雅黑" pitchFamily="34" charset="-122"/>
+                <a:latin typeface="微软雅黑" panose="020B0503020204020204" pitchFamily="34" charset="-122"/>
+                <a:ea typeface="微软雅黑" panose="020B0503020204020204" pitchFamily="34" charset="-122"/>
               </a:endParaRPr>
             </a:p>
           </p:txBody>
@@ -9852,8 +9664,8 @@
                       <a:fillToRect l="50000" t="50000" r="50000" b="50000"/>
                     </a:path>
                   </a:gradFill>
-                  <a:latin typeface="微软雅黑" pitchFamily="34" charset="-122"/>
-                  <a:ea typeface="微软雅黑" pitchFamily="34" charset="-122"/>
+                  <a:latin typeface="微软雅黑" panose="020B0503020204020204" pitchFamily="34" charset="-122"/>
+                  <a:ea typeface="微软雅黑" panose="020B0503020204020204" pitchFamily="34" charset="-122"/>
                 </a:rPr>
                 <a:t>房屋详情</a:t>
               </a:r>
@@ -9871,8 +9683,8 @@
                     <a:fillToRect l="50000" t="50000" r="50000" b="50000"/>
                   </a:path>
                 </a:gradFill>
-                <a:latin typeface="微软雅黑" pitchFamily="34" charset="-122"/>
-                <a:ea typeface="微软雅黑" pitchFamily="34" charset="-122"/>
+                <a:latin typeface="微软雅黑" panose="020B0503020204020204" pitchFamily="34" charset="-122"/>
+                <a:ea typeface="微软雅黑" panose="020B0503020204020204" pitchFamily="34" charset="-122"/>
               </a:endParaRPr>
             </a:p>
           </p:txBody>
@@ -9944,8 +9756,8 @@
             <a:p>
               <a:pPr algn="ctr"/>
               <a:endParaRPr lang="zh-CN" altLang="en-US">
-                <a:latin typeface="微软雅黑" pitchFamily="34" charset="-122"/>
-                <a:ea typeface="微软雅黑" pitchFamily="34" charset="-122"/>
+                <a:latin typeface="微软雅黑" panose="020B0503020204020204" pitchFamily="34" charset="-122"/>
+                <a:ea typeface="微软雅黑" panose="020B0503020204020204" pitchFamily="34" charset="-122"/>
               </a:endParaRPr>
             </a:p>
           </p:txBody>
@@ -9988,8 +9800,8 @@
                       <a:fillToRect l="50000" t="50000" r="50000" b="50000"/>
                     </a:path>
                   </a:gradFill>
-                  <a:latin typeface="微软雅黑" pitchFamily="34" charset="-122"/>
-                  <a:ea typeface="微软雅黑" pitchFamily="34" charset="-122"/>
+                  <a:latin typeface="微软雅黑" panose="020B0503020204020204" pitchFamily="34" charset="-122"/>
+                  <a:ea typeface="微软雅黑" panose="020B0503020204020204" pitchFamily="34" charset="-122"/>
                 </a:rPr>
                 <a:t>密码校验</a:t>
               </a:r>
@@ -10007,8 +9819,8 @@
                     <a:fillToRect l="50000" t="50000" r="50000" b="50000"/>
                   </a:path>
                 </a:gradFill>
-                <a:latin typeface="微软雅黑" pitchFamily="34" charset="-122"/>
-                <a:ea typeface="微软雅黑" pitchFamily="34" charset="-122"/>
+                <a:latin typeface="微软雅黑" panose="020B0503020204020204" pitchFamily="34" charset="-122"/>
+                <a:ea typeface="微软雅黑" panose="020B0503020204020204" pitchFamily="34" charset="-122"/>
               </a:endParaRPr>
             </a:p>
           </p:txBody>
@@ -10073,9 +9885,6 @@
         </p:style>
         <p:txBody>
           <a:bodyPr rot="0" spcFirstLastPara="0" vertOverflow="overflow" horzOverflow="overflow" vert="horz" wrap="square" lIns="91440" tIns="45720" rIns="91440" bIns="45720" numCol="1" spcCol="0" rtlCol="0" fromWordArt="0" anchor="ctr" anchorCtr="0" forceAA="0" compatLnSpc="1">
-            <a:prstTxWarp prst="textNoShape">
-              <a:avLst/>
-            </a:prstTxWarp>
             <a:noAutofit/>
           </a:bodyPr>
           <a:lstStyle/>
@@ -10085,8 +9894,8 @@
               <a:solidFill>
                 <a:srgbClr val="07405E"/>
               </a:solidFill>
-              <a:latin typeface="微软雅黑" pitchFamily="34" charset="-122"/>
-              <a:ea typeface="微软雅黑" pitchFamily="34" charset="-122"/>
+              <a:latin typeface="微软雅黑" panose="020B0503020204020204" pitchFamily="34" charset="-122"/>
+              <a:ea typeface="微软雅黑" panose="020B0503020204020204" pitchFamily="34" charset="-122"/>
             </a:endParaRPr>
           </a:p>
         </p:txBody>
@@ -10150,9 +9959,6 @@
         </p:style>
         <p:txBody>
           <a:bodyPr rot="0" spcFirstLastPara="0" vertOverflow="overflow" horzOverflow="overflow" vert="horz" wrap="square" lIns="91440" tIns="45720" rIns="91440" bIns="45720" numCol="1" spcCol="0" rtlCol="0" fromWordArt="0" anchor="ctr" anchorCtr="0" forceAA="0" compatLnSpc="1">
-            <a:prstTxWarp prst="textNoShape">
-              <a:avLst/>
-            </a:prstTxWarp>
             <a:noAutofit/>
           </a:bodyPr>
           <a:lstStyle/>
@@ -10162,8 +9968,8 @@
               <a:solidFill>
                 <a:srgbClr val="07405E"/>
               </a:solidFill>
-              <a:latin typeface="微软雅黑" pitchFamily="34" charset="-122"/>
-              <a:ea typeface="微软雅黑" pitchFamily="34" charset="-122"/>
+              <a:latin typeface="微软雅黑" panose="020B0503020204020204" pitchFamily="34" charset="-122"/>
+              <a:ea typeface="微软雅黑" panose="020B0503020204020204" pitchFamily="34" charset="-122"/>
             </a:endParaRPr>
           </a:p>
         </p:txBody>
@@ -10227,9 +10033,6 @@
         </p:style>
         <p:txBody>
           <a:bodyPr rot="0" spcFirstLastPara="0" vertOverflow="overflow" horzOverflow="overflow" vert="horz" wrap="square" lIns="91440" tIns="45720" rIns="91440" bIns="45720" numCol="1" spcCol="0" rtlCol="0" fromWordArt="0" anchor="ctr" anchorCtr="0" forceAA="0" compatLnSpc="1">
-            <a:prstTxWarp prst="textNoShape">
-              <a:avLst/>
-            </a:prstTxWarp>
             <a:noAutofit/>
           </a:bodyPr>
           <a:lstStyle/>
@@ -10239,8 +10042,8 @@
               <a:solidFill>
                 <a:srgbClr val="07405E"/>
               </a:solidFill>
-              <a:latin typeface="微软雅黑" pitchFamily="34" charset="-122"/>
-              <a:ea typeface="微软雅黑" pitchFamily="34" charset="-122"/>
+              <a:latin typeface="微软雅黑" panose="020B0503020204020204" pitchFamily="34" charset="-122"/>
+              <a:ea typeface="微软雅黑" panose="020B0503020204020204" pitchFamily="34" charset="-122"/>
             </a:endParaRPr>
           </a:p>
         </p:txBody>
@@ -10281,8 +10084,8 @@
                     <a:fillToRect l="50000" t="50000" r="50000" b="50000"/>
                   </a:path>
                 </a:gradFill>
-                <a:latin typeface="微软雅黑" pitchFamily="34" charset="-122"/>
-                <a:ea typeface="微软雅黑" pitchFamily="34" charset="-122"/>
+                <a:latin typeface="微软雅黑" panose="020B0503020204020204" pitchFamily="34" charset="-122"/>
+                <a:ea typeface="微软雅黑" panose="020B0503020204020204" pitchFamily="34" charset="-122"/>
               </a:rPr>
               <a:t>----------</a:t>
             </a:r>
@@ -10301,8 +10104,8 @@
                     <a:fillToRect l="50000" t="50000" r="50000" b="50000"/>
                   </a:path>
                 </a:gradFill>
-                <a:latin typeface="微软雅黑" pitchFamily="34" charset="-122"/>
-                <a:ea typeface="微软雅黑" pitchFamily="34" charset="-122"/>
+                <a:latin typeface="微软雅黑" panose="020B0503020204020204" pitchFamily="34" charset="-122"/>
+                <a:ea typeface="微软雅黑" panose="020B0503020204020204" pitchFamily="34" charset="-122"/>
               </a:rPr>
               <a:t>仝朝铱</a:t>
             </a:r>
@@ -10320,90 +10123,24 @@
                   <a:fillToRect l="50000" t="50000" r="50000" b="50000"/>
                 </a:path>
               </a:gradFill>
-              <a:latin typeface="微软雅黑" pitchFamily="34" charset="-122"/>
-              <a:ea typeface="微软雅黑" pitchFamily="34" charset="-122"/>
-            </a:endParaRPr>
-          </a:p>
-        </p:txBody>
-      </p:sp>
-      <p:sp>
-        <p:nvSpPr>
-          <p:cNvPr id="16" name="矩形 15"/>
-          <p:cNvSpPr/>
-          <p:nvPr/>
-        </p:nvSpPr>
-        <p:spPr>
-          <a:xfrm>
-            <a:off x="5080337" y="3244334"/>
-            <a:ext cx="2031325" cy="369332"/>
-          </a:xfrm>
-          <a:prstGeom prst="rect">
-            <a:avLst/>
-          </a:prstGeom>
-        </p:spPr>
-        <p:txBody>
-          <a:bodyPr wrap="none">
-            <a:spAutoFit/>
-          </a:bodyPr>
-          <a:lstStyle/>
-          <a:p>
-            <a:r>
-              <a:rPr lang="zh-CN" altLang="en-US" b="1" u="sng" dirty="0">
-                <a:gradFill>
-                  <a:gsLst>
-                    <a:gs pos="100000">
-                      <a:srgbClr val="398EB6"/>
-                    </a:gs>
-                    <a:gs pos="0">
-                      <a:srgbClr val="B4DAF1"/>
-                    </a:gs>
-                  </a:gsLst>
-                  <a:path path="circle">
-                    <a:fillToRect l="50000" t="50000" r="50000" b="50000"/>
-                  </a:path>
-                </a:gradFill>
-                <a:latin typeface="微软雅黑" pitchFamily="34" charset="-122"/>
-                <a:ea typeface="微软雅黑" pitchFamily="34" charset="-122"/>
-              </a:rPr>
-              <a:t>成员分配所遇难题</a:t>
-            </a:r>
-            <a:endParaRPr lang="zh-CN" altLang="en-US" b="1" u="sng" dirty="0">
-              <a:gradFill>
-                <a:gsLst>
-                  <a:gs pos="100000">
-                    <a:srgbClr val="398EB6"/>
-                  </a:gs>
-                  <a:gs pos="0">
-                    <a:srgbClr val="B4DAF1"/>
-                  </a:gs>
-                </a:gsLst>
-                <a:path path="circle">
-                  <a:fillToRect l="50000" t="50000" r="50000" b="50000"/>
-                </a:path>
-              </a:gradFill>
-              <a:latin typeface="微软雅黑" pitchFamily="34" charset="-122"/>
-              <a:ea typeface="微软雅黑" pitchFamily="34" charset="-122"/>
+              <a:latin typeface="微软雅黑" panose="020B0503020204020204" pitchFamily="34" charset="-122"/>
+              <a:ea typeface="微软雅黑" panose="020B0503020204020204" pitchFamily="34" charset="-122"/>
             </a:endParaRPr>
           </a:p>
         </p:txBody>
       </p:sp>
     </p:spTree>
-    <p:extLst>
-      <p:ext uri="{BB962C8B-B14F-4D97-AF65-F5344CB8AC3E}">
-        <p14:creationId xmlns:p14="http://schemas.microsoft.com/office/powerpoint/2010/main" val="1141052360"/>
-      </p:ext>
-    </p:extLst>
   </p:cSld>
   <p:clrMapOvr>
     <a:masterClrMapping/>
   </p:clrMapOvr>
-  <mc:AlternateContent xmlns:mc="http://schemas.openxmlformats.org/markup-compatibility/2006" xmlns:p14="http://schemas.microsoft.com/office/powerpoint/2010/main">
-    <mc:Choice Requires="p14">
+  <mc:AlternateContent xmlns:mc="http://schemas.openxmlformats.org/markup-compatibility/2006">
+    <mc:Choice xmlns:p14="http://schemas.microsoft.com/office/powerpoint/2010/main" Requires="p14">
       <p:transition spd="slow" p14:dur="2000" advTm="3532">
-        <p14:reveal dir="r"/>
+        <p14:reveal thruBlk="1"/>
       </p:transition>
     </mc:Choice>
-    <mc:Fallback xmlns="">
+    <mc:Fallback>
       <p:transition spd="slow" advTm="3532">
         <p:fade/>
       </p:transition>
@@ -10776,8 +10513,8 @@
                     <a:fillToRect l="50000" t="50000" r="50000" b="50000"/>
                   </a:path>
                 </a:gradFill>
-                <a:latin typeface="微软雅黑" pitchFamily="34" charset="-122"/>
-                <a:ea typeface="微软雅黑" pitchFamily="34" charset="-122"/>
+                <a:latin typeface="微软雅黑" panose="020B0503020204020204" pitchFamily="34" charset="-122"/>
+                <a:ea typeface="微软雅黑" panose="020B0503020204020204" pitchFamily="34" charset="-122"/>
               </a:rPr>
               <a:t>成 员 项 目 分 配</a:t>
             </a:r>
@@ -10795,8 +10532,8 @@
                   <a:fillToRect l="50000" t="50000" r="50000" b="50000"/>
                 </a:path>
               </a:gradFill>
-              <a:latin typeface="微软雅黑" pitchFamily="34" charset="-122"/>
-              <a:ea typeface="微软雅黑" pitchFamily="34" charset="-122"/>
+              <a:latin typeface="微软雅黑" panose="020B0503020204020204" pitchFamily="34" charset="-122"/>
+              <a:ea typeface="微软雅黑" panose="020B0503020204020204" pitchFamily="34" charset="-122"/>
             </a:endParaRPr>
           </a:p>
         </p:txBody>
@@ -10867,8 +10604,8 @@
             <a:p>
               <a:pPr algn="ctr"/>
               <a:endParaRPr lang="zh-CN" altLang="en-US">
-                <a:latin typeface="微软雅黑" pitchFamily="34" charset="-122"/>
-                <a:ea typeface="微软雅黑" pitchFamily="34" charset="-122"/>
+                <a:latin typeface="微软雅黑" panose="020B0503020204020204" pitchFamily="34" charset="-122"/>
+                <a:ea typeface="微软雅黑" panose="020B0503020204020204" pitchFamily="34" charset="-122"/>
               </a:endParaRPr>
             </a:p>
           </p:txBody>
@@ -10911,8 +10648,8 @@
                       <a:fillToRect l="50000" t="50000" r="50000" b="50000"/>
                     </a:path>
                   </a:gradFill>
-                  <a:latin typeface="微软雅黑" pitchFamily="34" charset="-122"/>
-                  <a:ea typeface="微软雅黑" pitchFamily="34" charset="-122"/>
+                  <a:latin typeface="微软雅黑" panose="020B0503020204020204" pitchFamily="34" charset="-122"/>
+                  <a:ea typeface="微软雅黑" panose="020B0503020204020204" pitchFamily="34" charset="-122"/>
                 </a:rPr>
                 <a:t>预约房屋</a:t>
               </a:r>
@@ -10930,8 +10667,8 @@
                     <a:fillToRect l="50000" t="50000" r="50000" b="50000"/>
                   </a:path>
                 </a:gradFill>
-                <a:latin typeface="微软雅黑" pitchFamily="34" charset="-122"/>
-                <a:ea typeface="微软雅黑" pitchFamily="34" charset="-122"/>
+                <a:latin typeface="微软雅黑" panose="020B0503020204020204" pitchFamily="34" charset="-122"/>
+                <a:ea typeface="微软雅黑" panose="020B0503020204020204" pitchFamily="34" charset="-122"/>
               </a:endParaRPr>
             </a:p>
           </p:txBody>
@@ -11003,8 +10740,8 @@
             <a:p>
               <a:pPr algn="ctr"/>
               <a:endParaRPr lang="zh-CN" altLang="en-US">
-                <a:latin typeface="微软雅黑" pitchFamily="34" charset="-122"/>
-                <a:ea typeface="微软雅黑" pitchFamily="34" charset="-122"/>
+                <a:latin typeface="微软雅黑" panose="020B0503020204020204" pitchFamily="34" charset="-122"/>
+                <a:ea typeface="微软雅黑" panose="020B0503020204020204" pitchFamily="34" charset="-122"/>
               </a:endParaRPr>
             </a:p>
           </p:txBody>
@@ -11047,8 +10784,8 @@
                       <a:fillToRect l="50000" t="50000" r="50000" b="50000"/>
                     </a:path>
                   </a:gradFill>
-                  <a:latin typeface="微软雅黑" pitchFamily="34" charset="-122"/>
-                  <a:ea typeface="微软雅黑" pitchFamily="34" charset="-122"/>
+                  <a:latin typeface="微软雅黑" panose="020B0503020204020204" pitchFamily="34" charset="-122"/>
+                  <a:ea typeface="微软雅黑" panose="020B0503020204020204" pitchFamily="34" charset="-122"/>
                 </a:rPr>
                 <a:t>看房日程</a:t>
               </a:r>
@@ -11066,8 +10803,8 @@
                     <a:fillToRect l="50000" t="50000" r="50000" b="50000"/>
                   </a:path>
                 </a:gradFill>
-                <a:latin typeface="微软雅黑" pitchFamily="34" charset="-122"/>
-                <a:ea typeface="微软雅黑" pitchFamily="34" charset="-122"/>
+                <a:latin typeface="微软雅黑" panose="020B0503020204020204" pitchFamily="34" charset="-122"/>
+                <a:ea typeface="微软雅黑" panose="020B0503020204020204" pitchFamily="34" charset="-122"/>
               </a:endParaRPr>
             </a:p>
           </p:txBody>
@@ -11139,8 +10876,8 @@
             <a:p>
               <a:pPr algn="ctr"/>
               <a:endParaRPr lang="zh-CN" altLang="en-US">
-                <a:latin typeface="微软雅黑" pitchFamily="34" charset="-122"/>
-                <a:ea typeface="微软雅黑" pitchFamily="34" charset="-122"/>
+                <a:latin typeface="微软雅黑" panose="020B0503020204020204" pitchFamily="34" charset="-122"/>
+                <a:ea typeface="微软雅黑" panose="020B0503020204020204" pitchFamily="34" charset="-122"/>
               </a:endParaRPr>
             </a:p>
           </p:txBody>
@@ -11183,8 +10920,8 @@
                       <a:fillToRect l="50000" t="50000" r="50000" b="50000"/>
                     </a:path>
                   </a:gradFill>
-                  <a:latin typeface="微软雅黑" pitchFamily="34" charset="-122"/>
-                  <a:ea typeface="微软雅黑" pitchFamily="34" charset="-122"/>
+                  <a:latin typeface="微软雅黑" panose="020B0503020204020204" pitchFamily="34" charset="-122"/>
+                  <a:ea typeface="微软雅黑" panose="020B0503020204020204" pitchFamily="34" charset="-122"/>
                 </a:rPr>
                 <a:t>房屋详情</a:t>
               </a:r>
@@ -11202,8 +10939,8 @@
                     <a:fillToRect l="50000" t="50000" r="50000" b="50000"/>
                   </a:path>
                 </a:gradFill>
-                <a:latin typeface="微软雅黑" pitchFamily="34" charset="-122"/>
-                <a:ea typeface="微软雅黑" pitchFamily="34" charset="-122"/>
+                <a:latin typeface="微软雅黑" panose="020B0503020204020204" pitchFamily="34" charset="-122"/>
+                <a:ea typeface="微软雅黑" panose="020B0503020204020204" pitchFamily="34" charset="-122"/>
               </a:endParaRPr>
             </a:p>
           </p:txBody>
@@ -11268,9 +11005,6 @@
         </p:style>
         <p:txBody>
           <a:bodyPr rot="0" spcFirstLastPara="0" vertOverflow="overflow" horzOverflow="overflow" vert="horz" wrap="square" lIns="91440" tIns="45720" rIns="91440" bIns="45720" numCol="1" spcCol="0" rtlCol="0" fromWordArt="0" anchor="ctr" anchorCtr="0" forceAA="0" compatLnSpc="1">
-            <a:prstTxWarp prst="textNoShape">
-              <a:avLst/>
-            </a:prstTxWarp>
             <a:noAutofit/>
           </a:bodyPr>
           <a:lstStyle/>
@@ -11280,8 +11014,8 @@
               <a:solidFill>
                 <a:srgbClr val="07405E"/>
               </a:solidFill>
-              <a:latin typeface="微软雅黑" pitchFamily="34" charset="-122"/>
-              <a:ea typeface="微软雅黑" pitchFamily="34" charset="-122"/>
+              <a:latin typeface="微软雅黑" panose="020B0503020204020204" pitchFamily="34" charset="-122"/>
+              <a:ea typeface="微软雅黑" panose="020B0503020204020204" pitchFamily="34" charset="-122"/>
             </a:endParaRPr>
           </a:p>
         </p:txBody>
@@ -11345,9 +11079,6 @@
         </p:style>
         <p:txBody>
           <a:bodyPr rot="0" spcFirstLastPara="0" vertOverflow="overflow" horzOverflow="overflow" vert="horz" wrap="square" lIns="91440" tIns="45720" rIns="91440" bIns="45720" numCol="1" spcCol="0" rtlCol="0" fromWordArt="0" anchor="ctr" anchorCtr="0" forceAA="0" compatLnSpc="1">
-            <a:prstTxWarp prst="textNoShape">
-              <a:avLst/>
-            </a:prstTxWarp>
             <a:noAutofit/>
           </a:bodyPr>
           <a:lstStyle/>
@@ -11357,8 +11088,8 @@
               <a:solidFill>
                 <a:srgbClr val="07405E"/>
               </a:solidFill>
-              <a:latin typeface="微软雅黑" pitchFamily="34" charset="-122"/>
-              <a:ea typeface="微软雅黑" pitchFamily="34" charset="-122"/>
+              <a:latin typeface="微软雅黑" panose="020B0503020204020204" pitchFamily="34" charset="-122"/>
+              <a:ea typeface="微软雅黑" panose="020B0503020204020204" pitchFamily="34" charset="-122"/>
             </a:endParaRPr>
           </a:p>
         </p:txBody>
@@ -11422,9 +11153,6 @@
         </p:style>
         <p:txBody>
           <a:bodyPr rot="0" spcFirstLastPara="0" vertOverflow="overflow" horzOverflow="overflow" vert="horz" wrap="square" lIns="91440" tIns="45720" rIns="91440" bIns="45720" numCol="1" spcCol="0" rtlCol="0" fromWordArt="0" anchor="ctr" anchorCtr="0" forceAA="0" compatLnSpc="1">
-            <a:prstTxWarp prst="textNoShape">
-              <a:avLst/>
-            </a:prstTxWarp>
             <a:noAutofit/>
           </a:bodyPr>
           <a:lstStyle/>
@@ -11434,8 +11162,8 @@
               <a:solidFill>
                 <a:srgbClr val="07405E"/>
               </a:solidFill>
-              <a:latin typeface="微软雅黑" pitchFamily="34" charset="-122"/>
-              <a:ea typeface="微软雅黑" pitchFamily="34" charset="-122"/>
+              <a:latin typeface="微软雅黑" panose="020B0503020204020204" pitchFamily="34" charset="-122"/>
+              <a:ea typeface="微软雅黑" panose="020B0503020204020204" pitchFamily="34" charset="-122"/>
             </a:endParaRPr>
           </a:p>
         </p:txBody>
@@ -11476,8 +11204,8 @@
                     <a:fillToRect l="50000" t="50000" r="50000" b="50000"/>
                   </a:path>
                 </a:gradFill>
-                <a:latin typeface="微软雅黑" pitchFamily="34" charset="-122"/>
-                <a:ea typeface="微软雅黑" pitchFamily="34" charset="-122"/>
+                <a:latin typeface="微软雅黑" panose="020B0503020204020204" pitchFamily="34" charset="-122"/>
+                <a:ea typeface="微软雅黑" panose="020B0503020204020204" pitchFamily="34" charset="-122"/>
               </a:rPr>
               <a:t>----------</a:t>
             </a:r>
@@ -11496,8 +11224,8 @@
                     <a:fillToRect l="50000" t="50000" r="50000" b="50000"/>
                   </a:path>
                 </a:gradFill>
-                <a:latin typeface="微软雅黑" pitchFamily="34" charset="-122"/>
-                <a:ea typeface="微软雅黑" pitchFamily="34" charset="-122"/>
+                <a:latin typeface="微软雅黑" panose="020B0503020204020204" pitchFamily="34" charset="-122"/>
+                <a:ea typeface="微软雅黑" panose="020B0503020204020204" pitchFamily="34" charset="-122"/>
               </a:rPr>
               <a:t>郭 林 林</a:t>
             </a:r>
@@ -11515,90 +11243,24 @@
                   <a:fillToRect l="50000" t="50000" r="50000" b="50000"/>
                 </a:path>
               </a:gradFill>
-              <a:latin typeface="微软雅黑" pitchFamily="34" charset="-122"/>
-              <a:ea typeface="微软雅黑" pitchFamily="34" charset="-122"/>
-            </a:endParaRPr>
-          </a:p>
-        </p:txBody>
-      </p:sp>
-      <p:sp>
-        <p:nvSpPr>
-          <p:cNvPr id="16" name="矩形 15"/>
-          <p:cNvSpPr/>
-          <p:nvPr/>
-        </p:nvSpPr>
-        <p:spPr>
-          <a:xfrm>
-            <a:off x="5080337" y="3244334"/>
-            <a:ext cx="2031325" cy="369332"/>
-          </a:xfrm>
-          <a:prstGeom prst="rect">
-            <a:avLst/>
-          </a:prstGeom>
-        </p:spPr>
-        <p:txBody>
-          <a:bodyPr wrap="none">
-            <a:spAutoFit/>
-          </a:bodyPr>
-          <a:lstStyle/>
-          <a:p>
-            <a:r>
-              <a:rPr lang="zh-CN" altLang="en-US" b="1" u="sng" dirty="0">
-                <a:gradFill>
-                  <a:gsLst>
-                    <a:gs pos="100000">
-                      <a:srgbClr val="398EB6"/>
-                    </a:gs>
-                    <a:gs pos="0">
-                      <a:srgbClr val="B4DAF1"/>
-                    </a:gs>
-                  </a:gsLst>
-                  <a:path path="circle">
-                    <a:fillToRect l="50000" t="50000" r="50000" b="50000"/>
-                  </a:path>
-                </a:gradFill>
-                <a:latin typeface="微软雅黑" pitchFamily="34" charset="-122"/>
-                <a:ea typeface="微软雅黑" pitchFamily="34" charset="-122"/>
-              </a:rPr>
-              <a:t>成员分配所遇难题</a:t>
-            </a:r>
-            <a:endParaRPr lang="zh-CN" altLang="en-US" b="1" u="sng" dirty="0">
-              <a:gradFill>
-                <a:gsLst>
-                  <a:gs pos="100000">
-                    <a:srgbClr val="398EB6"/>
-                  </a:gs>
-                  <a:gs pos="0">
-                    <a:srgbClr val="B4DAF1"/>
-                  </a:gs>
-                </a:gsLst>
-                <a:path path="circle">
-                  <a:fillToRect l="50000" t="50000" r="50000" b="50000"/>
-                </a:path>
-              </a:gradFill>
-              <a:latin typeface="微软雅黑" pitchFamily="34" charset="-122"/>
-              <a:ea typeface="微软雅黑" pitchFamily="34" charset="-122"/>
+              <a:latin typeface="微软雅黑" panose="020B0503020204020204" pitchFamily="34" charset="-122"/>
+              <a:ea typeface="微软雅黑" panose="020B0503020204020204" pitchFamily="34" charset="-122"/>
             </a:endParaRPr>
           </a:p>
         </p:txBody>
       </p:sp>
     </p:spTree>
-    <p:extLst>
-      <p:ext uri="{BB962C8B-B14F-4D97-AF65-F5344CB8AC3E}">
-        <p14:creationId xmlns:p14="http://schemas.microsoft.com/office/powerpoint/2010/main" val="975492471"/>
-      </p:ext>
-    </p:extLst>
   </p:cSld>
   <p:clrMapOvr>
     <a:masterClrMapping/>
   </p:clrMapOvr>
-  <mc:AlternateContent xmlns:mc="http://schemas.openxmlformats.org/markup-compatibility/2006" xmlns:p14="http://schemas.microsoft.com/office/powerpoint/2010/main">
-    <mc:Choice Requires="p14">
+  <mc:AlternateContent xmlns:mc="http://schemas.openxmlformats.org/markup-compatibility/2006">
+    <mc:Choice xmlns:p14="http://schemas.microsoft.com/office/powerpoint/2010/main" Requires="p14">
       <p:transition spd="slow" p14:dur="2000" advTm="3532">
-        <p14:reveal dir="r"/>
+        <p14:reveal thruBlk="1"/>
       </p:transition>
     </mc:Choice>
-    <mc:Fallback xmlns="">
+    <mc:Fallback>
       <p:transition spd="slow" advTm="3532">
         <p:fade/>
       </p:transition>
@@ -11971,8 +11633,8 @@
                     <a:fillToRect l="50000" t="50000" r="50000" b="50000"/>
                   </a:path>
                 </a:gradFill>
-                <a:latin typeface="微软雅黑" pitchFamily="34" charset="-122"/>
-                <a:ea typeface="微软雅黑" pitchFamily="34" charset="-122"/>
+                <a:latin typeface="微软雅黑" panose="020B0503020204020204" pitchFamily="34" charset="-122"/>
+                <a:ea typeface="微软雅黑" panose="020B0503020204020204" pitchFamily="34" charset="-122"/>
               </a:rPr>
               <a:t>成 员 项 目 分 配</a:t>
             </a:r>
@@ -11990,8 +11652,8 @@
                   <a:fillToRect l="50000" t="50000" r="50000" b="50000"/>
                 </a:path>
               </a:gradFill>
-              <a:latin typeface="微软雅黑" pitchFamily="34" charset="-122"/>
-              <a:ea typeface="微软雅黑" pitchFamily="34" charset="-122"/>
+              <a:latin typeface="微软雅黑" panose="020B0503020204020204" pitchFamily="34" charset="-122"/>
+              <a:ea typeface="微软雅黑" panose="020B0503020204020204" pitchFamily="34" charset="-122"/>
             </a:endParaRPr>
           </a:p>
         </p:txBody>
@@ -12062,8 +11724,8 @@
             <a:p>
               <a:pPr algn="ctr"/>
               <a:endParaRPr lang="zh-CN" altLang="en-US">
-                <a:latin typeface="微软雅黑" pitchFamily="34" charset="-122"/>
-                <a:ea typeface="微软雅黑" pitchFamily="34" charset="-122"/>
+                <a:latin typeface="微软雅黑" panose="020B0503020204020204" pitchFamily="34" charset="-122"/>
+                <a:ea typeface="微软雅黑" panose="020B0503020204020204" pitchFamily="34" charset="-122"/>
               </a:endParaRPr>
             </a:p>
           </p:txBody>
@@ -12106,8 +11768,8 @@
                       <a:fillToRect l="50000" t="50000" r="50000" b="50000"/>
                     </a:path>
                   </a:gradFill>
-                  <a:latin typeface="微软雅黑" pitchFamily="34" charset="-122"/>
-                  <a:ea typeface="微软雅黑" pitchFamily="34" charset="-122"/>
+                  <a:latin typeface="微软雅黑" panose="020B0503020204020204" pitchFamily="34" charset="-122"/>
+                  <a:ea typeface="微软雅黑" panose="020B0503020204020204" pitchFamily="34" charset="-122"/>
                 </a:rPr>
                 <a:t>我</a:t>
               </a:r>
@@ -12126,8 +11788,8 @@
                       <a:fillToRect l="50000" t="50000" r="50000" b="50000"/>
                     </a:path>
                   </a:gradFill>
-                  <a:latin typeface="微软雅黑" pitchFamily="34" charset="-122"/>
-                  <a:ea typeface="微软雅黑" pitchFamily="34" charset="-122"/>
+                  <a:latin typeface="微软雅黑" panose="020B0503020204020204" pitchFamily="34" charset="-122"/>
+                  <a:ea typeface="微软雅黑" panose="020B0503020204020204" pitchFamily="34" charset="-122"/>
                 </a:rPr>
                 <a:t>是房东</a:t>
               </a:r>
@@ -12145,8 +11807,8 @@
                     <a:fillToRect l="50000" t="50000" r="50000" b="50000"/>
                   </a:path>
                 </a:gradFill>
-                <a:latin typeface="微软雅黑" pitchFamily="34" charset="-122"/>
-                <a:ea typeface="微软雅黑" pitchFamily="34" charset="-122"/>
+                <a:latin typeface="微软雅黑" panose="020B0503020204020204" pitchFamily="34" charset="-122"/>
+                <a:ea typeface="微软雅黑" panose="020B0503020204020204" pitchFamily="34" charset="-122"/>
               </a:endParaRPr>
             </a:p>
           </p:txBody>
@@ -12218,8 +11880,8 @@
             <a:p>
               <a:pPr algn="ctr"/>
               <a:endParaRPr lang="zh-CN" altLang="en-US">
-                <a:latin typeface="微软雅黑" pitchFamily="34" charset="-122"/>
-                <a:ea typeface="微软雅黑" pitchFamily="34" charset="-122"/>
+                <a:latin typeface="微软雅黑" panose="020B0503020204020204" pitchFamily="34" charset="-122"/>
+                <a:ea typeface="微软雅黑" panose="020B0503020204020204" pitchFamily="34" charset="-122"/>
               </a:endParaRPr>
             </a:p>
           </p:txBody>
@@ -12262,8 +11924,8 @@
                       <a:fillToRect l="50000" t="50000" r="50000" b="50000"/>
                     </a:path>
                   </a:gradFill>
-                  <a:latin typeface="微软雅黑" pitchFamily="34" charset="-122"/>
-                  <a:ea typeface="微软雅黑" pitchFamily="34" charset="-122"/>
+                  <a:latin typeface="微软雅黑" panose="020B0503020204020204" pitchFamily="34" charset="-122"/>
+                  <a:ea typeface="微软雅黑" panose="020B0503020204020204" pitchFamily="34" charset="-122"/>
                 </a:rPr>
                 <a:t>付房租</a:t>
               </a:r>
@@ -12281,8 +11943,8 @@
                     <a:fillToRect l="50000" t="50000" r="50000" b="50000"/>
                   </a:path>
                 </a:gradFill>
-                <a:latin typeface="微软雅黑" pitchFamily="34" charset="-122"/>
-                <a:ea typeface="微软雅黑" pitchFamily="34" charset="-122"/>
+                <a:latin typeface="微软雅黑" panose="020B0503020204020204" pitchFamily="34" charset="-122"/>
+                <a:ea typeface="微软雅黑" panose="020B0503020204020204" pitchFamily="34" charset="-122"/>
               </a:endParaRPr>
             </a:p>
           </p:txBody>
@@ -12354,8 +12016,8 @@
             <a:p>
               <a:pPr algn="ctr"/>
               <a:endParaRPr lang="zh-CN" altLang="en-US">
-                <a:latin typeface="微软雅黑" pitchFamily="34" charset="-122"/>
-                <a:ea typeface="微软雅黑" pitchFamily="34" charset="-122"/>
+                <a:latin typeface="微软雅黑" panose="020B0503020204020204" pitchFamily="34" charset="-122"/>
+                <a:ea typeface="微软雅黑" panose="020B0503020204020204" pitchFamily="34" charset="-122"/>
               </a:endParaRPr>
             </a:p>
           </p:txBody>
@@ -12398,8 +12060,8 @@
                       <a:fillToRect l="50000" t="50000" r="50000" b="50000"/>
                     </a:path>
                   </a:gradFill>
-                  <a:latin typeface="微软雅黑" pitchFamily="34" charset="-122"/>
-                  <a:ea typeface="微软雅黑" pitchFamily="34" charset="-122"/>
+                  <a:latin typeface="微软雅黑" panose="020B0503020204020204" pitchFamily="34" charset="-122"/>
+                  <a:ea typeface="微软雅黑" panose="020B0503020204020204" pitchFamily="34" charset="-122"/>
                 </a:rPr>
                 <a:t>添加出租</a:t>
               </a:r>
@@ -12417,8 +12079,8 @@
                     <a:fillToRect l="50000" t="50000" r="50000" b="50000"/>
                   </a:path>
                 </a:gradFill>
-                <a:latin typeface="微软雅黑" pitchFamily="34" charset="-122"/>
-                <a:ea typeface="微软雅黑" pitchFamily="34" charset="-122"/>
+                <a:latin typeface="微软雅黑" panose="020B0503020204020204" pitchFamily="34" charset="-122"/>
+                <a:ea typeface="微软雅黑" panose="020B0503020204020204" pitchFamily="34" charset="-122"/>
               </a:endParaRPr>
             </a:p>
             <a:p>
@@ -12438,8 +12100,8 @@
                       <a:fillToRect l="50000" t="50000" r="50000" b="50000"/>
                     </a:path>
                   </a:gradFill>
-                  <a:latin typeface="微软雅黑" pitchFamily="34" charset="-122"/>
-                  <a:ea typeface="微软雅黑" pitchFamily="34" charset="-122"/>
+                  <a:latin typeface="微软雅黑" panose="020B0503020204020204" pitchFamily="34" charset="-122"/>
+                  <a:ea typeface="微软雅黑" panose="020B0503020204020204" pitchFamily="34" charset="-122"/>
                 </a:rPr>
                 <a:t>信息</a:t>
               </a:r>
@@ -12457,8 +12119,8 @@
                     <a:fillToRect l="50000" t="50000" r="50000" b="50000"/>
                   </a:path>
                 </a:gradFill>
-                <a:latin typeface="微软雅黑" pitchFamily="34" charset="-122"/>
-                <a:ea typeface="微软雅黑" pitchFamily="34" charset="-122"/>
+                <a:latin typeface="微软雅黑" panose="020B0503020204020204" pitchFamily="34" charset="-122"/>
+                <a:ea typeface="微软雅黑" panose="020B0503020204020204" pitchFamily="34" charset="-122"/>
               </a:endParaRPr>
             </a:p>
           </p:txBody>
@@ -12523,9 +12185,6 @@
         </p:style>
         <p:txBody>
           <a:bodyPr rot="0" spcFirstLastPara="0" vertOverflow="overflow" horzOverflow="overflow" vert="horz" wrap="square" lIns="91440" tIns="45720" rIns="91440" bIns="45720" numCol="1" spcCol="0" rtlCol="0" fromWordArt="0" anchor="ctr" anchorCtr="0" forceAA="0" compatLnSpc="1">
-            <a:prstTxWarp prst="textNoShape">
-              <a:avLst/>
-            </a:prstTxWarp>
             <a:noAutofit/>
           </a:bodyPr>
           <a:lstStyle/>
@@ -12535,8 +12194,8 @@
               <a:solidFill>
                 <a:srgbClr val="07405E"/>
               </a:solidFill>
-              <a:latin typeface="微软雅黑" pitchFamily="34" charset="-122"/>
-              <a:ea typeface="微软雅黑" pitchFamily="34" charset="-122"/>
+              <a:latin typeface="微软雅黑" panose="020B0503020204020204" pitchFamily="34" charset="-122"/>
+              <a:ea typeface="微软雅黑" panose="020B0503020204020204" pitchFamily="34" charset="-122"/>
             </a:endParaRPr>
           </a:p>
         </p:txBody>
@@ -12600,9 +12259,6 @@
         </p:style>
         <p:txBody>
           <a:bodyPr rot="0" spcFirstLastPara="0" vertOverflow="overflow" horzOverflow="overflow" vert="horz" wrap="square" lIns="91440" tIns="45720" rIns="91440" bIns="45720" numCol="1" spcCol="0" rtlCol="0" fromWordArt="0" anchor="ctr" anchorCtr="0" forceAA="0" compatLnSpc="1">
-            <a:prstTxWarp prst="textNoShape">
-              <a:avLst/>
-            </a:prstTxWarp>
             <a:noAutofit/>
           </a:bodyPr>
           <a:lstStyle/>
@@ -12612,8 +12268,8 @@
               <a:solidFill>
                 <a:srgbClr val="07405E"/>
               </a:solidFill>
-              <a:latin typeface="微软雅黑" pitchFamily="34" charset="-122"/>
-              <a:ea typeface="微软雅黑" pitchFamily="34" charset="-122"/>
+              <a:latin typeface="微软雅黑" panose="020B0503020204020204" pitchFamily="34" charset="-122"/>
+              <a:ea typeface="微软雅黑" panose="020B0503020204020204" pitchFamily="34" charset="-122"/>
             </a:endParaRPr>
           </a:p>
         </p:txBody>
@@ -12677,9 +12333,6 @@
         </p:style>
         <p:txBody>
           <a:bodyPr rot="0" spcFirstLastPara="0" vertOverflow="overflow" horzOverflow="overflow" vert="horz" wrap="square" lIns="91440" tIns="45720" rIns="91440" bIns="45720" numCol="1" spcCol="0" rtlCol="0" fromWordArt="0" anchor="ctr" anchorCtr="0" forceAA="0" compatLnSpc="1">
-            <a:prstTxWarp prst="textNoShape">
-              <a:avLst/>
-            </a:prstTxWarp>
             <a:noAutofit/>
           </a:bodyPr>
           <a:lstStyle/>
@@ -12689,8 +12342,8 @@
               <a:solidFill>
                 <a:srgbClr val="07405E"/>
               </a:solidFill>
-              <a:latin typeface="微软雅黑" pitchFamily="34" charset="-122"/>
-              <a:ea typeface="微软雅黑" pitchFamily="34" charset="-122"/>
+              <a:latin typeface="微软雅黑" panose="020B0503020204020204" pitchFamily="34" charset="-122"/>
+              <a:ea typeface="微软雅黑" panose="020B0503020204020204" pitchFamily="34" charset="-122"/>
             </a:endParaRPr>
           </a:p>
         </p:txBody>
@@ -12731,8 +12384,8 @@
                     <a:fillToRect l="50000" t="50000" r="50000" b="50000"/>
                   </a:path>
                 </a:gradFill>
-                <a:latin typeface="微软雅黑" pitchFamily="34" charset="-122"/>
-                <a:ea typeface="微软雅黑" pitchFamily="34" charset="-122"/>
+                <a:latin typeface="微软雅黑" panose="020B0503020204020204" pitchFamily="34" charset="-122"/>
+                <a:ea typeface="微软雅黑" panose="020B0503020204020204" pitchFamily="34" charset="-122"/>
               </a:rPr>
               <a:t>----------</a:t>
             </a:r>
@@ -12751,8 +12404,8 @@
                     <a:fillToRect l="50000" t="50000" r="50000" b="50000"/>
                   </a:path>
                 </a:gradFill>
-                <a:latin typeface="微软雅黑" pitchFamily="34" charset="-122"/>
-                <a:ea typeface="微软雅黑" pitchFamily="34" charset="-122"/>
+                <a:latin typeface="微软雅黑" panose="020B0503020204020204" pitchFamily="34" charset="-122"/>
+                <a:ea typeface="微软雅黑" panose="020B0503020204020204" pitchFamily="34" charset="-122"/>
               </a:rPr>
               <a:t>叶 玲</a:t>
             </a:r>
@@ -12770,90 +12423,24 @@
                   <a:fillToRect l="50000" t="50000" r="50000" b="50000"/>
                 </a:path>
               </a:gradFill>
-              <a:latin typeface="微软雅黑" pitchFamily="34" charset="-122"/>
-              <a:ea typeface="微软雅黑" pitchFamily="34" charset="-122"/>
-            </a:endParaRPr>
-          </a:p>
-        </p:txBody>
-      </p:sp>
-      <p:sp>
-        <p:nvSpPr>
-          <p:cNvPr id="16" name="矩形 15"/>
-          <p:cNvSpPr/>
-          <p:nvPr/>
-        </p:nvSpPr>
-        <p:spPr>
-          <a:xfrm>
-            <a:off x="5080337" y="3244334"/>
-            <a:ext cx="2031325" cy="369332"/>
-          </a:xfrm>
-          <a:prstGeom prst="rect">
-            <a:avLst/>
-          </a:prstGeom>
-        </p:spPr>
-        <p:txBody>
-          <a:bodyPr wrap="none">
-            <a:spAutoFit/>
-          </a:bodyPr>
-          <a:lstStyle/>
-          <a:p>
-            <a:r>
-              <a:rPr lang="zh-CN" altLang="en-US" b="1" u="sng" dirty="0">
-                <a:gradFill>
-                  <a:gsLst>
-                    <a:gs pos="100000">
-                      <a:srgbClr val="398EB6"/>
-                    </a:gs>
-                    <a:gs pos="0">
-                      <a:srgbClr val="B4DAF1"/>
-                    </a:gs>
-                  </a:gsLst>
-                  <a:path path="circle">
-                    <a:fillToRect l="50000" t="50000" r="50000" b="50000"/>
-                  </a:path>
-                </a:gradFill>
-                <a:latin typeface="微软雅黑" pitchFamily="34" charset="-122"/>
-                <a:ea typeface="微软雅黑" pitchFamily="34" charset="-122"/>
-              </a:rPr>
-              <a:t>成员分配所遇难题</a:t>
-            </a:r>
-            <a:endParaRPr lang="zh-CN" altLang="en-US" b="1" u="sng" dirty="0">
-              <a:gradFill>
-                <a:gsLst>
-                  <a:gs pos="100000">
-                    <a:srgbClr val="398EB6"/>
-                  </a:gs>
-                  <a:gs pos="0">
-                    <a:srgbClr val="B4DAF1"/>
-                  </a:gs>
-                </a:gsLst>
-                <a:path path="circle">
-                  <a:fillToRect l="50000" t="50000" r="50000" b="50000"/>
-                </a:path>
-              </a:gradFill>
-              <a:latin typeface="微软雅黑" pitchFamily="34" charset="-122"/>
-              <a:ea typeface="微软雅黑" pitchFamily="34" charset="-122"/>
+              <a:latin typeface="微软雅黑" panose="020B0503020204020204" pitchFamily="34" charset="-122"/>
+              <a:ea typeface="微软雅黑" panose="020B0503020204020204" pitchFamily="34" charset="-122"/>
             </a:endParaRPr>
           </a:p>
         </p:txBody>
       </p:sp>
     </p:spTree>
-    <p:extLst>
-      <p:ext uri="{BB962C8B-B14F-4D97-AF65-F5344CB8AC3E}">
-        <p14:creationId xmlns:p14="http://schemas.microsoft.com/office/powerpoint/2010/main" val="1387244136"/>
-      </p:ext>
-    </p:extLst>
   </p:cSld>
   <p:clrMapOvr>
     <a:masterClrMapping/>
   </p:clrMapOvr>
-  <mc:AlternateContent xmlns:mc="http://schemas.openxmlformats.org/markup-compatibility/2006" xmlns:p14="http://schemas.microsoft.com/office/powerpoint/2010/main">
-    <mc:Choice Requires="p14">
+  <mc:AlternateContent xmlns:mc="http://schemas.openxmlformats.org/markup-compatibility/2006">
+    <mc:Choice xmlns:p14="http://schemas.microsoft.com/office/powerpoint/2010/main" Requires="p14">
       <p:transition spd="slow" p14:dur="2000" advTm="3532">
-        <p14:reveal dir="r"/>
+        <p14:reveal thruBlk="1"/>
       </p:transition>
     </mc:Choice>
-    <mc:Fallback xmlns="">
+    <mc:Fallback>
       <p:transition spd="slow" advTm="3532">
         <p:fade/>
       </p:transition>
@@ -13226,8 +12813,8 @@
                     <a:fillToRect l="50000" t="50000" r="50000" b="50000"/>
                   </a:path>
                 </a:gradFill>
-                <a:latin typeface="微软雅黑" pitchFamily="34" charset="-122"/>
-                <a:ea typeface="微软雅黑" pitchFamily="34" charset="-122"/>
+                <a:latin typeface="微软雅黑" panose="020B0503020204020204" pitchFamily="34" charset="-122"/>
+                <a:ea typeface="微软雅黑" panose="020B0503020204020204" pitchFamily="34" charset="-122"/>
               </a:rPr>
               <a:t>成 员 项 目 分 配</a:t>
             </a:r>
@@ -13245,8 +12832,8 @@
                   <a:fillToRect l="50000" t="50000" r="50000" b="50000"/>
                 </a:path>
               </a:gradFill>
-              <a:latin typeface="微软雅黑" pitchFamily="34" charset="-122"/>
-              <a:ea typeface="微软雅黑" pitchFamily="34" charset="-122"/>
+              <a:latin typeface="微软雅黑" panose="020B0503020204020204" pitchFamily="34" charset="-122"/>
+              <a:ea typeface="微软雅黑" panose="020B0503020204020204" pitchFamily="34" charset="-122"/>
             </a:endParaRPr>
           </a:p>
         </p:txBody>
@@ -13317,8 +12904,8 @@
             <a:p>
               <a:pPr algn="ctr"/>
               <a:endParaRPr lang="zh-CN" altLang="en-US">
-                <a:latin typeface="微软雅黑" pitchFamily="34" charset="-122"/>
-                <a:ea typeface="微软雅黑" pitchFamily="34" charset="-122"/>
+                <a:latin typeface="微软雅黑" panose="020B0503020204020204" pitchFamily="34" charset="-122"/>
+                <a:ea typeface="微软雅黑" panose="020B0503020204020204" pitchFamily="34" charset="-122"/>
               </a:endParaRPr>
             </a:p>
           </p:txBody>
@@ -13361,8 +12948,8 @@
                       <a:fillToRect l="50000" t="50000" r="50000" b="50000"/>
                     </a:path>
                   </a:gradFill>
-                  <a:latin typeface="微软雅黑" pitchFamily="34" charset="-122"/>
-                  <a:ea typeface="微软雅黑" pitchFamily="34" charset="-122"/>
+                  <a:latin typeface="微软雅黑" panose="020B0503020204020204" pitchFamily="34" charset="-122"/>
+                  <a:ea typeface="微软雅黑" panose="020B0503020204020204" pitchFamily="34" charset="-122"/>
                 </a:rPr>
                 <a:t>用户注册</a:t>
               </a:r>
@@ -13380,8 +12967,8 @@
                     <a:fillToRect l="50000" t="50000" r="50000" b="50000"/>
                   </a:path>
                 </a:gradFill>
-                <a:latin typeface="微软雅黑" pitchFamily="34" charset="-122"/>
-                <a:ea typeface="微软雅黑" pitchFamily="34" charset="-122"/>
+                <a:latin typeface="微软雅黑" panose="020B0503020204020204" pitchFamily="34" charset="-122"/>
+                <a:ea typeface="微软雅黑" panose="020B0503020204020204" pitchFamily="34" charset="-122"/>
               </a:endParaRPr>
             </a:p>
           </p:txBody>
@@ -13453,8 +13040,8 @@
             <a:p>
               <a:pPr algn="ctr"/>
               <a:endParaRPr lang="zh-CN" altLang="en-US">
-                <a:latin typeface="微软雅黑" pitchFamily="34" charset="-122"/>
-                <a:ea typeface="微软雅黑" pitchFamily="34" charset="-122"/>
+                <a:latin typeface="微软雅黑" panose="020B0503020204020204" pitchFamily="34" charset="-122"/>
+                <a:ea typeface="微软雅黑" panose="020B0503020204020204" pitchFamily="34" charset="-122"/>
               </a:endParaRPr>
             </a:p>
           </p:txBody>
@@ -13497,8 +13084,8 @@
                       <a:fillToRect l="50000" t="50000" r="50000" b="50000"/>
                     </a:path>
                   </a:gradFill>
-                  <a:latin typeface="微软雅黑" pitchFamily="34" charset="-122"/>
-                  <a:ea typeface="微软雅黑" pitchFamily="34" charset="-122"/>
+                  <a:latin typeface="微软雅黑" panose="020B0503020204020204" pitchFamily="34" charset="-122"/>
+                  <a:ea typeface="微软雅黑" panose="020B0503020204020204" pitchFamily="34" charset="-122"/>
                 </a:rPr>
                 <a:t>用户登录</a:t>
               </a:r>
@@ -13516,8 +13103,8 @@
                     <a:fillToRect l="50000" t="50000" r="50000" b="50000"/>
                   </a:path>
                 </a:gradFill>
-                <a:latin typeface="微软雅黑" pitchFamily="34" charset="-122"/>
-                <a:ea typeface="微软雅黑" pitchFamily="34" charset="-122"/>
+                <a:latin typeface="微软雅黑" panose="020B0503020204020204" pitchFamily="34" charset="-122"/>
+                <a:ea typeface="微软雅黑" panose="020B0503020204020204" pitchFamily="34" charset="-122"/>
               </a:endParaRPr>
             </a:p>
           </p:txBody>
@@ -13589,8 +13176,8 @@
             <a:p>
               <a:pPr algn="ctr"/>
               <a:endParaRPr lang="zh-CN" altLang="en-US">
-                <a:latin typeface="微软雅黑" pitchFamily="34" charset="-122"/>
-                <a:ea typeface="微软雅黑" pitchFamily="34" charset="-122"/>
+                <a:latin typeface="微软雅黑" panose="020B0503020204020204" pitchFamily="34" charset="-122"/>
+                <a:ea typeface="微软雅黑" panose="020B0503020204020204" pitchFamily="34" charset="-122"/>
               </a:endParaRPr>
             </a:p>
           </p:txBody>
@@ -13633,8 +13220,8 @@
                       <a:fillToRect l="50000" t="50000" r="50000" b="50000"/>
                     </a:path>
                   </a:gradFill>
-                  <a:latin typeface="微软雅黑" pitchFamily="34" charset="-122"/>
-                  <a:ea typeface="微软雅黑" pitchFamily="34" charset="-122"/>
+                  <a:latin typeface="微软雅黑" panose="020B0503020204020204" pitchFamily="34" charset="-122"/>
+                  <a:ea typeface="微软雅黑" panose="020B0503020204020204" pitchFamily="34" charset="-122"/>
                 </a:rPr>
                 <a:t>短信校验</a:t>
               </a:r>
@@ -13652,8 +13239,8 @@
                     <a:fillToRect l="50000" t="50000" r="50000" b="50000"/>
                   </a:path>
                 </a:gradFill>
-                <a:latin typeface="微软雅黑" pitchFamily="34" charset="-122"/>
-                <a:ea typeface="微软雅黑" pitchFamily="34" charset="-122"/>
+                <a:latin typeface="微软雅黑" panose="020B0503020204020204" pitchFamily="34" charset="-122"/>
+                <a:ea typeface="微软雅黑" panose="020B0503020204020204" pitchFamily="34" charset="-122"/>
               </a:endParaRPr>
             </a:p>
           </p:txBody>
@@ -13718,9 +13305,6 @@
         </p:style>
         <p:txBody>
           <a:bodyPr rot="0" spcFirstLastPara="0" vertOverflow="overflow" horzOverflow="overflow" vert="horz" wrap="square" lIns="91440" tIns="45720" rIns="91440" bIns="45720" numCol="1" spcCol="0" rtlCol="0" fromWordArt="0" anchor="ctr" anchorCtr="0" forceAA="0" compatLnSpc="1">
-            <a:prstTxWarp prst="textNoShape">
-              <a:avLst/>
-            </a:prstTxWarp>
             <a:noAutofit/>
           </a:bodyPr>
           <a:lstStyle/>
@@ -13730,8 +13314,8 @@
               <a:solidFill>
                 <a:srgbClr val="07405E"/>
               </a:solidFill>
-              <a:latin typeface="微软雅黑" pitchFamily="34" charset="-122"/>
-              <a:ea typeface="微软雅黑" pitchFamily="34" charset="-122"/>
+              <a:latin typeface="微软雅黑" panose="020B0503020204020204" pitchFamily="34" charset="-122"/>
+              <a:ea typeface="微软雅黑" panose="020B0503020204020204" pitchFamily="34" charset="-122"/>
             </a:endParaRPr>
           </a:p>
         </p:txBody>
@@ -13795,9 +13379,6 @@
         </p:style>
         <p:txBody>
           <a:bodyPr rot="0" spcFirstLastPara="0" vertOverflow="overflow" horzOverflow="overflow" vert="horz" wrap="square" lIns="91440" tIns="45720" rIns="91440" bIns="45720" numCol="1" spcCol="0" rtlCol="0" fromWordArt="0" anchor="ctr" anchorCtr="0" forceAA="0" compatLnSpc="1">
-            <a:prstTxWarp prst="textNoShape">
-              <a:avLst/>
-            </a:prstTxWarp>
             <a:noAutofit/>
           </a:bodyPr>
           <a:lstStyle/>
@@ -13807,8 +13388,8 @@
               <a:solidFill>
                 <a:srgbClr val="07405E"/>
               </a:solidFill>
-              <a:latin typeface="微软雅黑" pitchFamily="34" charset="-122"/>
-              <a:ea typeface="微软雅黑" pitchFamily="34" charset="-122"/>
+              <a:latin typeface="微软雅黑" panose="020B0503020204020204" pitchFamily="34" charset="-122"/>
+              <a:ea typeface="微软雅黑" panose="020B0503020204020204" pitchFamily="34" charset="-122"/>
             </a:endParaRPr>
           </a:p>
         </p:txBody>
@@ -13872,9 +13453,6 @@
         </p:style>
         <p:txBody>
           <a:bodyPr rot="0" spcFirstLastPara="0" vertOverflow="overflow" horzOverflow="overflow" vert="horz" wrap="square" lIns="91440" tIns="45720" rIns="91440" bIns="45720" numCol="1" spcCol="0" rtlCol="0" fromWordArt="0" anchor="ctr" anchorCtr="0" forceAA="0" compatLnSpc="1">
-            <a:prstTxWarp prst="textNoShape">
-              <a:avLst/>
-            </a:prstTxWarp>
             <a:noAutofit/>
           </a:bodyPr>
           <a:lstStyle/>
@@ -13884,8 +13462,8 @@
               <a:solidFill>
                 <a:srgbClr val="07405E"/>
               </a:solidFill>
-              <a:latin typeface="微软雅黑" pitchFamily="34" charset="-122"/>
-              <a:ea typeface="微软雅黑" pitchFamily="34" charset="-122"/>
+              <a:latin typeface="微软雅黑" panose="020B0503020204020204" pitchFamily="34" charset="-122"/>
+              <a:ea typeface="微软雅黑" panose="020B0503020204020204" pitchFamily="34" charset="-122"/>
             </a:endParaRPr>
           </a:p>
         </p:txBody>
@@ -13926,8 +13504,8 @@
                     <a:fillToRect l="50000" t="50000" r="50000" b="50000"/>
                   </a:path>
                 </a:gradFill>
-                <a:latin typeface="微软雅黑" pitchFamily="34" charset="-122"/>
-                <a:ea typeface="微软雅黑" pitchFamily="34" charset="-122"/>
+                <a:latin typeface="微软雅黑" panose="020B0503020204020204" pitchFamily="34" charset="-122"/>
+                <a:ea typeface="微软雅黑" panose="020B0503020204020204" pitchFamily="34" charset="-122"/>
               </a:rPr>
               <a:t>----------</a:t>
             </a:r>
@@ -13946,8 +13524,8 @@
                     <a:fillToRect l="50000" t="50000" r="50000" b="50000"/>
                   </a:path>
                 </a:gradFill>
-                <a:latin typeface="微软雅黑" pitchFamily="34" charset="-122"/>
-                <a:ea typeface="微软雅黑" pitchFamily="34" charset="-122"/>
+                <a:latin typeface="微软雅黑" panose="020B0503020204020204" pitchFamily="34" charset="-122"/>
+                <a:ea typeface="微软雅黑" panose="020B0503020204020204" pitchFamily="34" charset="-122"/>
               </a:rPr>
               <a:t>覃 基 敏</a:t>
             </a:r>
@@ -13965,90 +13543,24 @@
                   <a:fillToRect l="50000" t="50000" r="50000" b="50000"/>
                 </a:path>
               </a:gradFill>
-              <a:latin typeface="微软雅黑" pitchFamily="34" charset="-122"/>
-              <a:ea typeface="微软雅黑" pitchFamily="34" charset="-122"/>
-            </a:endParaRPr>
-          </a:p>
-        </p:txBody>
-      </p:sp>
-      <p:sp>
-        <p:nvSpPr>
-          <p:cNvPr id="16" name="矩形 15"/>
-          <p:cNvSpPr/>
-          <p:nvPr/>
-        </p:nvSpPr>
-        <p:spPr>
-          <a:xfrm>
-            <a:off x="5080337" y="3244334"/>
-            <a:ext cx="2031325" cy="369332"/>
-          </a:xfrm>
-          <a:prstGeom prst="rect">
-            <a:avLst/>
-          </a:prstGeom>
-        </p:spPr>
-        <p:txBody>
-          <a:bodyPr wrap="none">
-            <a:spAutoFit/>
-          </a:bodyPr>
-          <a:lstStyle/>
-          <a:p>
-            <a:r>
-              <a:rPr lang="zh-CN" altLang="en-US" b="1" u="sng" dirty="0">
-                <a:gradFill>
-                  <a:gsLst>
-                    <a:gs pos="100000">
-                      <a:srgbClr val="398EB6"/>
-                    </a:gs>
-                    <a:gs pos="0">
-                      <a:srgbClr val="B4DAF1"/>
-                    </a:gs>
-                  </a:gsLst>
-                  <a:path path="circle">
-                    <a:fillToRect l="50000" t="50000" r="50000" b="50000"/>
-                  </a:path>
-                </a:gradFill>
-                <a:latin typeface="微软雅黑" pitchFamily="34" charset="-122"/>
-                <a:ea typeface="微软雅黑" pitchFamily="34" charset="-122"/>
-              </a:rPr>
-              <a:t>成员分配所遇难题</a:t>
-            </a:r>
-            <a:endParaRPr lang="zh-CN" altLang="en-US" b="1" u="sng" dirty="0">
-              <a:gradFill>
-                <a:gsLst>
-                  <a:gs pos="100000">
-                    <a:srgbClr val="398EB6"/>
-                  </a:gs>
-                  <a:gs pos="0">
-                    <a:srgbClr val="B4DAF1"/>
-                  </a:gs>
-                </a:gsLst>
-                <a:path path="circle">
-                  <a:fillToRect l="50000" t="50000" r="50000" b="50000"/>
-                </a:path>
-              </a:gradFill>
-              <a:latin typeface="微软雅黑" pitchFamily="34" charset="-122"/>
-              <a:ea typeface="微软雅黑" pitchFamily="34" charset="-122"/>
+              <a:latin typeface="微软雅黑" panose="020B0503020204020204" pitchFamily="34" charset="-122"/>
+              <a:ea typeface="微软雅黑" panose="020B0503020204020204" pitchFamily="34" charset="-122"/>
             </a:endParaRPr>
           </a:p>
         </p:txBody>
       </p:sp>
     </p:spTree>
-    <p:extLst>
-      <p:ext uri="{BB962C8B-B14F-4D97-AF65-F5344CB8AC3E}">
-        <p14:creationId xmlns:p14="http://schemas.microsoft.com/office/powerpoint/2010/main" val="931050823"/>
-      </p:ext>
-    </p:extLst>
   </p:cSld>
   <p:clrMapOvr>
     <a:masterClrMapping/>
   </p:clrMapOvr>
-  <mc:AlternateContent xmlns:mc="http://schemas.openxmlformats.org/markup-compatibility/2006" xmlns:p14="http://schemas.microsoft.com/office/powerpoint/2010/main">
-    <mc:Choice Requires="p14">
+  <mc:AlternateContent xmlns:mc="http://schemas.openxmlformats.org/markup-compatibility/2006">
+    <mc:Choice xmlns:p14="http://schemas.microsoft.com/office/powerpoint/2010/main" Requires="p14">
       <p:transition spd="slow" p14:dur="2000" advTm="3532">
-        <p14:reveal dir="r"/>
+        <p14:reveal thruBlk="1"/>
       </p:transition>
     </mc:Choice>
-    <mc:Fallback xmlns="">
+    <mc:Fallback>
       <p:transition spd="slow" advTm="3532">
         <p:fade/>
       </p:transition>
@@ -14421,8 +13933,8 @@
                     <a:fillToRect l="50000" t="50000" r="50000" b="50000"/>
                   </a:path>
                 </a:gradFill>
-                <a:latin typeface="微软雅黑" pitchFamily="34" charset="-122"/>
-                <a:ea typeface="微软雅黑" pitchFamily="34" charset="-122"/>
+                <a:latin typeface="微软雅黑" panose="020B0503020204020204" pitchFamily="34" charset="-122"/>
+                <a:ea typeface="微软雅黑" panose="020B0503020204020204" pitchFamily="34" charset="-122"/>
               </a:rPr>
               <a:t>成 员 项 目 分 配</a:t>
             </a:r>
@@ -14440,8 +13952,8 @@
                   <a:fillToRect l="50000" t="50000" r="50000" b="50000"/>
                 </a:path>
               </a:gradFill>
-              <a:latin typeface="微软雅黑" pitchFamily="34" charset="-122"/>
-              <a:ea typeface="微软雅黑" pitchFamily="34" charset="-122"/>
+              <a:latin typeface="微软雅黑" panose="020B0503020204020204" pitchFamily="34" charset="-122"/>
+              <a:ea typeface="微软雅黑" panose="020B0503020204020204" pitchFamily="34" charset="-122"/>
             </a:endParaRPr>
           </a:p>
         </p:txBody>
@@ -14512,8 +14024,8 @@
             <a:p>
               <a:pPr algn="ctr"/>
               <a:endParaRPr lang="zh-CN" altLang="en-US">
-                <a:latin typeface="微软雅黑" pitchFamily="34" charset="-122"/>
-                <a:ea typeface="微软雅黑" pitchFamily="34" charset="-122"/>
+                <a:latin typeface="微软雅黑" panose="020B0503020204020204" pitchFamily="34" charset="-122"/>
+                <a:ea typeface="微软雅黑" panose="020B0503020204020204" pitchFamily="34" charset="-122"/>
               </a:endParaRPr>
             </a:p>
           </p:txBody>
@@ -14556,8 +14068,8 @@
                       <a:fillToRect l="50000" t="50000" r="50000" b="50000"/>
                     </a:path>
                   </a:gradFill>
-                  <a:latin typeface="微软雅黑" pitchFamily="34" charset="-122"/>
-                  <a:ea typeface="微软雅黑" pitchFamily="34" charset="-122"/>
+                  <a:latin typeface="微软雅黑" panose="020B0503020204020204" pitchFamily="34" charset="-122"/>
+                  <a:ea typeface="微软雅黑" panose="020B0503020204020204" pitchFamily="34" charset="-122"/>
                 </a:rPr>
                 <a:t>查询</a:t>
               </a:r>
@@ -14575,8 +14087,8 @@
                     <a:fillToRect l="50000" t="50000" r="50000" b="50000"/>
                   </a:path>
                 </a:gradFill>
-                <a:latin typeface="微软雅黑" pitchFamily="34" charset="-122"/>
-                <a:ea typeface="微软雅黑" pitchFamily="34" charset="-122"/>
+                <a:latin typeface="微软雅黑" panose="020B0503020204020204" pitchFamily="34" charset="-122"/>
+                <a:ea typeface="微软雅黑" panose="020B0503020204020204" pitchFamily="34" charset="-122"/>
               </a:endParaRPr>
             </a:p>
             <a:p>
@@ -14596,8 +14108,8 @@
                       <a:fillToRect l="50000" t="50000" r="50000" b="50000"/>
                     </a:path>
                   </a:gradFill>
-                  <a:latin typeface="微软雅黑" pitchFamily="34" charset="-122"/>
-                  <a:ea typeface="微软雅黑" pitchFamily="34" charset="-122"/>
+                  <a:latin typeface="微软雅黑" panose="020B0503020204020204" pitchFamily="34" charset="-122"/>
+                  <a:ea typeface="微软雅黑" panose="020B0503020204020204" pitchFamily="34" charset="-122"/>
                 </a:rPr>
                 <a:t>全部订单</a:t>
               </a:r>
@@ -14615,8 +14127,8 @@
                     <a:fillToRect l="50000" t="50000" r="50000" b="50000"/>
                   </a:path>
                 </a:gradFill>
-                <a:latin typeface="微软雅黑" pitchFamily="34" charset="-122"/>
-                <a:ea typeface="微软雅黑" pitchFamily="34" charset="-122"/>
+                <a:latin typeface="微软雅黑" panose="020B0503020204020204" pitchFamily="34" charset="-122"/>
+                <a:ea typeface="微软雅黑" panose="020B0503020204020204" pitchFamily="34" charset="-122"/>
               </a:endParaRPr>
             </a:p>
           </p:txBody>
@@ -14688,8 +14200,8 @@
             <a:p>
               <a:pPr algn="ctr"/>
               <a:endParaRPr lang="zh-CN" altLang="en-US">
-                <a:latin typeface="微软雅黑" pitchFamily="34" charset="-122"/>
-                <a:ea typeface="微软雅黑" pitchFamily="34" charset="-122"/>
+                <a:latin typeface="微软雅黑" panose="020B0503020204020204" pitchFamily="34" charset="-122"/>
+                <a:ea typeface="微软雅黑" panose="020B0503020204020204" pitchFamily="34" charset="-122"/>
               </a:endParaRPr>
             </a:p>
           </p:txBody>
@@ -14732,8 +14244,8 @@
                       <a:fillToRect l="50000" t="50000" r="50000" b="50000"/>
                     </a:path>
                   </a:gradFill>
-                  <a:latin typeface="微软雅黑" pitchFamily="34" charset="-122"/>
-                  <a:ea typeface="微软雅黑" pitchFamily="34" charset="-122"/>
+                  <a:latin typeface="微软雅黑" panose="020B0503020204020204" pitchFamily="34" charset="-122"/>
+                  <a:ea typeface="微软雅黑" panose="020B0503020204020204" pitchFamily="34" charset="-122"/>
                 </a:rPr>
                 <a:t>待付款</a:t>
               </a:r>
@@ -14751,8 +14263,8 @@
                     <a:fillToRect l="50000" t="50000" r="50000" b="50000"/>
                   </a:path>
                 </a:gradFill>
-                <a:latin typeface="微软雅黑" pitchFamily="34" charset="-122"/>
-                <a:ea typeface="微软雅黑" pitchFamily="34" charset="-122"/>
+                <a:latin typeface="微软雅黑" panose="020B0503020204020204" pitchFamily="34" charset="-122"/>
+                <a:ea typeface="微软雅黑" panose="020B0503020204020204" pitchFamily="34" charset="-122"/>
               </a:endParaRPr>
             </a:p>
             <a:p>
@@ -14772,8 +14284,8 @@
                       <a:fillToRect l="50000" t="50000" r="50000" b="50000"/>
                     </a:path>
                   </a:gradFill>
-                  <a:latin typeface="微软雅黑" pitchFamily="34" charset="-122"/>
-                  <a:ea typeface="微软雅黑" pitchFamily="34" charset="-122"/>
+                  <a:latin typeface="微软雅黑" panose="020B0503020204020204" pitchFamily="34" charset="-122"/>
+                  <a:ea typeface="微软雅黑" panose="020B0503020204020204" pitchFamily="34" charset="-122"/>
                 </a:rPr>
                 <a:t>待评价</a:t>
               </a:r>
@@ -14791,8 +14303,8 @@
                     <a:fillToRect l="50000" t="50000" r="50000" b="50000"/>
                   </a:path>
                 </a:gradFill>
-                <a:latin typeface="微软雅黑" pitchFamily="34" charset="-122"/>
-                <a:ea typeface="微软雅黑" pitchFamily="34" charset="-122"/>
+                <a:latin typeface="微软雅黑" panose="020B0503020204020204" pitchFamily="34" charset="-122"/>
+                <a:ea typeface="微软雅黑" panose="020B0503020204020204" pitchFamily="34" charset="-122"/>
               </a:endParaRPr>
             </a:p>
             <a:p>
@@ -14812,8 +14324,8 @@
                       <a:fillToRect l="50000" t="50000" r="50000" b="50000"/>
                     </a:path>
                   </a:gradFill>
-                  <a:latin typeface="微软雅黑" pitchFamily="34" charset="-122"/>
-                  <a:ea typeface="微软雅黑" pitchFamily="34" charset="-122"/>
+                  <a:latin typeface="微软雅黑" panose="020B0503020204020204" pitchFamily="34" charset="-122"/>
+                  <a:ea typeface="微软雅黑" panose="020B0503020204020204" pitchFamily="34" charset="-122"/>
                 </a:rPr>
                 <a:t>已完成</a:t>
               </a:r>
@@ -14831,8 +14343,8 @@
                     <a:fillToRect l="50000" t="50000" r="50000" b="50000"/>
                   </a:path>
                 </a:gradFill>
-                <a:latin typeface="微软雅黑" pitchFamily="34" charset="-122"/>
-                <a:ea typeface="微软雅黑" pitchFamily="34" charset="-122"/>
+                <a:latin typeface="微软雅黑" panose="020B0503020204020204" pitchFamily="34" charset="-122"/>
+                <a:ea typeface="微软雅黑" panose="020B0503020204020204" pitchFamily="34" charset="-122"/>
               </a:endParaRPr>
             </a:p>
           </p:txBody>
@@ -14904,8 +14416,8 @@
             <a:p>
               <a:pPr algn="ctr"/>
               <a:endParaRPr lang="zh-CN" altLang="en-US">
-                <a:latin typeface="微软雅黑" pitchFamily="34" charset="-122"/>
-                <a:ea typeface="微软雅黑" pitchFamily="34" charset="-122"/>
+                <a:latin typeface="微软雅黑" panose="020B0503020204020204" pitchFamily="34" charset="-122"/>
+                <a:ea typeface="微软雅黑" panose="020B0503020204020204" pitchFamily="34" charset="-122"/>
               </a:endParaRPr>
             </a:p>
           </p:txBody>
@@ -14948,8 +14460,8 @@
                       <a:fillToRect l="50000" t="50000" r="50000" b="50000"/>
                     </a:path>
                   </a:gradFill>
-                  <a:latin typeface="微软雅黑" pitchFamily="34" charset="-122"/>
-                  <a:ea typeface="微软雅黑" pitchFamily="34" charset="-122"/>
+                  <a:latin typeface="微软雅黑" panose="020B0503020204020204" pitchFamily="34" charset="-122"/>
+                  <a:ea typeface="微软雅黑" panose="020B0503020204020204" pitchFamily="34" charset="-122"/>
                 </a:rPr>
                 <a:t>取消订单</a:t>
               </a:r>
@@ -14967,8 +14479,8 @@
                     <a:fillToRect l="50000" t="50000" r="50000" b="50000"/>
                   </a:path>
                 </a:gradFill>
-                <a:latin typeface="微软雅黑" pitchFamily="34" charset="-122"/>
-                <a:ea typeface="微软雅黑" pitchFamily="34" charset="-122"/>
+                <a:latin typeface="微软雅黑" panose="020B0503020204020204" pitchFamily="34" charset="-122"/>
+                <a:ea typeface="微软雅黑" panose="020B0503020204020204" pitchFamily="34" charset="-122"/>
               </a:endParaRPr>
             </a:p>
           </p:txBody>
@@ -15033,9 +14545,6 @@
         </p:style>
         <p:txBody>
           <a:bodyPr rot="0" spcFirstLastPara="0" vertOverflow="overflow" horzOverflow="overflow" vert="horz" wrap="square" lIns="91440" tIns="45720" rIns="91440" bIns="45720" numCol="1" spcCol="0" rtlCol="0" fromWordArt="0" anchor="ctr" anchorCtr="0" forceAA="0" compatLnSpc="1">
-            <a:prstTxWarp prst="textNoShape">
-              <a:avLst/>
-            </a:prstTxWarp>
             <a:noAutofit/>
           </a:bodyPr>
           <a:lstStyle/>
@@ -15045,8 +14554,8 @@
               <a:solidFill>
                 <a:srgbClr val="07405E"/>
               </a:solidFill>
-              <a:latin typeface="微软雅黑" pitchFamily="34" charset="-122"/>
-              <a:ea typeface="微软雅黑" pitchFamily="34" charset="-122"/>
+              <a:latin typeface="微软雅黑" panose="020B0503020204020204" pitchFamily="34" charset="-122"/>
+              <a:ea typeface="微软雅黑" panose="020B0503020204020204" pitchFamily="34" charset="-122"/>
             </a:endParaRPr>
           </a:p>
         </p:txBody>
@@ -15110,9 +14619,6 @@
         </p:style>
         <p:txBody>
           <a:bodyPr rot="0" spcFirstLastPara="0" vertOverflow="overflow" horzOverflow="overflow" vert="horz" wrap="square" lIns="91440" tIns="45720" rIns="91440" bIns="45720" numCol="1" spcCol="0" rtlCol="0" fromWordArt="0" anchor="ctr" anchorCtr="0" forceAA="0" compatLnSpc="1">
-            <a:prstTxWarp prst="textNoShape">
-              <a:avLst/>
-            </a:prstTxWarp>
             <a:noAutofit/>
           </a:bodyPr>
           <a:lstStyle/>
@@ -15122,8 +14628,8 @@
               <a:solidFill>
                 <a:srgbClr val="07405E"/>
               </a:solidFill>
-              <a:latin typeface="微软雅黑" pitchFamily="34" charset="-122"/>
-              <a:ea typeface="微软雅黑" pitchFamily="34" charset="-122"/>
+              <a:latin typeface="微软雅黑" panose="020B0503020204020204" pitchFamily="34" charset="-122"/>
+              <a:ea typeface="微软雅黑" panose="020B0503020204020204" pitchFamily="34" charset="-122"/>
             </a:endParaRPr>
           </a:p>
         </p:txBody>
@@ -15187,9 +14693,6 @@
         </p:style>
         <p:txBody>
           <a:bodyPr rot="0" spcFirstLastPara="0" vertOverflow="overflow" horzOverflow="overflow" vert="horz" wrap="square" lIns="91440" tIns="45720" rIns="91440" bIns="45720" numCol="1" spcCol="0" rtlCol="0" fromWordArt="0" anchor="ctr" anchorCtr="0" forceAA="0" compatLnSpc="1">
-            <a:prstTxWarp prst="textNoShape">
-              <a:avLst/>
-            </a:prstTxWarp>
             <a:noAutofit/>
           </a:bodyPr>
           <a:lstStyle/>
@@ -15199,8 +14702,8 @@
               <a:solidFill>
                 <a:srgbClr val="07405E"/>
               </a:solidFill>
-              <a:latin typeface="微软雅黑" pitchFamily="34" charset="-122"/>
-              <a:ea typeface="微软雅黑" pitchFamily="34" charset="-122"/>
+              <a:latin typeface="微软雅黑" panose="020B0503020204020204" pitchFamily="34" charset="-122"/>
+              <a:ea typeface="微软雅黑" panose="020B0503020204020204" pitchFamily="34" charset="-122"/>
             </a:endParaRPr>
           </a:p>
         </p:txBody>
@@ -15241,8 +14744,8 @@
                     <a:fillToRect l="50000" t="50000" r="50000" b="50000"/>
                   </a:path>
                 </a:gradFill>
-                <a:latin typeface="微软雅黑" pitchFamily="34" charset="-122"/>
-                <a:ea typeface="微软雅黑" pitchFamily="34" charset="-122"/>
+                <a:latin typeface="微软雅黑" panose="020B0503020204020204" pitchFamily="34" charset="-122"/>
+                <a:ea typeface="微软雅黑" panose="020B0503020204020204" pitchFamily="34" charset="-122"/>
               </a:rPr>
               <a:t>----------</a:t>
             </a:r>
@@ -15261,8 +14764,8 @@
                     <a:fillToRect l="50000" t="50000" r="50000" b="50000"/>
                   </a:path>
                 </a:gradFill>
-                <a:latin typeface="微软雅黑" pitchFamily="34" charset="-122"/>
-                <a:ea typeface="微软雅黑" pitchFamily="34" charset="-122"/>
+                <a:latin typeface="微软雅黑" panose="020B0503020204020204" pitchFamily="34" charset="-122"/>
+                <a:ea typeface="微软雅黑" panose="020B0503020204020204" pitchFamily="34" charset="-122"/>
               </a:rPr>
               <a:t>柳 琪</a:t>
             </a:r>
@@ -15280,90 +14783,24 @@
                   <a:fillToRect l="50000" t="50000" r="50000" b="50000"/>
                 </a:path>
               </a:gradFill>
-              <a:latin typeface="微软雅黑" pitchFamily="34" charset="-122"/>
-              <a:ea typeface="微软雅黑" pitchFamily="34" charset="-122"/>
-            </a:endParaRPr>
-          </a:p>
-        </p:txBody>
-      </p:sp>
-      <p:sp>
-        <p:nvSpPr>
-          <p:cNvPr id="16" name="矩形 15"/>
-          <p:cNvSpPr/>
-          <p:nvPr/>
-        </p:nvSpPr>
-        <p:spPr>
-          <a:xfrm>
-            <a:off x="5080337" y="3244334"/>
-            <a:ext cx="2031325" cy="369332"/>
-          </a:xfrm>
-          <a:prstGeom prst="rect">
-            <a:avLst/>
-          </a:prstGeom>
-        </p:spPr>
-        <p:txBody>
-          <a:bodyPr wrap="none">
-            <a:spAutoFit/>
-          </a:bodyPr>
-          <a:lstStyle/>
-          <a:p>
-            <a:r>
-              <a:rPr lang="zh-CN" altLang="en-US" b="1" u="sng" dirty="0">
-                <a:gradFill>
-                  <a:gsLst>
-                    <a:gs pos="100000">
-                      <a:srgbClr val="398EB6"/>
-                    </a:gs>
-                    <a:gs pos="0">
-                      <a:srgbClr val="B4DAF1"/>
-                    </a:gs>
-                  </a:gsLst>
-                  <a:path path="circle">
-                    <a:fillToRect l="50000" t="50000" r="50000" b="50000"/>
-                  </a:path>
-                </a:gradFill>
-                <a:latin typeface="微软雅黑" pitchFamily="34" charset="-122"/>
-                <a:ea typeface="微软雅黑" pitchFamily="34" charset="-122"/>
-              </a:rPr>
-              <a:t>成员分配所遇难题</a:t>
-            </a:r>
-            <a:endParaRPr lang="zh-CN" altLang="en-US" b="1" u="sng" dirty="0">
-              <a:gradFill>
-                <a:gsLst>
-                  <a:gs pos="100000">
-                    <a:srgbClr val="398EB6"/>
-                  </a:gs>
-                  <a:gs pos="0">
-                    <a:srgbClr val="B4DAF1"/>
-                  </a:gs>
-                </a:gsLst>
-                <a:path path="circle">
-                  <a:fillToRect l="50000" t="50000" r="50000" b="50000"/>
-                </a:path>
-              </a:gradFill>
-              <a:latin typeface="微软雅黑" pitchFamily="34" charset="-122"/>
-              <a:ea typeface="微软雅黑" pitchFamily="34" charset="-122"/>
+              <a:latin typeface="微软雅黑" panose="020B0503020204020204" pitchFamily="34" charset="-122"/>
+              <a:ea typeface="微软雅黑" panose="020B0503020204020204" pitchFamily="34" charset="-122"/>
             </a:endParaRPr>
           </a:p>
         </p:txBody>
       </p:sp>
     </p:spTree>
-    <p:extLst>
-      <p:ext uri="{BB962C8B-B14F-4D97-AF65-F5344CB8AC3E}">
-        <p14:creationId xmlns:p14="http://schemas.microsoft.com/office/powerpoint/2010/main" val="1653840865"/>
-      </p:ext>
-    </p:extLst>
   </p:cSld>
   <p:clrMapOvr>
     <a:masterClrMapping/>
   </p:clrMapOvr>
-  <mc:AlternateContent xmlns:mc="http://schemas.openxmlformats.org/markup-compatibility/2006" xmlns:p14="http://schemas.microsoft.com/office/powerpoint/2010/main">
-    <mc:Choice Requires="p14">
+  <mc:AlternateContent xmlns:mc="http://schemas.openxmlformats.org/markup-compatibility/2006">
+    <mc:Choice xmlns:p14="http://schemas.microsoft.com/office/powerpoint/2010/main" Requires="p14">
       <p:transition spd="slow" p14:dur="2000" advTm="3532">
-        <p14:reveal dir="r"/>
+        <p14:reveal thruBlk="1"/>
       </p:transition>
     </mc:Choice>
-    <mc:Fallback xmlns="">
+    <mc:Fallback>
       <p:transition spd="slow" advTm="3532">
         <p:fade/>
       </p:transition>
@@ -15736,8 +15173,8 @@
                     <a:fillToRect l="50000" t="50000" r="50000" b="50000"/>
                   </a:path>
                 </a:gradFill>
-                <a:latin typeface="微软雅黑" pitchFamily="34" charset="-122"/>
-                <a:ea typeface="微软雅黑" pitchFamily="34" charset="-122"/>
+                <a:latin typeface="微软雅黑" panose="020B0503020204020204" pitchFamily="34" charset="-122"/>
+                <a:ea typeface="微软雅黑" panose="020B0503020204020204" pitchFamily="34" charset="-122"/>
               </a:rPr>
               <a:t>成 员 项 目 分 配</a:t>
             </a:r>
@@ -15755,8 +15192,8 @@
                   <a:fillToRect l="50000" t="50000" r="50000" b="50000"/>
                 </a:path>
               </a:gradFill>
-              <a:latin typeface="微软雅黑" pitchFamily="34" charset="-122"/>
-              <a:ea typeface="微软雅黑" pitchFamily="34" charset="-122"/>
+              <a:latin typeface="微软雅黑" panose="020B0503020204020204" pitchFamily="34" charset="-122"/>
+              <a:ea typeface="微软雅黑" panose="020B0503020204020204" pitchFamily="34" charset="-122"/>
             </a:endParaRPr>
           </a:p>
         </p:txBody>
@@ -15827,8 +15264,8 @@
             <a:p>
               <a:pPr algn="ctr"/>
               <a:endParaRPr lang="zh-CN" altLang="en-US">
-                <a:latin typeface="微软雅黑" pitchFamily="34" charset="-122"/>
-                <a:ea typeface="微软雅黑" pitchFamily="34" charset="-122"/>
+                <a:latin typeface="微软雅黑" panose="020B0503020204020204" pitchFamily="34" charset="-122"/>
+                <a:ea typeface="微软雅黑" panose="020B0503020204020204" pitchFamily="34" charset="-122"/>
               </a:endParaRPr>
             </a:p>
           </p:txBody>
@@ -15871,8 +15308,8 @@
                       <a:fillToRect l="50000" t="50000" r="50000" b="50000"/>
                     </a:path>
                   </a:gradFill>
-                  <a:latin typeface="微软雅黑" pitchFamily="34" charset="-122"/>
-                  <a:ea typeface="微软雅黑" pitchFamily="34" charset="-122"/>
+                  <a:latin typeface="微软雅黑" panose="020B0503020204020204" pitchFamily="34" charset="-122"/>
+                  <a:ea typeface="微软雅黑" panose="020B0503020204020204" pitchFamily="34" charset="-122"/>
                 </a:rPr>
                 <a:t>回显用户</a:t>
               </a:r>
@@ -15890,8 +15327,8 @@
                     <a:fillToRect l="50000" t="50000" r="50000" b="50000"/>
                   </a:path>
                 </a:gradFill>
-                <a:latin typeface="微软雅黑" pitchFamily="34" charset="-122"/>
-                <a:ea typeface="微软雅黑" pitchFamily="34" charset="-122"/>
+                <a:latin typeface="微软雅黑" panose="020B0503020204020204" pitchFamily="34" charset="-122"/>
+                <a:ea typeface="微软雅黑" panose="020B0503020204020204" pitchFamily="34" charset="-122"/>
               </a:endParaRPr>
             </a:p>
             <a:p>
@@ -15911,8 +15348,8 @@
                       <a:fillToRect l="50000" t="50000" r="50000" b="50000"/>
                     </a:path>
                   </a:gradFill>
-                  <a:latin typeface="微软雅黑" pitchFamily="34" charset="-122"/>
-                  <a:ea typeface="微软雅黑" pitchFamily="34" charset="-122"/>
+                  <a:latin typeface="微软雅黑" panose="020B0503020204020204" pitchFamily="34" charset="-122"/>
+                  <a:ea typeface="微软雅黑" panose="020B0503020204020204" pitchFamily="34" charset="-122"/>
                 </a:rPr>
                 <a:t>信息</a:t>
               </a:r>
@@ -15930,8 +15367,8 @@
                     <a:fillToRect l="50000" t="50000" r="50000" b="50000"/>
                   </a:path>
                 </a:gradFill>
-                <a:latin typeface="微软雅黑" pitchFamily="34" charset="-122"/>
-                <a:ea typeface="微软雅黑" pitchFamily="34" charset="-122"/>
+                <a:latin typeface="微软雅黑" panose="020B0503020204020204" pitchFamily="34" charset="-122"/>
+                <a:ea typeface="微软雅黑" panose="020B0503020204020204" pitchFamily="34" charset="-122"/>
               </a:endParaRPr>
             </a:p>
           </p:txBody>
@@ -16003,8 +15440,8 @@
             <a:p>
               <a:pPr algn="ctr"/>
               <a:endParaRPr lang="zh-CN" altLang="en-US">
-                <a:latin typeface="微软雅黑" pitchFamily="34" charset="-122"/>
-                <a:ea typeface="微软雅黑" pitchFamily="34" charset="-122"/>
+                <a:latin typeface="微软雅黑" panose="020B0503020204020204" pitchFamily="34" charset="-122"/>
+                <a:ea typeface="微软雅黑" panose="020B0503020204020204" pitchFamily="34" charset="-122"/>
               </a:endParaRPr>
             </a:p>
           </p:txBody>
@@ -16047,8 +15484,8 @@
                       <a:fillToRect l="50000" t="50000" r="50000" b="50000"/>
                     </a:path>
                   </a:gradFill>
-                  <a:latin typeface="微软雅黑" pitchFamily="34" charset="-122"/>
-                  <a:ea typeface="微软雅黑" pitchFamily="34" charset="-122"/>
+                  <a:latin typeface="微软雅黑" panose="020B0503020204020204" pitchFamily="34" charset="-122"/>
+                  <a:ea typeface="微软雅黑" panose="020B0503020204020204" pitchFamily="34" charset="-122"/>
                 </a:rPr>
                 <a:t>我的资产</a:t>
               </a:r>
@@ -16066,8 +15503,8 @@
                     <a:fillToRect l="50000" t="50000" r="50000" b="50000"/>
                   </a:path>
                 </a:gradFill>
-                <a:latin typeface="微软雅黑" pitchFamily="34" charset="-122"/>
-                <a:ea typeface="微软雅黑" pitchFamily="34" charset="-122"/>
+                <a:latin typeface="微软雅黑" panose="020B0503020204020204" pitchFamily="34" charset="-122"/>
+                <a:ea typeface="微软雅黑" panose="020B0503020204020204" pitchFamily="34" charset="-122"/>
               </a:endParaRPr>
             </a:p>
           </p:txBody>
@@ -16139,8 +15576,8 @@
             <a:p>
               <a:pPr algn="ctr"/>
               <a:endParaRPr lang="zh-CN" altLang="en-US">
-                <a:latin typeface="微软雅黑" pitchFamily="34" charset="-122"/>
-                <a:ea typeface="微软雅黑" pitchFamily="34" charset="-122"/>
+                <a:latin typeface="微软雅黑" panose="020B0503020204020204" pitchFamily="34" charset="-122"/>
+                <a:ea typeface="微软雅黑" panose="020B0503020204020204" pitchFamily="34" charset="-122"/>
               </a:endParaRPr>
             </a:p>
           </p:txBody>
@@ -16183,8 +15620,8 @@
                       <a:fillToRect l="50000" t="50000" r="50000" b="50000"/>
                     </a:path>
                   </a:gradFill>
-                  <a:latin typeface="微软雅黑" pitchFamily="34" charset="-122"/>
-                  <a:ea typeface="微软雅黑" pitchFamily="34" charset="-122"/>
+                  <a:latin typeface="微软雅黑" panose="020B0503020204020204" pitchFamily="34" charset="-122"/>
+                  <a:ea typeface="微软雅黑" panose="020B0503020204020204" pitchFamily="34" charset="-122"/>
                 </a:rPr>
                 <a:t>查看房屋</a:t>
               </a:r>
@@ -16202,8 +15639,8 @@
                     <a:fillToRect l="50000" t="50000" r="50000" b="50000"/>
                   </a:path>
                 </a:gradFill>
-                <a:latin typeface="微软雅黑" pitchFamily="34" charset="-122"/>
-                <a:ea typeface="微软雅黑" pitchFamily="34" charset="-122"/>
+                <a:latin typeface="微软雅黑" panose="020B0503020204020204" pitchFamily="34" charset="-122"/>
+                <a:ea typeface="微软雅黑" panose="020B0503020204020204" pitchFamily="34" charset="-122"/>
               </a:endParaRPr>
             </a:p>
             <a:p>
@@ -16223,8 +15660,8 @@
                       <a:fillToRect l="50000" t="50000" r="50000" b="50000"/>
                     </a:path>
                   </a:gradFill>
-                  <a:latin typeface="微软雅黑" pitchFamily="34" charset="-122"/>
-                  <a:ea typeface="微软雅黑" pitchFamily="34" charset="-122"/>
+                  <a:latin typeface="微软雅黑" panose="020B0503020204020204" pitchFamily="34" charset="-122"/>
+                  <a:ea typeface="微软雅黑" panose="020B0503020204020204" pitchFamily="34" charset="-122"/>
                 </a:rPr>
                 <a:t>信息</a:t>
               </a:r>
@@ -16242,8 +15679,8 @@
                     <a:fillToRect l="50000" t="50000" r="50000" b="50000"/>
                   </a:path>
                 </a:gradFill>
-                <a:latin typeface="微软雅黑" pitchFamily="34" charset="-122"/>
-                <a:ea typeface="微软雅黑" pitchFamily="34" charset="-122"/>
+                <a:latin typeface="微软雅黑" panose="020B0503020204020204" pitchFamily="34" charset="-122"/>
+                <a:ea typeface="微软雅黑" panose="020B0503020204020204" pitchFamily="34" charset="-122"/>
               </a:endParaRPr>
             </a:p>
           </p:txBody>
@@ -16308,9 +15745,6 @@
         </p:style>
         <p:txBody>
           <a:bodyPr rot="0" spcFirstLastPara="0" vertOverflow="overflow" horzOverflow="overflow" vert="horz" wrap="square" lIns="91440" tIns="45720" rIns="91440" bIns="45720" numCol="1" spcCol="0" rtlCol="0" fromWordArt="0" anchor="ctr" anchorCtr="0" forceAA="0" compatLnSpc="1">
-            <a:prstTxWarp prst="textNoShape">
-              <a:avLst/>
-            </a:prstTxWarp>
             <a:noAutofit/>
           </a:bodyPr>
           <a:lstStyle/>
@@ -16320,8 +15754,8 @@
               <a:solidFill>
                 <a:srgbClr val="07405E"/>
               </a:solidFill>
-              <a:latin typeface="微软雅黑" pitchFamily="34" charset="-122"/>
-              <a:ea typeface="微软雅黑" pitchFamily="34" charset="-122"/>
+              <a:latin typeface="微软雅黑" panose="020B0503020204020204" pitchFamily="34" charset="-122"/>
+              <a:ea typeface="微软雅黑" panose="020B0503020204020204" pitchFamily="34" charset="-122"/>
             </a:endParaRPr>
           </a:p>
         </p:txBody>
@@ -16385,9 +15819,6 @@
         </p:style>
         <p:txBody>
           <a:bodyPr rot="0" spcFirstLastPara="0" vertOverflow="overflow" horzOverflow="overflow" vert="horz" wrap="square" lIns="91440" tIns="45720" rIns="91440" bIns="45720" numCol="1" spcCol="0" rtlCol="0" fromWordArt="0" anchor="ctr" anchorCtr="0" forceAA="0" compatLnSpc="1">
-            <a:prstTxWarp prst="textNoShape">
-              <a:avLst/>
-            </a:prstTxWarp>
             <a:noAutofit/>
           </a:bodyPr>
           <a:lstStyle/>
@@ -16397,8 +15828,8 @@
               <a:solidFill>
                 <a:srgbClr val="07405E"/>
               </a:solidFill>
-              <a:latin typeface="微软雅黑" pitchFamily="34" charset="-122"/>
-              <a:ea typeface="微软雅黑" pitchFamily="34" charset="-122"/>
+              <a:latin typeface="微软雅黑" panose="020B0503020204020204" pitchFamily="34" charset="-122"/>
+              <a:ea typeface="微软雅黑" panose="020B0503020204020204" pitchFamily="34" charset="-122"/>
             </a:endParaRPr>
           </a:p>
         </p:txBody>
@@ -16462,9 +15893,6 @@
         </p:style>
         <p:txBody>
           <a:bodyPr rot="0" spcFirstLastPara="0" vertOverflow="overflow" horzOverflow="overflow" vert="horz" wrap="square" lIns="91440" tIns="45720" rIns="91440" bIns="45720" numCol="1" spcCol="0" rtlCol="0" fromWordArt="0" anchor="ctr" anchorCtr="0" forceAA="0" compatLnSpc="1">
-            <a:prstTxWarp prst="textNoShape">
-              <a:avLst/>
-            </a:prstTxWarp>
             <a:noAutofit/>
           </a:bodyPr>
           <a:lstStyle/>
@@ -16474,8 +15902,8 @@
               <a:solidFill>
                 <a:srgbClr val="07405E"/>
               </a:solidFill>
-              <a:latin typeface="微软雅黑" pitchFamily="34" charset="-122"/>
-              <a:ea typeface="微软雅黑" pitchFamily="34" charset="-122"/>
+              <a:latin typeface="微软雅黑" panose="020B0503020204020204" pitchFamily="34" charset="-122"/>
+              <a:ea typeface="微软雅黑" panose="020B0503020204020204" pitchFamily="34" charset="-122"/>
             </a:endParaRPr>
           </a:p>
         </p:txBody>
@@ -16516,8 +15944,8 @@
                     <a:fillToRect l="50000" t="50000" r="50000" b="50000"/>
                   </a:path>
                 </a:gradFill>
-                <a:latin typeface="微软雅黑" pitchFamily="34" charset="-122"/>
-                <a:ea typeface="微软雅黑" pitchFamily="34" charset="-122"/>
+                <a:latin typeface="微软雅黑" panose="020B0503020204020204" pitchFamily="34" charset="-122"/>
+                <a:ea typeface="微软雅黑" panose="020B0503020204020204" pitchFamily="34" charset="-122"/>
               </a:rPr>
               <a:t>----------</a:t>
             </a:r>
@@ -16536,8 +15964,8 @@
                     <a:fillToRect l="50000" t="50000" r="50000" b="50000"/>
                   </a:path>
                 </a:gradFill>
-                <a:latin typeface="微软雅黑" pitchFamily="34" charset="-122"/>
-                <a:ea typeface="微软雅黑" pitchFamily="34" charset="-122"/>
+                <a:latin typeface="微软雅黑" panose="020B0503020204020204" pitchFamily="34" charset="-122"/>
+                <a:ea typeface="微软雅黑" panose="020B0503020204020204" pitchFamily="34" charset="-122"/>
               </a:rPr>
               <a:t>温 群 杰</a:t>
             </a:r>
@@ -16555,90 +15983,24 @@
                   <a:fillToRect l="50000" t="50000" r="50000" b="50000"/>
                 </a:path>
               </a:gradFill>
-              <a:latin typeface="微软雅黑" pitchFamily="34" charset="-122"/>
-              <a:ea typeface="微软雅黑" pitchFamily="34" charset="-122"/>
-            </a:endParaRPr>
-          </a:p>
-        </p:txBody>
-      </p:sp>
-      <p:sp>
-        <p:nvSpPr>
-          <p:cNvPr id="16" name="矩形 15"/>
-          <p:cNvSpPr/>
-          <p:nvPr/>
-        </p:nvSpPr>
-        <p:spPr>
-          <a:xfrm>
-            <a:off x="5080337" y="3244334"/>
-            <a:ext cx="2031325" cy="369332"/>
-          </a:xfrm>
-          <a:prstGeom prst="rect">
-            <a:avLst/>
-          </a:prstGeom>
-        </p:spPr>
-        <p:txBody>
-          <a:bodyPr wrap="none">
-            <a:spAutoFit/>
-          </a:bodyPr>
-          <a:lstStyle/>
-          <a:p>
-            <a:r>
-              <a:rPr lang="zh-CN" altLang="en-US" b="1" u="sng" dirty="0">
-                <a:gradFill>
-                  <a:gsLst>
-                    <a:gs pos="100000">
-                      <a:srgbClr val="398EB6"/>
-                    </a:gs>
-                    <a:gs pos="0">
-                      <a:srgbClr val="B4DAF1"/>
-                    </a:gs>
-                  </a:gsLst>
-                  <a:path path="circle">
-                    <a:fillToRect l="50000" t="50000" r="50000" b="50000"/>
-                  </a:path>
-                </a:gradFill>
-                <a:latin typeface="微软雅黑" pitchFamily="34" charset="-122"/>
-                <a:ea typeface="微软雅黑" pitchFamily="34" charset="-122"/>
-              </a:rPr>
-              <a:t>成员分配所遇难题</a:t>
-            </a:r>
-            <a:endParaRPr lang="zh-CN" altLang="en-US" b="1" u="sng" dirty="0">
-              <a:gradFill>
-                <a:gsLst>
-                  <a:gs pos="100000">
-                    <a:srgbClr val="398EB6"/>
-                  </a:gs>
-                  <a:gs pos="0">
-                    <a:srgbClr val="B4DAF1"/>
-                  </a:gs>
-                </a:gsLst>
-                <a:path path="circle">
-                  <a:fillToRect l="50000" t="50000" r="50000" b="50000"/>
-                </a:path>
-              </a:gradFill>
-              <a:latin typeface="微软雅黑" pitchFamily="34" charset="-122"/>
-              <a:ea typeface="微软雅黑" pitchFamily="34" charset="-122"/>
+              <a:latin typeface="微软雅黑" panose="020B0503020204020204" pitchFamily="34" charset="-122"/>
+              <a:ea typeface="微软雅黑" panose="020B0503020204020204" pitchFamily="34" charset="-122"/>
             </a:endParaRPr>
           </a:p>
         </p:txBody>
       </p:sp>
     </p:spTree>
-    <p:extLst>
-      <p:ext uri="{BB962C8B-B14F-4D97-AF65-F5344CB8AC3E}">
-        <p14:creationId xmlns:p14="http://schemas.microsoft.com/office/powerpoint/2010/main" val="1365640511"/>
-      </p:ext>
-    </p:extLst>
   </p:cSld>
   <p:clrMapOvr>
     <a:masterClrMapping/>
   </p:clrMapOvr>
-  <mc:AlternateContent xmlns:mc="http://schemas.openxmlformats.org/markup-compatibility/2006" xmlns:p14="http://schemas.microsoft.com/office/powerpoint/2010/main">
-    <mc:Choice Requires="p14">
+  <mc:AlternateContent xmlns:mc="http://schemas.openxmlformats.org/markup-compatibility/2006">
+    <mc:Choice xmlns:p14="http://schemas.microsoft.com/office/powerpoint/2010/main" Requires="p14">
       <p:transition spd="slow" p14:dur="2000" advTm="3532">
-        <p14:reveal dir="r"/>
+        <p14:reveal thruBlk="1"/>
       </p:transition>
     </mc:Choice>
-    <mc:Fallback xmlns="">
+    <mc:Fallback>
       <p:transition spd="slow" advTm="3532">
         <p:fade/>
       </p:transition>
@@ -17555,13 +16917,11 @@
           </a:ln>
           <a:extLst>
             <a:ext uri="{91240B29-F687-4F45-9708-019B960494DF}">
-              <a14:hiddenLine xmlns:a14="http://schemas.microsoft.com/office/drawing/2010/main" w="9525" cmpd="sng">
+              <a14:hiddenLine xmlns:a14="http://schemas.microsoft.com/office/drawing/2010/main" w="9525">
                 <a:solidFill>
                   <a:srgbClr val="000000"/>
                 </a:solidFill>
                 <a:bevel/>
-                <a:headEnd/>
-                <a:tailEnd/>
               </a14:hiddenLine>
             </a:ext>
           </a:extLst>
@@ -17951,7 +17311,6 @@
                 <a:buSzTx/>
                 <a:buFontTx/>
                 <a:buNone/>
-                <a:tabLst/>
                 <a:defRPr/>
               </a:pPr>
               <a:r>
@@ -18021,7 +17380,6 @@
                 <a:buSzTx/>
                 <a:buFontTx/>
                 <a:buNone/>
-                <a:tabLst/>
                 <a:defRPr/>
               </a:pPr>
               <a:endParaRPr kumimoji="0" lang="en-US" altLang="zh-CN" sz="1100" b="0" i="0" u="none" strike="noStrike" kern="1200" cap="none" spc="0" normalizeH="0" baseline="0" noProof="0" dirty="0">
@@ -18137,6 +17495,11 @@
                 </a:rPr>
                 <a:t>的朋友，没有你们的帮助，我想我可能很凉凉，</a:t>
               </a:r>
+              <a:endParaRPr lang="zh-CN" altLang="en-US" sz="1400" dirty="0">
+                <a:solidFill>
+                  <a:schemeClr val="bg2"/>
+                </a:solidFill>
+              </a:endParaRPr>
             </a:p>
             <a:p>
               <a:endParaRPr lang="zh-CN" altLang="en-US" sz="1400" dirty="0"/>
@@ -18211,7 +17574,6 @@
                 <a:buSzTx/>
                 <a:buFontTx/>
                 <a:buNone/>
-                <a:tabLst/>
                 <a:defRPr/>
               </a:pPr>
               <a:r>
@@ -18264,9 +17626,7 @@
         <p:grpSp>
           <p:nvGrpSpPr>
             <p:cNvPr id="11290" name="组合 40"/>
-            <p:cNvGrpSpPr>
-              <a:grpSpLocks/>
-            </p:cNvGrpSpPr>
+            <p:cNvGrpSpPr/>
             <p:nvPr/>
           </p:nvGrpSpPr>
           <p:grpSpPr bwMode="auto">
@@ -18436,13 +17796,11 @@
               </a:ln>
               <a:extLst>
                 <a:ext uri="{91240B29-F687-4F45-9708-019B960494DF}">
-                  <a14:hiddenLine xmlns:a14="http://schemas.microsoft.com/office/drawing/2010/main" w="9525" cmpd="sng">
+                  <a14:hiddenLine xmlns:a14="http://schemas.microsoft.com/office/drawing/2010/main" w="9525">
                     <a:solidFill>
                       <a:srgbClr val="000000"/>
                     </a:solidFill>
                     <a:bevel/>
-                    <a:headEnd/>
-                    <a:tailEnd/>
                   </a14:hiddenLine>
                 </a:ext>
               </a:extLst>
@@ -18486,13 +17844,11 @@
               </a:ln>
               <a:extLst>
                 <a:ext uri="{91240B29-F687-4F45-9708-019B960494DF}">
-                  <a14:hiddenLine xmlns:a14="http://schemas.microsoft.com/office/drawing/2010/main" w="9525" cmpd="sng">
+                  <a14:hiddenLine xmlns:a14="http://schemas.microsoft.com/office/drawing/2010/main" w="9525">
                     <a:solidFill>
                       <a:srgbClr val="000000"/>
                     </a:solidFill>
                     <a:bevel/>
-                    <a:headEnd/>
-                    <a:tailEnd/>
                   </a14:hiddenLine>
                 </a:ext>
               </a:extLst>
@@ -18555,7 +17911,6 @@
                 <a:buSzTx/>
                 <a:buFontTx/>
                 <a:buNone/>
-                <a:tabLst/>
                 <a:defRPr/>
               </a:pPr>
               <a:r>
@@ -18613,7 +17968,6 @@
                 <a:buSzTx/>
                 <a:buFontTx/>
                 <a:buNone/>
-                <a:tabLst/>
                 <a:defRPr/>
               </a:pPr>
               <a:r>
@@ -18677,7 +18031,6 @@
                 <a:buSzTx/>
                 <a:buFontTx/>
                 <a:buNone/>
-                <a:tabLst/>
                 <a:defRPr/>
               </a:pPr>
               <a:r>
@@ -18769,13 +18122,11 @@
             </a:ln>
             <a:extLst>
               <a:ext uri="{91240B29-F687-4F45-9708-019B960494DF}">
-                <a14:hiddenLine xmlns:a14="http://schemas.microsoft.com/office/drawing/2010/main" w="12700" cap="flat" cmpd="sng">
+                <a14:hiddenLine xmlns:a14="http://schemas.microsoft.com/office/drawing/2010/main" w="12700">
                   <a:solidFill>
                     <a:srgbClr val="42719B"/>
                   </a:solidFill>
                   <a:bevel/>
-                  <a:headEnd/>
-                  <a:tailEnd/>
                 </a14:hiddenLine>
               </a:ext>
             </a:extLst>
@@ -18817,13 +18168,11 @@
             </a:ln>
             <a:extLst>
               <a:ext uri="{91240B29-F687-4F45-9708-019B960494DF}">
-                <a14:hiddenLine xmlns:a14="http://schemas.microsoft.com/office/drawing/2010/main" w="12700" cap="flat" cmpd="sng">
+                <a14:hiddenLine xmlns:a14="http://schemas.microsoft.com/office/drawing/2010/main" w="12700">
                   <a:solidFill>
                     <a:srgbClr val="42719B"/>
                   </a:solidFill>
                   <a:bevel/>
-                  <a:headEnd/>
-                  <a:tailEnd/>
                 </a14:hiddenLine>
               </a:ext>
             </a:extLst>
@@ -18861,8 +18210,6 @@
                 <a:schemeClr val="bg1"/>
               </a:solidFill>
               <a:bevel/>
-              <a:headEnd/>
-              <a:tailEnd/>
             </a:ln>
             <a:extLst>
               <a:ext uri="{909E8E84-426E-40DD-AFC4-6F175D3DCCD1}">
@@ -18886,9 +18233,7 @@
         <p:grpSp>
           <p:nvGrpSpPr>
             <p:cNvPr id="11287" name="组合 37"/>
-            <p:cNvGrpSpPr>
-              <a:grpSpLocks/>
-            </p:cNvGrpSpPr>
+            <p:cNvGrpSpPr/>
             <p:nvPr/>
           </p:nvGrpSpPr>
           <p:grpSpPr bwMode="auto">
@@ -19047,13 +18392,11 @@
               </a:ln>
               <a:extLst>
                 <a:ext uri="{91240B29-F687-4F45-9708-019B960494DF}">
-                  <a14:hiddenLine xmlns:a14="http://schemas.microsoft.com/office/drawing/2010/main" w="9525" cmpd="sng">
+                  <a14:hiddenLine xmlns:a14="http://schemas.microsoft.com/office/drawing/2010/main" w="9525">
                     <a:solidFill>
                       <a:srgbClr val="000000"/>
                     </a:solidFill>
                     <a:bevel/>
-                    <a:headEnd/>
-                    <a:tailEnd/>
                   </a14:hiddenLine>
                 </a:ext>
               </a:extLst>
@@ -19458,13 +18801,11 @@
               </a:ln>
               <a:extLst>
                 <a:ext uri="{91240B29-F687-4F45-9708-019B960494DF}">
-                  <a14:hiddenLine xmlns:a14="http://schemas.microsoft.com/office/drawing/2010/main" w="9525" cmpd="sng">
+                  <a14:hiddenLine xmlns:a14="http://schemas.microsoft.com/office/drawing/2010/main" w="9525">
                     <a:solidFill>
                       <a:srgbClr val="000000"/>
                     </a:solidFill>
                     <a:bevel/>
-                    <a:headEnd/>
-                    <a:tailEnd/>
                   </a14:hiddenLine>
                 </a:ext>
               </a:extLst>
@@ -19527,7 +18868,6 @@
                 <a:buSzTx/>
                 <a:buFontTx/>
                 <a:buNone/>
-                <a:tabLst/>
                 <a:defRPr/>
               </a:pPr>
               <a:r>
@@ -19621,7 +18961,6 @@
                 <a:buSzTx/>
                 <a:buFontTx/>
                 <a:buNone/>
-                <a:tabLst/>
                 <a:defRPr/>
               </a:pPr>
               <a:r>
@@ -19723,13 +19062,11 @@
             </a:ln>
             <a:extLst>
               <a:ext uri="{91240B29-F687-4F45-9708-019B960494DF}">
-                <a14:hiddenLine xmlns:a14="http://schemas.microsoft.com/office/drawing/2010/main" w="12700" cap="flat" cmpd="sng">
+                <a14:hiddenLine xmlns:a14="http://schemas.microsoft.com/office/drawing/2010/main" w="12700">
                   <a:solidFill>
                     <a:srgbClr val="42719B"/>
                   </a:solidFill>
                   <a:bevel/>
-                  <a:headEnd/>
-                  <a:tailEnd/>
                 </a14:hiddenLine>
               </a:ext>
             </a:extLst>
@@ -19771,13 +19108,11 @@
             </a:ln>
             <a:extLst>
               <a:ext uri="{91240B29-F687-4F45-9708-019B960494DF}">
-                <a14:hiddenLine xmlns:a14="http://schemas.microsoft.com/office/drawing/2010/main" w="12700" cap="flat" cmpd="sng">
+                <a14:hiddenLine xmlns:a14="http://schemas.microsoft.com/office/drawing/2010/main" w="12700">
                   <a:solidFill>
                     <a:srgbClr val="42719B"/>
                   </a:solidFill>
                   <a:bevel/>
-                  <a:headEnd/>
-                  <a:tailEnd/>
                 </a14:hiddenLine>
               </a:ext>
             </a:extLst>
@@ -19815,8 +19150,6 @@
                 <a:schemeClr val="bg1"/>
               </a:solidFill>
               <a:bevel/>
-              <a:headEnd/>
-              <a:tailEnd/>
             </a:ln>
             <a:extLst>
               <a:ext uri="{909E8E84-426E-40DD-AFC4-6F175D3DCCD1}">
@@ -19840,9 +19173,7 @@
         <p:grpSp>
           <p:nvGrpSpPr>
             <p:cNvPr id="11296" name="组合 46"/>
-            <p:cNvGrpSpPr>
-              <a:grpSpLocks/>
-            </p:cNvGrpSpPr>
+            <p:cNvGrpSpPr/>
             <p:nvPr/>
           </p:nvGrpSpPr>
           <p:grpSpPr bwMode="auto">
@@ -19966,13 +19297,11 @@
               </a:ln>
               <a:extLst>
                 <a:ext uri="{91240B29-F687-4F45-9708-019B960494DF}">
-                  <a14:hiddenLine xmlns:a14="http://schemas.microsoft.com/office/drawing/2010/main" w="9525" cmpd="sng">
+                  <a14:hiddenLine xmlns:a14="http://schemas.microsoft.com/office/drawing/2010/main" w="9525">
                     <a:solidFill>
                       <a:srgbClr val="000000"/>
                     </a:solidFill>
                     <a:bevel/>
-                    <a:headEnd/>
-                    <a:tailEnd/>
                   </a14:hiddenLine>
                 </a:ext>
               </a:extLst>
@@ -20104,13 +19433,11 @@
               </a:ln>
               <a:extLst>
                 <a:ext uri="{91240B29-F687-4F45-9708-019B960494DF}">
-                  <a14:hiddenLine xmlns:a14="http://schemas.microsoft.com/office/drawing/2010/main" w="9525" cmpd="sng">
+                  <a14:hiddenLine xmlns:a14="http://schemas.microsoft.com/office/drawing/2010/main" w="9525">
                     <a:solidFill>
                       <a:srgbClr val="000000"/>
                     </a:solidFill>
                     <a:bevel/>
-                    <a:headEnd/>
-                    <a:tailEnd/>
                   </a14:hiddenLine>
                 </a:ext>
               </a:extLst>
@@ -20242,13 +19569,11 @@
               </a:ln>
               <a:extLst>
                 <a:ext uri="{91240B29-F687-4F45-9708-019B960494DF}">
-                  <a14:hiddenLine xmlns:a14="http://schemas.microsoft.com/office/drawing/2010/main" w="9525" cmpd="sng">
+                  <a14:hiddenLine xmlns:a14="http://schemas.microsoft.com/office/drawing/2010/main" w="9525">
                     <a:solidFill>
                       <a:srgbClr val="000000"/>
                     </a:solidFill>
                     <a:bevel/>
-                    <a:headEnd/>
-                    <a:tailEnd/>
                   </a14:hiddenLine>
                 </a:ext>
               </a:extLst>
@@ -20311,7 +19636,6 @@
                 <a:buSzTx/>
                 <a:buFontTx/>
                 <a:buNone/>
-                <a:tabLst/>
                 <a:defRPr/>
               </a:pPr>
               <a:endParaRPr kumimoji="0" lang="zh-CN" altLang="en-US" sz="1400" b="0" i="0" u="none" strike="noStrike" kern="1200" cap="none" spc="0" normalizeH="0" baseline="0" noProof="0" dirty="0">
@@ -20435,22 +19759,17 @@
         </p:txBody>
       </p:sp>
     </p:spTree>
-    <p:extLst>
-      <p:ext uri="{BB962C8B-B14F-4D97-AF65-F5344CB8AC3E}">
-        <p14:creationId xmlns:p14="http://schemas.microsoft.com/office/powerpoint/2010/main" val="2445988800"/>
-      </p:ext>
-    </p:extLst>
   </p:cSld>
   <p:clrMapOvr>
     <a:masterClrMapping/>
   </p:clrMapOvr>
-  <mc:AlternateContent xmlns:mc="http://schemas.openxmlformats.org/markup-compatibility/2006" xmlns:p14="http://schemas.microsoft.com/office/powerpoint/2010/main">
-    <mc:Choice Requires="p14">
+  <mc:AlternateContent xmlns:mc="http://schemas.openxmlformats.org/markup-compatibility/2006">
+    <mc:Choice xmlns:p14="http://schemas.microsoft.com/office/powerpoint/2010/main" Requires="p14">
       <p:transition p14:dur="10">
         <p:random/>
       </p:transition>
     </mc:Choice>
-    <mc:Fallback xmlns="">
+    <mc:Fallback>
       <p:transition>
         <p:random/>
       </p:transition>
@@ -21918,13 +21237,7 @@
           <p:nvPr/>
         </p:nvPicPr>
         <p:blipFill>
-          <a:blip r:embed="rId3" cstate="screen">
-            <a:extLst>
-              <a:ext uri="{28A0092B-C50C-407E-A947-70E740481C1C}">
-                <a14:useLocalDpi xmlns:a14="http://schemas.microsoft.com/office/drawing/2010/main"/>
-              </a:ext>
-            </a:extLst>
-          </a:blip>
+          <a:blip r:embed="rId1" cstate="screen"/>
           <a:srcRect/>
           <a:stretch>
             <a:fillRect/>
@@ -21953,9 +21266,7 @@
       <p:sp>
         <p:nvSpPr>
           <p:cNvPr id="15" name="标题 1"/>
-          <p:cNvSpPr txBox="1">
-            <a:spLocks/>
-          </p:cNvSpPr>
+          <p:cNvSpPr txBox="1"/>
           <p:nvPr/>
         </p:nvSpPr>
         <p:spPr>
@@ -21990,8 +21301,8 @@
                     <a:fillToRect l="50000" t="50000" r="50000" b="50000"/>
                   </a:path>
                 </a:gradFill>
-                <a:latin typeface="微软雅黑" pitchFamily="34" charset="-122"/>
-                <a:ea typeface="微软雅黑" pitchFamily="34" charset="-122"/>
+                <a:latin typeface="微软雅黑" panose="020B0503020204020204" pitchFamily="34" charset="-122"/>
+                <a:ea typeface="微软雅黑" panose="020B0503020204020204" pitchFamily="34" charset="-122"/>
               </a:defRPr>
             </a:lvl1pPr>
           </a:lstStyle>
@@ -22010,22 +21321,17 @@
         </p:txBody>
       </p:sp>
     </p:spTree>
-    <p:extLst>
-      <p:ext uri="{BB962C8B-B14F-4D97-AF65-F5344CB8AC3E}">
-        <p14:creationId xmlns:p14="http://schemas.microsoft.com/office/powerpoint/2010/main" val="2845770398"/>
-      </p:ext>
-    </p:extLst>
   </p:cSld>
   <p:clrMapOvr>
     <a:masterClrMapping/>
   </p:clrMapOvr>
-  <mc:AlternateContent xmlns:mc="http://schemas.openxmlformats.org/markup-compatibility/2006" xmlns:p14="http://schemas.microsoft.com/office/powerpoint/2010/main">
-    <mc:Choice Requires="p14">
+  <mc:AlternateContent xmlns:mc="http://schemas.openxmlformats.org/markup-compatibility/2006">
+    <mc:Choice xmlns:p14="http://schemas.microsoft.com/office/powerpoint/2010/main" Requires="p14">
       <p:transition spd="slow" p14:dur="2000" advTm="2735">
-        <p14:reveal dir="r"/>
+        <p14:reveal thruBlk="1"/>
       </p:transition>
     </mc:Choice>
-    <mc:Fallback xmlns="">
+    <mc:Fallback>
       <p:transition spd="slow" advTm="2735">
         <p:fade/>
       </p:transition>
@@ -22269,8 +21575,8 @@
               <a:solidFill>
                 <a:schemeClr val="bg1"/>
               </a:solidFill>
-              <a:latin typeface="Arial"/>
-              <a:ea typeface="微软雅黑"/>
+              <a:latin typeface="Arial" panose="020B0604020202020204"/>
+              <a:ea typeface="微软雅黑" panose="020B0503020204020204" pitchFamily="34" charset="-122"/>
             </a:endParaRPr>
           </a:p>
         </p:txBody>
@@ -22311,8 +21617,8 @@
                     <a:fillToRect l="50000" t="50000" r="50000" b="50000"/>
                   </a:path>
                 </a:gradFill>
-                <a:latin typeface="微软雅黑" pitchFamily="34" charset="-122"/>
-                <a:ea typeface="微软雅黑" pitchFamily="34" charset="-122"/>
+                <a:latin typeface="微软雅黑" panose="020B0503020204020204" pitchFamily="34" charset="-122"/>
+                <a:ea typeface="微软雅黑" panose="020B0503020204020204" pitchFamily="34" charset="-122"/>
               </a:rPr>
               <a:t>  </a:t>
             </a:r>
@@ -22331,8 +21637,8 @@
                     <a:fillToRect l="50000" t="50000" r="50000" b="50000"/>
                   </a:path>
                 </a:gradFill>
-                <a:latin typeface="微软雅黑" pitchFamily="34" charset="-122"/>
-                <a:ea typeface="微软雅黑" pitchFamily="34" charset="-122"/>
+                <a:latin typeface="微软雅黑" panose="020B0503020204020204" pitchFamily="34" charset="-122"/>
+                <a:ea typeface="微软雅黑" panose="020B0503020204020204" pitchFamily="34" charset="-122"/>
               </a:rPr>
               <a:t>项 目 初 衷</a:t>
             </a:r>
@@ -22350,8 +21656,8 @@
                   <a:fillToRect l="50000" t="50000" r="50000" b="50000"/>
                 </a:path>
               </a:gradFill>
-              <a:latin typeface="微软雅黑" pitchFamily="34" charset="-122"/>
-              <a:ea typeface="微软雅黑" pitchFamily="34" charset="-122"/>
+              <a:latin typeface="微软雅黑" panose="020B0503020204020204" pitchFamily="34" charset="-122"/>
+              <a:ea typeface="微软雅黑" panose="020B0503020204020204" pitchFamily="34" charset="-122"/>
             </a:endParaRPr>
           </a:p>
         </p:txBody>
@@ -22391,8 +21697,8 @@
                 <a:solidFill>
                   <a:prstClr val="white"/>
                 </a:solidFill>
-                <a:latin typeface="Arial"/>
-                <a:ea typeface="微软雅黑"/>
+                <a:latin typeface="Arial" panose="020B0604020202020204"/>
+                <a:ea typeface="微软雅黑" panose="020B0503020204020204" pitchFamily="34" charset="-122"/>
               </a:rPr>
               <a:t>	</a:t>
             </a:r>
@@ -22404,8 +21710,8 @@
                     <a:lumOff val="40000"/>
                   </a:schemeClr>
                 </a:solidFill>
-                <a:latin typeface="Arial"/>
-                <a:ea typeface="微软雅黑"/>
+                <a:latin typeface="Arial" panose="020B0604020202020204"/>
+                <a:ea typeface="微软雅黑" panose="020B0503020204020204" pitchFamily="34" charset="-122"/>
               </a:rPr>
               <a:t>能 够 在 这 次 项 目 实 战 中，</a:t>
             </a:r>
@@ -22416,8 +21722,8 @@
                   <a:lumOff val="40000"/>
                 </a:schemeClr>
               </a:solidFill>
-              <a:latin typeface="Arial"/>
-              <a:ea typeface="微软雅黑"/>
+              <a:latin typeface="Arial" panose="020B0604020202020204"/>
+              <a:ea typeface="微软雅黑" panose="020B0503020204020204" pitchFamily="34" charset="-122"/>
             </a:endParaRPr>
           </a:p>
           <a:p>
@@ -22438,8 +21744,8 @@
                     <a:lumOff val="40000"/>
                   </a:schemeClr>
                 </a:solidFill>
-                <a:latin typeface="Arial"/>
-                <a:ea typeface="微软雅黑"/>
+                <a:latin typeface="Arial" panose="020B0604020202020204"/>
+                <a:ea typeface="微软雅黑" panose="020B0503020204020204" pitchFamily="34" charset="-122"/>
               </a:rPr>
               <a:t>通 过 团 队 的 合 作，沟 通，交 流，学 习 到 更 多 的 技 术；然 后 就 一 起 加 油 吧！</a:t>
             </a:r>
@@ -22450,29 +21756,24 @@
                   <a:lumOff val="40000"/>
                 </a:schemeClr>
               </a:solidFill>
-              <a:latin typeface="Arial"/>
-              <a:ea typeface="微软雅黑"/>
+              <a:latin typeface="Arial" panose="020B0604020202020204"/>
+              <a:ea typeface="微软雅黑" panose="020B0503020204020204" pitchFamily="34" charset="-122"/>
             </a:endParaRPr>
           </a:p>
         </p:txBody>
       </p:sp>
     </p:spTree>
-    <p:extLst>
-      <p:ext uri="{BB962C8B-B14F-4D97-AF65-F5344CB8AC3E}">
-        <p14:creationId xmlns:p14="http://schemas.microsoft.com/office/powerpoint/2010/main" val="2923215586"/>
-      </p:ext>
-    </p:extLst>
   </p:cSld>
   <p:clrMapOvr>
     <a:masterClrMapping/>
   </p:clrMapOvr>
-  <mc:AlternateContent xmlns:mc="http://schemas.openxmlformats.org/markup-compatibility/2006" xmlns:p14="http://schemas.microsoft.com/office/powerpoint/2010/main">
-    <mc:Choice Requires="p14">
+  <mc:AlternateContent xmlns:mc="http://schemas.openxmlformats.org/markup-compatibility/2006">
+    <mc:Choice xmlns:p14="http://schemas.microsoft.com/office/powerpoint/2010/main" Requires="p14">
       <p:transition spd="slow" advTm="3011">
-        <p14:reveal dir="r"/>
+        <p14:reveal thruBlk="1"/>
       </p:transition>
     </mc:Choice>
-    <mc:Fallback xmlns="">
+    <mc:Fallback>
       <p:transition spd="slow" advTm="3011">
         <p:fade/>
       </p:transition>
@@ -22738,27 +22039,17 @@
                 <a:solidFill>
                   <a:schemeClr val="bg1"/>
                 </a:solidFill>
-                <a:latin typeface="微软雅黑" pitchFamily="34" charset="-122"/>
-                <a:ea typeface="微软雅黑" pitchFamily="34" charset="-122"/>
+                <a:latin typeface="微软雅黑" panose="020B0503020204020204" pitchFamily="34" charset="-122"/>
+                <a:ea typeface="微软雅黑" panose="020B0503020204020204" pitchFamily="34" charset="-122"/>
               </a:rPr>
-              <a:t>一、</a:t>
-            </a:r>
-            <a:r>
-              <a:rPr lang="zh-CN" altLang="en-US" sz="2000" dirty="0" smtClean="0">
-                <a:solidFill>
-                  <a:schemeClr val="bg1"/>
-                </a:solidFill>
-                <a:latin typeface="微软雅黑" pitchFamily="34" charset="-122"/>
-                <a:ea typeface="微软雅黑" pitchFamily="34" charset="-122"/>
-              </a:rPr>
-              <a:t>项目介绍</a:t>
+              <a:t>一、项目介绍</a:t>
             </a:r>
             <a:endParaRPr lang="zh-CN" altLang="en-US" sz="2000" dirty="0">
               <a:solidFill>
                 <a:schemeClr val="bg1"/>
               </a:solidFill>
-              <a:latin typeface="微软雅黑" pitchFamily="34" charset="-122"/>
-              <a:ea typeface="微软雅黑" pitchFamily="34" charset="-122"/>
+              <a:latin typeface="微软雅黑" panose="020B0503020204020204" pitchFamily="34" charset="-122"/>
+              <a:ea typeface="微软雅黑" panose="020B0503020204020204" pitchFamily="34" charset="-122"/>
             </a:endParaRPr>
           </a:p>
         </p:txBody>
@@ -22831,8 +22122,8 @@
                 <a:solidFill>
                   <a:schemeClr val="bg1"/>
                 </a:solidFill>
-                <a:latin typeface="微软雅黑" pitchFamily="34" charset="-122"/>
-                <a:ea typeface="微软雅黑" pitchFamily="34" charset="-122"/>
+                <a:latin typeface="微软雅黑" panose="020B0503020204020204" pitchFamily="34" charset="-122"/>
+                <a:ea typeface="微软雅黑" panose="020B0503020204020204" pitchFamily="34" charset="-122"/>
               </a:rPr>
               <a:t>二</a:t>
             </a:r>
@@ -22841,27 +22132,17 @@
                 <a:solidFill>
                   <a:schemeClr val="bg1"/>
                 </a:solidFill>
-                <a:latin typeface="微软雅黑" pitchFamily="34" charset="-122"/>
-                <a:ea typeface="微软雅黑" pitchFamily="34" charset="-122"/>
+                <a:latin typeface="微软雅黑" panose="020B0503020204020204" pitchFamily="34" charset="-122"/>
+                <a:ea typeface="微软雅黑" panose="020B0503020204020204" pitchFamily="34" charset="-122"/>
               </a:rPr>
-              <a:t>、</a:t>
-            </a:r>
-            <a:r>
-              <a:rPr lang="zh-CN" altLang="en-US" sz="2000" dirty="0" smtClean="0">
-                <a:solidFill>
-                  <a:schemeClr val="bg1"/>
-                </a:solidFill>
-                <a:latin typeface="微软雅黑" pitchFamily="34" charset="-122"/>
-                <a:ea typeface="微软雅黑" pitchFamily="34" charset="-122"/>
-              </a:rPr>
-              <a:t>项目使用技术</a:t>
+              <a:t>、项目使用技术</a:t>
             </a:r>
             <a:endParaRPr lang="zh-CN" altLang="en-US" sz="2000" dirty="0">
               <a:solidFill>
                 <a:schemeClr val="bg1"/>
               </a:solidFill>
-              <a:latin typeface="微软雅黑" pitchFamily="34" charset="-122"/>
-              <a:ea typeface="微软雅黑" pitchFamily="34" charset="-122"/>
+              <a:latin typeface="微软雅黑" panose="020B0503020204020204" pitchFamily="34" charset="-122"/>
+              <a:ea typeface="微软雅黑" panose="020B0503020204020204" pitchFamily="34" charset="-122"/>
             </a:endParaRPr>
           </a:p>
         </p:txBody>
@@ -22934,8 +22215,8 @@
                 <a:solidFill>
                   <a:schemeClr val="bg1"/>
                 </a:solidFill>
-                <a:latin typeface="微软雅黑" pitchFamily="34" charset="-122"/>
-                <a:ea typeface="微软雅黑" pitchFamily="34" charset="-122"/>
+                <a:latin typeface="微软雅黑" panose="020B0503020204020204" pitchFamily="34" charset="-122"/>
+                <a:ea typeface="微软雅黑" panose="020B0503020204020204" pitchFamily="34" charset="-122"/>
               </a:rPr>
               <a:t>三</a:t>
             </a:r>
@@ -22944,8 +22225,8 @@
                 <a:solidFill>
                   <a:schemeClr val="bg1"/>
                 </a:solidFill>
-                <a:latin typeface="微软雅黑" pitchFamily="34" charset="-122"/>
-                <a:ea typeface="微软雅黑" pitchFamily="34" charset="-122"/>
+                <a:latin typeface="微软雅黑" panose="020B0503020204020204" pitchFamily="34" charset="-122"/>
+                <a:ea typeface="微软雅黑" panose="020B0503020204020204" pitchFamily="34" charset="-122"/>
               </a:rPr>
               <a:t>、未学习技术</a:t>
             </a:r>
@@ -22954,8 +22235,8 @@
                 <a:solidFill>
                   <a:schemeClr val="bg1"/>
                 </a:solidFill>
-                <a:latin typeface="微软雅黑" pitchFamily="34" charset="-122"/>
-                <a:ea typeface="微软雅黑" pitchFamily="34" charset="-122"/>
+                <a:latin typeface="微软雅黑" panose="020B0503020204020204" pitchFamily="34" charset="-122"/>
+                <a:ea typeface="微软雅黑" panose="020B0503020204020204" pitchFamily="34" charset="-122"/>
               </a:rPr>
               <a:t>----</a:t>
             </a:r>
@@ -22964,8 +22245,8 @@
                 <a:solidFill>
                   <a:schemeClr val="bg1"/>
                 </a:solidFill>
-                <a:latin typeface="微软雅黑" pitchFamily="34" charset="-122"/>
-                <a:ea typeface="微软雅黑" pitchFamily="34" charset="-122"/>
+                <a:latin typeface="微软雅黑" panose="020B0503020204020204" pitchFamily="34" charset="-122"/>
+                <a:ea typeface="微软雅黑" panose="020B0503020204020204" pitchFamily="34" charset="-122"/>
               </a:rPr>
               <a:t>所遇难题</a:t>
             </a:r>
@@ -22973,8 +22254,8 @@
               <a:solidFill>
                 <a:schemeClr val="bg1"/>
               </a:solidFill>
-              <a:latin typeface="微软雅黑" pitchFamily="34" charset="-122"/>
-              <a:ea typeface="微软雅黑" pitchFamily="34" charset="-122"/>
+              <a:latin typeface="微软雅黑" panose="020B0503020204020204" pitchFamily="34" charset="-122"/>
+              <a:ea typeface="微软雅黑" panose="020B0503020204020204" pitchFamily="34" charset="-122"/>
             </a:endParaRPr>
           </a:p>
         </p:txBody>
@@ -23047,8 +22328,8 @@
                 <a:solidFill>
                   <a:schemeClr val="bg1"/>
                 </a:solidFill>
-                <a:latin typeface="微软雅黑" pitchFamily="34" charset="-122"/>
-                <a:ea typeface="微软雅黑" pitchFamily="34" charset="-122"/>
+                <a:latin typeface="微软雅黑" panose="020B0503020204020204" pitchFamily="34" charset="-122"/>
+                <a:ea typeface="微软雅黑" panose="020B0503020204020204" pitchFamily="34" charset="-122"/>
               </a:rPr>
               <a:t>四</a:t>
             </a:r>
@@ -23057,27 +22338,17 @@
                 <a:solidFill>
                   <a:schemeClr val="bg1"/>
                 </a:solidFill>
-                <a:latin typeface="微软雅黑" pitchFamily="34" charset="-122"/>
-                <a:ea typeface="微软雅黑" pitchFamily="34" charset="-122"/>
+                <a:latin typeface="微软雅黑" panose="020B0503020204020204" pitchFamily="34" charset="-122"/>
+                <a:ea typeface="微软雅黑" panose="020B0503020204020204" pitchFamily="34" charset="-122"/>
               </a:rPr>
-              <a:t>、</a:t>
-            </a:r>
-            <a:r>
-              <a:rPr lang="zh-CN" altLang="en-US" sz="2000" dirty="0" smtClean="0">
-                <a:solidFill>
-                  <a:schemeClr val="bg1"/>
-                </a:solidFill>
-                <a:latin typeface="微软雅黑" pitchFamily="34" charset="-122"/>
-                <a:ea typeface="微软雅黑" pitchFamily="34" charset="-122"/>
-              </a:rPr>
-              <a:t>成员分配</a:t>
+              <a:t>、成员分配</a:t>
             </a:r>
             <a:endParaRPr lang="zh-CN" altLang="en-US" sz="2000" dirty="0">
               <a:solidFill>
                 <a:schemeClr val="bg1"/>
               </a:solidFill>
-              <a:latin typeface="微软雅黑" pitchFamily="34" charset="-122"/>
-              <a:ea typeface="微软雅黑" pitchFamily="34" charset="-122"/>
+              <a:latin typeface="微软雅黑" panose="020B0503020204020204" pitchFamily="34" charset="-122"/>
+              <a:ea typeface="微软雅黑" panose="020B0503020204020204" pitchFamily="34" charset="-122"/>
             </a:endParaRPr>
           </a:p>
         </p:txBody>
@@ -23118,8 +22389,8 @@
                     <a:fillToRect l="50000" t="50000" r="50000" b="50000"/>
                   </a:path>
                 </a:gradFill>
-                <a:latin typeface="微软雅黑" pitchFamily="34" charset="-122"/>
-                <a:ea typeface="微软雅黑" pitchFamily="34" charset="-122"/>
+                <a:latin typeface="微软雅黑" panose="020B0503020204020204" pitchFamily="34" charset="-122"/>
+                <a:ea typeface="微软雅黑" panose="020B0503020204020204" pitchFamily="34" charset="-122"/>
               </a:rPr>
               <a:t>项 目 介 绍</a:t>
             </a:r>
@@ -23137,29 +22408,24 @@
                   <a:fillToRect l="50000" t="50000" r="50000" b="50000"/>
                 </a:path>
               </a:gradFill>
-              <a:latin typeface="微软雅黑" pitchFamily="34" charset="-122"/>
-              <a:ea typeface="微软雅黑" pitchFamily="34" charset="-122"/>
+              <a:latin typeface="微软雅黑" panose="020B0503020204020204" pitchFamily="34" charset="-122"/>
+              <a:ea typeface="微软雅黑" panose="020B0503020204020204" pitchFamily="34" charset="-122"/>
             </a:endParaRPr>
           </a:p>
         </p:txBody>
       </p:sp>
     </p:spTree>
-    <p:extLst>
-      <p:ext uri="{BB962C8B-B14F-4D97-AF65-F5344CB8AC3E}">
-        <p14:creationId xmlns:p14="http://schemas.microsoft.com/office/powerpoint/2010/main" val="2837781357"/>
-      </p:ext>
-    </p:extLst>
   </p:cSld>
   <p:clrMapOvr>
     <a:masterClrMapping/>
   </p:clrMapOvr>
-  <mc:AlternateContent xmlns:mc="http://schemas.openxmlformats.org/markup-compatibility/2006" xmlns:p14="http://schemas.microsoft.com/office/powerpoint/2010/main">
-    <mc:Choice Requires="p14">
+  <mc:AlternateContent xmlns:mc="http://schemas.openxmlformats.org/markup-compatibility/2006">
+    <mc:Choice xmlns:p14="http://schemas.microsoft.com/office/powerpoint/2010/main" Requires="p14">
       <p:transition spd="slow" advTm="2358">
-        <p14:reveal dir="r"/>
+        <p14:reveal thruBlk="1"/>
       </p:transition>
     </mc:Choice>
-    <mc:Fallback xmlns="">
+    <mc:Fallback>
       <p:transition spd="slow" advTm="2358">
         <p:fade/>
       </p:transition>
@@ -23528,11 +22794,18 @@
                 <a:solidFill>
                   <a:schemeClr val="bg1"/>
                 </a:solidFill>
-                <a:latin typeface="微软雅黑" pitchFamily="34" charset="-122"/>
-                <a:ea typeface="微软雅黑" pitchFamily="34" charset="-122"/>
+                <a:latin typeface="微软雅黑" panose="020B0503020204020204" pitchFamily="34" charset="-122"/>
+                <a:ea typeface="微软雅黑" panose="020B0503020204020204" pitchFamily="34" charset="-122"/>
               </a:rPr>
               <a:t>一、单击此处添加标题</a:t>
             </a:r>
+            <a:endParaRPr lang="zh-CN" altLang="en-US" sz="2000" dirty="0">
+              <a:solidFill>
+                <a:schemeClr val="bg1"/>
+              </a:solidFill>
+              <a:latin typeface="微软雅黑" panose="020B0503020204020204" pitchFamily="34" charset="-122"/>
+              <a:ea typeface="微软雅黑" panose="020B0503020204020204" pitchFamily="34" charset="-122"/>
+            </a:endParaRPr>
           </a:p>
         </p:txBody>
       </p:sp>
@@ -23604,11 +22877,18 @@
                 <a:solidFill>
                   <a:schemeClr val="bg1"/>
                 </a:solidFill>
-                <a:latin typeface="微软雅黑" pitchFamily="34" charset="-122"/>
-                <a:ea typeface="微软雅黑" pitchFamily="34" charset="-122"/>
+                <a:latin typeface="微软雅黑" panose="020B0503020204020204" pitchFamily="34" charset="-122"/>
+                <a:ea typeface="微软雅黑" panose="020B0503020204020204" pitchFamily="34" charset="-122"/>
               </a:rPr>
               <a:t>二、单击此处添加标题</a:t>
             </a:r>
+            <a:endParaRPr lang="zh-CN" altLang="en-US" sz="2000" dirty="0">
+              <a:solidFill>
+                <a:schemeClr val="bg1"/>
+              </a:solidFill>
+              <a:latin typeface="微软雅黑" panose="020B0503020204020204" pitchFamily="34" charset="-122"/>
+              <a:ea typeface="微软雅黑" panose="020B0503020204020204" pitchFamily="34" charset="-122"/>
+            </a:endParaRPr>
           </a:p>
         </p:txBody>
       </p:sp>
@@ -23680,11 +22960,18 @@
                 <a:solidFill>
                   <a:schemeClr val="bg1"/>
                 </a:solidFill>
-                <a:latin typeface="微软雅黑" pitchFamily="34" charset="-122"/>
-                <a:ea typeface="微软雅黑" pitchFamily="34" charset="-122"/>
+                <a:latin typeface="微软雅黑" panose="020B0503020204020204" pitchFamily="34" charset="-122"/>
+                <a:ea typeface="微软雅黑" panose="020B0503020204020204" pitchFamily="34" charset="-122"/>
               </a:rPr>
               <a:t>三、单击此处添加标题</a:t>
             </a:r>
+            <a:endParaRPr lang="zh-CN" altLang="en-US" sz="2000" dirty="0">
+              <a:solidFill>
+                <a:schemeClr val="bg1"/>
+              </a:solidFill>
+              <a:latin typeface="微软雅黑" panose="020B0503020204020204" pitchFamily="34" charset="-122"/>
+              <a:ea typeface="微软雅黑" panose="020B0503020204020204" pitchFamily="34" charset="-122"/>
+            </a:endParaRPr>
           </a:p>
         </p:txBody>
       </p:sp>
@@ -23756,11 +23043,18 @@
                 <a:solidFill>
                   <a:schemeClr val="bg1"/>
                 </a:solidFill>
-                <a:latin typeface="微软雅黑" pitchFamily="34" charset="-122"/>
-                <a:ea typeface="微软雅黑" pitchFamily="34" charset="-122"/>
+                <a:latin typeface="微软雅黑" panose="020B0503020204020204" pitchFamily="34" charset="-122"/>
+                <a:ea typeface="微软雅黑" panose="020B0503020204020204" pitchFamily="34" charset="-122"/>
               </a:rPr>
               <a:t>四、单击此处添加标题</a:t>
             </a:r>
+            <a:endParaRPr lang="zh-CN" altLang="en-US" sz="2000" dirty="0">
+              <a:solidFill>
+                <a:schemeClr val="bg1"/>
+              </a:solidFill>
+              <a:latin typeface="微软雅黑" panose="020B0503020204020204" pitchFamily="34" charset="-122"/>
+              <a:ea typeface="微软雅黑" panose="020B0503020204020204" pitchFamily="34" charset="-122"/>
+            </a:endParaRPr>
           </a:p>
         </p:txBody>
       </p:sp>
@@ -23800,8 +23094,8 @@
                     <a:fillToRect l="50000" t="50000" r="50000" b="50000"/>
                   </a:path>
                 </a:gradFill>
-                <a:latin typeface="微软雅黑" pitchFamily="34" charset="-122"/>
-                <a:ea typeface="微软雅黑" pitchFamily="34" charset="-122"/>
+                <a:latin typeface="微软雅黑" panose="020B0503020204020204" pitchFamily="34" charset="-122"/>
+                <a:ea typeface="微软雅黑" panose="020B0503020204020204" pitchFamily="34" charset="-122"/>
               </a:rPr>
               <a:t>房 嫂 项 目 介 绍</a:t>
             </a:r>
@@ -23819,8 +23113,8 @@
                   <a:fillToRect l="50000" t="50000" r="50000" b="50000"/>
                 </a:path>
               </a:gradFill>
-              <a:latin typeface="微软雅黑" pitchFamily="34" charset="-122"/>
-              <a:ea typeface="微软雅黑" pitchFamily="34" charset="-122"/>
+              <a:latin typeface="微软雅黑" panose="020B0503020204020204" pitchFamily="34" charset="-122"/>
+              <a:ea typeface="微软雅黑" panose="020B0503020204020204" pitchFamily="34" charset="-122"/>
             </a:endParaRPr>
           </a:p>
         </p:txBody>
@@ -23889,8 +23183,8 @@
                 <a:solidFill>
                   <a:srgbClr val="4197BF"/>
                 </a:solidFill>
-                <a:latin typeface="微软雅黑" pitchFamily="34" charset="-122"/>
-                <a:ea typeface="微软雅黑" pitchFamily="34" charset="-122"/>
+                <a:latin typeface="微软雅黑" panose="020B0503020204020204" pitchFamily="34" charset="-122"/>
+                <a:ea typeface="微软雅黑" panose="020B0503020204020204" pitchFamily="34" charset="-122"/>
               </a:rPr>
               <a:t>一、</a:t>
             </a:r>
@@ -23899,8 +23193,8 @@
                 <a:solidFill>
                   <a:srgbClr val="4197BF"/>
                 </a:solidFill>
-                <a:latin typeface="微软雅黑" pitchFamily="34" charset="-122"/>
-                <a:ea typeface="微软雅黑" pitchFamily="34" charset="-122"/>
+                <a:latin typeface="微软雅黑" panose="020B0503020204020204" pitchFamily="34" charset="-122"/>
+                <a:ea typeface="微软雅黑" panose="020B0503020204020204" pitchFamily="34" charset="-122"/>
               </a:rPr>
               <a:t>整</a:t>
             </a:r>
@@ -23909,8 +23203,8 @@
                 <a:solidFill>
                   <a:srgbClr val="4197BF"/>
                 </a:solidFill>
-                <a:latin typeface="微软雅黑" pitchFamily="34" charset="-122"/>
-                <a:ea typeface="微软雅黑" pitchFamily="34" charset="-122"/>
+                <a:latin typeface="微软雅黑" panose="020B0503020204020204" pitchFamily="34" charset="-122"/>
+                <a:ea typeface="微软雅黑" panose="020B0503020204020204" pitchFamily="34" charset="-122"/>
               </a:rPr>
               <a:t>租，合租，短租，写字楼</a:t>
             </a:r>
@@ -23918,8 +23212,8 @@
               <a:solidFill>
                 <a:srgbClr val="4197BF"/>
               </a:solidFill>
-              <a:latin typeface="微软雅黑" pitchFamily="34" charset="-122"/>
-              <a:ea typeface="微软雅黑" pitchFamily="34" charset="-122"/>
+              <a:latin typeface="微软雅黑" panose="020B0503020204020204" pitchFamily="34" charset="-122"/>
+              <a:ea typeface="微软雅黑" panose="020B0503020204020204" pitchFamily="34" charset="-122"/>
             </a:endParaRPr>
           </a:p>
         </p:txBody>
@@ -23988,8 +23282,8 @@
                 <a:solidFill>
                   <a:srgbClr val="4197BF"/>
                 </a:solidFill>
-                <a:latin typeface="微软雅黑" pitchFamily="34" charset="-122"/>
-                <a:ea typeface="微软雅黑" pitchFamily="34" charset="-122"/>
+                <a:latin typeface="微软雅黑" panose="020B0503020204020204" pitchFamily="34" charset="-122"/>
+                <a:ea typeface="微软雅黑" panose="020B0503020204020204" pitchFamily="34" charset="-122"/>
               </a:rPr>
               <a:t>二，地图找房，我是房东，加盟，生活服务</a:t>
             </a:r>
@@ -23997,8 +23291,8 @@
               <a:solidFill>
                 <a:srgbClr val="4197BF"/>
               </a:solidFill>
-              <a:latin typeface="微软雅黑" pitchFamily="34" charset="-122"/>
-              <a:ea typeface="微软雅黑" pitchFamily="34" charset="-122"/>
+              <a:latin typeface="微软雅黑" panose="020B0503020204020204" pitchFamily="34" charset="-122"/>
+              <a:ea typeface="微软雅黑" panose="020B0503020204020204" pitchFamily="34" charset="-122"/>
             </a:endParaRPr>
           </a:p>
         </p:txBody>
@@ -24067,8 +23361,8 @@
                 <a:solidFill>
                   <a:srgbClr val="4197BF"/>
                 </a:solidFill>
-                <a:latin typeface="微软雅黑" pitchFamily="34" charset="-122"/>
-                <a:ea typeface="微软雅黑" pitchFamily="34" charset="-122"/>
+                <a:latin typeface="微软雅黑" panose="020B0503020204020204" pitchFamily="34" charset="-122"/>
+                <a:ea typeface="微软雅黑" panose="020B0503020204020204" pitchFamily="34" charset="-122"/>
               </a:rPr>
               <a:t>三，我要出租，看房日程</a:t>
             </a:r>
@@ -24076,8 +23370,8 @@
               <a:solidFill>
                 <a:srgbClr val="4197BF"/>
               </a:solidFill>
-              <a:latin typeface="微软雅黑" pitchFamily="34" charset="-122"/>
-              <a:ea typeface="微软雅黑" pitchFamily="34" charset="-122"/>
+              <a:latin typeface="微软雅黑" panose="020B0503020204020204" pitchFamily="34" charset="-122"/>
+              <a:ea typeface="微软雅黑" panose="020B0503020204020204" pitchFamily="34" charset="-122"/>
             </a:endParaRPr>
           </a:p>
         </p:txBody>
@@ -24146,8 +23440,8 @@
                 <a:solidFill>
                   <a:srgbClr val="4197BF"/>
                 </a:solidFill>
-                <a:latin typeface="微软雅黑" pitchFamily="34" charset="-122"/>
-                <a:ea typeface="微软雅黑" pitchFamily="34" charset="-122"/>
+                <a:latin typeface="微软雅黑" panose="020B0503020204020204" pitchFamily="34" charset="-122"/>
+                <a:ea typeface="微软雅黑" panose="020B0503020204020204" pitchFamily="34" charset="-122"/>
               </a:rPr>
               <a:t>四，个人中心</a:t>
             </a:r>
@@ -24155,27 +23449,22 @@
               <a:solidFill>
                 <a:srgbClr val="4197BF"/>
               </a:solidFill>
-              <a:latin typeface="微软雅黑" pitchFamily="34" charset="-122"/>
-              <a:ea typeface="微软雅黑" pitchFamily="34" charset="-122"/>
+              <a:latin typeface="微软雅黑" panose="020B0503020204020204" pitchFamily="34" charset="-122"/>
+              <a:ea typeface="微软雅黑" panose="020B0503020204020204" pitchFamily="34" charset="-122"/>
             </a:endParaRPr>
           </a:p>
         </p:txBody>
       </p:sp>
     </p:spTree>
-    <p:extLst>
-      <p:ext uri="{BB962C8B-B14F-4D97-AF65-F5344CB8AC3E}">
-        <p14:creationId xmlns:p14="http://schemas.microsoft.com/office/powerpoint/2010/main" val="478856575"/>
-      </p:ext>
-    </p:extLst>
   </p:cSld>
   <p:clrMapOvr>
     <a:masterClrMapping/>
   </p:clrMapOvr>
-  <mc:AlternateContent xmlns:mc="http://schemas.openxmlformats.org/markup-compatibility/2006" xmlns:p14="http://schemas.microsoft.com/office/powerpoint/2010/main">
-    <mc:Choice Requires="p14">
+  <mc:AlternateContent xmlns:mc="http://schemas.openxmlformats.org/markup-compatibility/2006">
+    <mc:Choice xmlns:p14="http://schemas.microsoft.com/office/powerpoint/2010/main" Requires="p14">
       <p:transition p14:dur="0" advTm="2580"/>
     </mc:Choice>
-    <mc:Fallback xmlns="">
+    <mc:Fallback>
       <p:transition advTm="2580"/>
     </mc:Fallback>
   </mc:AlternateContent>
@@ -24242,8 +23531,8 @@
                     <a:fillToRect l="50000" t="50000" r="50000" b="50000"/>
                   </a:path>
                 </a:gradFill>
-                <a:latin typeface="微软雅黑" pitchFamily="34" charset="-122"/>
-                <a:ea typeface="微软雅黑" pitchFamily="34" charset="-122"/>
+                <a:latin typeface="微软雅黑" panose="020B0503020204020204" pitchFamily="34" charset="-122"/>
+                <a:ea typeface="微软雅黑" panose="020B0503020204020204" pitchFamily="34" charset="-122"/>
               </a:rPr>
               <a:t>项 目 核 心 介 绍</a:t>
             </a:r>
@@ -24261,8 +23550,8 @@
                   <a:fillToRect l="50000" t="50000" r="50000" b="50000"/>
                 </a:path>
               </a:gradFill>
-              <a:latin typeface="微软雅黑" pitchFamily="34" charset="-122"/>
-              <a:ea typeface="微软雅黑" pitchFamily="34" charset="-122"/>
+              <a:latin typeface="微软雅黑" panose="020B0503020204020204" pitchFamily="34" charset="-122"/>
+              <a:ea typeface="微软雅黑" panose="020B0503020204020204" pitchFamily="34" charset="-122"/>
             </a:endParaRPr>
           </a:p>
         </p:txBody>
@@ -24327,9 +23616,6 @@
         </p:style>
         <p:txBody>
           <a:bodyPr rot="0" spcFirstLastPara="0" vertOverflow="overflow" horzOverflow="overflow" vert="horz" wrap="square" lIns="91440" tIns="45720" rIns="91440" bIns="45720" numCol="1" spcCol="0" rtlCol="0" fromWordArt="0" anchor="ctr" anchorCtr="0" forceAA="0" compatLnSpc="1">
-            <a:prstTxWarp prst="textNoShape">
-              <a:avLst/>
-            </a:prstTxWarp>
             <a:noAutofit/>
           </a:bodyPr>
           <a:lstStyle/>
@@ -24340,8 +23626,8 @@
                 <a:solidFill>
                   <a:schemeClr val="bg1"/>
                 </a:solidFill>
-                <a:latin typeface="微软雅黑" pitchFamily="34" charset="-122"/>
-                <a:ea typeface="微软雅黑" pitchFamily="34" charset="-122"/>
+                <a:latin typeface="微软雅黑" panose="020B0503020204020204" pitchFamily="34" charset="-122"/>
+                <a:ea typeface="微软雅黑" panose="020B0503020204020204" pitchFamily="34" charset="-122"/>
               </a:rPr>
               <a:t>手机号注册</a:t>
             </a:r>
@@ -24349,8 +23635,8 @@
               <a:solidFill>
                 <a:schemeClr val="bg1"/>
               </a:solidFill>
-              <a:latin typeface="微软雅黑" pitchFamily="34" charset="-122"/>
-              <a:ea typeface="微软雅黑" pitchFamily="34" charset="-122"/>
+              <a:latin typeface="微软雅黑" panose="020B0503020204020204" pitchFamily="34" charset="-122"/>
+              <a:ea typeface="微软雅黑" panose="020B0503020204020204" pitchFamily="34" charset="-122"/>
             </a:endParaRPr>
           </a:p>
         </p:txBody>
@@ -24415,9 +23701,6 @@
         </p:style>
         <p:txBody>
           <a:bodyPr rot="0" spcFirstLastPara="0" vertOverflow="overflow" horzOverflow="overflow" vert="horz" wrap="square" lIns="91440" tIns="45720" rIns="91440" bIns="45720" numCol="1" spcCol="0" rtlCol="0" fromWordArt="0" anchor="ctr" anchorCtr="0" forceAA="0" compatLnSpc="1">
-            <a:prstTxWarp prst="textNoShape">
-              <a:avLst/>
-            </a:prstTxWarp>
             <a:noAutofit/>
           </a:bodyPr>
           <a:lstStyle/>
@@ -24428,8 +23711,8 @@
                 <a:solidFill>
                   <a:schemeClr val="bg1"/>
                 </a:solidFill>
-                <a:latin typeface="微软雅黑" pitchFamily="34" charset="-122"/>
-                <a:ea typeface="微软雅黑" pitchFamily="34" charset="-122"/>
+                <a:latin typeface="微软雅黑" panose="020B0503020204020204" pitchFamily="34" charset="-122"/>
+                <a:ea typeface="微软雅黑" panose="020B0503020204020204" pitchFamily="34" charset="-122"/>
               </a:rPr>
               <a:t>短信验证</a:t>
             </a:r>
@@ -24437,8 +23720,8 @@
               <a:solidFill>
                 <a:schemeClr val="bg1"/>
               </a:solidFill>
-              <a:latin typeface="微软雅黑" pitchFamily="34" charset="-122"/>
-              <a:ea typeface="微软雅黑" pitchFamily="34" charset="-122"/>
+              <a:latin typeface="微软雅黑" panose="020B0503020204020204" pitchFamily="34" charset="-122"/>
+              <a:ea typeface="微软雅黑" panose="020B0503020204020204" pitchFamily="34" charset="-122"/>
             </a:endParaRPr>
           </a:p>
         </p:txBody>
@@ -24503,9 +23786,6 @@
         </p:style>
         <p:txBody>
           <a:bodyPr rot="0" spcFirstLastPara="0" vertOverflow="overflow" horzOverflow="overflow" vert="horz" wrap="square" lIns="91440" tIns="45720" rIns="91440" bIns="45720" numCol="1" spcCol="0" rtlCol="0" fromWordArt="0" anchor="ctr" anchorCtr="0" forceAA="0" compatLnSpc="1">
-            <a:prstTxWarp prst="textNoShape">
-              <a:avLst/>
-            </a:prstTxWarp>
             <a:noAutofit/>
           </a:bodyPr>
           <a:lstStyle/>
@@ -24516,8 +23796,8 @@
                 <a:solidFill>
                   <a:schemeClr val="bg1"/>
                 </a:solidFill>
-                <a:latin typeface="微软雅黑" pitchFamily="34" charset="-122"/>
-                <a:ea typeface="微软雅黑" pitchFamily="34" charset="-122"/>
+                <a:latin typeface="微软雅黑" panose="020B0503020204020204" pitchFamily="34" charset="-122"/>
+                <a:ea typeface="微软雅黑" panose="020B0503020204020204" pitchFamily="34" charset="-122"/>
               </a:rPr>
               <a:t>登录权限</a:t>
             </a:r>
@@ -24525,8 +23805,8 @@
               <a:solidFill>
                 <a:schemeClr val="bg1"/>
               </a:solidFill>
-              <a:latin typeface="微软雅黑" pitchFamily="34" charset="-122"/>
-              <a:ea typeface="微软雅黑" pitchFamily="34" charset="-122"/>
+              <a:latin typeface="微软雅黑" panose="020B0503020204020204" pitchFamily="34" charset="-122"/>
+              <a:ea typeface="微软雅黑" panose="020B0503020204020204" pitchFamily="34" charset="-122"/>
             </a:endParaRPr>
           </a:p>
         </p:txBody>
@@ -24591,9 +23871,6 @@
         </p:style>
         <p:txBody>
           <a:bodyPr rot="0" spcFirstLastPara="0" vertOverflow="overflow" horzOverflow="overflow" vert="horz" wrap="square" lIns="91440" tIns="45720" rIns="91440" bIns="45720" numCol="1" spcCol="0" rtlCol="0" fromWordArt="0" anchor="ctr" anchorCtr="0" forceAA="0" compatLnSpc="1">
-            <a:prstTxWarp prst="textNoShape">
-              <a:avLst/>
-            </a:prstTxWarp>
             <a:noAutofit/>
           </a:bodyPr>
           <a:lstStyle/>
@@ -24604,8 +23881,8 @@
                 <a:solidFill>
                   <a:schemeClr val="bg1"/>
                 </a:solidFill>
-                <a:latin typeface="微软雅黑" pitchFamily="34" charset="-122"/>
-                <a:ea typeface="微软雅黑" pitchFamily="34" charset="-122"/>
+                <a:latin typeface="微软雅黑" panose="020B0503020204020204" pitchFamily="34" charset="-122"/>
+                <a:ea typeface="微软雅黑" panose="020B0503020204020204" pitchFamily="34" charset="-122"/>
               </a:rPr>
               <a:t>定位位置</a:t>
             </a:r>
@@ -24613,8 +23890,8 @@
               <a:solidFill>
                 <a:schemeClr val="bg1"/>
               </a:solidFill>
-              <a:latin typeface="微软雅黑" pitchFamily="34" charset="-122"/>
-              <a:ea typeface="微软雅黑" pitchFamily="34" charset="-122"/>
+              <a:latin typeface="微软雅黑" panose="020B0503020204020204" pitchFamily="34" charset="-122"/>
+              <a:ea typeface="微软雅黑" panose="020B0503020204020204" pitchFamily="34" charset="-122"/>
             </a:endParaRPr>
           </a:p>
         </p:txBody>
@@ -24679,9 +23956,6 @@
         </p:style>
         <p:txBody>
           <a:bodyPr rot="0" spcFirstLastPara="0" vertOverflow="overflow" horzOverflow="overflow" vert="horz" wrap="square" lIns="91440" tIns="45720" rIns="91440" bIns="45720" numCol="1" spcCol="0" rtlCol="0" fromWordArt="0" anchor="ctr" anchorCtr="0" forceAA="0" compatLnSpc="1">
-            <a:prstTxWarp prst="textNoShape">
-              <a:avLst/>
-            </a:prstTxWarp>
             <a:noAutofit/>
           </a:bodyPr>
           <a:lstStyle/>
@@ -24692,8 +23966,8 @@
                 <a:solidFill>
                   <a:schemeClr val="bg1"/>
                 </a:solidFill>
-                <a:latin typeface="微软雅黑" pitchFamily="34" charset="-122"/>
-                <a:ea typeface="微软雅黑" pitchFamily="34" charset="-122"/>
+                <a:latin typeface="微软雅黑" panose="020B0503020204020204" pitchFamily="34" charset="-122"/>
+                <a:ea typeface="微软雅黑" panose="020B0503020204020204" pitchFamily="34" charset="-122"/>
               </a:rPr>
               <a:t>前台展示</a:t>
             </a:r>
@@ -24701,8 +23975,8 @@
               <a:solidFill>
                 <a:schemeClr val="bg1"/>
               </a:solidFill>
-              <a:latin typeface="微软雅黑" pitchFamily="34" charset="-122"/>
-              <a:ea typeface="微软雅黑" pitchFamily="34" charset="-122"/>
+              <a:latin typeface="微软雅黑" panose="020B0503020204020204" pitchFamily="34" charset="-122"/>
+              <a:ea typeface="微软雅黑" panose="020B0503020204020204" pitchFamily="34" charset="-122"/>
             </a:endParaRPr>
           </a:p>
         </p:txBody>
@@ -24767,9 +24041,6 @@
         </p:style>
         <p:txBody>
           <a:bodyPr rot="0" spcFirstLastPara="0" vertOverflow="overflow" horzOverflow="overflow" vert="horz" wrap="square" lIns="91440" tIns="45720" rIns="91440" bIns="45720" numCol="1" spcCol="0" rtlCol="0" fromWordArt="0" anchor="ctr" anchorCtr="0" forceAA="0" compatLnSpc="1">
-            <a:prstTxWarp prst="textNoShape">
-              <a:avLst/>
-            </a:prstTxWarp>
             <a:noAutofit/>
           </a:bodyPr>
           <a:lstStyle/>
@@ -24780,8 +24051,8 @@
                 <a:solidFill>
                   <a:schemeClr val="bg1"/>
                 </a:solidFill>
-                <a:latin typeface="微软雅黑" pitchFamily="34" charset="-122"/>
-                <a:ea typeface="微软雅黑" pitchFamily="34" charset="-122"/>
+                <a:latin typeface="微软雅黑" panose="020B0503020204020204" pitchFamily="34" charset="-122"/>
+                <a:ea typeface="微软雅黑" panose="020B0503020204020204" pitchFamily="34" charset="-122"/>
               </a:rPr>
               <a:t>仿百度地图</a:t>
             </a:r>
@@ -24799,8 +24070,8 @@
               <a:solidFill>
                 <a:schemeClr val="bg1"/>
               </a:solidFill>
-              <a:latin typeface="微软雅黑" pitchFamily="34" charset="-122"/>
-              <a:ea typeface="微软雅黑" pitchFamily="34" charset="-122"/>
+              <a:latin typeface="微软雅黑" panose="020B0503020204020204" pitchFamily="34" charset="-122"/>
+              <a:ea typeface="微软雅黑" panose="020B0503020204020204" pitchFamily="34" charset="-122"/>
             </a:endParaRPr>
           </a:p>
         </p:txBody>
@@ -24881,9 +24152,6 @@
           </p:style>
           <p:txBody>
             <a:bodyPr rot="0" spcFirstLastPara="0" vertOverflow="overflow" horzOverflow="overflow" vert="horz" wrap="square" lIns="91440" tIns="45720" rIns="91440" bIns="45720" numCol="1" spcCol="0" rtlCol="0" fromWordArt="0" anchor="ctr" anchorCtr="0" forceAA="0" compatLnSpc="1">
-              <a:prstTxWarp prst="textNoShape">
-                <a:avLst/>
-              </a:prstTxWarp>
               <a:noAutofit/>
             </a:bodyPr>
             <a:lstStyle/>
@@ -24893,8 +24161,8 @@
                 <a:solidFill>
                   <a:schemeClr val="bg1"/>
                 </a:solidFill>
-                <a:latin typeface="微软雅黑" pitchFamily="34" charset="-122"/>
-                <a:ea typeface="微软雅黑" pitchFamily="34" charset="-122"/>
+                <a:latin typeface="微软雅黑" panose="020B0503020204020204" pitchFamily="34" charset="-122"/>
+                <a:ea typeface="微软雅黑" panose="020B0503020204020204" pitchFamily="34" charset="-122"/>
               </a:endParaRPr>
             </a:p>
           </p:txBody>
@@ -24952,9 +24220,9 @@
                 <a:solidFill>
                   <a:sysClr val="window" lastClr="FFFFFF"/>
                 </a:solidFill>
-                <a:latin typeface="微软雅黑" pitchFamily="34" charset="-122"/>
-                <a:ea typeface="微软雅黑" pitchFamily="34" charset="-122"/>
-                <a:cs typeface="Arial Unicode MS" pitchFamily="34" charset="-122"/>
+                <a:latin typeface="微软雅黑" panose="020B0503020204020204" pitchFamily="34" charset="-122"/>
+                <a:ea typeface="微软雅黑" panose="020B0503020204020204" pitchFamily="34" charset="-122"/>
+                <a:cs typeface="Arial Unicode MS" panose="020B0604020202020204" pitchFamily="34" charset="-122"/>
               </a:endParaRPr>
             </a:p>
           </p:txBody>
@@ -25013,9 +24281,9 @@
                   <a:solidFill>
                     <a:sysClr val="window" lastClr="FFFFFF"/>
                   </a:solidFill>
-                  <a:latin typeface="微软雅黑" pitchFamily="34" charset="-122"/>
-                  <a:ea typeface="微软雅黑" pitchFamily="34" charset="-122"/>
-                  <a:cs typeface="Arial Unicode MS" pitchFamily="34" charset="-122"/>
+                  <a:latin typeface="微软雅黑" panose="020B0503020204020204" pitchFamily="34" charset="-122"/>
+                  <a:ea typeface="微软雅黑" panose="020B0503020204020204" pitchFamily="34" charset="-122"/>
+                  <a:cs typeface="Arial Unicode MS" panose="020B0604020202020204" pitchFamily="34" charset="-122"/>
                 </a:rPr>
                 <a:t>用户注册，登录</a:t>
               </a:r>
@@ -25023,9 +24291,9 @@
                 <a:solidFill>
                   <a:sysClr val="window" lastClr="FFFFFF"/>
                 </a:solidFill>
-                <a:latin typeface="微软雅黑" pitchFamily="34" charset="-122"/>
-                <a:ea typeface="微软雅黑" pitchFamily="34" charset="-122"/>
-                <a:cs typeface="Arial Unicode MS" pitchFamily="34" charset="-122"/>
+                <a:latin typeface="微软雅黑" panose="020B0503020204020204" pitchFamily="34" charset="-122"/>
+                <a:ea typeface="微软雅黑" panose="020B0503020204020204" pitchFamily="34" charset="-122"/>
+                <a:cs typeface="Arial Unicode MS" panose="020B0604020202020204" pitchFamily="34" charset="-122"/>
               </a:endParaRPr>
             </a:p>
           </p:txBody>
@@ -25107,9 +24375,6 @@
           </p:style>
           <p:txBody>
             <a:bodyPr rot="0" spcFirstLastPara="0" vertOverflow="overflow" horzOverflow="overflow" vert="horz" wrap="square" lIns="91440" tIns="45720" rIns="91440" bIns="45720" numCol="1" spcCol="0" rtlCol="0" fromWordArt="0" anchor="ctr" anchorCtr="0" forceAA="0" compatLnSpc="1">
-              <a:prstTxWarp prst="textNoShape">
-                <a:avLst/>
-              </a:prstTxWarp>
               <a:noAutofit/>
             </a:bodyPr>
             <a:lstStyle/>
@@ -25119,8 +24384,8 @@
                 <a:solidFill>
                   <a:schemeClr val="bg1"/>
                 </a:solidFill>
-                <a:latin typeface="微软雅黑" pitchFamily="34" charset="-122"/>
-                <a:ea typeface="微软雅黑" pitchFamily="34" charset="-122"/>
+                <a:latin typeface="微软雅黑" panose="020B0503020204020204" pitchFamily="34" charset="-122"/>
+                <a:ea typeface="微软雅黑" panose="020B0503020204020204" pitchFamily="34" charset="-122"/>
               </a:endParaRPr>
             </a:p>
           </p:txBody>
@@ -25178,9 +24443,9 @@
                 <a:solidFill>
                   <a:sysClr val="window" lastClr="FFFFFF"/>
                 </a:solidFill>
-                <a:latin typeface="微软雅黑" pitchFamily="34" charset="-122"/>
-                <a:ea typeface="微软雅黑" pitchFamily="34" charset="-122"/>
-                <a:cs typeface="Arial Unicode MS" pitchFamily="34" charset="-122"/>
+                <a:latin typeface="微软雅黑" panose="020B0503020204020204" pitchFamily="34" charset="-122"/>
+                <a:ea typeface="微软雅黑" panose="020B0503020204020204" pitchFamily="34" charset="-122"/>
+                <a:cs typeface="Arial Unicode MS" panose="020B0604020202020204" pitchFamily="34" charset="-122"/>
               </a:endParaRPr>
             </a:p>
           </p:txBody>
@@ -25239,9 +24504,9 @@
                   <a:solidFill>
                     <a:sysClr val="window" lastClr="FFFFFF"/>
                   </a:solidFill>
-                  <a:latin typeface="微软雅黑" pitchFamily="34" charset="-122"/>
-                  <a:ea typeface="微软雅黑" pitchFamily="34" charset="-122"/>
-                  <a:cs typeface="Arial Unicode MS" pitchFamily="34" charset="-122"/>
+                  <a:latin typeface="微软雅黑" panose="020B0503020204020204" pitchFamily="34" charset="-122"/>
+                  <a:ea typeface="微软雅黑" panose="020B0503020204020204" pitchFamily="34" charset="-122"/>
+                  <a:cs typeface="Arial Unicode MS" panose="020B0604020202020204" pitchFamily="34" charset="-122"/>
                 </a:rPr>
                 <a:t>地图找房</a:t>
               </a:r>
@@ -25249,9 +24514,9 @@
                 <a:solidFill>
                   <a:sysClr val="window" lastClr="FFFFFF"/>
                 </a:solidFill>
-                <a:latin typeface="微软雅黑" pitchFamily="34" charset="-122"/>
-                <a:ea typeface="微软雅黑" pitchFamily="34" charset="-122"/>
-                <a:cs typeface="Arial Unicode MS" pitchFamily="34" charset="-122"/>
+                <a:latin typeface="微软雅黑" panose="020B0503020204020204" pitchFamily="34" charset="-122"/>
+                <a:ea typeface="微软雅黑" panose="020B0503020204020204" pitchFamily="34" charset="-122"/>
+                <a:cs typeface="Arial Unicode MS" panose="020B0604020202020204" pitchFamily="34" charset="-122"/>
               </a:endParaRPr>
             </a:p>
           </p:txBody>
@@ -25266,7 +24531,7 @@
           <p:nvPr/>
         </p:nvPicPr>
         <p:blipFill>
-          <a:blip r:embed="rId3" cstate="screen">
+          <a:blip r:embed="rId1" cstate="screen">
             <a:duotone>
               <a:schemeClr val="accent5">
                 <a:shade val="45000"/>
@@ -25274,11 +24539,6 @@
               </a:schemeClr>
               <a:prstClr val="white"/>
             </a:duotone>
-            <a:extLst>
-              <a:ext uri="{28A0092B-C50C-407E-A947-70E740481C1C}">
-                <a14:useLocalDpi xmlns:a14="http://schemas.microsoft.com/office/drawing/2010/main"/>
-              </a:ext>
-            </a:extLst>
           </a:blip>
           <a:srcRect/>
           <a:stretch>
@@ -25319,22 +24579,17 @@
         </p:spPr>
       </p:pic>
     </p:spTree>
-    <p:extLst>
-      <p:ext uri="{BB962C8B-B14F-4D97-AF65-F5344CB8AC3E}">
-        <p14:creationId xmlns:p14="http://schemas.microsoft.com/office/powerpoint/2010/main" val="3209072686"/>
-      </p:ext>
-    </p:extLst>
   </p:cSld>
   <p:clrMapOvr>
     <a:masterClrMapping/>
   </p:clrMapOvr>
-  <mc:AlternateContent xmlns:mc="http://schemas.openxmlformats.org/markup-compatibility/2006" xmlns:p14="http://schemas.microsoft.com/office/powerpoint/2010/main">
-    <mc:Choice Requires="p14">
+  <mc:AlternateContent xmlns:mc="http://schemas.openxmlformats.org/markup-compatibility/2006">
+    <mc:Choice xmlns:p14="http://schemas.microsoft.com/office/powerpoint/2010/main" Requires="p14">
       <p:transition spd="slow" p14:dur="2000" advTm="3595">
-        <p14:reveal dir="r"/>
+        <p14:reveal thruBlk="1"/>
       </p:transition>
     </mc:Choice>
-    <mc:Fallback xmlns="">
+    <mc:Fallback>
       <p:transition spd="slow" advTm="3595">
         <p:fade/>
       </p:transition>
@@ -26064,8 +25319,8 @@
                     <a:fillToRect l="50000" t="50000" r="50000" b="50000"/>
                   </a:path>
                 </a:gradFill>
-                <a:latin typeface="微软雅黑" pitchFamily="34" charset="-122"/>
-                <a:ea typeface="微软雅黑" pitchFamily="34" charset="-122"/>
+                <a:latin typeface="微软雅黑" panose="020B0503020204020204" pitchFamily="34" charset="-122"/>
+                <a:ea typeface="微软雅黑" panose="020B0503020204020204" pitchFamily="34" charset="-122"/>
               </a:rPr>
               <a:t>项目核心介绍</a:t>
             </a:r>
@@ -26083,8 +25338,8 @@
                   <a:fillToRect l="50000" t="50000" r="50000" b="50000"/>
                 </a:path>
               </a:gradFill>
-              <a:latin typeface="微软雅黑" pitchFamily="34" charset="-122"/>
-              <a:ea typeface="微软雅黑" pitchFamily="34" charset="-122"/>
+              <a:latin typeface="微软雅黑" panose="020B0503020204020204" pitchFamily="34" charset="-122"/>
+              <a:ea typeface="微软雅黑" panose="020B0503020204020204" pitchFamily="34" charset="-122"/>
             </a:endParaRPr>
           </a:p>
         </p:txBody>
@@ -26106,9 +25361,7 @@
         <p:sp>
           <p:nvSpPr>
             <p:cNvPr id="4" name="未知"/>
-            <p:cNvSpPr>
-              <a:spLocks/>
-            </p:cNvSpPr>
+            <p:cNvSpPr/>
             <p:nvPr/>
           </p:nvSpPr>
           <p:spPr bwMode="auto">
@@ -26221,9 +25474,6 @@
           </p:style>
           <p:txBody>
             <a:bodyPr rot="0" spcFirstLastPara="0" vertOverflow="overflow" horzOverflow="overflow" vert="horz" wrap="square" lIns="91440" tIns="45720" rIns="91440" bIns="45720" numCol="1" spcCol="0" rtlCol="0" fromWordArt="0" anchor="ctr" anchorCtr="0" forceAA="0" compatLnSpc="1">
-              <a:prstTxWarp prst="textNoShape">
-                <a:avLst/>
-              </a:prstTxWarp>
               <a:noAutofit/>
             </a:bodyPr>
             <a:lstStyle/>
@@ -26233,8 +25483,8 @@
                 <a:solidFill>
                   <a:schemeClr val="bg1"/>
                 </a:solidFill>
-                <a:latin typeface="微软雅黑" pitchFamily="34" charset="-122"/>
-                <a:ea typeface="微软雅黑" pitchFamily="34" charset="-122"/>
+                <a:latin typeface="微软雅黑" panose="020B0503020204020204" pitchFamily="34" charset="-122"/>
+                <a:ea typeface="微软雅黑" panose="020B0503020204020204" pitchFamily="34" charset="-122"/>
               </a:endParaRPr>
             </a:p>
             <a:p>
@@ -26243,8 +25493,8 @@
                 <a:solidFill>
                   <a:schemeClr val="bg1"/>
                 </a:solidFill>
-                <a:latin typeface="微软雅黑" pitchFamily="34" charset="-122"/>
-                <a:ea typeface="微软雅黑" pitchFamily="34" charset="-122"/>
+                <a:latin typeface="微软雅黑" panose="020B0503020204020204" pitchFamily="34" charset="-122"/>
+                <a:ea typeface="微软雅黑" panose="020B0503020204020204" pitchFamily="34" charset="-122"/>
               </a:endParaRPr>
             </a:p>
             <a:p>
@@ -26253,8 +25503,8 @@
                 <a:solidFill>
                   <a:schemeClr val="bg1"/>
                 </a:solidFill>
-                <a:latin typeface="微软雅黑" pitchFamily="34" charset="-122"/>
-                <a:ea typeface="微软雅黑" pitchFamily="34" charset="-122"/>
+                <a:latin typeface="微软雅黑" panose="020B0503020204020204" pitchFamily="34" charset="-122"/>
+                <a:ea typeface="微软雅黑" panose="020B0503020204020204" pitchFamily="34" charset="-122"/>
               </a:endParaRPr>
             </a:p>
             <a:p>
@@ -26263,8 +25513,8 @@
                 <a:solidFill>
                   <a:schemeClr val="bg1"/>
                 </a:solidFill>
-                <a:latin typeface="微软雅黑" pitchFamily="34" charset="-122"/>
-                <a:ea typeface="微软雅黑" pitchFamily="34" charset="-122"/>
+                <a:latin typeface="微软雅黑" panose="020B0503020204020204" pitchFamily="34" charset="-122"/>
+                <a:ea typeface="微软雅黑" panose="020B0503020204020204" pitchFamily="34" charset="-122"/>
               </a:endParaRPr>
             </a:p>
             <a:p>
@@ -26274,8 +25524,8 @@
                   <a:solidFill>
                     <a:schemeClr val="bg1"/>
                   </a:solidFill>
-                  <a:latin typeface="微软雅黑" pitchFamily="34" charset="-122"/>
-                  <a:ea typeface="微软雅黑" pitchFamily="34" charset="-122"/>
+                  <a:latin typeface="微软雅黑" panose="020B0503020204020204" pitchFamily="34" charset="-122"/>
+                  <a:ea typeface="微软雅黑" panose="020B0503020204020204" pitchFamily="34" charset="-122"/>
                 </a:rPr>
                 <a:t>页面添加信息</a:t>
               </a:r>
@@ -26283,8 +25533,8 @@
                 <a:solidFill>
                   <a:schemeClr val="bg1"/>
                 </a:solidFill>
-                <a:latin typeface="微软雅黑" pitchFamily="34" charset="-122"/>
-                <a:ea typeface="微软雅黑" pitchFamily="34" charset="-122"/>
+                <a:latin typeface="微软雅黑" panose="020B0503020204020204" pitchFamily="34" charset="-122"/>
+                <a:ea typeface="微软雅黑" panose="020B0503020204020204" pitchFamily="34" charset="-122"/>
               </a:endParaRPr>
             </a:p>
           </p:txBody>
@@ -26292,9 +25542,7 @@
         <p:sp>
           <p:nvSpPr>
             <p:cNvPr id="5" name="未知"/>
-            <p:cNvSpPr>
-              <a:spLocks/>
-            </p:cNvSpPr>
+            <p:cNvSpPr/>
             <p:nvPr/>
           </p:nvSpPr>
           <p:spPr bwMode="auto">
@@ -26407,9 +25655,6 @@
           </p:style>
           <p:txBody>
             <a:bodyPr rot="0" spcFirstLastPara="0" vertOverflow="overflow" horzOverflow="overflow" vert="horz" wrap="square" lIns="91440" tIns="45720" rIns="91440" bIns="45720" numCol="1" spcCol="0" rtlCol="0" fromWordArt="0" anchor="ctr" anchorCtr="0" forceAA="0" compatLnSpc="1">
-              <a:prstTxWarp prst="textNoShape">
-                <a:avLst/>
-              </a:prstTxWarp>
               <a:noAutofit/>
             </a:bodyPr>
             <a:lstStyle/>
@@ -26419,8 +25664,8 @@
                 <a:solidFill>
                   <a:schemeClr val="bg1"/>
                 </a:solidFill>
-                <a:latin typeface="微软雅黑" pitchFamily="34" charset="-122"/>
-                <a:ea typeface="微软雅黑" pitchFamily="34" charset="-122"/>
+                <a:latin typeface="微软雅黑" panose="020B0503020204020204" pitchFamily="34" charset="-122"/>
+                <a:ea typeface="微软雅黑" panose="020B0503020204020204" pitchFamily="34" charset="-122"/>
               </a:endParaRPr>
             </a:p>
             <a:p>
@@ -26429,8 +25674,8 @@
                 <a:solidFill>
                   <a:schemeClr val="bg1"/>
                 </a:solidFill>
-                <a:latin typeface="微软雅黑" pitchFamily="34" charset="-122"/>
-                <a:ea typeface="微软雅黑" pitchFamily="34" charset="-122"/>
+                <a:latin typeface="微软雅黑" panose="020B0503020204020204" pitchFamily="34" charset="-122"/>
+                <a:ea typeface="微软雅黑" panose="020B0503020204020204" pitchFamily="34" charset="-122"/>
               </a:endParaRPr>
             </a:p>
             <a:p>
@@ -26439,8 +25684,8 @@
                 <a:solidFill>
                   <a:schemeClr val="bg1"/>
                 </a:solidFill>
-                <a:latin typeface="微软雅黑" pitchFamily="34" charset="-122"/>
-                <a:ea typeface="微软雅黑" pitchFamily="34" charset="-122"/>
+                <a:latin typeface="微软雅黑" panose="020B0503020204020204" pitchFamily="34" charset="-122"/>
+                <a:ea typeface="微软雅黑" panose="020B0503020204020204" pitchFamily="34" charset="-122"/>
               </a:endParaRPr>
             </a:p>
             <a:p>
@@ -26449,8 +25694,8 @@
                 <a:solidFill>
                   <a:schemeClr val="bg1"/>
                 </a:solidFill>
-                <a:latin typeface="微软雅黑" pitchFamily="34" charset="-122"/>
-                <a:ea typeface="微软雅黑" pitchFamily="34" charset="-122"/>
+                <a:latin typeface="微软雅黑" panose="020B0503020204020204" pitchFamily="34" charset="-122"/>
+                <a:ea typeface="微软雅黑" panose="020B0503020204020204" pitchFamily="34" charset="-122"/>
               </a:endParaRPr>
             </a:p>
           </p:txBody>
@@ -26458,9 +25703,7 @@
         <p:sp>
           <p:nvSpPr>
             <p:cNvPr id="6" name="未知"/>
-            <p:cNvSpPr>
-              <a:spLocks/>
-            </p:cNvSpPr>
+            <p:cNvSpPr/>
             <p:nvPr/>
           </p:nvSpPr>
           <p:spPr bwMode="auto">
@@ -26573,9 +25816,6 @@
           </p:style>
           <p:txBody>
             <a:bodyPr rot="0" spcFirstLastPara="0" vertOverflow="overflow" horzOverflow="overflow" vert="horz" wrap="square" lIns="91440" tIns="45720" rIns="91440" bIns="45720" numCol="1" spcCol="0" rtlCol="0" fromWordArt="0" anchor="ctr" anchorCtr="0" forceAA="0" compatLnSpc="1">
-              <a:prstTxWarp prst="textNoShape">
-                <a:avLst/>
-              </a:prstTxWarp>
               <a:noAutofit/>
             </a:bodyPr>
             <a:lstStyle/>
@@ -26585,8 +25825,8 @@
                 <a:solidFill>
                   <a:schemeClr val="bg1"/>
                 </a:solidFill>
-                <a:latin typeface="微软雅黑" pitchFamily="34" charset="-122"/>
-                <a:ea typeface="微软雅黑" pitchFamily="34" charset="-122"/>
+                <a:latin typeface="微软雅黑" panose="020B0503020204020204" pitchFamily="34" charset="-122"/>
+                <a:ea typeface="微软雅黑" panose="020B0503020204020204" pitchFamily="34" charset="-122"/>
               </a:endParaRPr>
             </a:p>
             <a:p>
@@ -26595,8 +25835,8 @@
                 <a:solidFill>
                   <a:schemeClr val="bg1"/>
                 </a:solidFill>
-                <a:latin typeface="微软雅黑" pitchFamily="34" charset="-122"/>
-                <a:ea typeface="微软雅黑" pitchFamily="34" charset="-122"/>
+                <a:latin typeface="微软雅黑" panose="020B0503020204020204" pitchFamily="34" charset="-122"/>
+                <a:ea typeface="微软雅黑" panose="020B0503020204020204" pitchFamily="34" charset="-122"/>
               </a:endParaRPr>
             </a:p>
             <a:p>
@@ -26605,8 +25845,8 @@
                 <a:solidFill>
                   <a:schemeClr val="bg1"/>
                 </a:solidFill>
-                <a:latin typeface="微软雅黑" pitchFamily="34" charset="-122"/>
-                <a:ea typeface="微软雅黑" pitchFamily="34" charset="-122"/>
+                <a:latin typeface="微软雅黑" panose="020B0503020204020204" pitchFamily="34" charset="-122"/>
+                <a:ea typeface="微软雅黑" panose="020B0503020204020204" pitchFamily="34" charset="-122"/>
               </a:endParaRPr>
             </a:p>
             <a:p>
@@ -26616,8 +25856,8 @@
                   <a:solidFill>
                     <a:schemeClr val="bg1"/>
                   </a:solidFill>
-                  <a:latin typeface="微软雅黑" pitchFamily="34" charset="-122"/>
-                  <a:ea typeface="微软雅黑" pitchFamily="34" charset="-122"/>
+                  <a:latin typeface="微软雅黑" panose="020B0503020204020204" pitchFamily="34" charset="-122"/>
+                  <a:ea typeface="微软雅黑" panose="020B0503020204020204" pitchFamily="34" charset="-122"/>
                 </a:rPr>
                 <a:t>我的</a:t>
               </a:r>
@@ -26625,8 +25865,8 @@
                 <a:solidFill>
                   <a:schemeClr val="bg1"/>
                 </a:solidFill>
-                <a:latin typeface="微软雅黑" pitchFamily="34" charset="-122"/>
-                <a:ea typeface="微软雅黑" pitchFamily="34" charset="-122"/>
+                <a:latin typeface="微软雅黑" panose="020B0503020204020204" pitchFamily="34" charset="-122"/>
+                <a:ea typeface="微软雅黑" panose="020B0503020204020204" pitchFamily="34" charset="-122"/>
               </a:endParaRPr>
             </a:p>
             <a:p>
@@ -26636,8 +25876,8 @@
                   <a:solidFill>
                     <a:schemeClr val="bg1"/>
                   </a:solidFill>
-                  <a:latin typeface="微软雅黑" pitchFamily="34" charset="-122"/>
-                  <a:ea typeface="微软雅黑" pitchFamily="34" charset="-122"/>
+                  <a:latin typeface="微软雅黑" panose="020B0503020204020204" pitchFamily="34" charset="-122"/>
+                  <a:ea typeface="微软雅黑" panose="020B0503020204020204" pitchFamily="34" charset="-122"/>
                 </a:rPr>
                 <a:t>委托</a:t>
               </a:r>
@@ -26645,8 +25885,8 @@
                 <a:solidFill>
                   <a:schemeClr val="bg1"/>
                 </a:solidFill>
-                <a:latin typeface="微软雅黑" pitchFamily="34" charset="-122"/>
-                <a:ea typeface="微软雅黑" pitchFamily="34" charset="-122"/>
+                <a:latin typeface="微软雅黑" panose="020B0503020204020204" pitchFamily="34" charset="-122"/>
+                <a:ea typeface="微软雅黑" panose="020B0503020204020204" pitchFamily="34" charset="-122"/>
               </a:endParaRPr>
             </a:p>
           </p:txBody>
@@ -26654,9 +25894,7 @@
         <p:sp>
           <p:nvSpPr>
             <p:cNvPr id="7" name="未知"/>
-            <p:cNvSpPr>
-              <a:spLocks/>
-            </p:cNvSpPr>
+            <p:cNvSpPr/>
             <p:nvPr/>
           </p:nvSpPr>
           <p:spPr bwMode="auto">
@@ -26769,9 +26007,6 @@
           </p:style>
           <p:txBody>
             <a:bodyPr rot="0" spcFirstLastPara="0" vertOverflow="overflow" horzOverflow="overflow" vert="horz" wrap="square" lIns="91440" tIns="45720" rIns="91440" bIns="45720" numCol="1" spcCol="0" rtlCol="0" fromWordArt="0" anchor="ctr" anchorCtr="0" forceAA="0" compatLnSpc="1">
-              <a:prstTxWarp prst="textNoShape">
-                <a:avLst/>
-              </a:prstTxWarp>
               <a:noAutofit/>
             </a:bodyPr>
             <a:lstStyle/>
@@ -26782,30 +26017,17 @@
                   <a:solidFill>
                     <a:schemeClr val="bg1"/>
                   </a:solidFill>
-                  <a:latin typeface="微软雅黑" pitchFamily="34" charset="-122"/>
-                  <a:ea typeface="微软雅黑" pitchFamily="34" charset="-122"/>
+                  <a:latin typeface="微软雅黑" panose="020B0503020204020204" pitchFamily="34" charset="-122"/>
+                  <a:ea typeface="微软雅黑" panose="020B0503020204020204" pitchFamily="34" charset="-122"/>
                 </a:rPr>
                 <a:t>个人中心</a:t>
               </a:r>
-            </a:p>
-            <a:p>
-              <a:pPr algn="ctr"/>
-              <a:r>
-                <a:rPr lang="zh-CN" altLang="en-US" sz="2400" b="1" u="sng" dirty="0" smtClean="0">
-                  <a:solidFill>
-                    <a:schemeClr val="bg1"/>
-                  </a:solidFill>
-                  <a:latin typeface="微软雅黑" pitchFamily="34" charset="-122"/>
-                  <a:ea typeface="微软雅黑" pitchFamily="34" charset="-122"/>
-                </a:rPr>
-                <a:t>我的资产，</a:t>
-              </a:r>
-              <a:endParaRPr lang="en-US" altLang="zh-CN" sz="2400" b="1" u="sng" dirty="0" smtClean="0">
+              <a:endParaRPr lang="zh-CN" altLang="en-US" sz="2800" b="1" i="1" u="sng" kern="0" dirty="0" smtClean="0">
                 <a:solidFill>
                   <a:schemeClr val="bg1"/>
                 </a:solidFill>
-                <a:latin typeface="微软雅黑" pitchFamily="34" charset="-122"/>
-                <a:ea typeface="微软雅黑" pitchFamily="34" charset="-122"/>
+                <a:latin typeface="微软雅黑" panose="020B0503020204020204" pitchFamily="34" charset="-122"/>
+                <a:ea typeface="微软雅黑" panose="020B0503020204020204" pitchFamily="34" charset="-122"/>
               </a:endParaRPr>
             </a:p>
             <a:p>
@@ -26815,8 +26037,28 @@
                   <a:solidFill>
                     <a:schemeClr val="bg1"/>
                   </a:solidFill>
-                  <a:latin typeface="微软雅黑" pitchFamily="34" charset="-122"/>
-                  <a:ea typeface="微软雅黑" pitchFamily="34" charset="-122"/>
+                  <a:latin typeface="微软雅黑" panose="020B0503020204020204" pitchFamily="34" charset="-122"/>
+                  <a:ea typeface="微软雅黑" panose="020B0503020204020204" pitchFamily="34" charset="-122"/>
+                </a:rPr>
+                <a:t>我的资产，</a:t>
+              </a:r>
+              <a:endParaRPr lang="en-US" altLang="zh-CN" sz="2400" b="1" u="sng" dirty="0" smtClean="0">
+                <a:solidFill>
+                  <a:schemeClr val="bg1"/>
+                </a:solidFill>
+                <a:latin typeface="微软雅黑" panose="020B0503020204020204" pitchFamily="34" charset="-122"/>
+                <a:ea typeface="微软雅黑" panose="020B0503020204020204" pitchFamily="34" charset="-122"/>
+              </a:endParaRPr>
+            </a:p>
+            <a:p>
+              <a:pPr algn="ctr"/>
+              <a:r>
+                <a:rPr lang="zh-CN" altLang="en-US" sz="2400" b="1" u="sng" dirty="0" smtClean="0">
+                  <a:solidFill>
+                    <a:schemeClr val="bg1"/>
+                  </a:solidFill>
+                  <a:latin typeface="微软雅黑" panose="020B0503020204020204" pitchFamily="34" charset="-122"/>
+                  <a:ea typeface="微软雅黑" panose="020B0503020204020204" pitchFamily="34" charset="-122"/>
                 </a:rPr>
                 <a:t>房租的订单和代付款</a:t>
               </a:r>
@@ -26825,8 +26067,8 @@
                   <a:solidFill>
                     <a:schemeClr val="bg1"/>
                   </a:solidFill>
-                  <a:latin typeface="微软雅黑" pitchFamily="34" charset="-122"/>
-                  <a:ea typeface="微软雅黑" pitchFamily="34" charset="-122"/>
+                  <a:latin typeface="微软雅黑" panose="020B0503020204020204" pitchFamily="34" charset="-122"/>
+                  <a:ea typeface="微软雅黑" panose="020B0503020204020204" pitchFamily="34" charset="-122"/>
                 </a:rPr>
                 <a:t>，</a:t>
               </a:r>
@@ -26834,8 +26076,8 @@
                 <a:solidFill>
                   <a:schemeClr val="bg1"/>
                 </a:solidFill>
-                <a:latin typeface="微软雅黑" pitchFamily="34" charset="-122"/>
-                <a:ea typeface="微软雅黑" pitchFamily="34" charset="-122"/>
+                <a:latin typeface="微软雅黑" panose="020B0503020204020204" pitchFamily="34" charset="-122"/>
+                <a:ea typeface="微软雅黑" panose="020B0503020204020204" pitchFamily="34" charset="-122"/>
               </a:endParaRPr>
             </a:p>
             <a:p>
@@ -26844,8 +26086,8 @@
                 <a:solidFill>
                   <a:schemeClr val="bg1"/>
                 </a:solidFill>
-                <a:latin typeface="微软雅黑" pitchFamily="34" charset="-122"/>
-                <a:ea typeface="微软雅黑" pitchFamily="34" charset="-122"/>
+                <a:latin typeface="微软雅黑" panose="020B0503020204020204" pitchFamily="34" charset="-122"/>
+                <a:ea typeface="微软雅黑" panose="020B0503020204020204" pitchFamily="34" charset="-122"/>
               </a:endParaRPr>
             </a:p>
             <a:p>
@@ -26854,8 +26096,8 @@
                 <a:solidFill>
                   <a:schemeClr val="bg1"/>
                 </a:solidFill>
-                <a:latin typeface="微软雅黑" pitchFamily="34" charset="-122"/>
-                <a:ea typeface="微软雅黑" pitchFamily="34" charset="-122"/>
+                <a:latin typeface="微软雅黑" panose="020B0503020204020204" pitchFamily="34" charset="-122"/>
+                <a:ea typeface="微软雅黑" panose="020B0503020204020204" pitchFamily="34" charset="-122"/>
               </a:endParaRPr>
             </a:p>
           </p:txBody>
@@ -26863,9 +26105,7 @@
         <p:sp>
           <p:nvSpPr>
             <p:cNvPr id="8" name="未知"/>
-            <p:cNvSpPr>
-              <a:spLocks/>
-            </p:cNvSpPr>
+            <p:cNvSpPr/>
             <p:nvPr/>
           </p:nvSpPr>
           <p:spPr bwMode="auto">
@@ -27158,9 +26398,6 @@
           </p:style>
           <p:txBody>
             <a:bodyPr rot="0" spcFirstLastPara="0" vertOverflow="overflow" horzOverflow="overflow" vert="horz" wrap="square" lIns="91440" tIns="45720" rIns="91440" bIns="45720" numCol="1" spcCol="0" rtlCol="0" fromWordArt="0" anchor="ctr" anchorCtr="0" forceAA="0" compatLnSpc="1">
-              <a:prstTxWarp prst="textNoShape">
-                <a:avLst/>
-              </a:prstTxWarp>
               <a:noAutofit/>
             </a:bodyPr>
             <a:lstStyle/>
@@ -27170,8 +26407,8 @@
                 <a:solidFill>
                   <a:srgbClr val="4197BF"/>
                 </a:solidFill>
-                <a:latin typeface="微软雅黑" pitchFamily="34" charset="-122"/>
-                <a:ea typeface="微软雅黑" pitchFamily="34" charset="-122"/>
+                <a:latin typeface="微软雅黑" panose="020B0503020204020204" pitchFamily="34" charset="-122"/>
+                <a:ea typeface="微软雅黑" panose="020B0503020204020204" pitchFamily="34" charset="-122"/>
               </a:endParaRPr>
             </a:p>
           </p:txBody>
@@ -27196,8 +26433,6 @@
             <a:ln w="9525" cap="flat" cmpd="sng">
               <a:noFill/>
               <a:miter lim="800000"/>
-              <a:headEnd/>
-              <a:tailEnd/>
             </a:ln>
             <a:effectLst/>
           </p:spPr>
@@ -27215,8 +26450,8 @@
                   <a:solidFill>
                     <a:schemeClr val="bg1"/>
                   </a:solidFill>
-                  <a:latin typeface="微软雅黑" pitchFamily="34" charset="-122"/>
-                  <a:ea typeface="微软雅黑" pitchFamily="34" charset="-122"/>
+                  <a:latin typeface="微软雅黑" panose="020B0503020204020204" pitchFamily="34" charset="-122"/>
+                  <a:ea typeface="微软雅黑" panose="020B0503020204020204" pitchFamily="34" charset="-122"/>
                 </a:rPr>
                 <a:t>我要出租</a:t>
               </a:r>
@@ -27224,8 +26459,8 @@
                 <a:solidFill>
                   <a:schemeClr val="bg1"/>
                 </a:solidFill>
-                <a:latin typeface="微软雅黑" pitchFamily="34" charset="-122"/>
-                <a:ea typeface="微软雅黑" pitchFamily="34" charset="-122"/>
+                <a:latin typeface="微软雅黑" panose="020B0503020204020204" pitchFamily="34" charset="-122"/>
+                <a:ea typeface="微软雅黑" panose="020B0503020204020204" pitchFamily="34" charset="-122"/>
               </a:endParaRPr>
             </a:p>
             <a:p>
@@ -27236,8 +26471,8 @@
                 <a:solidFill>
                   <a:schemeClr val="bg1"/>
                 </a:solidFill>
-                <a:latin typeface="微软雅黑" pitchFamily="34" charset="-122"/>
-                <a:ea typeface="微软雅黑" pitchFamily="34" charset="-122"/>
+                <a:latin typeface="微软雅黑" panose="020B0503020204020204" pitchFamily="34" charset="-122"/>
+                <a:ea typeface="微软雅黑" panose="020B0503020204020204" pitchFamily="34" charset="-122"/>
               </a:endParaRPr>
             </a:p>
             <a:p>
@@ -27249,8 +26484,8 @@
                   <a:solidFill>
                     <a:schemeClr val="bg1"/>
                   </a:solidFill>
-                  <a:latin typeface="微软雅黑" pitchFamily="34" charset="-122"/>
-                  <a:ea typeface="微软雅黑" pitchFamily="34" charset="-122"/>
+                  <a:latin typeface="微软雅黑" panose="020B0503020204020204" pitchFamily="34" charset="-122"/>
+                  <a:ea typeface="微软雅黑" panose="020B0503020204020204" pitchFamily="34" charset="-122"/>
                 </a:rPr>
                 <a:t>委托管理</a:t>
               </a:r>
@@ -27258,8 +26493,8 @@
                 <a:solidFill>
                   <a:schemeClr val="bg1"/>
                 </a:solidFill>
-                <a:latin typeface="微软雅黑" pitchFamily="34" charset="-122"/>
-                <a:ea typeface="微软雅黑" pitchFamily="34" charset="-122"/>
+                <a:latin typeface="微软雅黑" panose="020B0503020204020204" pitchFamily="34" charset="-122"/>
+                <a:ea typeface="微软雅黑" panose="020B0503020204020204" pitchFamily="34" charset="-122"/>
               </a:endParaRPr>
             </a:p>
             <a:p>
@@ -27270,8 +26505,8 @@
                 <a:solidFill>
                   <a:schemeClr val="bg1"/>
                 </a:solidFill>
-                <a:latin typeface="微软雅黑" pitchFamily="34" charset="-122"/>
-                <a:ea typeface="微软雅黑" pitchFamily="34" charset="-122"/>
+                <a:latin typeface="微软雅黑" panose="020B0503020204020204" pitchFamily="34" charset="-122"/>
+                <a:ea typeface="微软雅黑" panose="020B0503020204020204" pitchFamily="34" charset="-122"/>
               </a:endParaRPr>
             </a:p>
             <a:p>
@@ -27282,8 +26517,8 @@
                 <a:solidFill>
                   <a:schemeClr val="bg1"/>
                 </a:solidFill>
-                <a:latin typeface="微软雅黑" pitchFamily="34" charset="-122"/>
-                <a:ea typeface="微软雅黑" pitchFamily="34" charset="-122"/>
+                <a:latin typeface="微软雅黑" panose="020B0503020204020204" pitchFamily="34" charset="-122"/>
+                <a:ea typeface="微软雅黑" panose="020B0503020204020204" pitchFamily="34" charset="-122"/>
               </a:endParaRPr>
             </a:p>
           </p:txBody>
@@ -27308,8 +26543,6 @@
             <a:ln w="9525" cap="flat" cmpd="sng">
               <a:noFill/>
               <a:miter lim="800000"/>
-              <a:headEnd/>
-              <a:tailEnd/>
             </a:ln>
             <a:effectLst/>
           </p:spPr>
@@ -27327,8 +26560,8 @@
                   <a:solidFill>
                     <a:schemeClr val="bg1"/>
                   </a:solidFill>
-                  <a:latin typeface="微软雅黑" pitchFamily="34" charset="-122"/>
-                  <a:ea typeface="微软雅黑" pitchFamily="34" charset="-122"/>
+                  <a:latin typeface="微软雅黑" panose="020B0503020204020204" pitchFamily="34" charset="-122"/>
+                  <a:ea typeface="微软雅黑" panose="020B0503020204020204" pitchFamily="34" charset="-122"/>
                 </a:rPr>
                 <a:t>看</a:t>
               </a:r>
@@ -27337,8 +26570,8 @@
                   <a:solidFill>
                     <a:schemeClr val="bg1"/>
                   </a:solidFill>
-                  <a:latin typeface="微软雅黑" pitchFamily="34" charset="-122"/>
-                  <a:ea typeface="微软雅黑" pitchFamily="34" charset="-122"/>
+                  <a:latin typeface="微软雅黑" panose="020B0503020204020204" pitchFamily="34" charset="-122"/>
+                  <a:ea typeface="微软雅黑" panose="020B0503020204020204" pitchFamily="34" charset="-122"/>
                 </a:rPr>
                 <a:t>房日程</a:t>
               </a:r>
@@ -27346,8 +26579,8 @@
                 <a:solidFill>
                   <a:schemeClr val="bg1"/>
                 </a:solidFill>
-                <a:latin typeface="微软雅黑" pitchFamily="34" charset="-122"/>
-                <a:ea typeface="微软雅黑" pitchFamily="34" charset="-122"/>
+                <a:latin typeface="微软雅黑" panose="020B0503020204020204" pitchFamily="34" charset="-122"/>
+                <a:ea typeface="微软雅黑" panose="020B0503020204020204" pitchFamily="34" charset="-122"/>
               </a:endParaRPr>
             </a:p>
             <a:p>
@@ -27358,8 +26591,8 @@
                 <a:solidFill>
                   <a:schemeClr val="bg1"/>
                 </a:solidFill>
-                <a:latin typeface="微软雅黑" pitchFamily="34" charset="-122"/>
-                <a:ea typeface="微软雅黑" pitchFamily="34" charset="-122"/>
+                <a:latin typeface="微软雅黑" panose="020B0503020204020204" pitchFamily="34" charset="-122"/>
+                <a:ea typeface="微软雅黑" panose="020B0503020204020204" pitchFamily="34" charset="-122"/>
               </a:endParaRPr>
             </a:p>
             <a:p>
@@ -27371,8 +26604,8 @@
                   <a:solidFill>
                     <a:schemeClr val="bg1"/>
                   </a:solidFill>
-                  <a:latin typeface="微软雅黑" pitchFamily="34" charset="-122"/>
-                  <a:ea typeface="微软雅黑" pitchFamily="34" charset="-122"/>
+                  <a:latin typeface="微软雅黑" panose="020B0503020204020204" pitchFamily="34" charset="-122"/>
+                  <a:ea typeface="微软雅黑" panose="020B0503020204020204" pitchFamily="34" charset="-122"/>
                 </a:rPr>
                 <a:t>查询所有房源信息</a:t>
               </a:r>
@@ -27380,8 +26613,8 @@
                 <a:solidFill>
                   <a:schemeClr val="bg1"/>
                 </a:solidFill>
-                <a:latin typeface="微软雅黑" pitchFamily="34" charset="-122"/>
-                <a:ea typeface="微软雅黑" pitchFamily="34" charset="-122"/>
+                <a:latin typeface="微软雅黑" panose="020B0503020204020204" pitchFamily="34" charset="-122"/>
+                <a:ea typeface="微软雅黑" panose="020B0503020204020204" pitchFamily="34" charset="-122"/>
               </a:endParaRPr>
             </a:p>
           </p:txBody>
@@ -27406,8 +26639,6 @@
             <a:ln w="9525" cap="flat" cmpd="sng">
               <a:noFill/>
               <a:miter lim="800000"/>
-              <a:headEnd/>
-              <a:tailEnd/>
             </a:ln>
             <a:effectLst/>
           </p:spPr>
@@ -27424,8 +26655,8 @@
                 <a:solidFill>
                   <a:schemeClr val="bg1"/>
                 </a:solidFill>
-                <a:latin typeface="微软雅黑" pitchFamily="34" charset="-122"/>
-                <a:ea typeface="微软雅黑" pitchFamily="34" charset="-122"/>
+                <a:latin typeface="微软雅黑" panose="020B0503020204020204" pitchFamily="34" charset="-122"/>
+                <a:ea typeface="微软雅黑" panose="020B0503020204020204" pitchFamily="34" charset="-122"/>
               </a:endParaRPr>
             </a:p>
           </p:txBody>
@@ -27450,8 +26681,6 @@
             <a:ln w="9525" cap="flat" cmpd="sng">
               <a:noFill/>
               <a:miter lim="800000"/>
-              <a:headEnd/>
-              <a:tailEnd/>
             </a:ln>
             <a:effectLst/>
           </p:spPr>
@@ -27469,8 +26698,8 @@
                   <a:solidFill>
                     <a:schemeClr val="bg1"/>
                   </a:solidFill>
-                  <a:latin typeface="微软雅黑" pitchFamily="34" charset="-122"/>
-                  <a:ea typeface="微软雅黑" pitchFamily="34" charset="-122"/>
+                  <a:latin typeface="微软雅黑" panose="020B0503020204020204" pitchFamily="34" charset="-122"/>
+                  <a:ea typeface="微软雅黑" panose="020B0503020204020204" pitchFamily="34" charset="-122"/>
                 </a:rPr>
                 <a:t>收藏</a:t>
               </a:r>
@@ -27478,8 +26707,8 @@
                 <a:solidFill>
                   <a:schemeClr val="bg1"/>
                 </a:solidFill>
-                <a:latin typeface="微软雅黑" pitchFamily="34" charset="-122"/>
-                <a:ea typeface="微软雅黑" pitchFamily="34" charset="-122"/>
+                <a:latin typeface="微软雅黑" panose="020B0503020204020204" pitchFamily="34" charset="-122"/>
+                <a:ea typeface="微软雅黑" panose="020B0503020204020204" pitchFamily="34" charset="-122"/>
               </a:endParaRPr>
             </a:p>
           </p:txBody>
@@ -27504,8 +26733,6 @@
             <a:ln w="9525" cap="flat" cmpd="sng">
               <a:noFill/>
               <a:miter lim="800000"/>
-              <a:headEnd/>
-              <a:tailEnd/>
             </a:ln>
             <a:effectLst/>
           </p:spPr>
@@ -27523,8 +26750,8 @@
                   <a:solidFill>
                     <a:srgbClr val="07405E"/>
                   </a:solidFill>
-                  <a:latin typeface="微软雅黑" pitchFamily="34" charset="-122"/>
-                  <a:ea typeface="微软雅黑" pitchFamily="34" charset="-122"/>
+                  <a:latin typeface="微软雅黑" panose="020B0503020204020204" pitchFamily="34" charset="-122"/>
+                  <a:ea typeface="微软雅黑" panose="020B0503020204020204" pitchFamily="34" charset="-122"/>
                 </a:rPr>
                 <a:t>核心介绍</a:t>
               </a:r>
@@ -27532,30 +26759,25 @@
                 <a:solidFill>
                   <a:srgbClr val="07405E"/>
                 </a:solidFill>
-                <a:latin typeface="微软雅黑" pitchFamily="34" charset="-122"/>
-                <a:ea typeface="微软雅黑" pitchFamily="34" charset="-122"/>
+                <a:latin typeface="微软雅黑" panose="020B0503020204020204" pitchFamily="34" charset="-122"/>
+                <a:ea typeface="微软雅黑" panose="020B0503020204020204" pitchFamily="34" charset="-122"/>
               </a:endParaRPr>
             </a:p>
           </p:txBody>
         </p:sp>
       </p:grpSp>
     </p:spTree>
-    <p:extLst>
-      <p:ext uri="{BB962C8B-B14F-4D97-AF65-F5344CB8AC3E}">
-        <p14:creationId xmlns:p14="http://schemas.microsoft.com/office/powerpoint/2010/main" val="1395379771"/>
-      </p:ext>
-    </p:extLst>
   </p:cSld>
   <p:clrMapOvr>
     <a:masterClrMapping/>
   </p:clrMapOvr>
-  <mc:AlternateContent xmlns:mc="http://schemas.openxmlformats.org/markup-compatibility/2006" xmlns:p14="http://schemas.microsoft.com/office/powerpoint/2010/main">
-    <mc:Choice Requires="p14">
+  <mc:AlternateContent xmlns:mc="http://schemas.openxmlformats.org/markup-compatibility/2006">
+    <mc:Choice xmlns:p14="http://schemas.microsoft.com/office/powerpoint/2010/main" Requires="p14">
       <p:transition spd="slow" p14:dur="2000" advTm="2348">
-        <p14:reveal dir="r"/>
+        <p14:reveal thruBlk="1"/>
       </p:transition>
     </mc:Choice>
-    <mc:Fallback xmlns="">
+    <mc:Fallback>
       <p:transition spd="slow" advTm="2348">
         <p:fade/>
       </p:transition>
@@ -27761,8 +26983,8 @@
                     <a:fillToRect l="50000" t="50000" r="50000" b="50000"/>
                   </a:path>
                 </a:gradFill>
-                <a:latin typeface="微软雅黑" pitchFamily="34" charset="-122"/>
-                <a:ea typeface="微软雅黑" pitchFamily="34" charset="-122"/>
+                <a:latin typeface="微软雅黑" panose="020B0503020204020204" pitchFamily="34" charset="-122"/>
+                <a:ea typeface="微软雅黑" panose="020B0503020204020204" pitchFamily="34" charset="-122"/>
               </a:rPr>
               <a:t>项 目 使 用 技 术</a:t>
             </a:r>
@@ -27780,8 +27002,8 @@
                   <a:fillToRect l="50000" t="50000" r="50000" b="50000"/>
                 </a:path>
               </a:gradFill>
-              <a:latin typeface="微软雅黑" pitchFamily="34" charset="-122"/>
-              <a:ea typeface="微软雅黑" pitchFamily="34" charset="-122"/>
+              <a:latin typeface="微软雅黑" panose="020B0503020204020204" pitchFamily="34" charset="-122"/>
+              <a:ea typeface="微软雅黑" panose="020B0503020204020204" pitchFamily="34" charset="-122"/>
             </a:endParaRPr>
           </a:p>
         </p:txBody>
@@ -27842,9 +27064,6 @@
         </p:style>
         <p:txBody>
           <a:bodyPr rot="0" spcFirstLastPara="0" vertOverflow="overflow" horzOverflow="overflow" vert="horz" wrap="square" lIns="91440" tIns="45720" rIns="91440" bIns="45720" numCol="1" spcCol="0" rtlCol="0" fromWordArt="0" anchor="ctr" anchorCtr="0" forceAA="0" compatLnSpc="1">
-            <a:prstTxWarp prst="textNoShape">
-              <a:avLst/>
-            </a:prstTxWarp>
             <a:noAutofit/>
           </a:bodyPr>
           <a:lstStyle/>
@@ -27854,8 +27073,8 @@
               <a:solidFill>
                 <a:srgbClr val="4197BF"/>
               </a:solidFill>
-              <a:latin typeface="微软雅黑" pitchFamily="34" charset="-122"/>
-              <a:ea typeface="微软雅黑" pitchFamily="34" charset="-122"/>
+              <a:latin typeface="微软雅黑" panose="020B0503020204020204" pitchFamily="34" charset="-122"/>
+              <a:ea typeface="微软雅黑" panose="020B0503020204020204" pitchFamily="34" charset="-122"/>
             </a:endParaRPr>
           </a:p>
         </p:txBody>
@@ -27916,9 +27135,6 @@
         </p:style>
         <p:txBody>
           <a:bodyPr rot="0" spcFirstLastPara="0" vertOverflow="overflow" horzOverflow="overflow" vert="horz" wrap="square" lIns="91440" tIns="45720" rIns="91440" bIns="45720" numCol="1" spcCol="0" rtlCol="0" fromWordArt="0" anchor="ctr" anchorCtr="0" forceAA="0" compatLnSpc="1">
-            <a:prstTxWarp prst="textNoShape">
-              <a:avLst/>
-            </a:prstTxWarp>
             <a:noAutofit/>
           </a:bodyPr>
           <a:lstStyle/>
@@ -27928,8 +27144,8 @@
               <a:solidFill>
                 <a:schemeClr val="bg1"/>
               </a:solidFill>
-              <a:latin typeface="微软雅黑" pitchFamily="34" charset="-122"/>
-              <a:ea typeface="微软雅黑" pitchFamily="34" charset="-122"/>
+              <a:latin typeface="微软雅黑" panose="020B0503020204020204" pitchFamily="34" charset="-122"/>
+              <a:ea typeface="微软雅黑" panose="020B0503020204020204" pitchFamily="34" charset="-122"/>
             </a:endParaRPr>
           </a:p>
         </p:txBody>
@@ -27990,9 +27206,6 @@
         </p:style>
         <p:txBody>
           <a:bodyPr rot="0" spcFirstLastPara="0" vertOverflow="overflow" horzOverflow="overflow" vert="horz" wrap="square" lIns="91440" tIns="45720" rIns="91440" bIns="45720" numCol="1" spcCol="0" rtlCol="0" fromWordArt="0" anchor="ctr" anchorCtr="0" forceAA="0" compatLnSpc="1">
-            <a:prstTxWarp prst="textNoShape">
-              <a:avLst/>
-            </a:prstTxWarp>
             <a:noAutofit/>
           </a:bodyPr>
           <a:lstStyle/>
@@ -28002,8 +27215,8 @@
               <a:solidFill>
                 <a:schemeClr val="bg1"/>
               </a:solidFill>
-              <a:latin typeface="微软雅黑" pitchFamily="34" charset="-122"/>
-              <a:ea typeface="微软雅黑" pitchFamily="34" charset="-122"/>
+              <a:latin typeface="微软雅黑" panose="020B0503020204020204" pitchFamily="34" charset="-122"/>
+              <a:ea typeface="微软雅黑" panose="020B0503020204020204" pitchFamily="34" charset="-122"/>
             </a:endParaRPr>
           </a:p>
         </p:txBody>
@@ -28031,7 +27244,7 @@
           <a:lstStyle/>
           <a:p>
             <a:pPr marL="342900" indent="-342900">
-              <a:buFont typeface="Arial" pitchFamily="34" charset="0"/>
+              <a:buFont typeface="Arial" panose="020B0604020202020204" pitchFamily="34" charset="0"/>
               <a:buChar char="•"/>
               <a:defRPr/>
             </a:pPr>
@@ -28040,8 +27253,8 @@
                 <a:solidFill>
                   <a:schemeClr val="bg1"/>
                 </a:solidFill>
-                <a:latin typeface="微软雅黑" pitchFamily="34" charset="-122"/>
-                <a:ea typeface="微软雅黑" pitchFamily="34" charset="-122"/>
+                <a:latin typeface="微软雅黑" panose="020B0503020204020204" pitchFamily="34" charset="-122"/>
+                <a:ea typeface="微软雅黑" panose="020B0503020204020204" pitchFamily="34" charset="-122"/>
               </a:rPr>
               <a:t>通过百度地图</a:t>
             </a:r>
@@ -28050,8 +27263,8 @@
                 <a:solidFill>
                   <a:schemeClr val="bg1"/>
                 </a:solidFill>
-                <a:latin typeface="微软雅黑" pitchFamily="34" charset="-122"/>
-                <a:ea typeface="微软雅黑" pitchFamily="34" charset="-122"/>
+                <a:latin typeface="微软雅黑" panose="020B0503020204020204" pitchFamily="34" charset="-122"/>
+                <a:ea typeface="微软雅黑" panose="020B0503020204020204" pitchFamily="34" charset="-122"/>
               </a:rPr>
               <a:t>API</a:t>
             </a:r>
@@ -28060,8 +27273,8 @@
                 <a:solidFill>
                   <a:schemeClr val="bg1"/>
                 </a:solidFill>
-                <a:latin typeface="微软雅黑" pitchFamily="34" charset="-122"/>
-                <a:ea typeface="微软雅黑" pitchFamily="34" charset="-122"/>
+                <a:latin typeface="微软雅黑" panose="020B0503020204020204" pitchFamily="34" charset="-122"/>
+                <a:ea typeface="微软雅黑" panose="020B0503020204020204" pitchFamily="34" charset="-122"/>
               </a:rPr>
               <a:t>功能，</a:t>
             </a:r>
@@ -28069,13 +27282,13 @@
               <a:solidFill>
                 <a:schemeClr val="bg1"/>
               </a:solidFill>
-              <a:latin typeface="微软雅黑" pitchFamily="34" charset="-122"/>
-              <a:ea typeface="微软雅黑" pitchFamily="34" charset="-122"/>
+              <a:latin typeface="微软雅黑" panose="020B0503020204020204" pitchFamily="34" charset="-122"/>
+              <a:ea typeface="微软雅黑" panose="020B0503020204020204" pitchFamily="34" charset="-122"/>
             </a:endParaRPr>
           </a:p>
           <a:p>
             <a:pPr marL="342900" indent="-342900">
-              <a:buFont typeface="Arial" pitchFamily="34" charset="0"/>
+              <a:buFont typeface="Arial" panose="020B0604020202020204" pitchFamily="34" charset="0"/>
               <a:buChar char="•"/>
               <a:defRPr/>
             </a:pPr>
@@ -28084,8 +27297,8 @@
                 <a:solidFill>
                   <a:schemeClr val="bg1"/>
                 </a:solidFill>
-                <a:latin typeface="微软雅黑" pitchFamily="34" charset="-122"/>
-                <a:ea typeface="微软雅黑" pitchFamily="34" charset="-122"/>
+                <a:latin typeface="微软雅黑" panose="020B0503020204020204" pitchFamily="34" charset="-122"/>
+                <a:ea typeface="微软雅黑" panose="020B0503020204020204" pitchFamily="34" charset="-122"/>
               </a:rPr>
               <a:t>完成定位找房</a:t>
             </a:r>
@@ -28093,8 +27306,8 @@
               <a:solidFill>
                 <a:schemeClr val="bg1"/>
               </a:solidFill>
-              <a:latin typeface="微软雅黑" pitchFamily="34" charset="-122"/>
-              <a:ea typeface="微软雅黑" pitchFamily="34" charset="-122"/>
+              <a:latin typeface="微软雅黑" panose="020B0503020204020204" pitchFamily="34" charset="-122"/>
+              <a:ea typeface="微软雅黑" panose="020B0503020204020204" pitchFamily="34" charset="-122"/>
             </a:endParaRPr>
           </a:p>
         </p:txBody>
@@ -28122,7 +27335,7 @@
           <a:lstStyle/>
           <a:p>
             <a:pPr marL="342900" indent="-342900">
-              <a:buFont typeface="Arial" pitchFamily="34" charset="0"/>
+              <a:buFont typeface="Arial" panose="020B0604020202020204" pitchFamily="34" charset="0"/>
               <a:buChar char="•"/>
               <a:defRPr/>
             </a:pPr>
@@ -28131,8 +27344,8 @@
                 <a:solidFill>
                   <a:schemeClr val="bg1"/>
                 </a:solidFill>
-                <a:latin typeface="微软雅黑" pitchFamily="34" charset="-122"/>
-                <a:ea typeface="微软雅黑" pitchFamily="34" charset="-122"/>
+                <a:latin typeface="微软雅黑" panose="020B0503020204020204" pitchFamily="34" charset="-122"/>
+                <a:ea typeface="微软雅黑" panose="020B0503020204020204" pitchFamily="34" charset="-122"/>
               </a:rPr>
               <a:t>通过阿里云服务平台，</a:t>
             </a:r>
@@ -28140,13 +27353,13 @@
               <a:solidFill>
                 <a:schemeClr val="bg1"/>
               </a:solidFill>
-              <a:latin typeface="微软雅黑" pitchFamily="34" charset="-122"/>
-              <a:ea typeface="微软雅黑" pitchFamily="34" charset="-122"/>
+              <a:latin typeface="微软雅黑" panose="020B0503020204020204" pitchFamily="34" charset="-122"/>
+              <a:ea typeface="微软雅黑" panose="020B0503020204020204" pitchFamily="34" charset="-122"/>
             </a:endParaRPr>
           </a:p>
           <a:p>
             <a:pPr marL="342900" indent="-342900">
-              <a:buFont typeface="Arial" pitchFamily="34" charset="0"/>
+              <a:buFont typeface="Arial" panose="020B0604020202020204" pitchFamily="34" charset="0"/>
               <a:buChar char="•"/>
               <a:defRPr/>
             </a:pPr>
@@ -28155,8 +27368,8 @@
                 <a:solidFill>
                   <a:schemeClr val="bg1"/>
                 </a:solidFill>
-                <a:latin typeface="微软雅黑" pitchFamily="34" charset="-122"/>
-                <a:ea typeface="微软雅黑" pitchFamily="34" charset="-122"/>
+                <a:latin typeface="微软雅黑" panose="020B0503020204020204" pitchFamily="34" charset="-122"/>
+                <a:ea typeface="微软雅黑" panose="020B0503020204020204" pitchFamily="34" charset="-122"/>
               </a:rPr>
               <a:t>完成手机短信验证</a:t>
             </a:r>
@@ -28164,8 +27377,8 @@
               <a:solidFill>
                 <a:schemeClr val="bg1"/>
               </a:solidFill>
-              <a:latin typeface="微软雅黑" pitchFamily="34" charset="-122"/>
-              <a:ea typeface="微软雅黑" pitchFamily="34" charset="-122"/>
+              <a:latin typeface="微软雅黑" panose="020B0503020204020204" pitchFamily="34" charset="-122"/>
+              <a:ea typeface="微软雅黑" panose="020B0503020204020204" pitchFamily="34" charset="-122"/>
             </a:endParaRPr>
           </a:p>
         </p:txBody>
@@ -28193,7 +27406,7 @@
           <a:lstStyle/>
           <a:p>
             <a:pPr marL="342900" indent="-342900">
-              <a:buFont typeface="Arial" pitchFamily="34" charset="0"/>
+              <a:buFont typeface="Arial" panose="020B0604020202020204" pitchFamily="34" charset="0"/>
               <a:buChar char="•"/>
               <a:defRPr/>
             </a:pPr>
@@ -28202,8 +27415,8 @@
                 <a:solidFill>
                   <a:schemeClr val="bg1"/>
                 </a:solidFill>
-                <a:latin typeface="微软雅黑" pitchFamily="34" charset="-122"/>
-                <a:ea typeface="微软雅黑" pitchFamily="34" charset="-122"/>
+                <a:latin typeface="微软雅黑" panose="020B0503020204020204" pitchFamily="34" charset="-122"/>
+                <a:ea typeface="微软雅黑" panose="020B0503020204020204" pitchFamily="34" charset="-122"/>
               </a:rPr>
               <a:t>使用了 </a:t>
             </a:r>
@@ -28212,8 +27425,8 @@
                 <a:solidFill>
                   <a:schemeClr val="bg1"/>
                 </a:solidFill>
-                <a:latin typeface="微软雅黑" pitchFamily="34" charset="-122"/>
-                <a:ea typeface="微软雅黑" pitchFamily="34" charset="-122"/>
+                <a:latin typeface="微软雅黑" panose="020B0503020204020204" pitchFamily="34" charset="-122"/>
+                <a:ea typeface="微软雅黑" panose="020B0503020204020204" pitchFamily="34" charset="-122"/>
               </a:rPr>
               <a:t>Ajax</a:t>
             </a:r>
@@ -28222,8 +27435,8 @@
                 <a:solidFill>
                   <a:schemeClr val="bg1"/>
                 </a:solidFill>
-                <a:latin typeface="微软雅黑" pitchFamily="34" charset="-122"/>
-                <a:ea typeface="微软雅黑" pitchFamily="34" charset="-122"/>
+                <a:latin typeface="微软雅黑" panose="020B0503020204020204" pitchFamily="34" charset="-122"/>
+                <a:ea typeface="微软雅黑" panose="020B0503020204020204" pitchFamily="34" charset="-122"/>
               </a:rPr>
               <a:t>，</a:t>
             </a:r>
@@ -28232,8 +27445,8 @@
                 <a:solidFill>
                   <a:schemeClr val="bg1"/>
                 </a:solidFill>
-                <a:latin typeface="微软雅黑" pitchFamily="34" charset="-122"/>
-                <a:ea typeface="微软雅黑" pitchFamily="34" charset="-122"/>
+                <a:latin typeface="微软雅黑" panose="020B0503020204020204" pitchFamily="34" charset="-122"/>
+                <a:ea typeface="微软雅黑" panose="020B0503020204020204" pitchFamily="34" charset="-122"/>
               </a:rPr>
               <a:t>JSP, el</a:t>
             </a:r>
@@ -28242,8 +27455,8 @@
                 <a:solidFill>
                   <a:schemeClr val="bg1"/>
                 </a:solidFill>
-                <a:latin typeface="微软雅黑" pitchFamily="34" charset="-122"/>
-                <a:ea typeface="微软雅黑" pitchFamily="34" charset="-122"/>
+                <a:latin typeface="微软雅黑" panose="020B0503020204020204" pitchFamily="34" charset="-122"/>
+                <a:ea typeface="微软雅黑" panose="020B0503020204020204" pitchFamily="34" charset="-122"/>
               </a:rPr>
               <a:t>，</a:t>
             </a:r>
@@ -28252,8 +27465,8 @@
                 <a:solidFill>
                   <a:schemeClr val="bg1"/>
                 </a:solidFill>
-                <a:latin typeface="微软雅黑" pitchFamily="34" charset="-122"/>
-                <a:ea typeface="微软雅黑" pitchFamily="34" charset="-122"/>
+                <a:latin typeface="微软雅黑" panose="020B0503020204020204" pitchFamily="34" charset="-122"/>
+                <a:ea typeface="微软雅黑" panose="020B0503020204020204" pitchFamily="34" charset="-122"/>
               </a:rPr>
               <a:t>session </a:t>
             </a:r>
@@ -28262,8 +27475,8 @@
                 <a:solidFill>
                   <a:schemeClr val="bg1"/>
                 </a:solidFill>
-                <a:latin typeface="微软雅黑" pitchFamily="34" charset="-122"/>
-                <a:ea typeface="微软雅黑" pitchFamily="34" charset="-122"/>
+                <a:latin typeface="微软雅黑" panose="020B0503020204020204" pitchFamily="34" charset="-122"/>
+                <a:ea typeface="微软雅黑" panose="020B0503020204020204" pitchFamily="34" charset="-122"/>
               </a:rPr>
               <a:t>，</a:t>
             </a:r>
@@ -28272,8 +27485,8 @@
                 <a:solidFill>
                   <a:schemeClr val="bg1"/>
                 </a:solidFill>
-                <a:latin typeface="微软雅黑" pitchFamily="34" charset="-122"/>
-                <a:ea typeface="微软雅黑" pitchFamily="34" charset="-122"/>
+                <a:latin typeface="微软雅黑" panose="020B0503020204020204" pitchFamily="34" charset="-122"/>
+                <a:ea typeface="微软雅黑" panose="020B0503020204020204" pitchFamily="34" charset="-122"/>
               </a:rPr>
               <a:t>css</a:t>
             </a:r>
@@ -28282,15 +27495,22 @@
                 <a:solidFill>
                   <a:schemeClr val="bg1"/>
                 </a:solidFill>
-                <a:latin typeface="微软雅黑" pitchFamily="34" charset="-122"/>
-                <a:ea typeface="微软雅黑" pitchFamily="34" charset="-122"/>
+                <a:latin typeface="微软雅黑" panose="020B0503020204020204" pitchFamily="34" charset="-122"/>
+                <a:ea typeface="微软雅黑" panose="020B0503020204020204" pitchFamily="34" charset="-122"/>
               </a:rPr>
               <a:t> ,</a:t>
             </a:r>
+            <a:endParaRPr lang="en-US" altLang="zh-CN" sz="1400" kern="0" dirty="0" smtClean="0">
+              <a:solidFill>
+                <a:schemeClr val="bg1"/>
+              </a:solidFill>
+              <a:latin typeface="微软雅黑" panose="020B0503020204020204" pitchFamily="34" charset="-122"/>
+              <a:ea typeface="微软雅黑" panose="020B0503020204020204" pitchFamily="34" charset="-122"/>
+            </a:endParaRPr>
           </a:p>
           <a:p>
             <a:pPr marL="342900" indent="-342900">
-              <a:buFont typeface="Arial" pitchFamily="34" charset="0"/>
+              <a:buFont typeface="Arial" panose="020B0604020202020204" pitchFamily="34" charset="0"/>
               <a:buChar char="•"/>
               <a:defRPr/>
             </a:pPr>
@@ -28299,8 +27519,8 @@
                 <a:solidFill>
                   <a:schemeClr val="bg1"/>
                 </a:solidFill>
-                <a:latin typeface="微软雅黑" pitchFamily="34" charset="-122"/>
-                <a:ea typeface="微软雅黑" pitchFamily="34" charset="-122"/>
+                <a:latin typeface="微软雅黑" panose="020B0503020204020204" pitchFamily="34" charset="-122"/>
+                <a:ea typeface="微软雅黑" panose="020B0503020204020204" pitchFamily="34" charset="-122"/>
               </a:rPr>
               <a:t>Js</a:t>
             </a:r>
@@ -28309,8 +27529,8 @@
                 <a:solidFill>
                   <a:schemeClr val="bg1"/>
                 </a:solidFill>
-                <a:latin typeface="微软雅黑" pitchFamily="34" charset="-122"/>
-                <a:ea typeface="微软雅黑" pitchFamily="34" charset="-122"/>
+                <a:latin typeface="微软雅黑" panose="020B0503020204020204" pitchFamily="34" charset="-122"/>
+                <a:ea typeface="微软雅黑" panose="020B0503020204020204" pitchFamily="34" charset="-122"/>
               </a:rPr>
               <a:t>，</a:t>
             </a:r>
@@ -28319,8 +27539,8 @@
                 <a:solidFill>
                   <a:schemeClr val="bg1"/>
                 </a:solidFill>
-                <a:latin typeface="微软雅黑" pitchFamily="34" charset="-122"/>
-                <a:ea typeface="微软雅黑" pitchFamily="34" charset="-122"/>
+                <a:latin typeface="微软雅黑" panose="020B0503020204020204" pitchFamily="34" charset="-122"/>
+                <a:ea typeface="微软雅黑" panose="020B0503020204020204" pitchFamily="34" charset="-122"/>
               </a:rPr>
               <a:t>jQuery</a:t>
             </a:r>
@@ -28329,8 +27549,8 @@
                 <a:solidFill>
                   <a:schemeClr val="bg1"/>
                 </a:solidFill>
-                <a:latin typeface="微软雅黑" pitchFamily="34" charset="-122"/>
-                <a:ea typeface="微软雅黑" pitchFamily="34" charset="-122"/>
+                <a:latin typeface="微软雅黑" panose="020B0503020204020204" pitchFamily="34" charset="-122"/>
+                <a:ea typeface="微软雅黑" panose="020B0503020204020204" pitchFamily="34" charset="-122"/>
               </a:rPr>
               <a:t>， </a:t>
             </a:r>
@@ -28339,8 +27559,8 @@
                 <a:solidFill>
                   <a:schemeClr val="bg1"/>
                 </a:solidFill>
-                <a:latin typeface="微软雅黑" pitchFamily="34" charset="-122"/>
-                <a:ea typeface="微软雅黑" pitchFamily="34" charset="-122"/>
+                <a:latin typeface="微软雅黑" panose="020B0503020204020204" pitchFamily="34" charset="-122"/>
+                <a:ea typeface="微软雅黑" panose="020B0503020204020204" pitchFamily="34" charset="-122"/>
               </a:rPr>
               <a:t>bootStrap</a:t>
             </a:r>
@@ -28349,8 +27569,8 @@
                 <a:solidFill>
                   <a:schemeClr val="bg1"/>
                 </a:solidFill>
-                <a:latin typeface="微软雅黑" pitchFamily="34" charset="-122"/>
-                <a:ea typeface="微软雅黑" pitchFamily="34" charset="-122"/>
+                <a:latin typeface="微软雅黑" panose="020B0503020204020204" pitchFamily="34" charset="-122"/>
+                <a:ea typeface="微软雅黑" panose="020B0503020204020204" pitchFamily="34" charset="-122"/>
               </a:rPr>
               <a:t>，</a:t>
             </a:r>
@@ -28358,13 +27578,13 @@
               <a:solidFill>
                 <a:schemeClr val="bg1"/>
               </a:solidFill>
-              <a:latin typeface="微软雅黑" pitchFamily="34" charset="-122"/>
-              <a:ea typeface="微软雅黑" pitchFamily="34" charset="-122"/>
+              <a:latin typeface="微软雅黑" panose="020B0503020204020204" pitchFamily="34" charset="-122"/>
+              <a:ea typeface="微软雅黑" panose="020B0503020204020204" pitchFamily="34" charset="-122"/>
             </a:endParaRPr>
           </a:p>
           <a:p>
             <a:pPr marL="342900" indent="-342900">
-              <a:buFont typeface="Arial" pitchFamily="34" charset="0"/>
+              <a:buFont typeface="Arial" panose="020B0604020202020204" pitchFamily="34" charset="0"/>
               <a:buChar char="•"/>
               <a:defRPr/>
             </a:pPr>
@@ -28373,8 +27593,8 @@
                 <a:solidFill>
                   <a:schemeClr val="bg1"/>
                 </a:solidFill>
-                <a:latin typeface="微软雅黑" pitchFamily="34" charset="-122"/>
-                <a:ea typeface="微软雅黑" pitchFamily="34" charset="-122"/>
+                <a:latin typeface="微软雅黑" panose="020B0503020204020204" pitchFamily="34" charset="-122"/>
+                <a:ea typeface="微软雅黑" panose="020B0503020204020204" pitchFamily="34" charset="-122"/>
               </a:rPr>
               <a:t>框架：</a:t>
             </a:r>
@@ -28383,8 +27603,8 @@
                 <a:solidFill>
                   <a:schemeClr val="bg1"/>
                 </a:solidFill>
-                <a:latin typeface="微软雅黑" pitchFamily="34" charset="-122"/>
-                <a:ea typeface="微软雅黑" pitchFamily="34" charset="-122"/>
+                <a:latin typeface="微软雅黑" panose="020B0503020204020204" pitchFamily="34" charset="-122"/>
+                <a:ea typeface="微软雅黑" panose="020B0503020204020204" pitchFamily="34" charset="-122"/>
               </a:rPr>
               <a:t>ssm</a:t>
             </a:r>
@@ -28393,8 +27613,8 @@
                 <a:solidFill>
                   <a:schemeClr val="bg1"/>
                 </a:solidFill>
-                <a:latin typeface="微软雅黑" pitchFamily="34" charset="-122"/>
-                <a:ea typeface="微软雅黑" pitchFamily="34" charset="-122"/>
+                <a:latin typeface="微软雅黑" panose="020B0503020204020204" pitchFamily="34" charset="-122"/>
+                <a:ea typeface="微软雅黑" panose="020B0503020204020204" pitchFamily="34" charset="-122"/>
               </a:rPr>
               <a:t>，</a:t>
             </a:r>
@@ -28403,8 +27623,8 @@
                 <a:solidFill>
                   <a:schemeClr val="bg1"/>
                 </a:solidFill>
-                <a:latin typeface="微软雅黑" pitchFamily="34" charset="-122"/>
-                <a:ea typeface="微软雅黑" pitchFamily="34" charset="-122"/>
+                <a:latin typeface="微软雅黑" panose="020B0503020204020204" pitchFamily="34" charset="-122"/>
+                <a:ea typeface="微软雅黑" panose="020B0503020204020204" pitchFamily="34" charset="-122"/>
               </a:rPr>
               <a:t>maven</a:t>
             </a:r>
@@ -28412,8 +27632,8 @@
               <a:solidFill>
                 <a:schemeClr val="bg1"/>
               </a:solidFill>
-              <a:latin typeface="微软雅黑" pitchFamily="34" charset="-122"/>
-              <a:ea typeface="微软雅黑" pitchFamily="34" charset="-122"/>
+              <a:latin typeface="微软雅黑" panose="020B0503020204020204" pitchFamily="34" charset="-122"/>
+              <a:ea typeface="微软雅黑" panose="020B0503020204020204" pitchFamily="34" charset="-122"/>
             </a:endParaRPr>
           </a:p>
         </p:txBody>
@@ -28530,9 +27750,6 @@
           </p:style>
           <p:txBody>
             <a:bodyPr rot="0" spcFirstLastPara="0" vertOverflow="overflow" horzOverflow="overflow" vert="horz" wrap="square" lIns="91440" tIns="45720" rIns="91440" bIns="45720" numCol="1" spcCol="0" rtlCol="0" fromWordArt="0" anchor="ctr" anchorCtr="0" forceAA="0" compatLnSpc="1">
-              <a:prstTxWarp prst="textNoShape">
-                <a:avLst/>
-              </a:prstTxWarp>
               <a:noAutofit/>
             </a:bodyPr>
             <a:lstStyle/>
@@ -28542,8 +27759,8 @@
                 <a:solidFill>
                   <a:schemeClr val="bg1"/>
                 </a:solidFill>
-                <a:latin typeface="微软雅黑" pitchFamily="34" charset="-122"/>
-                <a:ea typeface="微软雅黑" pitchFamily="34" charset="-122"/>
+                <a:latin typeface="微软雅黑" panose="020B0503020204020204" pitchFamily="34" charset="-122"/>
+                <a:ea typeface="微软雅黑" panose="020B0503020204020204" pitchFamily="34" charset="-122"/>
               </a:endParaRPr>
             </a:p>
           </p:txBody>
@@ -28600,9 +27817,9 @@
                   <a:solidFill>
                     <a:schemeClr val="bg1"/>
                   </a:solidFill>
-                  <a:latin typeface="微软雅黑" pitchFamily="34" charset="-122"/>
-                  <a:ea typeface="微软雅黑" pitchFamily="34" charset="-122"/>
-                  <a:cs typeface="Arial Unicode MS" pitchFamily="34" charset="-122"/>
+                  <a:latin typeface="微软雅黑" panose="020B0503020204020204" pitchFamily="34" charset="-122"/>
+                  <a:ea typeface="微软雅黑" panose="020B0503020204020204" pitchFamily="34" charset="-122"/>
+                  <a:cs typeface="Arial Unicode MS" panose="020B0604020202020204" pitchFamily="34" charset="-122"/>
                 </a:rPr>
                 <a:t>手机号发送验证码</a:t>
               </a:r>
@@ -28610,9 +27827,9 @@
                 <a:solidFill>
                   <a:schemeClr val="bg1"/>
                 </a:solidFill>
-                <a:latin typeface="微软雅黑" pitchFamily="34" charset="-122"/>
-                <a:ea typeface="微软雅黑" pitchFamily="34" charset="-122"/>
-                <a:cs typeface="Arial Unicode MS" pitchFamily="34" charset="-122"/>
+                <a:latin typeface="微软雅黑" panose="020B0503020204020204" pitchFamily="34" charset="-122"/>
+                <a:ea typeface="微软雅黑" panose="020B0503020204020204" pitchFamily="34" charset="-122"/>
+                <a:cs typeface="Arial Unicode MS" panose="020B0604020202020204" pitchFamily="34" charset="-122"/>
               </a:endParaRPr>
             </a:p>
           </p:txBody>
@@ -28730,9 +27947,6 @@
           </p:style>
           <p:txBody>
             <a:bodyPr rot="0" spcFirstLastPara="0" vertOverflow="overflow" horzOverflow="overflow" vert="horz" wrap="square" lIns="91440" tIns="45720" rIns="91440" bIns="45720" numCol="1" spcCol="0" rtlCol="0" fromWordArt="0" anchor="ctr" anchorCtr="0" forceAA="0" compatLnSpc="1">
-              <a:prstTxWarp prst="textNoShape">
-                <a:avLst/>
-              </a:prstTxWarp>
               <a:noAutofit/>
             </a:bodyPr>
             <a:lstStyle/>
@@ -28742,8 +27956,8 @@
                 <a:solidFill>
                   <a:schemeClr val="bg1"/>
                 </a:solidFill>
-                <a:latin typeface="微软雅黑" pitchFamily="34" charset="-122"/>
-                <a:ea typeface="微软雅黑" pitchFamily="34" charset="-122"/>
+                <a:latin typeface="微软雅黑" panose="020B0503020204020204" pitchFamily="34" charset="-122"/>
+                <a:ea typeface="微软雅黑" panose="020B0503020204020204" pitchFamily="34" charset="-122"/>
               </a:endParaRPr>
             </a:p>
           </p:txBody>
@@ -28800,9 +28014,9 @@
                   <a:solidFill>
                     <a:schemeClr val="bg1"/>
                   </a:solidFill>
-                  <a:latin typeface="微软雅黑" pitchFamily="34" charset="-122"/>
-                  <a:ea typeface="微软雅黑" pitchFamily="34" charset="-122"/>
-                  <a:cs typeface="Arial Unicode MS" pitchFamily="34" charset="-122"/>
+                  <a:latin typeface="微软雅黑" panose="020B0503020204020204" pitchFamily="34" charset="-122"/>
+                  <a:ea typeface="微软雅黑" panose="020B0503020204020204" pitchFamily="34" charset="-122"/>
+                  <a:cs typeface="Arial Unicode MS" panose="020B0604020202020204" pitchFamily="34" charset="-122"/>
                 </a:rPr>
                 <a:t>地图找房</a:t>
               </a:r>
@@ -28810,9 +28024,9 @@
                 <a:solidFill>
                   <a:schemeClr val="bg1"/>
                 </a:solidFill>
-                <a:latin typeface="微软雅黑" pitchFamily="34" charset="-122"/>
-                <a:ea typeface="微软雅黑" pitchFamily="34" charset="-122"/>
-                <a:cs typeface="Arial Unicode MS" pitchFamily="34" charset="-122"/>
+                <a:latin typeface="微软雅黑" panose="020B0503020204020204" pitchFamily="34" charset="-122"/>
+                <a:ea typeface="微软雅黑" panose="020B0503020204020204" pitchFamily="34" charset="-122"/>
+                <a:cs typeface="Arial Unicode MS" panose="020B0604020202020204" pitchFamily="34" charset="-122"/>
               </a:endParaRPr>
             </a:p>
           </p:txBody>
@@ -28930,9 +28144,6 @@
           </p:style>
           <p:txBody>
             <a:bodyPr rot="0" spcFirstLastPara="0" vertOverflow="overflow" horzOverflow="overflow" vert="horz" wrap="square" lIns="91440" tIns="45720" rIns="91440" bIns="45720" numCol="1" spcCol="0" rtlCol="0" fromWordArt="0" anchor="ctr" anchorCtr="0" forceAA="0" compatLnSpc="1">
-              <a:prstTxWarp prst="textNoShape">
-                <a:avLst/>
-              </a:prstTxWarp>
               <a:noAutofit/>
             </a:bodyPr>
             <a:lstStyle/>
@@ -28942,8 +28153,8 @@
                 <a:solidFill>
                   <a:schemeClr val="bg1"/>
                 </a:solidFill>
-                <a:latin typeface="微软雅黑" pitchFamily="34" charset="-122"/>
-                <a:ea typeface="微软雅黑" pitchFamily="34" charset="-122"/>
+                <a:latin typeface="微软雅黑" panose="020B0503020204020204" pitchFamily="34" charset="-122"/>
+                <a:ea typeface="微软雅黑" panose="020B0503020204020204" pitchFamily="34" charset="-122"/>
               </a:endParaRPr>
             </a:p>
           </p:txBody>
@@ -29000,9 +28211,9 @@
                   <a:solidFill>
                     <a:schemeClr val="bg1"/>
                   </a:solidFill>
-                  <a:latin typeface="微软雅黑" pitchFamily="34" charset="-122"/>
-                  <a:ea typeface="微软雅黑" pitchFamily="34" charset="-122"/>
-                  <a:cs typeface="Arial Unicode MS" pitchFamily="34" charset="-122"/>
+                  <a:latin typeface="微软雅黑" panose="020B0503020204020204" pitchFamily="34" charset="-122"/>
+                  <a:ea typeface="微软雅黑" panose="020B0503020204020204" pitchFamily="34" charset="-122"/>
+                  <a:cs typeface="Arial Unicode MS" panose="020B0604020202020204" pitchFamily="34" charset="-122"/>
                 </a:rPr>
                 <a:t>模块实现</a:t>
               </a:r>
@@ -29010,31 +28221,26 @@
                 <a:solidFill>
                   <a:schemeClr val="bg1"/>
                 </a:solidFill>
-                <a:latin typeface="微软雅黑" pitchFamily="34" charset="-122"/>
-                <a:ea typeface="微软雅黑" pitchFamily="34" charset="-122"/>
-                <a:cs typeface="Arial Unicode MS" pitchFamily="34" charset="-122"/>
+                <a:latin typeface="微软雅黑" panose="020B0503020204020204" pitchFamily="34" charset="-122"/>
+                <a:ea typeface="微软雅黑" panose="020B0503020204020204" pitchFamily="34" charset="-122"/>
+                <a:cs typeface="Arial Unicode MS" panose="020B0604020202020204" pitchFamily="34" charset="-122"/>
               </a:endParaRPr>
             </a:p>
           </p:txBody>
         </p:sp>
       </p:grpSp>
     </p:spTree>
-    <p:extLst>
-      <p:ext uri="{BB962C8B-B14F-4D97-AF65-F5344CB8AC3E}">
-        <p14:creationId xmlns:p14="http://schemas.microsoft.com/office/powerpoint/2010/main" val="3280626266"/>
-      </p:ext>
-    </p:extLst>
   </p:cSld>
   <p:clrMapOvr>
     <a:masterClrMapping/>
   </p:clrMapOvr>
-  <mc:AlternateContent xmlns:mc="http://schemas.openxmlformats.org/markup-compatibility/2006" xmlns:p14="http://schemas.microsoft.com/office/powerpoint/2010/main">
-    <mc:Choice Requires="p14">
+  <mc:AlternateContent xmlns:mc="http://schemas.openxmlformats.org/markup-compatibility/2006">
+    <mc:Choice xmlns:p14="http://schemas.microsoft.com/office/powerpoint/2010/main" Requires="p14">
       <p:transition spd="slow" p14:dur="2000" advTm="5074">
-        <p14:reveal dir="r"/>
+        <p14:reveal thruBlk="1"/>
       </p:transition>
     </mc:Choice>
-    <mc:Fallback xmlns="">
+    <mc:Fallback>
       <p:transition spd="slow" advTm="5074">
         <p:fade/>
       </p:transition>
@@ -29681,8 +28887,8 @@
                     <a:fillToRect l="50000" t="50000" r="50000" b="50000"/>
                   </a:path>
                 </a:gradFill>
-                <a:latin typeface="微软雅黑" pitchFamily="34" charset="-122"/>
-                <a:ea typeface="微软雅黑" pitchFamily="34" charset="-122"/>
+                <a:latin typeface="微软雅黑" panose="020B0503020204020204" pitchFamily="34" charset="-122"/>
+                <a:ea typeface="微软雅黑" panose="020B0503020204020204" pitchFamily="34" charset="-122"/>
               </a:rPr>
               <a:t>成员分配</a:t>
             </a:r>
@@ -29700,8 +28906,8 @@
                   <a:fillToRect l="50000" t="50000" r="50000" b="50000"/>
                 </a:path>
               </a:gradFill>
-              <a:latin typeface="微软雅黑" pitchFamily="34" charset="-122"/>
-              <a:ea typeface="微软雅黑" pitchFamily="34" charset="-122"/>
+              <a:latin typeface="微软雅黑" panose="020B0503020204020204" pitchFamily="34" charset="-122"/>
+              <a:ea typeface="微软雅黑" panose="020B0503020204020204" pitchFamily="34" charset="-122"/>
             </a:endParaRPr>
           </a:p>
         </p:txBody>
@@ -29810,17 +29016,14 @@
           </p:style>
           <p:txBody>
             <a:bodyPr rot="0" spcFirstLastPara="0" vertOverflow="overflow" horzOverflow="overflow" vert="horz" wrap="square" lIns="91440" tIns="45720" rIns="91440" bIns="45720" numCol="1" spcCol="0" rtlCol="0" fromWordArt="0" anchor="ctr" anchorCtr="0" forceAA="0" compatLnSpc="1">
-              <a:prstTxWarp prst="textNoShape">
-                <a:avLst/>
-              </a:prstTxWarp>
               <a:noAutofit/>
             </a:bodyPr>
             <a:lstStyle/>
             <a:p>
               <a:pPr algn="ctr"/>
               <a:endParaRPr lang="zh-CN" altLang="en-US">
-                <a:latin typeface="微软雅黑" pitchFamily="34" charset="-122"/>
-                <a:ea typeface="微软雅黑" pitchFamily="34" charset="-122"/>
+                <a:latin typeface="微软雅黑" panose="020B0503020204020204" pitchFamily="34" charset="-122"/>
+                <a:ea typeface="微软雅黑" panose="020B0503020204020204" pitchFamily="34" charset="-122"/>
               </a:endParaRPr>
             </a:p>
           </p:txBody>
@@ -29845,8 +29048,6 @@
             <a:ln w="9525" cap="flat" cmpd="sng">
               <a:noFill/>
               <a:miter lim="800000"/>
-              <a:headEnd/>
-              <a:tailEnd/>
             </a:ln>
             <a:effectLst/>
           </p:spPr>
@@ -29877,11 +29078,28 @@
                       <a:fillToRect l="50000" t="50000" r="50000" b="50000"/>
                     </a:path>
                   </a:gradFill>
-                  <a:latin typeface="微软雅黑" pitchFamily="34" charset="-122"/>
-                  <a:ea typeface="微软雅黑" pitchFamily="34" charset="-122"/>
+                  <a:latin typeface="微软雅黑" panose="020B0503020204020204" pitchFamily="34" charset="-122"/>
+                  <a:ea typeface="微软雅黑" panose="020B0503020204020204" pitchFamily="34" charset="-122"/>
                 </a:rPr>
                 <a:t>1</a:t>
               </a:r>
+              <a:endParaRPr lang="zh-CN" altLang="zh-CN" sz="4000" b="1" dirty="0">
+                <a:gradFill>
+                  <a:gsLst>
+                    <a:gs pos="100000">
+                      <a:srgbClr val="398EB6"/>
+                    </a:gs>
+                    <a:gs pos="0">
+                      <a:srgbClr val="B4DAF1"/>
+                    </a:gs>
+                  </a:gsLst>
+                  <a:path path="circle">
+                    <a:fillToRect l="50000" t="50000" r="50000" b="50000"/>
+                  </a:path>
+                </a:gradFill>
+                <a:latin typeface="微软雅黑" panose="020B0503020204020204" pitchFamily="34" charset="-122"/>
+                <a:ea typeface="微软雅黑" panose="020B0503020204020204" pitchFamily="34" charset="-122"/>
+              </a:endParaRPr>
             </a:p>
           </p:txBody>
         </p:sp>
@@ -29990,17 +29208,14 @@
           </p:style>
           <p:txBody>
             <a:bodyPr rot="0" spcFirstLastPara="0" vertOverflow="overflow" horzOverflow="overflow" vert="horz" wrap="square" lIns="91440" tIns="45720" rIns="91440" bIns="45720" numCol="1" spcCol="0" rtlCol="0" fromWordArt="0" anchor="ctr" anchorCtr="0" forceAA="0" compatLnSpc="1">
-              <a:prstTxWarp prst="textNoShape">
-                <a:avLst/>
-              </a:prstTxWarp>
               <a:noAutofit/>
             </a:bodyPr>
             <a:lstStyle/>
             <a:p>
               <a:pPr algn="ctr"/>
               <a:endParaRPr lang="zh-CN" altLang="en-US">
-                <a:latin typeface="微软雅黑" pitchFamily="34" charset="-122"/>
-                <a:ea typeface="微软雅黑" pitchFamily="34" charset="-122"/>
+                <a:latin typeface="微软雅黑" panose="020B0503020204020204" pitchFamily="34" charset="-122"/>
+                <a:ea typeface="微软雅黑" panose="020B0503020204020204" pitchFamily="34" charset="-122"/>
               </a:endParaRPr>
             </a:p>
           </p:txBody>
@@ -30025,8 +29240,6 @@
             <a:ln w="9525" cap="flat" cmpd="sng">
               <a:noFill/>
               <a:miter lim="800000"/>
-              <a:headEnd/>
-              <a:tailEnd/>
             </a:ln>
             <a:effectLst/>
           </p:spPr>
@@ -30052,7 +29265,6 @@
                 <a:buSzTx/>
                 <a:buFontTx/>
                 <a:buNone/>
-                <a:tabLst/>
                 <a:defRPr sz="4000" b="1">
                   <a:gradFill>
                     <a:gsLst>
@@ -30067,7 +29279,7 @@
                       <a:fillToRect l="50000" t="50000" r="50000" b="50000"/>
                     </a:path>
                   </a:gradFill>
-                  <a:latin typeface="Edwardian Script ITC" pitchFamily="66" charset="0"/>
+                  <a:latin typeface="Edwardian Script ITC" panose="030303020407070D0804" pitchFamily="66" charset="0"/>
                   <a:ea typeface="方正铁筋隶书简体" pitchFamily="65" charset="-122"/>
                 </a:defRPr>
               </a:lvl1pPr>
@@ -30075,11 +29287,15 @@
             <a:p>
               <a:r>
                 <a:rPr lang="zh-CN" altLang="zh-CN" dirty="0">
-                  <a:latin typeface="微软雅黑" pitchFamily="34" charset="-122"/>
-                  <a:ea typeface="微软雅黑" pitchFamily="34" charset="-122"/>
+                  <a:latin typeface="微软雅黑" panose="020B0503020204020204" pitchFamily="34" charset="-122"/>
+                  <a:ea typeface="微软雅黑" panose="020B0503020204020204" pitchFamily="34" charset="-122"/>
                 </a:rPr>
                 <a:t>2</a:t>
               </a:r>
+              <a:endParaRPr lang="zh-CN" altLang="zh-CN" dirty="0">
+                <a:latin typeface="微软雅黑" panose="020B0503020204020204" pitchFamily="34" charset="-122"/>
+                <a:ea typeface="微软雅黑" panose="020B0503020204020204" pitchFamily="34" charset="-122"/>
+              </a:endParaRPr>
             </a:p>
           </p:txBody>
         </p:sp>
@@ -30188,17 +29404,14 @@
           </p:style>
           <p:txBody>
             <a:bodyPr rot="0" spcFirstLastPara="0" vertOverflow="overflow" horzOverflow="overflow" vert="horz" wrap="square" lIns="91440" tIns="45720" rIns="91440" bIns="45720" numCol="1" spcCol="0" rtlCol="0" fromWordArt="0" anchor="ctr" anchorCtr="0" forceAA="0" compatLnSpc="1">
-              <a:prstTxWarp prst="textNoShape">
-                <a:avLst/>
-              </a:prstTxWarp>
               <a:noAutofit/>
             </a:bodyPr>
             <a:lstStyle/>
             <a:p>
               <a:pPr algn="ctr"/>
               <a:endParaRPr lang="zh-CN" altLang="en-US">
-                <a:latin typeface="微软雅黑" pitchFamily="34" charset="-122"/>
-                <a:ea typeface="微软雅黑" pitchFamily="34" charset="-122"/>
+                <a:latin typeface="微软雅黑" panose="020B0503020204020204" pitchFamily="34" charset="-122"/>
+                <a:ea typeface="微软雅黑" panose="020B0503020204020204" pitchFamily="34" charset="-122"/>
               </a:endParaRPr>
             </a:p>
           </p:txBody>
@@ -30223,8 +29436,6 @@
             <a:ln w="9525" cap="flat" cmpd="sng">
               <a:noFill/>
               <a:miter lim="800000"/>
-              <a:headEnd/>
-              <a:tailEnd/>
             </a:ln>
             <a:effectLst/>
           </p:spPr>
@@ -30250,7 +29461,6 @@
                 <a:buSzTx/>
                 <a:buFontTx/>
                 <a:buNone/>
-                <a:tabLst/>
                 <a:defRPr sz="4000" b="1">
                   <a:gradFill>
                     <a:gsLst>
@@ -30265,7 +29475,7 @@
                       <a:fillToRect l="50000" t="50000" r="50000" b="50000"/>
                     </a:path>
                   </a:gradFill>
-                  <a:latin typeface="Edwardian Script ITC" pitchFamily="66" charset="0"/>
+                  <a:latin typeface="Edwardian Script ITC" panose="030303020407070D0804" pitchFamily="66" charset="0"/>
                   <a:ea typeface="方正铁筋隶书简体" pitchFamily="65" charset="-122"/>
                 </a:defRPr>
               </a:lvl1pPr>
@@ -30273,11 +29483,15 @@
             <a:p>
               <a:r>
                 <a:rPr lang="zh-CN" altLang="zh-CN" dirty="0">
-                  <a:latin typeface="微软雅黑" pitchFamily="34" charset="-122"/>
-                  <a:ea typeface="微软雅黑" pitchFamily="34" charset="-122"/>
+                  <a:latin typeface="微软雅黑" panose="020B0503020204020204" pitchFamily="34" charset="-122"/>
+                  <a:ea typeface="微软雅黑" panose="020B0503020204020204" pitchFamily="34" charset="-122"/>
                 </a:rPr>
                 <a:t>3</a:t>
               </a:r>
+              <a:endParaRPr lang="zh-CN" altLang="zh-CN" dirty="0">
+                <a:latin typeface="微软雅黑" panose="020B0503020204020204" pitchFamily="34" charset="-122"/>
+                <a:ea typeface="微软雅黑" panose="020B0503020204020204" pitchFamily="34" charset="-122"/>
+              </a:endParaRPr>
             </a:p>
           </p:txBody>
         </p:sp>
@@ -30386,17 +29600,14 @@
           </p:style>
           <p:txBody>
             <a:bodyPr rot="0" spcFirstLastPara="0" vertOverflow="overflow" horzOverflow="overflow" vert="horz" wrap="square" lIns="91440" tIns="45720" rIns="91440" bIns="45720" numCol="1" spcCol="0" rtlCol="0" fromWordArt="0" anchor="ctr" anchorCtr="0" forceAA="0" compatLnSpc="1">
-              <a:prstTxWarp prst="textNoShape">
-                <a:avLst/>
-              </a:prstTxWarp>
               <a:noAutofit/>
             </a:bodyPr>
             <a:lstStyle/>
             <a:p>
               <a:pPr algn="ctr"/>
               <a:endParaRPr lang="zh-CN" altLang="en-US">
-                <a:latin typeface="微软雅黑" pitchFamily="34" charset="-122"/>
-                <a:ea typeface="微软雅黑" pitchFamily="34" charset="-122"/>
+                <a:latin typeface="微软雅黑" panose="020B0503020204020204" pitchFamily="34" charset="-122"/>
+                <a:ea typeface="微软雅黑" panose="020B0503020204020204" pitchFamily="34" charset="-122"/>
               </a:endParaRPr>
             </a:p>
           </p:txBody>
@@ -30421,8 +29632,6 @@
             <a:ln w="9525" cap="flat" cmpd="sng">
               <a:noFill/>
               <a:miter lim="800000"/>
-              <a:headEnd/>
-              <a:tailEnd/>
             </a:ln>
             <a:effectLst/>
           </p:spPr>
@@ -30448,7 +29657,6 @@
                 <a:buSzTx/>
                 <a:buFontTx/>
                 <a:buNone/>
-                <a:tabLst/>
                 <a:defRPr sz="4000" b="1">
                   <a:gradFill>
                     <a:gsLst>
@@ -30463,7 +29671,7 @@
                       <a:fillToRect l="50000" t="50000" r="50000" b="50000"/>
                     </a:path>
                   </a:gradFill>
-                  <a:latin typeface="Edwardian Script ITC" pitchFamily="66" charset="0"/>
+                  <a:latin typeface="Edwardian Script ITC" panose="030303020407070D0804" pitchFamily="66" charset="0"/>
                   <a:ea typeface="方正铁筋隶书简体" pitchFamily="65" charset="-122"/>
                 </a:defRPr>
               </a:lvl1pPr>
@@ -30471,11 +29679,15 @@
             <a:p>
               <a:r>
                 <a:rPr lang="zh-CN" altLang="zh-CN" dirty="0">
-                  <a:latin typeface="微软雅黑" pitchFamily="34" charset="-122"/>
-                  <a:ea typeface="微软雅黑" pitchFamily="34" charset="-122"/>
+                  <a:latin typeface="微软雅黑" panose="020B0503020204020204" pitchFamily="34" charset="-122"/>
+                  <a:ea typeface="微软雅黑" panose="020B0503020204020204" pitchFamily="34" charset="-122"/>
                 </a:rPr>
                 <a:t>4</a:t>
               </a:r>
+              <a:endParaRPr lang="zh-CN" altLang="zh-CN" dirty="0">
+                <a:latin typeface="微软雅黑" panose="020B0503020204020204" pitchFamily="34" charset="-122"/>
+                <a:ea typeface="微软雅黑" panose="020B0503020204020204" pitchFamily="34" charset="-122"/>
+              </a:endParaRPr>
             </a:p>
           </p:txBody>
         </p:sp>
@@ -30503,7 +29715,6 @@
             </a:solidFill>
             <a:round/>
             <a:headEnd type="oval" w="med" len="med"/>
-            <a:tailEnd/>
           </a:ln>
           <a:effectLst/>
         </p:spPr>
@@ -30542,8 +29753,6 @@
           <a:ln w="9525" cap="flat" cmpd="sng">
             <a:noFill/>
             <a:miter lim="800000"/>
-            <a:headEnd/>
-            <a:tailEnd/>
           </a:ln>
           <a:effectLst/>
         </p:spPr>
@@ -30573,8 +29782,8 @@
                     <a:fillToRect l="50000" t="50000" r="50000" b="50000"/>
                   </a:path>
                 </a:gradFill>
-                <a:latin typeface="微软雅黑" pitchFamily="34" charset="-122"/>
-                <a:ea typeface="微软雅黑" pitchFamily="34" charset="-122"/>
+                <a:latin typeface="微软雅黑" panose="020B0503020204020204" pitchFamily="34" charset="-122"/>
+                <a:ea typeface="微软雅黑" panose="020B0503020204020204" pitchFamily="34" charset="-122"/>
               </a:rPr>
               <a:t>徐焱</a:t>
             </a:r>
@@ -30592,8 +29801,8 @@
                   <a:fillToRect l="50000" t="50000" r="50000" b="50000"/>
                 </a:path>
               </a:gradFill>
-              <a:latin typeface="微软雅黑" pitchFamily="34" charset="-122"/>
-              <a:ea typeface="微软雅黑" pitchFamily="34" charset="-122"/>
+              <a:latin typeface="微软雅黑" panose="020B0503020204020204" pitchFamily="34" charset="-122"/>
+              <a:ea typeface="微软雅黑" panose="020B0503020204020204" pitchFamily="34" charset="-122"/>
             </a:endParaRPr>
           </a:p>
         </p:txBody>
@@ -30621,7 +29830,6 @@
             </a:solidFill>
             <a:round/>
             <a:headEnd type="oval" w="med" len="med"/>
-            <a:tailEnd/>
           </a:ln>
           <a:effectLst/>
         </p:spPr>
@@ -30660,8 +29868,6 @@
           <a:ln w="9525" cap="flat" cmpd="sng">
             <a:noFill/>
             <a:miter lim="800000"/>
-            <a:headEnd/>
-            <a:tailEnd/>
           </a:ln>
           <a:effectLst/>
         </p:spPr>
@@ -30691,8 +29897,8 @@
                     <a:fillToRect l="50000" t="50000" r="50000" b="50000"/>
                   </a:path>
                 </a:gradFill>
-                <a:latin typeface="微软雅黑" pitchFamily="34" charset="-122"/>
-                <a:ea typeface="微软雅黑" pitchFamily="34" charset="-122"/>
+                <a:latin typeface="微软雅黑" panose="020B0503020204020204" pitchFamily="34" charset="-122"/>
+                <a:ea typeface="微软雅黑" panose="020B0503020204020204" pitchFamily="34" charset="-122"/>
               </a:rPr>
               <a:t>柳琪，郭林林</a:t>
             </a:r>
@@ -30710,8 +29916,8 @@
                   <a:fillToRect l="50000" t="50000" r="50000" b="50000"/>
                 </a:path>
               </a:gradFill>
-              <a:latin typeface="微软雅黑" pitchFamily="34" charset="-122"/>
-              <a:ea typeface="微软雅黑" pitchFamily="34" charset="-122"/>
+              <a:latin typeface="微软雅黑" panose="020B0503020204020204" pitchFamily="34" charset="-122"/>
+              <a:ea typeface="微软雅黑" panose="020B0503020204020204" pitchFamily="34" charset="-122"/>
             </a:endParaRPr>
           </a:p>
         </p:txBody>
@@ -30739,7 +29945,6 @@
             </a:solidFill>
             <a:round/>
             <a:headEnd type="oval" w="med" len="med"/>
-            <a:tailEnd/>
           </a:ln>
           <a:effectLst/>
         </p:spPr>
@@ -30778,8 +29983,6 @@
           <a:ln w="9525" cap="flat" cmpd="sng">
             <a:noFill/>
             <a:miter lim="800000"/>
-            <a:headEnd/>
-            <a:tailEnd/>
           </a:ln>
           <a:effectLst/>
         </p:spPr>
@@ -30809,8 +30012,8 @@
                     <a:fillToRect l="50000" t="50000" r="50000" b="50000"/>
                   </a:path>
                 </a:gradFill>
-                <a:latin typeface="微软雅黑" pitchFamily="34" charset="-122"/>
-                <a:ea typeface="微软雅黑" pitchFamily="34" charset="-122"/>
+                <a:latin typeface="微软雅黑" panose="020B0503020204020204" pitchFamily="34" charset="-122"/>
+                <a:ea typeface="微软雅黑" panose="020B0503020204020204" pitchFamily="34" charset="-122"/>
               </a:rPr>
               <a:t>温群杰，叶玲</a:t>
             </a:r>
@@ -30828,8 +30031,8 @@
                   <a:fillToRect l="50000" t="50000" r="50000" b="50000"/>
                 </a:path>
               </a:gradFill>
-              <a:latin typeface="微软雅黑" pitchFamily="34" charset="-122"/>
-              <a:ea typeface="微软雅黑" pitchFamily="34" charset="-122"/>
+              <a:latin typeface="微软雅黑" panose="020B0503020204020204" pitchFamily="34" charset="-122"/>
+              <a:ea typeface="微软雅黑" panose="020B0503020204020204" pitchFamily="34" charset="-122"/>
             </a:endParaRPr>
           </a:p>
         </p:txBody>
@@ -30857,7 +30060,6 @@
             </a:solidFill>
             <a:round/>
             <a:headEnd type="oval" w="med" len="med"/>
-            <a:tailEnd/>
           </a:ln>
           <a:effectLst/>
         </p:spPr>
@@ -30896,8 +30098,6 @@
           <a:ln w="9525" cap="flat" cmpd="sng">
             <a:noFill/>
             <a:miter lim="800000"/>
-            <a:headEnd/>
-            <a:tailEnd/>
           </a:ln>
           <a:effectLst/>
         </p:spPr>
@@ -30928,8 +30128,8 @@
                     <a:fillToRect l="50000" t="50000" r="50000" b="50000"/>
                   </a:path>
                 </a:gradFill>
-                <a:latin typeface="微软雅黑" pitchFamily="34" charset="-122"/>
-                <a:ea typeface="微软雅黑" pitchFamily="34" charset="-122"/>
+                <a:latin typeface="微软雅黑" panose="020B0503020204020204" pitchFamily="34" charset="-122"/>
+                <a:ea typeface="微软雅黑" panose="020B0503020204020204" pitchFamily="34" charset="-122"/>
               </a:rPr>
               <a:t>仝朝铱，刘倩，覃基敏</a:t>
             </a:r>
@@ -30947,8 +30147,8 @@
                   <a:fillToRect l="50000" t="50000" r="50000" b="50000"/>
                 </a:path>
               </a:gradFill>
-              <a:latin typeface="微软雅黑" pitchFamily="34" charset="-122"/>
-              <a:ea typeface="微软雅黑" pitchFamily="34" charset="-122"/>
+              <a:latin typeface="微软雅黑" panose="020B0503020204020204" pitchFamily="34" charset="-122"/>
+              <a:ea typeface="微软雅黑" panose="020B0503020204020204" pitchFamily="34" charset="-122"/>
             </a:endParaRPr>
           </a:p>
         </p:txBody>
@@ -30984,8 +30184,6 @@
               <a:tileRect/>
             </a:gradFill>
             <a:round/>
-            <a:headEnd/>
-            <a:tailEnd/>
           </a:ln>
           <a:effectLst/>
         </p:spPr>
@@ -31005,22 +30203,17 @@
         </p:txBody>
       </p:sp>
     </p:spTree>
-    <p:extLst>
-      <p:ext uri="{BB962C8B-B14F-4D97-AF65-F5344CB8AC3E}">
-        <p14:creationId xmlns:p14="http://schemas.microsoft.com/office/powerpoint/2010/main" val="3879335733"/>
-      </p:ext>
-    </p:extLst>
   </p:cSld>
   <p:clrMapOvr>
     <a:masterClrMapping/>
   </p:clrMapOvr>
-  <mc:AlternateContent xmlns:mc="http://schemas.openxmlformats.org/markup-compatibility/2006" xmlns:p14="http://schemas.microsoft.com/office/powerpoint/2010/main">
-    <mc:Choice Requires="p14">
+  <mc:AlternateContent xmlns:mc="http://schemas.openxmlformats.org/markup-compatibility/2006">
+    <mc:Choice xmlns:p14="http://schemas.microsoft.com/office/powerpoint/2010/main" Requires="p14">
       <p:transition spd="slow" p14:dur="2000" advTm="4768">
-        <p14:reveal dir="r"/>
+        <p14:reveal thruBlk="1"/>
       </p:transition>
     </mc:Choice>
-    <mc:Fallback xmlns="">
+    <mc:Fallback>
       <p:transition spd="slow" advTm="4768">
         <p:fade/>
       </p:transition>
@@ -31875,8 +31068,8 @@
                     <a:fillToRect l="50000" t="50000" r="50000" b="50000"/>
                   </a:path>
                 </a:gradFill>
-                <a:latin typeface="微软雅黑" pitchFamily="34" charset="-122"/>
-                <a:ea typeface="微软雅黑" pitchFamily="34" charset="-122"/>
+                <a:latin typeface="微软雅黑" panose="020B0503020204020204" pitchFamily="34" charset="-122"/>
+                <a:ea typeface="微软雅黑" panose="020B0503020204020204" pitchFamily="34" charset="-122"/>
               </a:rPr>
               <a:t>成 员 项 目 分 配</a:t>
             </a:r>
@@ -31894,8 +31087,8 @@
                   <a:fillToRect l="50000" t="50000" r="50000" b="50000"/>
                 </a:path>
               </a:gradFill>
-              <a:latin typeface="微软雅黑" pitchFamily="34" charset="-122"/>
-              <a:ea typeface="微软雅黑" pitchFamily="34" charset="-122"/>
+              <a:latin typeface="微软雅黑" panose="020B0503020204020204" pitchFamily="34" charset="-122"/>
+              <a:ea typeface="微软雅黑" panose="020B0503020204020204" pitchFamily="34" charset="-122"/>
             </a:endParaRPr>
           </a:p>
         </p:txBody>
@@ -31966,8 +31159,8 @@
             <a:p>
               <a:pPr algn="ctr"/>
               <a:endParaRPr lang="zh-CN" altLang="en-US">
-                <a:latin typeface="微软雅黑" pitchFamily="34" charset="-122"/>
-                <a:ea typeface="微软雅黑" pitchFamily="34" charset="-122"/>
+                <a:latin typeface="微软雅黑" panose="020B0503020204020204" pitchFamily="34" charset="-122"/>
+                <a:ea typeface="微软雅黑" panose="020B0503020204020204" pitchFamily="34" charset="-122"/>
               </a:endParaRPr>
             </a:p>
           </p:txBody>
@@ -32009,8 +31202,8 @@
                     <a:fillToRect l="50000" t="50000" r="50000" b="50000"/>
                   </a:path>
                 </a:gradFill>
-                <a:latin typeface="微软雅黑" pitchFamily="34" charset="-122"/>
-                <a:ea typeface="微软雅黑" pitchFamily="34" charset="-122"/>
+                <a:latin typeface="微软雅黑" panose="020B0503020204020204" pitchFamily="34" charset="-122"/>
+                <a:ea typeface="微软雅黑" panose="020B0503020204020204" pitchFamily="34" charset="-122"/>
               </a:endParaRPr>
             </a:p>
             <a:p>
@@ -32030,8 +31223,8 @@
                       <a:fillToRect l="50000" t="50000" r="50000" b="50000"/>
                     </a:path>
                   </a:gradFill>
-                  <a:latin typeface="微软雅黑" pitchFamily="34" charset="-122"/>
-                  <a:ea typeface="微软雅黑" pitchFamily="34" charset="-122"/>
+                  <a:latin typeface="微软雅黑" panose="020B0503020204020204" pitchFamily="34" charset="-122"/>
+                  <a:ea typeface="微软雅黑" panose="020B0503020204020204" pitchFamily="34" charset="-122"/>
                 </a:rPr>
                 <a:t>地图定位</a:t>
               </a:r>
@@ -32049,8 +31242,8 @@
                     <a:fillToRect l="50000" t="50000" r="50000" b="50000"/>
                   </a:path>
                 </a:gradFill>
-                <a:latin typeface="微软雅黑" pitchFamily="34" charset="-122"/>
-                <a:ea typeface="微软雅黑" pitchFamily="34" charset="-122"/>
+                <a:latin typeface="微软雅黑" panose="020B0503020204020204" pitchFamily="34" charset="-122"/>
+                <a:ea typeface="微软雅黑" panose="020B0503020204020204" pitchFamily="34" charset="-122"/>
               </a:endParaRPr>
             </a:p>
           </p:txBody>
@@ -32122,8 +31315,8 @@
             <a:p>
               <a:pPr algn="ctr"/>
               <a:endParaRPr lang="zh-CN" altLang="en-US">
-                <a:latin typeface="微软雅黑" pitchFamily="34" charset="-122"/>
-                <a:ea typeface="微软雅黑" pitchFamily="34" charset="-122"/>
+                <a:latin typeface="微软雅黑" panose="020B0503020204020204" pitchFamily="34" charset="-122"/>
+                <a:ea typeface="微软雅黑" panose="020B0503020204020204" pitchFamily="34" charset="-122"/>
               </a:endParaRPr>
             </a:p>
           </p:txBody>
@@ -32166,8 +31359,8 @@
                       <a:fillToRect l="50000" t="50000" r="50000" b="50000"/>
                     </a:path>
                   </a:gradFill>
-                  <a:latin typeface="微软雅黑" pitchFamily="34" charset="-122"/>
-                  <a:ea typeface="微软雅黑" pitchFamily="34" charset="-122"/>
+                  <a:latin typeface="微软雅黑" panose="020B0503020204020204" pitchFamily="34" charset="-122"/>
+                  <a:ea typeface="微软雅黑" panose="020B0503020204020204" pitchFamily="34" charset="-122"/>
                 </a:rPr>
                 <a:t>代码整合</a:t>
               </a:r>
@@ -32185,8 +31378,8 @@
                     <a:fillToRect l="50000" t="50000" r="50000" b="50000"/>
                   </a:path>
                 </a:gradFill>
-                <a:latin typeface="微软雅黑" pitchFamily="34" charset="-122"/>
-                <a:ea typeface="微软雅黑" pitchFamily="34" charset="-122"/>
+                <a:latin typeface="微软雅黑" panose="020B0503020204020204" pitchFamily="34" charset="-122"/>
+                <a:ea typeface="微软雅黑" panose="020B0503020204020204" pitchFamily="34" charset="-122"/>
               </a:endParaRPr>
             </a:p>
           </p:txBody>
@@ -32258,8 +31451,8 @@
             <a:p>
               <a:pPr algn="ctr"/>
               <a:endParaRPr lang="zh-CN" altLang="en-US">
-                <a:latin typeface="微软雅黑" pitchFamily="34" charset="-122"/>
-                <a:ea typeface="微软雅黑" pitchFamily="34" charset="-122"/>
+                <a:latin typeface="微软雅黑" panose="020B0503020204020204" pitchFamily="34" charset="-122"/>
+                <a:ea typeface="微软雅黑" panose="020B0503020204020204" pitchFamily="34" charset="-122"/>
               </a:endParaRPr>
             </a:p>
           </p:txBody>
@@ -32302,8 +31495,8 @@
                       <a:fillToRect l="50000" t="50000" r="50000" b="50000"/>
                     </a:path>
                   </a:gradFill>
-                  <a:latin typeface="微软雅黑" pitchFamily="34" charset="-122"/>
-                  <a:ea typeface="微软雅黑" pitchFamily="34" charset="-122"/>
+                  <a:latin typeface="微软雅黑" panose="020B0503020204020204" pitchFamily="34" charset="-122"/>
+                  <a:ea typeface="微软雅黑" panose="020B0503020204020204" pitchFamily="34" charset="-122"/>
                 </a:rPr>
                 <a:t>创建表</a:t>
               </a:r>
@@ -32321,8 +31514,8 @@
                     <a:fillToRect l="50000" t="50000" r="50000" b="50000"/>
                   </a:path>
                 </a:gradFill>
-                <a:latin typeface="微软雅黑" pitchFamily="34" charset="-122"/>
-                <a:ea typeface="微软雅黑" pitchFamily="34" charset="-122"/>
+                <a:latin typeface="微软雅黑" panose="020B0503020204020204" pitchFamily="34" charset="-122"/>
+                <a:ea typeface="微软雅黑" panose="020B0503020204020204" pitchFamily="34" charset="-122"/>
               </a:endParaRPr>
             </a:p>
             <a:p>
@@ -32342,8 +31535,8 @@
                       <a:fillToRect l="50000" t="50000" r="50000" b="50000"/>
                     </a:path>
                   </a:gradFill>
-                  <a:latin typeface="微软雅黑" pitchFamily="34" charset="-122"/>
-                  <a:ea typeface="微软雅黑" pitchFamily="34" charset="-122"/>
+                  <a:latin typeface="微软雅黑" panose="020B0503020204020204" pitchFamily="34" charset="-122"/>
+                  <a:ea typeface="微软雅黑" panose="020B0503020204020204" pitchFamily="34" charset="-122"/>
                 </a:rPr>
                 <a:t>调</a:t>
               </a:r>
@@ -32362,8 +31555,8 @@
                       <a:fillToRect l="50000" t="50000" r="50000" b="50000"/>
                     </a:path>
                   </a:gradFill>
-                  <a:latin typeface="微软雅黑" pitchFamily="34" charset="-122"/>
-                  <a:ea typeface="微软雅黑" pitchFamily="34" charset="-122"/>
+                  <a:latin typeface="微软雅黑" panose="020B0503020204020204" pitchFamily="34" charset="-122"/>
+                  <a:ea typeface="微软雅黑" panose="020B0503020204020204" pitchFamily="34" charset="-122"/>
                 </a:rPr>
                 <a:t>bug</a:t>
               </a:r>
@@ -32381,8 +31574,8 @@
                     <a:fillToRect l="50000" t="50000" r="50000" b="50000"/>
                   </a:path>
                 </a:gradFill>
-                <a:latin typeface="微软雅黑" pitchFamily="34" charset="-122"/>
-                <a:ea typeface="微软雅黑" pitchFamily="34" charset="-122"/>
+                <a:latin typeface="微软雅黑" panose="020B0503020204020204" pitchFamily="34" charset="-122"/>
+                <a:ea typeface="微软雅黑" panose="020B0503020204020204" pitchFamily="34" charset="-122"/>
               </a:endParaRPr>
             </a:p>
           </p:txBody>
@@ -32447,9 +31640,6 @@
         </p:style>
         <p:txBody>
           <a:bodyPr rot="0" spcFirstLastPara="0" vertOverflow="overflow" horzOverflow="overflow" vert="horz" wrap="square" lIns="91440" tIns="45720" rIns="91440" bIns="45720" numCol="1" spcCol="0" rtlCol="0" fromWordArt="0" anchor="ctr" anchorCtr="0" forceAA="0" compatLnSpc="1">
-            <a:prstTxWarp prst="textNoShape">
-              <a:avLst/>
-            </a:prstTxWarp>
             <a:noAutofit/>
           </a:bodyPr>
           <a:lstStyle/>
@@ -32459,8 +31649,8 @@
               <a:solidFill>
                 <a:srgbClr val="07405E"/>
               </a:solidFill>
-              <a:latin typeface="微软雅黑" pitchFamily="34" charset="-122"/>
-              <a:ea typeface="微软雅黑" pitchFamily="34" charset="-122"/>
+              <a:latin typeface="微软雅黑" panose="020B0503020204020204" pitchFamily="34" charset="-122"/>
+              <a:ea typeface="微软雅黑" panose="020B0503020204020204" pitchFamily="34" charset="-122"/>
             </a:endParaRPr>
           </a:p>
         </p:txBody>
@@ -32524,9 +31714,6 @@
         </p:style>
         <p:txBody>
           <a:bodyPr rot="0" spcFirstLastPara="0" vertOverflow="overflow" horzOverflow="overflow" vert="horz" wrap="square" lIns="91440" tIns="45720" rIns="91440" bIns="45720" numCol="1" spcCol="0" rtlCol="0" fromWordArt="0" anchor="ctr" anchorCtr="0" forceAA="0" compatLnSpc="1">
-            <a:prstTxWarp prst="textNoShape">
-              <a:avLst/>
-            </a:prstTxWarp>
             <a:noAutofit/>
           </a:bodyPr>
           <a:lstStyle/>
@@ -32536,8 +31723,8 @@
               <a:solidFill>
                 <a:srgbClr val="07405E"/>
               </a:solidFill>
-              <a:latin typeface="微软雅黑" pitchFamily="34" charset="-122"/>
-              <a:ea typeface="微软雅黑" pitchFamily="34" charset="-122"/>
+              <a:latin typeface="微软雅黑" panose="020B0503020204020204" pitchFamily="34" charset="-122"/>
+              <a:ea typeface="微软雅黑" panose="020B0503020204020204" pitchFamily="34" charset="-122"/>
             </a:endParaRPr>
           </a:p>
         </p:txBody>
@@ -32601,9 +31788,6 @@
         </p:style>
         <p:txBody>
           <a:bodyPr rot="0" spcFirstLastPara="0" vertOverflow="overflow" horzOverflow="overflow" vert="horz" wrap="square" lIns="91440" tIns="45720" rIns="91440" bIns="45720" numCol="1" spcCol="0" rtlCol="0" fromWordArt="0" anchor="ctr" anchorCtr="0" forceAA="0" compatLnSpc="1">
-            <a:prstTxWarp prst="textNoShape">
-              <a:avLst/>
-            </a:prstTxWarp>
             <a:noAutofit/>
           </a:bodyPr>
           <a:lstStyle/>
@@ -32613,8 +31797,8 @@
               <a:solidFill>
                 <a:srgbClr val="07405E"/>
               </a:solidFill>
-              <a:latin typeface="微软雅黑" pitchFamily="34" charset="-122"/>
-              <a:ea typeface="微软雅黑" pitchFamily="34" charset="-122"/>
+              <a:latin typeface="微软雅黑" panose="020B0503020204020204" pitchFamily="34" charset="-122"/>
+              <a:ea typeface="微软雅黑" panose="020B0503020204020204" pitchFamily="34" charset="-122"/>
             </a:endParaRPr>
           </a:p>
         </p:txBody>
@@ -32655,8 +31839,8 @@
                     <a:fillToRect l="50000" t="50000" r="50000" b="50000"/>
                   </a:path>
                 </a:gradFill>
-                <a:latin typeface="微软雅黑" pitchFamily="34" charset="-122"/>
-                <a:ea typeface="微软雅黑" pitchFamily="34" charset="-122"/>
+                <a:latin typeface="微软雅黑" panose="020B0503020204020204" pitchFamily="34" charset="-122"/>
+                <a:ea typeface="微软雅黑" panose="020B0503020204020204" pitchFamily="34" charset="-122"/>
               </a:rPr>
               <a:t>----------</a:t>
             </a:r>
@@ -32675,8 +31859,8 @@
                     <a:fillToRect l="50000" t="50000" r="50000" b="50000"/>
                   </a:path>
                 </a:gradFill>
-                <a:latin typeface="微软雅黑" pitchFamily="34" charset="-122"/>
-                <a:ea typeface="微软雅黑" pitchFamily="34" charset="-122"/>
+                <a:latin typeface="微软雅黑" panose="020B0503020204020204" pitchFamily="34" charset="-122"/>
+                <a:ea typeface="微软雅黑" panose="020B0503020204020204" pitchFamily="34" charset="-122"/>
               </a:rPr>
               <a:t>徐 焱</a:t>
             </a:r>
@@ -32694,90 +31878,24 @@
                   <a:fillToRect l="50000" t="50000" r="50000" b="50000"/>
                 </a:path>
               </a:gradFill>
-              <a:latin typeface="微软雅黑" pitchFamily="34" charset="-122"/>
-              <a:ea typeface="微软雅黑" pitchFamily="34" charset="-122"/>
-            </a:endParaRPr>
-          </a:p>
-        </p:txBody>
-      </p:sp>
-      <p:sp>
-        <p:nvSpPr>
-          <p:cNvPr id="16" name="矩形 15"/>
-          <p:cNvSpPr/>
-          <p:nvPr/>
-        </p:nvSpPr>
-        <p:spPr>
-          <a:xfrm>
-            <a:off x="5080337" y="3244334"/>
-            <a:ext cx="2031325" cy="369332"/>
-          </a:xfrm>
-          <a:prstGeom prst="rect">
-            <a:avLst/>
-          </a:prstGeom>
-        </p:spPr>
-        <p:txBody>
-          <a:bodyPr wrap="none">
-            <a:spAutoFit/>
-          </a:bodyPr>
-          <a:lstStyle/>
-          <a:p>
-            <a:r>
-              <a:rPr lang="zh-CN" altLang="en-US" b="1" u="sng" dirty="0">
-                <a:gradFill>
-                  <a:gsLst>
-                    <a:gs pos="100000">
-                      <a:srgbClr val="398EB6"/>
-                    </a:gs>
-                    <a:gs pos="0">
-                      <a:srgbClr val="B4DAF1"/>
-                    </a:gs>
-                  </a:gsLst>
-                  <a:path path="circle">
-                    <a:fillToRect l="50000" t="50000" r="50000" b="50000"/>
-                  </a:path>
-                </a:gradFill>
-                <a:latin typeface="微软雅黑" pitchFamily="34" charset="-122"/>
-                <a:ea typeface="微软雅黑" pitchFamily="34" charset="-122"/>
-              </a:rPr>
-              <a:t>成员分配所遇难题</a:t>
-            </a:r>
-            <a:endParaRPr lang="zh-CN" altLang="en-US" b="1" u="sng" dirty="0">
-              <a:gradFill>
-                <a:gsLst>
-                  <a:gs pos="100000">
-                    <a:srgbClr val="398EB6"/>
-                  </a:gs>
-                  <a:gs pos="0">
-                    <a:srgbClr val="B4DAF1"/>
-                  </a:gs>
-                </a:gsLst>
-                <a:path path="circle">
-                  <a:fillToRect l="50000" t="50000" r="50000" b="50000"/>
-                </a:path>
-              </a:gradFill>
-              <a:latin typeface="微软雅黑" pitchFamily="34" charset="-122"/>
-              <a:ea typeface="微软雅黑" pitchFamily="34" charset="-122"/>
+              <a:latin typeface="微软雅黑" panose="020B0503020204020204" pitchFamily="34" charset="-122"/>
+              <a:ea typeface="微软雅黑" panose="020B0503020204020204" pitchFamily="34" charset="-122"/>
             </a:endParaRPr>
           </a:p>
         </p:txBody>
       </p:sp>
     </p:spTree>
-    <p:extLst>
-      <p:ext uri="{BB962C8B-B14F-4D97-AF65-F5344CB8AC3E}">
-        <p14:creationId xmlns:p14="http://schemas.microsoft.com/office/powerpoint/2010/main" val="2844048043"/>
-      </p:ext>
-    </p:extLst>
   </p:cSld>
   <p:clrMapOvr>
     <a:masterClrMapping/>
   </p:clrMapOvr>
-  <mc:AlternateContent xmlns:mc="http://schemas.openxmlformats.org/markup-compatibility/2006" xmlns:p14="http://schemas.microsoft.com/office/powerpoint/2010/main">
-    <mc:Choice Requires="p14">
+  <mc:AlternateContent xmlns:mc="http://schemas.openxmlformats.org/markup-compatibility/2006">
+    <mc:Choice xmlns:p14="http://schemas.microsoft.com/office/powerpoint/2010/main" Requires="p14">
       <p:transition spd="slow" p14:dur="2000" advTm="3532">
-        <p14:reveal dir="r"/>
+        <p14:reveal thruBlk="1"/>
       </p:transition>
     </mc:Choice>
-    <mc:Fallback xmlns="">
+    <mc:Fallback>
       <p:transition spd="slow" advTm="3532">
         <p:fade/>
       </p:transition>
@@ -33097,6 +32215,16 @@
 </p:sld>
 </file>
 
+<file path=ppt/tags/tag1.xml><?xml version="1.0" encoding="utf-8"?>
+<p:tagLst xmlns:p="http://schemas.openxmlformats.org/presentationml/2006/main">
+  <p:tag name="KSO_WM_TEMPLATE_TOPIC_ID" val="2869567"/>
+  <p:tag name="KSO_WM_TEMPLATE_OUTLINE_ID" val="14"/>
+  <p:tag name="KSO_WM_TEMPLATE_SCENE_ID" val="1"/>
+  <p:tag name="KSO_WM_TEMPLATE_JOB_ID" val="14"/>
+  <p:tag name="KSO_WM_TEMPLATE_TOPIC_DEFAULT" val="0"/>
+</p:tagLst>
+</file>
+
 <file path=ppt/theme/theme1.xml><?xml version="1.0" encoding="utf-8"?>
 <a:theme xmlns:a="http://schemas.openxmlformats.org/drawingml/2006/main" name="第一PPT，www.1ppt.com">
   <a:themeElements>
@@ -33375,8 +32503,11 @@
       </a:bgFillStyleLst>
     </a:fmtScheme>
   </a:themeElements>
-  <a:objectDefaults/>
-  <a:extraClrSchemeLst/>
+  <a:extLst>
+    <a:ext uri="{05A4C25C-085E-4340-85A3-A5531E510DB2}">
+      <thm15:themeFamily xmlns:thm15="http://schemas.microsoft.com/office/thememl/2012/main" name="Office Theme" id="{62F939B6-93AF-4DB8-9C6B-D6C7DFDC589F}" vid="{4A3C46E8-61CC-4603-A589-7422A47A8E4A}"/>
+    </a:ext>
+  </a:extLst>
 </a:theme>
 </file>
 
@@ -33660,8 +32791,11 @@
       </a:bgFillStyleLst>
     </a:fmtScheme>
   </a:themeElements>
-  <a:objectDefaults/>
-  <a:extraClrSchemeLst/>
+  <a:extLst>
+    <a:ext uri="{05A4C25C-085E-4340-85A3-A5531E510DB2}">
+      <thm15:themeFamily xmlns:thm15="http://schemas.microsoft.com/office/thememl/2012/main" name="Office Theme" id="{62F939B6-93AF-4DB8-9C6B-D6C7DFDC589F}" vid="{4A3C46E8-61CC-4603-A589-7422A47A8E4A}"/>
+    </a:ext>
+  </a:extLst>
 </a:theme>
 </file>
 
@@ -33945,7 +33079,10 @@
       </a:bgFillStyleLst>
     </a:fmtScheme>
   </a:themeElements>
-  <a:objectDefaults/>
-  <a:extraClrSchemeLst/>
+  <a:extLst>
+    <a:ext uri="{05A4C25C-085E-4340-85A3-A5531E510DB2}">
+      <thm15:themeFamily xmlns:thm15="http://schemas.microsoft.com/office/thememl/2012/main" name="Office Theme" id="{62F939B6-93AF-4DB8-9C6B-D6C7DFDC589F}" vid="{4A3C46E8-61CC-4603-A589-7422A47A8E4A}"/>
+    </a:ext>
+  </a:extLst>
 </a:theme>
 </file>
--- a/7组项目汇报.pptx
+++ b/7组项目汇报.pptx
@@ -7058,9 +7058,6 @@
                     <p:cTn id="3" fill="hold">
                       <p:stCondLst>
                         <p:cond delay="indefinite"/>
-                        <p:cond evt="onBegin" delay="0">
-                          <p:tn val="2"/>
-                        </p:cond>
                       </p:stCondLst>
                       <p:childTnLst>
                         <p:par>
@@ -7070,14 +7067,61 @@
                             </p:stCondLst>
                             <p:childTnLst>
                               <p:par>
-                                <p:cTn id="5" presetID="2" presetClass="entr" presetSubtype="2" fill="hold" grpId="0" nodeType="withEffect">
+                                <p:cTn id="5" presetID="10" presetClass="entr" presetSubtype="0" fill="hold" grpId="0" nodeType="clickEffect">
+                                  <p:stCondLst>
+                                    <p:cond delay="0"/>
+                                  </p:stCondLst>
+                                  <p:iterate type="lt">
+                                    <p:tmPct val="10000"/>
+                                  </p:iterate>
+                                  <p:childTnLst>
+                                    <p:set>
+                                      <p:cBhvr>
+                                        <p:cTn id="6" dur="1" fill="hold">
+                                          <p:stCondLst>
+                                            <p:cond delay="0"/>
+                                          </p:stCondLst>
+                                        </p:cTn>
+                                        <p:tgtEl>
+                                          <p:spTgt spid="23"/>
+                                        </p:tgtEl>
+                                        <p:attrNameLst>
+                                          <p:attrName>style.visibility</p:attrName>
+                                        </p:attrNameLst>
+                                      </p:cBhvr>
+                                      <p:to>
+                                        <p:strVal val="visible"/>
+                                      </p:to>
+                                    </p:set>
+                                    <p:animEffect transition="in" filter="fade">
+                                      <p:cBhvr>
+                                        <p:cTn id="7" dur="1000"/>
+                                        <p:tgtEl>
+                                          <p:spTgt spid="23"/>
+                                        </p:tgtEl>
+                                      </p:cBhvr>
+                                    </p:animEffect>
+                                  </p:childTnLst>
+                                </p:cTn>
+                              </p:par>
+                            </p:childTnLst>
+                          </p:cTn>
+                        </p:par>
+                        <p:par>
+                          <p:cTn id="8" fill="hold">
+                            <p:stCondLst>
+                              <p:cond delay="2000"/>
+                            </p:stCondLst>
+                            <p:childTnLst>
+                              <p:par>
+                                <p:cTn id="9" presetID="2" presetClass="entr" presetSubtype="2" fill="hold" grpId="0" nodeType="afterEffect">
                                   <p:stCondLst>
                                     <p:cond delay="0"/>
                                   </p:stCondLst>
                                   <p:childTnLst>
                                     <p:set>
                                       <p:cBhvr>
-                                        <p:cTn id="6" dur="1" fill="hold">
+                                        <p:cTn id="10" dur="1" fill="hold">
                                           <p:stCondLst>
                                             <p:cond delay="0"/>
                                           </p:stCondLst>
@@ -7095,7 +7139,7 @@
                                     </p:set>
                                     <p:anim calcmode="lin" valueType="num">
                                       <p:cBhvr additive="base">
-                                        <p:cTn id="7" dur="300" fill="hold"/>
+                                        <p:cTn id="11" dur="300" fill="hold"/>
                                         <p:tgtEl>
                                           <p:spTgt spid="8"/>
                                         </p:tgtEl>
@@ -7118,7 +7162,7 @@
                                     </p:anim>
                                     <p:anim calcmode="lin" valueType="num">
                                       <p:cBhvr additive="base">
-                                        <p:cTn id="8" dur="300" fill="hold"/>
+                                        <p:cTn id="12" dur="300" fill="hold"/>
                                         <p:tgtEl>
                                           <p:spTgt spid="8"/>
                                         </p:tgtEl>
@@ -7143,14 +7187,14 @@
                                 </p:cTn>
                               </p:par>
                               <p:par>
-                                <p:cTn id="9" presetID="2" presetClass="entr" presetSubtype="2" fill="hold" grpId="0" nodeType="withEffect">
+                                <p:cTn id="13" presetID="2" presetClass="entr" presetSubtype="2" fill="hold" grpId="0" nodeType="withEffect">
                                   <p:stCondLst>
                                     <p:cond delay="200"/>
                                   </p:stCondLst>
                                   <p:childTnLst>
                                     <p:set>
                                       <p:cBhvr>
-                                        <p:cTn id="10" dur="1" fill="hold">
+                                        <p:cTn id="14" dur="1" fill="hold">
                                           <p:stCondLst>
                                             <p:cond delay="0"/>
                                           </p:stCondLst>
@@ -7168,7 +7212,7 @@
                                     </p:set>
                                     <p:anim calcmode="lin" valueType="num">
                                       <p:cBhvr additive="base">
-                                        <p:cTn id="11" dur="300" fill="hold"/>
+                                        <p:cTn id="15" dur="300" fill="hold"/>
                                         <p:tgtEl>
                                           <p:spTgt spid="9"/>
                                         </p:tgtEl>
@@ -7191,7 +7235,7 @@
                                     </p:anim>
                                     <p:anim calcmode="lin" valueType="num">
                                       <p:cBhvr additive="base">
-                                        <p:cTn id="12" dur="300" fill="hold"/>
+                                        <p:cTn id="16" dur="300" fill="hold"/>
                                         <p:tgtEl>
                                           <p:spTgt spid="9"/>
                                         </p:tgtEl>
@@ -7216,14 +7260,14 @@
                                 </p:cTn>
                               </p:par>
                               <p:par>
-                                <p:cTn id="13" presetID="2" presetClass="entr" presetSubtype="2" fill="hold" grpId="0" nodeType="withEffect">
+                                <p:cTn id="17" presetID="2" presetClass="entr" presetSubtype="2" fill="hold" grpId="0" nodeType="withEffect">
                                   <p:stCondLst>
                                     <p:cond delay="300"/>
                                   </p:stCondLst>
                                   <p:childTnLst>
                                     <p:set>
                                       <p:cBhvr>
-                                        <p:cTn id="14" dur="1" fill="hold">
+                                        <p:cTn id="18" dur="1" fill="hold">
                                           <p:stCondLst>
                                             <p:cond delay="0"/>
                                           </p:stCondLst>
@@ -7241,7 +7285,7 @@
                                     </p:set>
                                     <p:anim calcmode="lin" valueType="num">
                                       <p:cBhvr additive="base">
-                                        <p:cTn id="15" dur="300" fill="hold"/>
+                                        <p:cTn id="19" dur="300" fill="hold"/>
                                         <p:tgtEl>
                                           <p:spTgt spid="10"/>
                                         </p:tgtEl>
@@ -7264,7 +7308,7 @@
                                     </p:anim>
                                     <p:anim calcmode="lin" valueType="num">
                                       <p:cBhvr additive="base">
-                                        <p:cTn id="16" dur="300" fill="hold"/>
+                                        <p:cTn id="20" dur="300" fill="hold"/>
                                         <p:tgtEl>
                                           <p:spTgt spid="10"/>
                                         </p:tgtEl>
@@ -7289,14 +7333,14 @@
                                 </p:cTn>
                               </p:par>
                               <p:par>
-                                <p:cTn id="17" presetID="2" presetClass="entr" presetSubtype="2" fill="hold" grpId="0" nodeType="withEffect">
+                                <p:cTn id="21" presetID="2" presetClass="entr" presetSubtype="2" fill="hold" grpId="0" nodeType="withEffect">
                                   <p:stCondLst>
                                     <p:cond delay="400"/>
                                   </p:stCondLst>
                                   <p:childTnLst>
                                     <p:set>
                                       <p:cBhvr>
-                                        <p:cTn id="18" dur="1" fill="hold">
+                                        <p:cTn id="22" dur="1" fill="hold">
                                           <p:stCondLst>
                                             <p:cond delay="0"/>
                                           </p:stCondLst>
@@ -7314,7 +7358,7 @@
                                     </p:set>
                                     <p:anim calcmode="lin" valueType="num">
                                       <p:cBhvr additive="base">
-                                        <p:cTn id="19" dur="300" fill="hold"/>
+                                        <p:cTn id="23" dur="300" fill="hold"/>
                                         <p:tgtEl>
                                           <p:spTgt spid="13"/>
                                         </p:tgtEl>
@@ -7337,7 +7381,7 @@
                                     </p:anim>
                                     <p:anim calcmode="lin" valueType="num">
                                       <p:cBhvr additive="base">
-                                        <p:cTn id="20" dur="300" fill="hold"/>
+                                        <p:cTn id="24" dur="300" fill="hold"/>
                                         <p:tgtEl>
                                           <p:spTgt spid="13"/>
                                         </p:tgtEl>
@@ -7362,14 +7406,14 @@
                                 </p:cTn>
                               </p:par>
                               <p:par>
-                                <p:cTn id="21" presetID="2" presetClass="entr" presetSubtype="2" fill="hold" grpId="0" nodeType="withEffect">
+                                <p:cTn id="25" presetID="2" presetClass="entr" presetSubtype="2" fill="hold" grpId="0" nodeType="withEffect">
                                   <p:stCondLst>
                                     <p:cond delay="500"/>
                                   </p:stCondLst>
                                   <p:childTnLst>
                                     <p:set>
                                       <p:cBhvr>
-                                        <p:cTn id="22" dur="1" fill="hold">
+                                        <p:cTn id="26" dur="1" fill="hold">
                                           <p:stCondLst>
                                             <p:cond delay="0"/>
                                           </p:stCondLst>
@@ -7387,7 +7431,7 @@
                                     </p:set>
                                     <p:anim calcmode="lin" valueType="num">
                                       <p:cBhvr additive="base">
-                                        <p:cTn id="23" dur="300" fill="hold"/>
+                                        <p:cTn id="27" dur="300" fill="hold"/>
                                         <p:tgtEl>
                                           <p:spTgt spid="14"/>
                                         </p:tgtEl>
@@ -7410,7 +7454,7 @@
                                     </p:anim>
                                     <p:anim calcmode="lin" valueType="num">
                                       <p:cBhvr additive="base">
-                                        <p:cTn id="24" dur="300" fill="hold"/>
+                                        <p:cTn id="28" dur="300" fill="hold"/>
                                         <p:tgtEl>
                                           <p:spTgt spid="14"/>
                                         </p:tgtEl>
@@ -7435,14 +7479,14 @@
                                 </p:cTn>
                               </p:par>
                               <p:par>
-                                <p:cTn id="25" presetID="2" presetClass="entr" presetSubtype="2" fill="hold" grpId="0" nodeType="withEffect">
+                                <p:cTn id="29" presetID="2" presetClass="entr" presetSubtype="2" fill="hold" grpId="0" nodeType="withEffect">
                                   <p:stCondLst>
                                     <p:cond delay="600"/>
                                   </p:stCondLst>
                                   <p:childTnLst>
                                     <p:set>
                                       <p:cBhvr>
-                                        <p:cTn id="26" dur="1" fill="hold">
+                                        <p:cTn id="30" dur="1" fill="hold">
                                           <p:stCondLst>
                                             <p:cond delay="0"/>
                                           </p:stCondLst>
@@ -7460,7 +7504,7 @@
                                     </p:set>
                                     <p:anim calcmode="lin" valueType="num">
                                       <p:cBhvr additive="base">
-                                        <p:cTn id="27" dur="300" fill="hold"/>
+                                        <p:cTn id="31" dur="300" fill="hold"/>
                                         <p:tgtEl>
                                           <p:spTgt spid="15"/>
                                         </p:tgtEl>
@@ -7483,7 +7527,7 @@
                                     </p:anim>
                                     <p:anim calcmode="lin" valueType="num">
                                       <p:cBhvr additive="base">
-                                        <p:cTn id="28" dur="300" fill="hold"/>
+                                        <p:cTn id="32" dur="300" fill="hold"/>
                                         <p:tgtEl>
                                           <p:spTgt spid="15"/>
                                         </p:tgtEl>
@@ -7508,14 +7552,14 @@
                                 </p:cTn>
                               </p:par>
                               <p:par>
-                                <p:cTn id="29" presetID="2" presetClass="entr" presetSubtype="2" fill="hold" grpId="0" nodeType="withEffect">
+                                <p:cTn id="33" presetID="2" presetClass="entr" presetSubtype="2" fill="hold" grpId="0" nodeType="withEffect">
                                   <p:stCondLst>
                                     <p:cond delay="700"/>
                                   </p:stCondLst>
                                   <p:childTnLst>
                                     <p:set>
                                       <p:cBhvr>
-                                        <p:cTn id="30" dur="1" fill="hold">
+                                        <p:cTn id="34" dur="1" fill="hold">
                                           <p:stCondLst>
                                             <p:cond delay="0"/>
                                           </p:stCondLst>
@@ -7533,7 +7577,7 @@
                                     </p:set>
                                     <p:anim calcmode="lin" valueType="num">
                                       <p:cBhvr additive="base">
-                                        <p:cTn id="31" dur="300" fill="hold"/>
+                                        <p:cTn id="35" dur="300" fill="hold"/>
                                         <p:tgtEl>
                                           <p:spTgt spid="16"/>
                                         </p:tgtEl>
@@ -7556,7 +7600,7 @@
                                     </p:anim>
                                     <p:anim calcmode="lin" valueType="num">
                                       <p:cBhvr additive="base">
-                                        <p:cTn id="32" dur="300" fill="hold"/>
+                                        <p:cTn id="36" dur="300" fill="hold"/>
                                         <p:tgtEl>
                                           <p:spTgt spid="16"/>
                                         </p:tgtEl>
@@ -7581,14 +7625,14 @@
                                 </p:cTn>
                               </p:par>
                               <p:par>
-                                <p:cTn id="33" presetID="2" presetClass="entr" presetSubtype="2" fill="hold" grpId="0" nodeType="withEffect">
+                                <p:cTn id="37" presetID="2" presetClass="entr" presetSubtype="2" fill="hold" grpId="0" nodeType="withEffect">
                                   <p:stCondLst>
                                     <p:cond delay="800"/>
                                   </p:stCondLst>
                                   <p:childTnLst>
                                     <p:set>
                                       <p:cBhvr>
-                                        <p:cTn id="34" dur="1" fill="hold">
+                                        <p:cTn id="38" dur="1" fill="hold">
                                           <p:stCondLst>
                                             <p:cond delay="0"/>
                                           </p:stCondLst>
@@ -7606,7 +7650,7 @@
                                     </p:set>
                                     <p:anim calcmode="lin" valueType="num">
                                       <p:cBhvr additive="base">
-                                        <p:cTn id="35" dur="300" fill="hold"/>
+                                        <p:cTn id="39" dur="300" fill="hold"/>
                                         <p:tgtEl>
                                           <p:spTgt spid="17"/>
                                         </p:tgtEl>
@@ -7629,7 +7673,7 @@
                                     </p:anim>
                                     <p:anim calcmode="lin" valueType="num">
                                       <p:cBhvr additive="base">
-                                        <p:cTn id="36" dur="300" fill="hold"/>
+                                        <p:cTn id="40" dur="300" fill="hold"/>
                                         <p:tgtEl>
                                           <p:spTgt spid="17"/>
                                         </p:tgtEl>
@@ -7654,14 +7698,14 @@
                                 </p:cTn>
                               </p:par>
                               <p:par>
-                                <p:cTn id="37" presetID="2" presetClass="entr" presetSubtype="2" fill="hold" grpId="0" nodeType="withEffect">
+                                <p:cTn id="41" presetID="2" presetClass="entr" presetSubtype="2" fill="hold" grpId="0" nodeType="withEffect">
                                   <p:stCondLst>
                                     <p:cond delay="1000"/>
                                   </p:stCondLst>
                                   <p:childTnLst>
                                     <p:set>
                                       <p:cBhvr>
-                                        <p:cTn id="38" dur="1" fill="hold">
+                                        <p:cTn id="42" dur="1" fill="hold">
                                           <p:stCondLst>
                                             <p:cond delay="0"/>
                                           </p:stCondLst>
@@ -7679,7 +7723,7 @@
                                     </p:set>
                                     <p:anim calcmode="lin" valueType="num">
                                       <p:cBhvr additive="base">
-                                        <p:cTn id="39" dur="300" fill="hold"/>
+                                        <p:cTn id="43" dur="300" fill="hold"/>
                                         <p:tgtEl>
                                           <p:spTgt spid="18"/>
                                         </p:tgtEl>
@@ -7702,7 +7746,7 @@
                                     </p:anim>
                                     <p:anim calcmode="lin" valueType="num">
                                       <p:cBhvr additive="base">
-                                        <p:cTn id="40" dur="300" fill="hold"/>
+                                        <p:cTn id="44" dur="300" fill="hold"/>
                                         <p:tgtEl>
                                           <p:spTgt spid="18"/>
                                         </p:tgtEl>
@@ -7727,14 +7771,14 @@
                                 </p:cTn>
                               </p:par>
                               <p:par>
-                                <p:cTn id="41" presetID="2" presetClass="entr" presetSubtype="2" fill="hold" grpId="0" nodeType="withEffect">
+                                <p:cTn id="45" presetID="2" presetClass="entr" presetSubtype="2" fill="hold" grpId="0" nodeType="withEffect">
                                   <p:stCondLst>
                                     <p:cond delay="1200"/>
                                   </p:stCondLst>
                                   <p:childTnLst>
                                     <p:set>
                                       <p:cBhvr>
-                                        <p:cTn id="42" dur="1" fill="hold">
+                                        <p:cTn id="46" dur="1" fill="hold">
                                           <p:stCondLst>
                                             <p:cond delay="0"/>
                                           </p:stCondLst>
@@ -7752,7 +7796,7 @@
                                     </p:set>
                                     <p:anim calcmode="lin" valueType="num">
                                       <p:cBhvr additive="base">
-                                        <p:cTn id="43" dur="300" fill="hold"/>
+                                        <p:cTn id="47" dur="300" fill="hold"/>
                                         <p:tgtEl>
                                           <p:spTgt spid="11"/>
                                         </p:tgtEl>
@@ -7775,7 +7819,7 @@
                                     </p:anim>
                                     <p:anim calcmode="lin" valueType="num">
                                       <p:cBhvr additive="base">
-                                        <p:cTn id="44" dur="300" fill="hold"/>
+                                        <p:cTn id="48" dur="300" fill="hold"/>
                                         <p:tgtEl>
                                           <p:spTgt spid="11"/>
                                         </p:tgtEl>
@@ -7803,20 +7847,20 @@
                           </p:cTn>
                         </p:par>
                         <p:par>
-                          <p:cTn id="45" fill="hold">
+                          <p:cTn id="49" fill="hold">
                             <p:stCondLst>
-                              <p:cond delay="500"/>
+                              <p:cond delay="2500"/>
                             </p:stCondLst>
                             <p:childTnLst>
                               <p:par>
-                                <p:cTn id="46" presetID="2" presetClass="entr" presetSubtype="3" fill="hold" nodeType="afterEffect">
+                                <p:cTn id="50" presetID="2" presetClass="entr" presetSubtype="3" fill="hold" nodeType="afterEffect">
                                   <p:stCondLst>
                                     <p:cond delay="0"/>
                                   </p:stCondLst>
                                   <p:childTnLst>
                                     <p:set>
                                       <p:cBhvr>
-                                        <p:cTn id="47" dur="1" fill="hold">
+                                        <p:cTn id="51" dur="1" fill="hold">
                                           <p:stCondLst>
                                             <p:cond delay="0"/>
                                           </p:stCondLst>
@@ -7834,7 +7878,7 @@
                                     </p:set>
                                     <p:anim calcmode="lin" valueType="num">
                                       <p:cBhvr additive="base">
-                                        <p:cTn id="48" dur="1000" fill="hold"/>
+                                        <p:cTn id="52" dur="1000" fill="hold"/>
                                         <p:tgtEl>
                                           <p:spTgt spid="1026"/>
                                         </p:tgtEl>
@@ -7857,7 +7901,7 @@
                                     </p:anim>
                                     <p:anim calcmode="lin" valueType="num">
                                       <p:cBhvr additive="base">
-                                        <p:cTn id="49" dur="1000" fill="hold"/>
+                                        <p:cTn id="53" dur="1000" fill="hold"/>
                                         <p:tgtEl>
                                           <p:spTgt spid="1026"/>
                                         </p:tgtEl>
@@ -7885,20 +7929,20 @@
                           </p:cTn>
                         </p:par>
                         <p:par>
-                          <p:cTn id="50" fill="hold">
+                          <p:cTn id="54" fill="hold">
                             <p:stCondLst>
-                              <p:cond delay="1500"/>
+                              <p:cond delay="3500"/>
                             </p:stCondLst>
                             <p:childTnLst>
                               <p:par>
-                                <p:cTn id="51" presetID="10" presetClass="exit" presetSubtype="0" fill="hold" grpId="1" nodeType="afterEffect">
+                                <p:cTn id="55" presetID="10" presetClass="exit" presetSubtype="0" fill="hold" grpId="1" nodeType="afterEffect">
                                   <p:stCondLst>
                                     <p:cond delay="0"/>
                                   </p:stCondLst>
                                   <p:childTnLst>
                                     <p:animEffect transition="out" filter="fade">
                                       <p:cBhvr>
-                                        <p:cTn id="52" dur="500"/>
+                                        <p:cTn id="56" dur="500"/>
                                         <p:tgtEl>
                                           <p:spTgt spid="11"/>
                                         </p:tgtEl>
@@ -7906,7 +7950,7 @@
                                     </p:animEffect>
                                     <p:set>
                                       <p:cBhvr>
-                                        <p:cTn id="53" dur="1" fill="hold">
+                                        <p:cTn id="57" dur="1" fill="hold">
                                           <p:stCondLst>
                                             <p:cond delay="499"/>
                                           </p:stCondLst>
@@ -7926,14 +7970,14 @@
                                 </p:cTn>
                               </p:par>
                               <p:par>
-                                <p:cTn id="54" presetID="10" presetClass="entr" presetSubtype="0" fill="hold" grpId="0" nodeType="withEffect">
+                                <p:cTn id="58" presetID="10" presetClass="entr" presetSubtype="0" fill="hold" grpId="0" nodeType="withEffect">
                                   <p:stCondLst>
                                     <p:cond delay="0"/>
                                   </p:stCondLst>
                                   <p:childTnLst>
                                     <p:set>
                                       <p:cBhvr>
-                                        <p:cTn id="55" dur="1" fill="hold">
+                                        <p:cTn id="59" dur="1" fill="hold">
                                           <p:stCondLst>
                                             <p:cond delay="0"/>
                                           </p:stCondLst>
@@ -7951,7 +7995,7 @@
                                     </p:set>
                                     <p:animEffect transition="in" filter="fade">
                                       <p:cBhvr>
-                                        <p:cTn id="56" dur="500"/>
+                                        <p:cTn id="60" dur="500"/>
                                         <p:tgtEl>
                                           <p:spTgt spid="19"/>
                                         </p:tgtEl>
@@ -7961,7 +8005,7 @@
                                 </p:cTn>
                               </p:par>
                               <p:par>
-                                <p:cTn id="57" presetID="26" presetClass="emph" presetSubtype="0" repeatCount="indefinite" fill="hold" grpId="1" nodeType="withEffect">
+                                <p:cTn id="61" presetID="26" presetClass="emph" presetSubtype="0" repeatCount="indefinite" fill="hold" grpId="1" nodeType="withEffect">
                                   <p:stCondLst>
                                     <p:cond delay="0"/>
                                   </p:stCondLst>
@@ -7975,7 +8019,7 @@
                                   <p:childTnLst>
                                     <p:animEffect transition="out" filter="fade">
                                       <p:cBhvr>
-                                        <p:cTn id="58" dur="500" tmFilter="0, 0; .2, .5; .8, .5; 1, 0"/>
+                                        <p:cTn id="62" dur="500" tmFilter="0, 0; .2, .5; .8, .5; 1, 0"/>
                                         <p:tgtEl>
                                           <p:spTgt spid="19"/>
                                         </p:tgtEl>
@@ -7983,7 +8027,7 @@
                                     </p:animEffect>
                                     <p:animScale>
                                       <p:cBhvr>
-                                        <p:cTn id="59" dur="250" autoRev="1" fill="hold"/>
+                                        <p:cTn id="63" dur="250" autoRev="1" fill="hold"/>
                                         <p:tgtEl>
                                           <p:spTgt spid="19"/>
                                         </p:tgtEl>
@@ -7994,52 +8038,14 @@
                                 </p:cTn>
                               </p:par>
                               <p:par>
-                                <p:cTn id="60" presetID="10" presetClass="entr" presetSubtype="0" fill="hold" grpId="0" nodeType="withEffect">
-                                  <p:stCondLst>
-                                    <p:cond delay="0"/>
-                                  </p:stCondLst>
-                                  <p:iterate type="lt">
-                                    <p:tmPct val="10000"/>
-                                  </p:iterate>
-                                  <p:childTnLst>
-                                    <p:set>
-                                      <p:cBhvr>
-                                        <p:cTn id="61" dur="1" fill="hold">
-                                          <p:stCondLst>
-                                            <p:cond delay="0"/>
-                                          </p:stCondLst>
-                                        </p:cTn>
-                                        <p:tgtEl>
-                                          <p:spTgt spid="23"/>
-                                        </p:tgtEl>
-                                        <p:attrNameLst>
-                                          <p:attrName>style.visibility</p:attrName>
-                                        </p:attrNameLst>
-                                      </p:cBhvr>
-                                      <p:to>
-                                        <p:strVal val="visible"/>
-                                      </p:to>
-                                    </p:set>
-                                    <p:animEffect transition="in" filter="fade">
-                                      <p:cBhvr>
-                                        <p:cTn id="62" dur="1000"/>
-                                        <p:tgtEl>
-                                          <p:spTgt spid="23"/>
-                                        </p:tgtEl>
-                                      </p:cBhvr>
-                                    </p:animEffect>
-                                  </p:childTnLst>
-                                </p:cTn>
-                              </p:par>
-                              <p:par>
-                                <p:cTn id="63" presetID="42" presetClass="entr" presetSubtype="0" fill="hold" grpId="0" nodeType="withEffect">
+                                <p:cTn id="64" presetID="42" presetClass="entr" presetSubtype="0" fill="hold" grpId="0" nodeType="withEffect">
                                   <p:stCondLst>
                                     <p:cond delay="1300"/>
                                   </p:stCondLst>
                                   <p:childTnLst>
                                     <p:set>
                                       <p:cBhvr>
-                                        <p:cTn id="64" dur="1" fill="hold">
+                                        <p:cTn id="65" dur="1" fill="hold">
                                           <p:stCondLst>
                                             <p:cond delay="0"/>
                                           </p:stCondLst>
@@ -8057,7 +8063,7 @@
                                     </p:set>
                                     <p:animEffect transition="in" filter="fade">
                                       <p:cBhvr>
-                                        <p:cTn id="65" dur="500"/>
+                                        <p:cTn id="66" dur="500"/>
                                         <p:tgtEl>
                                           <p:spTgt spid="24"/>
                                         </p:tgtEl>
@@ -8065,7 +8071,7 @@
                                     </p:animEffect>
                                     <p:anim calcmode="lin" valueType="num">
                                       <p:cBhvr>
-                                        <p:cTn id="66" dur="500" fill="hold"/>
+                                        <p:cTn id="67" dur="500" fill="hold"/>
                                         <p:tgtEl>
                                           <p:spTgt spid="24"/>
                                         </p:tgtEl>
@@ -8088,7 +8094,7 @@
                                     </p:anim>
                                     <p:anim calcmode="lin" valueType="num">
                                       <p:cBhvr>
-                                        <p:cTn id="67" dur="500" fill="hold"/>
+                                        <p:cTn id="68" dur="500" fill="hold"/>
                                         <p:tgtEl>
                                           <p:spTgt spid="24"/>
                                         </p:tgtEl>
@@ -8319,7 +8325,7 @@
           <p:spPr>
             <a:xfrm>
               <a:off x="4117359" y="1737682"/>
-              <a:ext cx="1174722" cy="657873"/>
+              <a:ext cx="1174722" cy="364464"/>
             </a:xfrm>
             <a:prstGeom prst="rect">
               <a:avLst/>
@@ -8331,26 +8337,6 @@
               <a:spAutoFit/>
             </a:bodyPr>
             <a:lstStyle/>
-            <a:p>
-              <a:pPr algn="ctr"/>
-              <a:endParaRPr lang="en-US" altLang="zh-CN" sz="2400" b="1" dirty="0" smtClean="0">
-                <a:gradFill>
-                  <a:gsLst>
-                    <a:gs pos="100000">
-                      <a:srgbClr val="398EB6"/>
-                    </a:gs>
-                    <a:gs pos="0">
-                      <a:srgbClr val="B4DAF1"/>
-                    </a:gs>
-                  </a:gsLst>
-                  <a:path path="circle">
-                    <a:fillToRect l="50000" t="50000" r="50000" b="50000"/>
-                  </a:path>
-                </a:gradFill>
-                <a:latin typeface="微软雅黑" panose="020B0503020204020204" pitchFamily="34" charset="-122"/>
-                <a:ea typeface="微软雅黑" panose="020B0503020204020204" pitchFamily="34" charset="-122"/>
-              </a:endParaRPr>
-            </a:p>
             <a:p>
               <a:pPr algn="ctr"/>
               <a:r>
@@ -8402,7 +8388,7 @@
         </p:nvGrpSpPr>
         <p:grpSpPr>
           <a:xfrm>
-            <a:off x="6888088" y="1563145"/>
+            <a:off x="6877928" y="1419000"/>
             <a:ext cx="1728192" cy="1728192"/>
             <a:chOff x="3635896" y="3429000"/>
             <a:chExt cx="1368152" cy="1368152"/>
@@ -8997,7 +8983,7 @@
   <mc:AlternateContent xmlns:mc="http://schemas.openxmlformats.org/markup-compatibility/2006">
     <mc:Choice xmlns:p14="http://schemas.microsoft.com/office/powerpoint/2010/main" Requires="p14">
       <p:transition spd="slow" p14:dur="2000" advTm="3532">
-        <p14:reveal thruBlk="1"/>
+        <p14:reveal dir="r"/>
       </p:transition>
     </mc:Choice>
     <mc:Fallback>
@@ -9479,7 +9465,7 @@
           <p:spPr>
             <a:xfrm>
               <a:off x="4117359" y="1737682"/>
-              <a:ext cx="1174722" cy="584776"/>
+              <a:ext cx="1174722" cy="364464"/>
             </a:xfrm>
             <a:prstGeom prst="rect">
               <a:avLst/>
@@ -9493,28 +9479,8 @@
             <a:lstStyle/>
             <a:p>
               <a:pPr algn="ctr"/>
-              <a:endParaRPr lang="en-US" altLang="zh-CN" sz="2400" b="1" dirty="0" smtClean="0">
-                <a:gradFill>
-                  <a:gsLst>
-                    <a:gs pos="100000">
-                      <a:srgbClr val="398EB6"/>
-                    </a:gs>
-                    <a:gs pos="0">
-                      <a:srgbClr val="B4DAF1"/>
-                    </a:gs>
-                  </a:gsLst>
-                  <a:path path="circle">
-                    <a:fillToRect l="50000" t="50000" r="50000" b="50000"/>
-                  </a:path>
-                </a:gradFill>
-                <a:latin typeface="微软雅黑" panose="020B0503020204020204" pitchFamily="34" charset="-122"/>
-                <a:ea typeface="微软雅黑" panose="020B0503020204020204" pitchFamily="34" charset="-122"/>
-              </a:endParaRPr>
-            </a:p>
-            <a:p>
-              <a:pPr algn="ctr"/>
               <a:r>
-                <a:rPr lang="zh-CN" altLang="en-US" b="1" dirty="0" smtClean="0">
+                <a:rPr lang="zh-CN" altLang="en-US" sz="2400" b="1" dirty="0" smtClean="0">
                   <a:gradFill>
                     <a:gsLst>
                       <a:gs pos="100000">
@@ -9533,7 +9499,7 @@
                 </a:rPr>
                 <a:t>忘记密码</a:t>
               </a:r>
-              <a:endParaRPr lang="en-US" altLang="zh-CN" b="1" dirty="0" smtClean="0">
+              <a:endParaRPr lang="zh-CN" altLang="en-US" sz="2400" b="1" dirty="0" smtClean="0">
                 <a:gradFill>
                   <a:gsLst>
                     <a:gs pos="100000">
@@ -9635,7 +9601,7 @@
           <p:spPr>
             <a:xfrm>
               <a:off x="3708180" y="3824173"/>
-              <a:ext cx="1174722" cy="292388"/>
+              <a:ext cx="1174722" cy="364464"/>
             </a:xfrm>
             <a:prstGeom prst="rect">
               <a:avLst/>
@@ -9650,7 +9616,7 @@
             <a:p>
               <a:pPr algn="ctr"/>
               <a:r>
-                <a:rPr lang="zh-CN" altLang="en-US" b="1" dirty="0" smtClean="0">
+                <a:rPr lang="zh-CN" altLang="en-US" sz="2400" b="1" dirty="0" smtClean="0">
                   <a:gradFill>
                     <a:gsLst>
                       <a:gs pos="100000">
@@ -9669,7 +9635,7 @@
                 </a:rPr>
                 <a:t>房屋详情</a:t>
               </a:r>
-              <a:endParaRPr lang="zh-CN" altLang="en-US" b="1" dirty="0">
+              <a:endParaRPr lang="zh-CN" altLang="en-US" sz="2400" b="1" dirty="0" smtClean="0">
                 <a:gradFill>
                   <a:gsLst>
                     <a:gs pos="100000">
@@ -9771,7 +9737,7 @@
           <p:spPr>
             <a:xfrm>
               <a:off x="5172771" y="5446094"/>
-              <a:ext cx="1174722" cy="292388"/>
+              <a:ext cx="1174722" cy="364464"/>
             </a:xfrm>
             <a:prstGeom prst="rect">
               <a:avLst/>
@@ -9786,7 +9752,7 @@
             <a:p>
               <a:pPr algn="ctr"/>
               <a:r>
-                <a:rPr lang="zh-CN" altLang="en-US" b="1" dirty="0" smtClean="0">
+                <a:rPr lang="zh-CN" altLang="en-US" sz="2400" b="1" dirty="0" smtClean="0">
                   <a:gradFill>
                     <a:gsLst>
                       <a:gs pos="100000">
@@ -9805,7 +9771,7 @@
                 </a:rPr>
                 <a:t>密码校验</a:t>
               </a:r>
-              <a:endParaRPr lang="zh-CN" altLang="en-US" b="1" dirty="0">
+              <a:endParaRPr lang="zh-CN" altLang="en-US" sz="2400" b="1" dirty="0" smtClean="0">
                 <a:gradFill>
                   <a:gsLst>
                     <a:gs pos="100000">
@@ -10137,7 +10103,7 @@
   <mc:AlternateContent xmlns:mc="http://schemas.openxmlformats.org/markup-compatibility/2006">
     <mc:Choice xmlns:p14="http://schemas.microsoft.com/office/powerpoint/2010/main" Requires="p14">
       <p:transition spd="slow" p14:dur="2000" advTm="3532">
-        <p14:reveal thruBlk="1"/>
+        <p14:reveal dir="r"/>
       </p:transition>
     </mc:Choice>
     <mc:Fallback>
@@ -10619,7 +10585,7 @@
           <p:spPr>
             <a:xfrm>
               <a:off x="4117359" y="1737682"/>
-              <a:ext cx="1174722" cy="292388"/>
+              <a:ext cx="1174722" cy="364464"/>
             </a:xfrm>
             <a:prstGeom prst="rect">
               <a:avLst/>
@@ -10634,7 +10600,7 @@
             <a:p>
               <a:pPr algn="ctr"/>
               <a:r>
-                <a:rPr lang="zh-CN" altLang="en-US" b="1" dirty="0" smtClean="0">
+                <a:rPr lang="zh-CN" altLang="en-US" sz="2400" b="1" dirty="0" smtClean="0">
                   <a:gradFill>
                     <a:gsLst>
                       <a:gs pos="100000">
@@ -10653,7 +10619,7 @@
                 </a:rPr>
                 <a:t>预约房屋</a:t>
               </a:r>
-              <a:endParaRPr lang="en-US" altLang="zh-CN" b="1" dirty="0" smtClean="0">
+              <a:endParaRPr lang="zh-CN" altLang="en-US" sz="2400" b="1" dirty="0" smtClean="0">
                 <a:gradFill>
                   <a:gsLst>
                     <a:gs pos="100000">
@@ -10682,7 +10648,7 @@
         </p:nvGrpSpPr>
         <p:grpSpPr>
           <a:xfrm>
-            <a:off x="6888088" y="1563145"/>
+            <a:off x="6898248" y="1419000"/>
             <a:ext cx="1728192" cy="1728192"/>
             <a:chOff x="3635896" y="3429000"/>
             <a:chExt cx="1368152" cy="1368152"/>
@@ -10755,7 +10721,7 @@
           <p:spPr>
             <a:xfrm>
               <a:off x="3708180" y="3824173"/>
-              <a:ext cx="1174722" cy="292388"/>
+              <a:ext cx="1174722" cy="364464"/>
             </a:xfrm>
             <a:prstGeom prst="rect">
               <a:avLst/>
@@ -10770,7 +10736,7 @@
             <a:p>
               <a:pPr algn="ctr"/>
               <a:r>
-                <a:rPr lang="zh-CN" altLang="en-US" b="1" dirty="0" smtClean="0">
+                <a:rPr lang="zh-CN" altLang="en-US" sz="2400" b="1" dirty="0" smtClean="0">
                   <a:gradFill>
                     <a:gsLst>
                       <a:gs pos="100000">
@@ -10789,7 +10755,7 @@
                 </a:rPr>
                 <a:t>看房日程</a:t>
               </a:r>
-              <a:endParaRPr lang="zh-CN" altLang="en-US" b="1" dirty="0">
+              <a:endParaRPr lang="zh-CN" altLang="en-US" sz="2400" b="1" dirty="0" smtClean="0">
                 <a:gradFill>
                   <a:gsLst>
                     <a:gs pos="100000">
@@ -10891,7 +10857,7 @@
           <p:spPr>
             <a:xfrm>
               <a:off x="5172771" y="5446094"/>
-              <a:ext cx="1174722" cy="292388"/>
+              <a:ext cx="1174722" cy="364464"/>
             </a:xfrm>
             <a:prstGeom prst="rect">
               <a:avLst/>
@@ -10906,7 +10872,7 @@
             <a:p>
               <a:pPr algn="ctr"/>
               <a:r>
-                <a:rPr lang="zh-CN" altLang="en-US" b="1" dirty="0" smtClean="0">
+                <a:rPr lang="zh-CN" altLang="en-US" sz="2400" b="1" dirty="0" smtClean="0">
                   <a:gradFill>
                     <a:gsLst>
                       <a:gs pos="100000">
@@ -10925,7 +10891,7 @@
                 </a:rPr>
                 <a:t>房屋详情</a:t>
               </a:r>
-              <a:endParaRPr lang="zh-CN" altLang="en-US" b="1" dirty="0">
+              <a:endParaRPr lang="zh-CN" altLang="en-US" sz="2400" b="1" dirty="0">
                 <a:gradFill>
                   <a:gsLst>
                     <a:gs pos="100000">
@@ -11257,7 +11223,7 @@
   <mc:AlternateContent xmlns:mc="http://schemas.openxmlformats.org/markup-compatibility/2006">
     <mc:Choice xmlns:p14="http://schemas.microsoft.com/office/powerpoint/2010/main" Requires="p14">
       <p:transition spd="slow" p14:dur="2000" advTm="3532">
-        <p14:reveal thruBlk="1"/>
+        <p14:reveal dir="r"/>
       </p:transition>
     </mc:Choice>
     <mc:Fallback>
@@ -11739,7 +11705,7 @@
           <p:spPr>
             <a:xfrm>
               <a:off x="4117359" y="1737682"/>
-              <a:ext cx="1174722" cy="292388"/>
+              <a:ext cx="1174722" cy="364464"/>
             </a:xfrm>
             <a:prstGeom prst="rect">
               <a:avLst/>
@@ -11754,7 +11720,7 @@
             <a:p>
               <a:pPr algn="ctr"/>
               <a:r>
-                <a:rPr lang="zh-CN" altLang="en-US" b="1" dirty="0">
+                <a:rPr lang="zh-CN" altLang="en-US" sz="2400" b="1" dirty="0">
                   <a:gradFill>
                     <a:gsLst>
                       <a:gs pos="100000">
@@ -11774,7 +11740,7 @@
                 <a:t>我</a:t>
               </a:r>
               <a:r>
-                <a:rPr lang="zh-CN" altLang="en-US" b="1" dirty="0" smtClean="0">
+                <a:rPr lang="zh-CN" altLang="en-US" sz="2400" b="1" dirty="0" smtClean="0">
                   <a:gradFill>
                     <a:gsLst>
                       <a:gs pos="100000">
@@ -11793,7 +11759,7 @@
                 </a:rPr>
                 <a:t>是房东</a:t>
               </a:r>
-              <a:endParaRPr lang="en-US" altLang="zh-CN" b="1" dirty="0" smtClean="0">
+              <a:endParaRPr lang="en-US" altLang="zh-CN" sz="2400" b="1" dirty="0" smtClean="0">
                 <a:gradFill>
                   <a:gsLst>
                     <a:gs pos="100000">
@@ -11822,7 +11788,7 @@
         </p:nvGrpSpPr>
         <p:grpSpPr>
           <a:xfrm>
-            <a:off x="6888088" y="1563145"/>
+            <a:off x="6908408" y="1419000"/>
             <a:ext cx="1728192" cy="1728192"/>
             <a:chOff x="3635896" y="3429000"/>
             <a:chExt cx="1368152" cy="1368152"/>
@@ -11895,7 +11861,7 @@
           <p:spPr>
             <a:xfrm>
               <a:off x="3708180" y="3824173"/>
-              <a:ext cx="1174722" cy="292388"/>
+              <a:ext cx="1174722" cy="364464"/>
             </a:xfrm>
             <a:prstGeom prst="rect">
               <a:avLst/>
@@ -11910,7 +11876,7 @@
             <a:p>
               <a:pPr algn="ctr"/>
               <a:r>
-                <a:rPr lang="zh-CN" altLang="en-US" b="1" dirty="0" smtClean="0">
+                <a:rPr lang="zh-CN" altLang="en-US" sz="2400" b="1" dirty="0" smtClean="0">
                   <a:gradFill>
                     <a:gsLst>
                       <a:gs pos="100000">
@@ -11929,7 +11895,7 @@
                 </a:rPr>
                 <a:t>付房租</a:t>
               </a:r>
-              <a:endParaRPr lang="zh-CN" altLang="en-US" b="1" dirty="0">
+              <a:endParaRPr lang="zh-CN" altLang="en-US" sz="2400" b="1" dirty="0" smtClean="0">
                 <a:gradFill>
                   <a:gsLst>
                     <a:gs pos="100000">
@@ -12031,7 +11997,7 @@
           <p:spPr>
             <a:xfrm>
               <a:off x="5172771" y="5446094"/>
-              <a:ext cx="1174722" cy="511679"/>
+              <a:ext cx="1174722" cy="657040"/>
             </a:xfrm>
             <a:prstGeom prst="rect">
               <a:avLst/>
@@ -12046,7 +12012,7 @@
             <a:p>
               <a:pPr algn="ctr"/>
               <a:r>
-                <a:rPr lang="zh-CN" altLang="en-US" b="1" dirty="0" smtClean="0">
+                <a:rPr lang="zh-CN" altLang="en-US" sz="2400" b="1" dirty="0" smtClean="0">
                   <a:gradFill>
                     <a:gsLst>
                       <a:gs pos="100000">
@@ -12065,7 +12031,7 @@
                 </a:rPr>
                 <a:t>添加出租</a:t>
               </a:r>
-              <a:endParaRPr lang="en-US" altLang="zh-CN" b="1" dirty="0" smtClean="0">
+              <a:endParaRPr lang="en-US" altLang="zh-CN" sz="2400" b="1" dirty="0" smtClean="0">
                 <a:gradFill>
                   <a:gsLst>
                     <a:gs pos="100000">
@@ -12086,7 +12052,7 @@
             <a:p>
               <a:pPr algn="ctr"/>
               <a:r>
-                <a:rPr lang="zh-CN" altLang="en-US" b="1" dirty="0" smtClean="0">
+                <a:rPr lang="zh-CN" altLang="en-US" sz="2400" b="1" dirty="0" smtClean="0">
                   <a:gradFill>
                     <a:gsLst>
                       <a:gs pos="100000">
@@ -12105,7 +12071,7 @@
                 </a:rPr>
                 <a:t>信息</a:t>
               </a:r>
-              <a:endParaRPr lang="zh-CN" altLang="en-US" b="1" dirty="0">
+              <a:endParaRPr lang="zh-CN" altLang="en-US" sz="2400" b="1" dirty="0">
                 <a:gradFill>
                   <a:gsLst>
                     <a:gs pos="100000">
@@ -12437,7 +12403,7 @@
   <mc:AlternateContent xmlns:mc="http://schemas.openxmlformats.org/markup-compatibility/2006">
     <mc:Choice xmlns:p14="http://schemas.microsoft.com/office/powerpoint/2010/main" Requires="p14">
       <p:transition spd="slow" p14:dur="2000" advTm="3532">
-        <p14:reveal thruBlk="1"/>
+        <p14:reveal dir="r"/>
       </p:transition>
     </mc:Choice>
     <mc:Fallback>
@@ -12919,7 +12885,7 @@
           <p:spPr>
             <a:xfrm>
               <a:off x="4117359" y="1737682"/>
-              <a:ext cx="1174722" cy="292388"/>
+              <a:ext cx="1174722" cy="364464"/>
             </a:xfrm>
             <a:prstGeom prst="rect">
               <a:avLst/>
@@ -12934,7 +12900,7 @@
             <a:p>
               <a:pPr algn="ctr"/>
               <a:r>
-                <a:rPr lang="zh-CN" altLang="en-US" b="1" dirty="0" smtClean="0">
+                <a:rPr lang="zh-CN" altLang="en-US" sz="2400" b="1" dirty="0" smtClean="0">
                   <a:gradFill>
                     <a:gsLst>
                       <a:gs pos="100000">
@@ -12953,7 +12919,7 @@
                 </a:rPr>
                 <a:t>用户注册</a:t>
               </a:r>
-              <a:endParaRPr lang="en-US" altLang="zh-CN" b="1" dirty="0" smtClean="0">
+              <a:endParaRPr lang="zh-CN" altLang="en-US" sz="2400" b="1" dirty="0" smtClean="0">
                 <a:gradFill>
                   <a:gsLst>
                     <a:gs pos="100000">
@@ -12982,7 +12948,7 @@
         </p:nvGrpSpPr>
         <p:grpSpPr>
           <a:xfrm>
-            <a:off x="6888088" y="1563145"/>
+            <a:off x="6949048" y="1419000"/>
             <a:ext cx="1728192" cy="1728192"/>
             <a:chOff x="3635896" y="3429000"/>
             <a:chExt cx="1368152" cy="1368152"/>
@@ -13055,7 +13021,7 @@
           <p:spPr>
             <a:xfrm>
               <a:off x="3708180" y="3824173"/>
-              <a:ext cx="1174722" cy="292388"/>
+              <a:ext cx="1174722" cy="364464"/>
             </a:xfrm>
             <a:prstGeom prst="rect">
               <a:avLst/>
@@ -13070,7 +13036,7 @@
             <a:p>
               <a:pPr algn="ctr"/>
               <a:r>
-                <a:rPr lang="zh-CN" altLang="en-US" b="1" dirty="0" smtClean="0">
+                <a:rPr lang="zh-CN" altLang="en-US" sz="2400" b="1" dirty="0" smtClean="0">
                   <a:gradFill>
                     <a:gsLst>
                       <a:gs pos="100000">
@@ -13089,7 +13055,7 @@
                 </a:rPr>
                 <a:t>用户登录</a:t>
               </a:r>
-              <a:endParaRPr lang="zh-CN" altLang="en-US" b="1" dirty="0">
+              <a:endParaRPr lang="zh-CN" altLang="en-US" sz="2400" b="1" dirty="0" smtClean="0">
                 <a:gradFill>
                   <a:gsLst>
                     <a:gs pos="100000">
@@ -13191,7 +13157,7 @@
           <p:spPr>
             <a:xfrm>
               <a:off x="5172771" y="5446094"/>
-              <a:ext cx="1174722" cy="292388"/>
+              <a:ext cx="1174722" cy="364464"/>
             </a:xfrm>
             <a:prstGeom prst="rect">
               <a:avLst/>
@@ -13206,7 +13172,7 @@
             <a:p>
               <a:pPr algn="ctr"/>
               <a:r>
-                <a:rPr lang="zh-CN" altLang="en-US" b="1" dirty="0" smtClean="0">
+                <a:rPr lang="zh-CN" altLang="en-US" sz="2400" b="1" dirty="0" smtClean="0">
                   <a:gradFill>
                     <a:gsLst>
                       <a:gs pos="100000">
@@ -13225,7 +13191,7 @@
                 </a:rPr>
                 <a:t>短信校验</a:t>
               </a:r>
-              <a:endParaRPr lang="zh-CN" altLang="en-US" b="1" dirty="0">
+              <a:endParaRPr lang="zh-CN" altLang="en-US" sz="2400" b="1" dirty="0" smtClean="0">
                 <a:gradFill>
                   <a:gsLst>
                     <a:gs pos="100000">
@@ -13557,7 +13523,7 @@
   <mc:AlternateContent xmlns:mc="http://schemas.openxmlformats.org/markup-compatibility/2006">
     <mc:Choice xmlns:p14="http://schemas.microsoft.com/office/powerpoint/2010/main" Requires="p14">
       <p:transition spd="slow" p14:dur="2000" advTm="3532">
-        <p14:reveal thruBlk="1"/>
+        <p14:reveal dir="r"/>
       </p:transition>
     </mc:Choice>
     <mc:Fallback>
@@ -14214,8 +14180,8 @@
           </p:nvSpPr>
           <p:spPr>
             <a:xfrm>
-              <a:off x="3708180" y="3824173"/>
-              <a:ext cx="1174722" cy="730970"/>
+              <a:off x="3732813" y="3747761"/>
+              <a:ext cx="1174722" cy="510752"/>
             </a:xfrm>
             <a:prstGeom prst="rect">
               <a:avLst/>
@@ -14227,86 +14193,6 @@
               <a:spAutoFit/>
             </a:bodyPr>
             <a:lstStyle/>
-            <a:p>
-              <a:pPr algn="ctr"/>
-              <a:r>
-                <a:rPr lang="zh-CN" altLang="en-US" b="1" dirty="0" smtClean="0">
-                  <a:gradFill>
-                    <a:gsLst>
-                      <a:gs pos="100000">
-                        <a:srgbClr val="398EB6"/>
-                      </a:gs>
-                      <a:gs pos="0">
-                        <a:srgbClr val="B4DAF1"/>
-                      </a:gs>
-                    </a:gsLst>
-                    <a:path path="circle">
-                      <a:fillToRect l="50000" t="50000" r="50000" b="50000"/>
-                    </a:path>
-                  </a:gradFill>
-                  <a:latin typeface="微软雅黑" panose="020B0503020204020204" pitchFamily="34" charset="-122"/>
-                  <a:ea typeface="微软雅黑" panose="020B0503020204020204" pitchFamily="34" charset="-122"/>
-                </a:rPr>
-                <a:t>待付款</a:t>
-              </a:r>
-              <a:endParaRPr lang="en-US" altLang="zh-CN" b="1" dirty="0" smtClean="0">
-                <a:gradFill>
-                  <a:gsLst>
-                    <a:gs pos="100000">
-                      <a:srgbClr val="398EB6"/>
-                    </a:gs>
-                    <a:gs pos="0">
-                      <a:srgbClr val="B4DAF1"/>
-                    </a:gs>
-                  </a:gsLst>
-                  <a:path path="circle">
-                    <a:fillToRect l="50000" t="50000" r="50000" b="50000"/>
-                  </a:path>
-                </a:gradFill>
-                <a:latin typeface="微软雅黑" panose="020B0503020204020204" pitchFamily="34" charset="-122"/>
-                <a:ea typeface="微软雅黑" panose="020B0503020204020204" pitchFamily="34" charset="-122"/>
-              </a:endParaRPr>
-            </a:p>
-            <a:p>
-              <a:pPr algn="ctr"/>
-              <a:r>
-                <a:rPr lang="zh-CN" altLang="en-US" b="1" dirty="0" smtClean="0">
-                  <a:gradFill>
-                    <a:gsLst>
-                      <a:gs pos="100000">
-                        <a:srgbClr val="398EB6"/>
-                      </a:gs>
-                      <a:gs pos="0">
-                        <a:srgbClr val="B4DAF1"/>
-                      </a:gs>
-                    </a:gsLst>
-                    <a:path path="circle">
-                      <a:fillToRect l="50000" t="50000" r="50000" b="50000"/>
-                    </a:path>
-                  </a:gradFill>
-                  <a:latin typeface="微软雅黑" panose="020B0503020204020204" pitchFamily="34" charset="-122"/>
-                  <a:ea typeface="微软雅黑" panose="020B0503020204020204" pitchFamily="34" charset="-122"/>
-                </a:rPr>
-                <a:t>待评价</a:t>
-              </a:r>
-              <a:endParaRPr lang="en-US" altLang="zh-CN" b="1" dirty="0" smtClean="0">
-                <a:gradFill>
-                  <a:gsLst>
-                    <a:gs pos="100000">
-                      <a:srgbClr val="398EB6"/>
-                    </a:gs>
-                    <a:gs pos="0">
-                      <a:srgbClr val="B4DAF1"/>
-                    </a:gs>
-                  </a:gsLst>
-                  <a:path path="circle">
-                    <a:fillToRect l="50000" t="50000" r="50000" b="50000"/>
-                  </a:path>
-                </a:gradFill>
-                <a:latin typeface="微软雅黑" panose="020B0503020204020204" pitchFamily="34" charset="-122"/>
-                <a:ea typeface="微软雅黑" panose="020B0503020204020204" pitchFamily="34" charset="-122"/>
-              </a:endParaRPr>
-            </a:p>
             <a:p>
               <a:pPr algn="ctr"/>
               <a:r>
@@ -14327,7 +14213,7 @@
                   <a:latin typeface="微软雅黑" panose="020B0503020204020204" pitchFamily="34" charset="-122"/>
                   <a:ea typeface="微软雅黑" panose="020B0503020204020204" pitchFamily="34" charset="-122"/>
                 </a:rPr>
-                <a:t>已完成</a:t>
+                <a:t>展示订单状态</a:t>
               </a:r>
               <a:endParaRPr lang="zh-CN" altLang="en-US" b="1" dirty="0">
                 <a:gradFill>
@@ -14430,7 +14316,7 @@
           </p:nvSpPr>
           <p:spPr>
             <a:xfrm>
-              <a:off x="5172771" y="5446094"/>
+              <a:off x="5155176" y="5623047"/>
               <a:ext cx="1174722" cy="292388"/>
             </a:xfrm>
             <a:prstGeom prst="rect">
@@ -14797,7 +14683,7 @@
   <mc:AlternateContent xmlns:mc="http://schemas.openxmlformats.org/markup-compatibility/2006">
     <mc:Choice xmlns:p14="http://schemas.microsoft.com/office/powerpoint/2010/main" Requires="p14">
       <p:transition spd="slow" p14:dur="2000" advTm="3532">
-        <p14:reveal thruBlk="1"/>
+        <p14:reveal dir="r"/>
       </p:transition>
     </mc:Choice>
     <mc:Fallback>
@@ -15382,7 +15268,7 @@
         </p:nvGrpSpPr>
         <p:grpSpPr>
           <a:xfrm>
-            <a:off x="6888088" y="1563145"/>
+            <a:off x="6929363" y="1419000"/>
             <a:ext cx="1728192" cy="1728192"/>
             <a:chOff x="3635896" y="3429000"/>
             <a:chExt cx="1368152" cy="1368152"/>
@@ -15997,7 +15883,7 @@
   <mc:AlternateContent xmlns:mc="http://schemas.openxmlformats.org/markup-compatibility/2006">
     <mc:Choice xmlns:p14="http://schemas.microsoft.com/office/powerpoint/2010/main" Requires="p14">
       <p:transition spd="slow" p14:dur="2000" advTm="3532">
-        <p14:reveal thruBlk="1"/>
+        <p14:reveal dir="r"/>
       </p:transition>
     </mc:Choice>
     <mc:Fallback>
@@ -17408,9 +17294,9 @@
         <p:grpSpPr>
           <a:xfrm>
             <a:off x="2031787" y="4806950"/>
-            <a:ext cx="8887687" cy="1823796"/>
+            <a:ext cx="8887687" cy="2653229"/>
             <a:chOff x="874712" y="3325188"/>
-            <a:chExt cx="8887687" cy="1823796"/>
+            <a:chExt cx="8887687" cy="2653229"/>
           </a:xfrm>
         </p:grpSpPr>
         <p:sp>
@@ -17422,7 +17308,7 @@
           <p:spPr>
             <a:xfrm>
               <a:off x="874712" y="3677812"/>
-              <a:ext cx="8887687" cy="1471172"/>
+              <a:ext cx="8887687" cy="2300605"/>
             </a:xfrm>
             <a:prstGeom prst="rect">
               <a:avLst/>
@@ -17440,68 +17326,198 @@
             <a:lstStyle/>
             <a:p>
               <a:r>
-                <a:rPr lang="zh-CN" altLang="en-US" sz="1400" dirty="0">
+                <a:rPr lang="en-US" altLang="zh-CN" sz="1600" dirty="0">
                   <a:solidFill>
                     <a:schemeClr val="bg2"/>
                   </a:solidFill>
                 </a:rPr>
-                <a:t>通过这次做项目，使我对编程有了进一步的认识，做项目的时候，重要的不是自己如何快速的将自己分配的任务做完，而是注重团队合作，一开始必须对这个</a:t>
+                <a:t>         </a:t>
               </a:r>
               <a:r>
-                <a:rPr lang="zh-CN" altLang="en-US" sz="1400" dirty="0" smtClean="0">
+                <a:rPr lang="zh-CN" altLang="en-US" sz="1600" dirty="0">
                   <a:solidFill>
                     <a:schemeClr val="bg2"/>
                   </a:solidFill>
                 </a:rPr>
-                <a:t>项目的</a:t>
+                <a:t>通过这次做项目，使我们对编程有了进一步的认识，做项目的时候，重要的不是自己如何快速的将自己分配的任务做完，而是注重团队合作，一开始必须有统一的项目架构，这样才会避免后续麻烦，规避后续整合的一系列的问题</a:t>
               </a:r>
+              <a:r>
+                <a:rPr lang="zh-CN" altLang="en-US" sz="1600" dirty="0" smtClean="0">
+                  <a:solidFill>
+                    <a:schemeClr val="bg2"/>
+                  </a:solidFill>
+                </a:rPr>
+                <a:t>。</a:t>
+              </a:r>
+              <a:endParaRPr lang="zh-CN" altLang="en-US" sz="1600" dirty="0" smtClean="0">
+                <a:solidFill>
+                  <a:schemeClr val="bg2"/>
+                </a:solidFill>
+              </a:endParaRPr>
+            </a:p>
+            <a:p>
+              <a:r>
+                <a:rPr lang="zh-CN" altLang="en-US" sz="1600" dirty="0" smtClean="0">
+                  <a:solidFill>
+                    <a:schemeClr val="bg2"/>
+                  </a:solidFill>
+                </a:rPr>
+                <a:t>         一个个的瓶颈</a:t>
+              </a:r>
+              <a:r>
+                <a:rPr lang="en-US" altLang="zh-CN" sz="1600" dirty="0" smtClean="0">
+                  <a:solidFill>
+                    <a:schemeClr val="bg2"/>
+                  </a:solidFill>
+                </a:rPr>
+                <a:t>,</a:t>
+              </a:r>
+              <a:r>
+                <a:rPr lang="zh-CN" altLang="en-US" sz="1600" dirty="0" smtClean="0">
+                  <a:solidFill>
+                    <a:schemeClr val="bg2"/>
+                  </a:solidFill>
+                </a:rPr>
+                <a:t>一条条的异常</a:t>
+              </a:r>
+              <a:r>
+                <a:rPr lang="en-US" altLang="zh-CN" sz="1600" dirty="0" smtClean="0">
+                  <a:solidFill>
+                    <a:schemeClr val="bg2"/>
+                  </a:solidFill>
+                </a:rPr>
+                <a:t>,</a:t>
+              </a:r>
+              <a:r>
+                <a:rPr lang="zh-CN" altLang="en-US" sz="1600" dirty="0" smtClean="0">
+                  <a:solidFill>
+                    <a:schemeClr val="bg2"/>
+                  </a:solidFill>
+                </a:rPr>
+                <a:t>一次次的</a:t>
+              </a:r>
+              <a:r>
+                <a:rPr lang="zh-CN" altLang="en-US" sz="1600" dirty="0" smtClean="0">
+                  <a:solidFill>
+                    <a:schemeClr val="bg2"/>
+                  </a:solidFill>
+                  <a:sym typeface="+mn-ea"/>
+                </a:rPr>
+                <a:t>讨论</a:t>
+              </a:r>
+              <a:r>
+                <a:rPr lang="en-US" altLang="zh-CN" sz="1600" dirty="0" smtClean="0">
+                  <a:solidFill>
+                    <a:schemeClr val="bg2"/>
+                  </a:solidFill>
+                  <a:sym typeface="+mn-ea"/>
+                </a:rPr>
+                <a:t>,</a:t>
+              </a:r>
+              <a:r>
+                <a:rPr lang="zh-CN" altLang="en-US" sz="1600" dirty="0" smtClean="0">
+                  <a:solidFill>
+                    <a:schemeClr val="bg2"/>
+                  </a:solidFill>
+                  <a:sym typeface="+mn-ea"/>
+                </a:rPr>
+                <a:t>无数次的想要放弃</a:t>
+              </a:r>
+              <a:r>
+                <a:rPr lang="en-US" altLang="zh-CN" sz="1600" dirty="0" smtClean="0">
+                  <a:solidFill>
+                    <a:schemeClr val="bg2"/>
+                  </a:solidFill>
+                  <a:sym typeface="+mn-ea"/>
+                </a:rPr>
+                <a:t>,</a:t>
+              </a:r>
+              <a:r>
+                <a:rPr lang="zh-CN" altLang="en-US" sz="1600" dirty="0" smtClean="0">
+                  <a:solidFill>
+                    <a:schemeClr val="bg2"/>
+                  </a:solidFill>
+                  <a:sym typeface="+mn-ea"/>
+                </a:rPr>
+                <a:t>却又是一次次的咬牙坚持</a:t>
+              </a:r>
+              <a:r>
+                <a:rPr lang="en-US" altLang="zh-CN" sz="1600" dirty="0" smtClean="0">
+                  <a:solidFill>
+                    <a:schemeClr val="bg2"/>
+                  </a:solidFill>
+                  <a:sym typeface="+mn-ea"/>
+                </a:rPr>
+                <a:t>,</a:t>
+              </a:r>
+              <a:r>
+                <a:rPr lang="zh-CN" altLang="en-US" sz="1600" dirty="0" smtClean="0">
+                  <a:solidFill>
+                    <a:schemeClr val="bg2"/>
+                  </a:solidFill>
+                  <a:sym typeface="+mn-ea"/>
+                </a:rPr>
+                <a:t>那个信念维系着我们</a:t>
+              </a:r>
+              <a:r>
+                <a:rPr lang="en-US" altLang="zh-CN" sz="1600" dirty="0" smtClean="0">
+                  <a:solidFill>
+                    <a:schemeClr val="bg2"/>
+                  </a:solidFill>
+                  <a:sym typeface="+mn-ea"/>
+                </a:rPr>
+                <a:t>.</a:t>
+              </a:r>
+              <a:endParaRPr lang="en-US" altLang="zh-CN" sz="1600" dirty="0" smtClean="0">
+                <a:solidFill>
+                  <a:schemeClr val="bg2"/>
+                </a:solidFill>
+                <a:sym typeface="+mn-ea"/>
+              </a:endParaRPr>
+            </a:p>
+            <a:p>
+              <a:r>
+                <a:rPr lang="en-US" altLang="zh-CN" sz="1600" dirty="0" smtClean="0">
+                  <a:solidFill>
+                    <a:schemeClr val="bg2"/>
+                  </a:solidFill>
+                  <a:sym typeface="+mn-ea"/>
+                </a:rPr>
+                <a:t>								------</a:t>
+              </a:r>
+              <a:r>
+                <a:rPr lang="zh-CN" altLang="en-US" sz="1600" dirty="0" smtClean="0">
+                  <a:solidFill>
+                    <a:schemeClr val="bg2"/>
+                  </a:solidFill>
+                  <a:sym typeface="+mn-ea"/>
+                </a:rPr>
+                <a:t>永不言弃</a:t>
+              </a:r>
+              <a:r>
+                <a:rPr lang="en-US" altLang="zh-CN" sz="1600" dirty="0" smtClean="0">
+                  <a:solidFill>
+                    <a:schemeClr val="bg2"/>
+                  </a:solidFill>
+                  <a:sym typeface="+mn-ea"/>
+                </a:rPr>
+                <a:t>,</a:t>
+              </a:r>
+              <a:endParaRPr lang="zh-CN" altLang="en-US" sz="1600" dirty="0" smtClean="0">
+                <a:solidFill>
+                  <a:schemeClr val="bg2"/>
+                </a:solidFill>
+              </a:endParaRPr>
+            </a:p>
+            <a:p>
               <a:r>
                 <a:rPr lang="zh-CN" altLang="en-US" sz="1400" dirty="0">
                   <a:solidFill>
                     <a:schemeClr val="bg2"/>
                   </a:solidFill>
                 </a:rPr>
-                <a:t>数据进行统一命名，这样才会不会有后续麻烦，不会有一系列的问题</a:t>
+                <a:t>          </a:t>
               </a:r>
-              <a:r>
-                <a:rPr lang="zh-CN" altLang="en-US" sz="1400" dirty="0" smtClean="0">
-                  <a:solidFill>
-                    <a:schemeClr val="bg2"/>
-                  </a:solidFill>
-                </a:rPr>
-                <a:t>。</a:t>
-              </a:r>
-              <a:r>
-                <a:rPr lang="zh-CN" altLang="en-US" sz="1400" dirty="0">
-                  <a:solidFill>
-                    <a:schemeClr val="bg2"/>
-                  </a:solidFill>
-                </a:rPr>
-                <a:t>感谢所有帮我调</a:t>
-              </a:r>
-              <a:r>
-                <a:rPr lang="en-US" altLang="zh-CN" sz="1400" dirty="0">
-                  <a:solidFill>
-                    <a:schemeClr val="bg2"/>
-                  </a:solidFill>
-                </a:rPr>
-                <a:t>bug</a:t>
-              </a:r>
-              <a:r>
-                <a:rPr lang="zh-CN" altLang="en-US" sz="1400" dirty="0">
-                  <a:solidFill>
-                    <a:schemeClr val="bg2"/>
-                  </a:solidFill>
-                </a:rPr>
-                <a:t>的朋友，没有你们的帮助，我想我可能很凉凉，</a:t>
-              </a:r>
-              <a:endParaRPr lang="zh-CN" altLang="en-US" sz="1400" dirty="0">
-                <a:solidFill>
-                  <a:schemeClr val="bg2"/>
-                </a:solidFill>
-              </a:endParaRPr>
-            </a:p>
-            <a:p>
               <a:endParaRPr lang="zh-CN" altLang="en-US" sz="1400" dirty="0"/>
             </a:p>
             <a:p>
@@ -19030,10 +19046,10 @@
         </p:nvGrpSpPr>
         <p:grpSpPr>
           <a:xfrm>
-            <a:off x="7068373" y="1475346"/>
-            <a:ext cx="7420486" cy="3120658"/>
+            <a:off x="7077898" y="1475346"/>
+            <a:ext cx="7420486" cy="3118118"/>
             <a:chOff x="3313365" y="1970209"/>
-            <a:chExt cx="7420486" cy="2467982"/>
+            <a:chExt cx="7420486" cy="2465973"/>
           </a:xfrm>
         </p:grpSpPr>
         <p:sp>
@@ -19092,7 +19108,7 @@
           </p:nvSpPr>
           <p:spPr bwMode="auto">
             <a:xfrm>
-              <a:off x="3477051" y="1995029"/>
+              <a:off x="3496101" y="1993020"/>
               <a:ext cx="2640012" cy="2443162"/>
             </a:xfrm>
             <a:prstGeom prst="round2DiagRect">
@@ -21328,7 +21344,7 @@
   <mc:AlternateContent xmlns:mc="http://schemas.openxmlformats.org/markup-compatibility/2006">
     <mc:Choice xmlns:p14="http://schemas.microsoft.com/office/powerpoint/2010/main" Requires="p14">
       <p:transition spd="slow" p14:dur="2000" advTm="2735">
-        <p14:reveal thruBlk="1"/>
+        <p14:reveal dir="r"/>
       </p:transition>
     </mc:Choice>
     <mc:Fallback>
@@ -21670,8 +21686,8 @@
         </p:nvSpPr>
         <p:spPr>
           <a:xfrm>
-            <a:off x="2711624" y="2069556"/>
-            <a:ext cx="7200800" cy="2751522"/>
+            <a:off x="2603674" y="1844766"/>
+            <a:ext cx="7200800" cy="4076700"/>
           </a:xfrm>
           <a:prstGeom prst="rect">
             <a:avLst/>
@@ -21747,9 +21763,147 @@
                 <a:latin typeface="Arial" panose="020B0604020202020204"/>
                 <a:ea typeface="微软雅黑" panose="020B0503020204020204" pitchFamily="34" charset="-122"/>
               </a:rPr>
-              <a:t>通 过 团 队 的 合 作，沟 通，交 流，学 习 到 更 多 的 技 术；然 后 就 一 起 加 油 吧！</a:t>
+              <a:t>通 过 团 队 的 合 作，沟 通，交 流，提 高 团 队 的 协 作 能 力的 同 时</a:t>
             </a:r>
-            <a:endParaRPr lang="zh-CN" altLang="en-US" sz="3600" dirty="0">
+            <a:r>
+              <a:rPr lang="en-US" altLang="zh-CN" sz="3600" dirty="0" smtClean="0">
+                <a:solidFill>
+                  <a:schemeClr val="accent5">
+                    <a:lumMod val="60000"/>
+                    <a:lumOff val="40000"/>
+                  </a:schemeClr>
+                </a:solidFill>
+                <a:latin typeface="Arial" panose="020B0604020202020204"/>
+                <a:ea typeface="微软雅黑" panose="020B0503020204020204" pitchFamily="34" charset="-122"/>
+              </a:rPr>
+              <a:t>,</a:t>
+            </a:r>
+            <a:r>
+              <a:rPr lang="zh-CN" altLang="en-US" sz="3600" dirty="0" smtClean="0">
+                <a:solidFill>
+                  <a:schemeClr val="accent5">
+                    <a:lumMod val="60000"/>
+                    <a:lumOff val="40000"/>
+                  </a:schemeClr>
+                </a:solidFill>
+                <a:latin typeface="Arial" panose="020B0604020202020204"/>
+                <a:ea typeface="微软雅黑" panose="020B0503020204020204" pitchFamily="34" charset="-122"/>
+              </a:rPr>
+              <a:t> </a:t>
+            </a:r>
+            <a:r>
+              <a:rPr lang="en-US" altLang="zh-CN" sz="3600" dirty="0" smtClean="0">
+                <a:solidFill>
+                  <a:schemeClr val="accent5">
+                    <a:lumMod val="60000"/>
+                    <a:lumOff val="40000"/>
+                  </a:schemeClr>
+                </a:solidFill>
+                <a:latin typeface="Arial" panose="020B0604020202020204"/>
+                <a:ea typeface="微软雅黑" panose="020B0503020204020204" pitchFamily="34" charset="-122"/>
+              </a:rPr>
+              <a:t>GET</a:t>
+            </a:r>
+            <a:r>
+              <a:rPr lang="zh-CN" altLang="en-US" sz="3600" dirty="0" smtClean="0">
+                <a:solidFill>
+                  <a:schemeClr val="accent5">
+                    <a:lumMod val="60000"/>
+                    <a:lumOff val="40000"/>
+                  </a:schemeClr>
+                </a:solidFill>
+                <a:latin typeface="Arial" panose="020B0604020202020204"/>
+                <a:ea typeface="微软雅黑" panose="020B0503020204020204" pitchFamily="34" charset="-122"/>
+              </a:rPr>
+              <a:t>到 </a:t>
+            </a:r>
+            <a:r>
+              <a:rPr lang="zh-CN" altLang="en-US" sz="3600" dirty="0" smtClean="0">
+                <a:solidFill>
+                  <a:schemeClr val="accent5">
+                    <a:lumMod val="60000"/>
+                    <a:lumOff val="40000"/>
+                  </a:schemeClr>
+                </a:solidFill>
+                <a:latin typeface="Arial" panose="020B0604020202020204"/>
+                <a:ea typeface="微软雅黑" panose="020B0503020204020204" pitchFamily="34" charset="-122"/>
+              </a:rPr>
+              <a:t>更 多 为 所 未 闻 的 技 术；然 后 就 一 起 加 油 吧！</a:t>
+            </a:r>
+            <a:endParaRPr lang="zh-CN" altLang="en-US" sz="3600" dirty="0" smtClean="0">
+              <a:solidFill>
+                <a:schemeClr val="accent5">
+                  <a:lumMod val="60000"/>
+                  <a:lumOff val="40000"/>
+                </a:schemeClr>
+              </a:solidFill>
+              <a:latin typeface="Arial" panose="020B0604020202020204"/>
+              <a:ea typeface="微软雅黑" panose="020B0503020204020204" pitchFamily="34" charset="-122"/>
+            </a:endParaRPr>
+          </a:p>
+          <a:p>
+            <a:pPr lvl="0">
+              <a:lnSpc>
+                <a:spcPct val="120000"/>
+              </a:lnSpc>
+              <a:spcBef>
+                <a:spcPct val="0"/>
+              </a:spcBef>
+              <a:defRPr/>
+            </a:pPr>
+            <a:r>
+              <a:rPr lang="en-US" altLang="zh-CN" sz="3600" dirty="0">
+                <a:solidFill>
+                  <a:schemeClr val="accent5">
+                    <a:lumMod val="60000"/>
+                    <a:lumOff val="40000"/>
+                  </a:schemeClr>
+                </a:solidFill>
+                <a:latin typeface="Arial" panose="020B0604020202020204"/>
+                <a:ea typeface="微软雅黑" panose="020B0503020204020204" pitchFamily="34" charset="-122"/>
+              </a:rPr>
+              <a:t>					   ----</a:t>
+            </a:r>
+            <a:r>
+              <a:rPr lang="zh-CN" altLang="en-US" sz="2400" dirty="0">
+                <a:solidFill>
+                  <a:schemeClr val="accent5">
+                    <a:lumMod val="60000"/>
+                    <a:lumOff val="40000"/>
+                  </a:schemeClr>
+                </a:solidFill>
+                <a:latin typeface="Arial" panose="020B0604020202020204"/>
+                <a:ea typeface="微软雅黑" panose="020B0503020204020204" pitchFamily="34" charset="-122"/>
+              </a:rPr>
+              <a:t>进击的</a:t>
+            </a:r>
+            <a:r>
+              <a:rPr lang="en-US" altLang="zh-CN" sz="2400" dirty="0">
+                <a:solidFill>
+                  <a:schemeClr val="accent5">
+                    <a:lumMod val="60000"/>
+                    <a:lumOff val="40000"/>
+                  </a:schemeClr>
+                </a:solidFill>
+                <a:latin typeface="Arial" panose="020B0604020202020204"/>
+                <a:ea typeface="微软雅黑" panose="020B0503020204020204" pitchFamily="34" charset="-122"/>
+              </a:rPr>
+              <a:t>7</a:t>
+            </a:r>
+            <a:r>
+              <a:rPr lang="zh-CN" altLang="en-US" sz="2400" dirty="0">
+                <a:solidFill>
+                  <a:schemeClr val="accent5">
+                    <a:lumMod val="60000"/>
+                    <a:lumOff val="40000"/>
+                  </a:schemeClr>
+                </a:solidFill>
+                <a:latin typeface="Arial" panose="020B0604020202020204"/>
+                <a:ea typeface="微软雅黑" panose="020B0503020204020204" pitchFamily="34" charset="-122"/>
+              </a:rPr>
+              <a:t>组</a:t>
+            </a:r>
+            <a:endParaRPr lang="zh-CN" altLang="en-US" sz="2400" dirty="0">
               <a:solidFill>
                 <a:schemeClr val="accent5">
                   <a:lumMod val="60000"/>
@@ -21770,7 +21924,7 @@
   <mc:AlternateContent xmlns:mc="http://schemas.openxmlformats.org/markup-compatibility/2006">
     <mc:Choice xmlns:p14="http://schemas.microsoft.com/office/powerpoint/2010/main" Requires="p14">
       <p:transition spd="slow" advTm="3011">
-        <p14:reveal thruBlk="1"/>
+        <p14:reveal dir="r"/>
       </p:transition>
     </mc:Choice>
     <mc:Fallback>
@@ -21885,7 +22039,7 @@
                             </p:stCondLst>
                             <p:childTnLst>
                               <p:par>
-                                <p:cTn id="10" presetID="10" presetClass="entr" presetSubtype="0" fill="hold" grpId="0" nodeType="afterEffect">
+                                <p:cTn id="10" presetID="31" presetClass="entr" presetSubtype="0" fill="hold" grpId="6" nodeType="afterEffect">
                                   <p:stCondLst>
                                     <p:cond delay="0"/>
                                   </p:stCondLst>
@@ -21908,9 +22062,78 @@
                                         <p:strVal val="visible"/>
                                       </p:to>
                                     </p:set>
+                                    <p:anim calcmode="lin" valueType="num">
+                                      <p:cBhvr>
+                                        <p:cTn id="12" dur="1000" fill="hold"/>
+                                        <p:tgtEl>
+                                          <p:spTgt spid="13"/>
+                                        </p:tgtEl>
+                                        <p:attrNameLst>
+                                          <p:attrName>ppt_w</p:attrName>
+                                        </p:attrNameLst>
+                                      </p:cBhvr>
+                                      <p:tavLst>
+                                        <p:tav tm="0">
+                                          <p:val>
+                                            <p:fltVal val="0"/>
+                                          </p:val>
+                                        </p:tav>
+                                        <p:tav tm="100000">
+                                          <p:val>
+                                            <p:strVal val="#ppt_w"/>
+                                          </p:val>
+                                        </p:tav>
+                                      </p:tavLst>
+                                    </p:anim>
+                                    <p:anim calcmode="lin" valueType="num">
+                                      <p:cBhvr>
+                                        <p:cTn id="13" dur="1000" fill="hold"/>
+                                        <p:tgtEl>
+                                          <p:spTgt spid="13"/>
+                                        </p:tgtEl>
+                                        <p:attrNameLst>
+                                          <p:attrName>ppt_h</p:attrName>
+                                        </p:attrNameLst>
+                                      </p:cBhvr>
+                                      <p:tavLst>
+                                        <p:tav tm="0">
+                                          <p:val>
+                                            <p:fltVal val="0"/>
+                                          </p:val>
+                                        </p:tav>
+                                        <p:tav tm="100000">
+                                          <p:val>
+                                            <p:strVal val="#ppt_h"/>
+                                          </p:val>
+                                        </p:tav>
+                                      </p:tavLst>
+                                    </p:anim>
+                                    <p:anim calcmode="lin" valueType="num">
+                                      <p:cBhvr>
+                                        <p:cTn id="14" dur="1000" fill="hold"/>
+                                        <p:tgtEl>
+                                          <p:spTgt spid="13"/>
+                                        </p:tgtEl>
+                                        <p:attrNameLst>
+                                          <p:attrName>style.rotation</p:attrName>
+                                        </p:attrNameLst>
+                                      </p:cBhvr>
+                                      <p:tavLst>
+                                        <p:tav tm="0">
+                                          <p:val>
+                                            <p:fltVal val="90"/>
+                                          </p:val>
+                                        </p:tav>
+                                        <p:tav tm="100000">
+                                          <p:val>
+                                            <p:fltVal val="0"/>
+                                          </p:val>
+                                        </p:tav>
+                                      </p:tavLst>
+                                    </p:anim>
                                     <p:animEffect transition="in" filter="fade">
                                       <p:cBhvr>
-                                        <p:cTn id="12" dur="500"/>
+                                        <p:cTn id="15" dur="1000"/>
                                         <p:tgtEl>
                                           <p:spTgt spid="13"/>
                                         </p:tgtEl>
@@ -21948,7 +22171,7 @@
     </p:tnLst>
     <p:bldLst>
       <p:bldP spid="6" grpId="0" animBg="1"/>
-      <p:bldP spid="13" grpId="0"/>
+      <p:bldP spid="13" grpId="6"/>
     </p:bldLst>
   </p:timing>
 </p:sld>
@@ -22135,7 +22358,7 @@
                 <a:latin typeface="微软雅黑" panose="020B0503020204020204" pitchFamily="34" charset="-122"/>
                 <a:ea typeface="微软雅黑" panose="020B0503020204020204" pitchFamily="34" charset="-122"/>
               </a:rPr>
-              <a:t>、项目使用技术</a:t>
+              <a:t>、项目涉及技术点</a:t>
             </a:r>
             <a:endParaRPr lang="zh-CN" altLang="en-US" sz="2000" dirty="0">
               <a:solidFill>
@@ -22422,7 +22645,7 @@
   <mc:AlternateContent xmlns:mc="http://schemas.openxmlformats.org/markup-compatibility/2006">
     <mc:Choice xmlns:p14="http://schemas.microsoft.com/office/powerpoint/2010/main" Requires="p14">
       <p:transition spd="slow" advTm="2358">
-        <p14:reveal thruBlk="1"/>
+        <p14:reveal dir="r"/>
       </p:transition>
     </mc:Choice>
     <mc:Fallback>
@@ -22455,7 +22678,7 @@
                             </p:stCondLst>
                             <p:childTnLst>
                               <p:par>
-                                <p:cTn id="5" presetID="2" presetClass="entr" presetSubtype="8" fill="hold" grpId="0" nodeType="afterEffect">
+                                <p:cTn id="5" presetID="2" presetClass="entr" presetSubtype="4" fill="hold" grpId="0" nodeType="afterEffect">
                                   <p:stCondLst>
                                     <p:cond delay="0"/>
                                   </p:stCondLst>
@@ -22463,6 +22686,88 @@
                                     <p:set>
                                       <p:cBhvr>
                                         <p:cTn id="6" dur="1" fill="hold">
+                                          <p:stCondLst>
+                                            <p:cond delay="0"/>
+                                          </p:stCondLst>
+                                        </p:cTn>
+                                        <p:tgtEl>
+                                          <p:spTgt spid="2"/>
+                                        </p:tgtEl>
+                                        <p:attrNameLst>
+                                          <p:attrName>style.visibility</p:attrName>
+                                        </p:attrNameLst>
+                                      </p:cBhvr>
+                                      <p:to>
+                                        <p:strVal val="visible"/>
+                                      </p:to>
+                                    </p:set>
+                                    <p:anim calcmode="lin" valueType="num">
+                                      <p:cBhvr additive="base">
+                                        <p:cTn id="7" dur="500" fill="hold"/>
+                                        <p:tgtEl>
+                                          <p:spTgt spid="2"/>
+                                        </p:tgtEl>
+                                        <p:attrNameLst>
+                                          <p:attrName>ppt_x</p:attrName>
+                                        </p:attrNameLst>
+                                      </p:cBhvr>
+                                      <p:tavLst>
+                                        <p:tav tm="0">
+                                          <p:val>
+                                            <p:strVal val="#ppt_x"/>
+                                          </p:val>
+                                        </p:tav>
+                                        <p:tav tm="100000">
+                                          <p:val>
+                                            <p:strVal val="#ppt_x"/>
+                                          </p:val>
+                                        </p:tav>
+                                      </p:tavLst>
+                                    </p:anim>
+                                    <p:anim calcmode="lin" valueType="num">
+                                      <p:cBhvr additive="base">
+                                        <p:cTn id="8" dur="500" fill="hold"/>
+                                        <p:tgtEl>
+                                          <p:spTgt spid="2"/>
+                                        </p:tgtEl>
+                                        <p:attrNameLst>
+                                          <p:attrName>ppt_y</p:attrName>
+                                        </p:attrNameLst>
+                                      </p:cBhvr>
+                                      <p:tavLst>
+                                        <p:tav tm="0">
+                                          <p:val>
+                                            <p:strVal val="1+#ppt_h/2"/>
+                                          </p:val>
+                                        </p:tav>
+                                        <p:tav tm="100000">
+                                          <p:val>
+                                            <p:strVal val="#ppt_y"/>
+                                          </p:val>
+                                        </p:tav>
+                                      </p:tavLst>
+                                    </p:anim>
+                                  </p:childTnLst>
+                                </p:cTn>
+                              </p:par>
+                            </p:childTnLst>
+                          </p:cTn>
+                        </p:par>
+                        <p:par>
+                          <p:cTn id="9" fill="hold">
+                            <p:stCondLst>
+                              <p:cond delay="500"/>
+                            </p:stCondLst>
+                            <p:childTnLst>
+                              <p:par>
+                                <p:cTn id="10" presetID="2" presetClass="entr" presetSubtype="8" fill="hold" grpId="0" nodeType="afterEffect">
+                                  <p:stCondLst>
+                                    <p:cond delay="0"/>
+                                  </p:stCondLst>
+                                  <p:childTnLst>
+                                    <p:set>
+                                      <p:cBhvr>
+                                        <p:cTn id="11" dur="1" fill="hold">
                                           <p:stCondLst>
                                             <p:cond delay="0"/>
                                           </p:stCondLst>
@@ -22480,7 +22785,7 @@
                                     </p:set>
                                     <p:anim calcmode="lin" valueType="num">
                                       <p:cBhvr additive="base">
-                                        <p:cTn id="7" dur="500" fill="hold"/>
+                                        <p:cTn id="12" dur="500" fill="hold"/>
                                         <p:tgtEl>
                                           <p:spTgt spid="3"/>
                                         </p:tgtEl>
@@ -22503,7 +22808,7 @@
                                     </p:anim>
                                     <p:anim calcmode="lin" valueType="num">
                                       <p:cBhvr additive="base">
-                                        <p:cTn id="8" dur="500" fill="hold"/>
+                                        <p:cTn id="13" dur="500" fill="hold"/>
                                         <p:tgtEl>
                                           <p:spTgt spid="3"/>
                                         </p:tgtEl>
@@ -22527,15 +22832,24 @@
                                   </p:childTnLst>
                                 </p:cTn>
                               </p:par>
+                            </p:childTnLst>
+                          </p:cTn>
+                        </p:par>
+                        <p:par>
+                          <p:cTn id="14" fill="hold">
+                            <p:stCondLst>
+                              <p:cond delay="1000"/>
+                            </p:stCondLst>
+                            <p:childTnLst>
                               <p:par>
-                                <p:cTn id="9" presetID="2" presetClass="entr" presetSubtype="8" fill="hold" grpId="0" nodeType="withEffect">
+                                <p:cTn id="15" presetID="2" presetClass="entr" presetSubtype="8" fill="hold" grpId="0" nodeType="afterEffect">
                                   <p:stCondLst>
                                     <p:cond delay="500"/>
                                   </p:stCondLst>
                                   <p:childTnLst>
                                     <p:set>
                                       <p:cBhvr>
-                                        <p:cTn id="10" dur="1" fill="hold">
+                                        <p:cTn id="16" dur="1" fill="hold">
                                           <p:stCondLst>
                                             <p:cond delay="0"/>
                                           </p:stCondLst>
@@ -22553,7 +22867,7 @@
                                     </p:set>
                                     <p:anim calcmode="lin" valueType="num">
                                       <p:cBhvr additive="base">
-                                        <p:cTn id="11" dur="500" fill="hold"/>
+                                        <p:cTn id="17" dur="500" fill="hold"/>
                                         <p:tgtEl>
                                           <p:spTgt spid="4"/>
                                         </p:tgtEl>
@@ -22576,7 +22890,7 @@
                                     </p:anim>
                                     <p:anim calcmode="lin" valueType="num">
                                       <p:cBhvr additive="base">
-                                        <p:cTn id="12" dur="500" fill="hold"/>
+                                        <p:cTn id="18" dur="500" fill="hold"/>
                                         <p:tgtEl>
                                           <p:spTgt spid="4"/>
                                         </p:tgtEl>
@@ -22600,15 +22914,24 @@
                                   </p:childTnLst>
                                 </p:cTn>
                               </p:par>
+                            </p:childTnLst>
+                          </p:cTn>
+                        </p:par>
+                        <p:par>
+                          <p:cTn id="19" fill="hold">
+                            <p:stCondLst>
+                              <p:cond delay="2000"/>
+                            </p:stCondLst>
+                            <p:childTnLst>
                               <p:par>
-                                <p:cTn id="13" presetID="2" presetClass="entr" presetSubtype="8" fill="hold" grpId="0" nodeType="withEffect">
+                                <p:cTn id="20" presetID="2" presetClass="entr" presetSubtype="8" fill="hold" grpId="0" nodeType="afterEffect">
                                   <p:stCondLst>
                                     <p:cond delay="700"/>
                                   </p:stCondLst>
                                   <p:childTnLst>
                                     <p:set>
                                       <p:cBhvr>
-                                        <p:cTn id="14" dur="1" fill="hold">
+                                        <p:cTn id="21" dur="1" fill="hold">
                                           <p:stCondLst>
                                             <p:cond delay="0"/>
                                           </p:stCondLst>
@@ -22626,7 +22949,7 @@
                                     </p:set>
                                     <p:anim calcmode="lin" valueType="num">
                                       <p:cBhvr additive="base">
-                                        <p:cTn id="15" dur="500" fill="hold"/>
+                                        <p:cTn id="22" dur="500" fill="hold"/>
                                         <p:tgtEl>
                                           <p:spTgt spid="5"/>
                                         </p:tgtEl>
@@ -22649,7 +22972,7 @@
                                     </p:anim>
                                     <p:anim calcmode="lin" valueType="num">
                                       <p:cBhvr additive="base">
-                                        <p:cTn id="16" dur="500" fill="hold"/>
+                                        <p:cTn id="23" dur="500" fill="hold"/>
                                         <p:tgtEl>
                                           <p:spTgt spid="5"/>
                                         </p:tgtEl>
@@ -22704,6 +23027,7 @@
       <p:bldP spid="3" grpId="0" animBg="1"/>
       <p:bldP spid="4" grpId="0" animBg="1"/>
       <p:bldP spid="5" grpId="0" animBg="1"/>
+      <p:bldP spid="2" grpId="0" animBg="1"/>
     </p:bldLst>
   </p:timing>
 </p:sld>
@@ -22726,338 +23050,6 @@
           <a:chExt cx="0" cy="0"/>
         </a:xfrm>
       </p:grpSpPr>
-      <p:sp>
-        <p:nvSpPr>
-          <p:cNvPr id="2" name="圆角矩形 1"/>
-          <p:cNvSpPr/>
-          <p:nvPr/>
-        </p:nvSpPr>
-        <p:spPr>
-          <a:xfrm>
-            <a:off x="3269942" y="1770595"/>
-            <a:ext cx="5706380" cy="576064"/>
-          </a:xfrm>
-          <a:prstGeom prst="roundRect">
-            <a:avLst/>
-          </a:prstGeom>
-          <a:solidFill>
-            <a:srgbClr val="45B1D2">
-              <a:alpha val="20000"/>
-            </a:srgbClr>
-          </a:solidFill>
-          <a:ln>
-            <a:gradFill flip="none" rotWithShape="1">
-              <a:gsLst>
-                <a:gs pos="0">
-                  <a:srgbClr val="A3F2FD"/>
-                </a:gs>
-                <a:gs pos="100000">
-                  <a:srgbClr val="45B1D2"/>
-                </a:gs>
-              </a:gsLst>
-              <a:lin ang="2700000" scaled="1"/>
-              <a:tileRect/>
-            </a:gradFill>
-          </a:ln>
-          <a:effectLst>
-            <a:glow rad="139700">
-              <a:schemeClr val="accent5">
-                <a:satMod val="175000"/>
-                <a:alpha val="20000"/>
-              </a:schemeClr>
-            </a:glow>
-          </a:effectLst>
-        </p:spPr>
-        <p:style>
-          <a:lnRef idx="2">
-            <a:schemeClr val="accent1">
-              <a:shade val="50000"/>
-            </a:schemeClr>
-          </a:lnRef>
-          <a:fillRef idx="1">
-            <a:schemeClr val="accent1"/>
-          </a:fillRef>
-          <a:effectRef idx="0">
-            <a:schemeClr val="accent1"/>
-          </a:effectRef>
-          <a:fontRef idx="minor">
-            <a:schemeClr val="lt1"/>
-          </a:fontRef>
-        </p:style>
-        <p:txBody>
-          <a:bodyPr rtlCol="0" anchor="ctr"/>
-          <a:lstStyle/>
-          <a:p>
-            <a:pPr algn="ctr"/>
-            <a:r>
-              <a:rPr lang="zh-CN" altLang="en-US" sz="2000" dirty="0">
-                <a:solidFill>
-                  <a:schemeClr val="bg1"/>
-                </a:solidFill>
-                <a:latin typeface="微软雅黑" panose="020B0503020204020204" pitchFamily="34" charset="-122"/>
-                <a:ea typeface="微软雅黑" panose="020B0503020204020204" pitchFamily="34" charset="-122"/>
-              </a:rPr>
-              <a:t>一、单击此处添加标题</a:t>
-            </a:r>
-            <a:endParaRPr lang="zh-CN" altLang="en-US" sz="2000" dirty="0">
-              <a:solidFill>
-                <a:schemeClr val="bg1"/>
-              </a:solidFill>
-              <a:latin typeface="微软雅黑" panose="020B0503020204020204" pitchFamily="34" charset="-122"/>
-              <a:ea typeface="微软雅黑" panose="020B0503020204020204" pitchFamily="34" charset="-122"/>
-            </a:endParaRPr>
-          </a:p>
-        </p:txBody>
-      </p:sp>
-      <p:sp>
-        <p:nvSpPr>
-          <p:cNvPr id="3" name="圆角矩形 2"/>
-          <p:cNvSpPr/>
-          <p:nvPr/>
-        </p:nvSpPr>
-        <p:spPr>
-          <a:xfrm>
-            <a:off x="3269942" y="2732923"/>
-            <a:ext cx="5706380" cy="576064"/>
-          </a:xfrm>
-          <a:prstGeom prst="roundRect">
-            <a:avLst/>
-          </a:prstGeom>
-          <a:solidFill>
-            <a:srgbClr val="45B1D2">
-              <a:alpha val="20000"/>
-            </a:srgbClr>
-          </a:solidFill>
-          <a:ln>
-            <a:gradFill flip="none" rotWithShape="1">
-              <a:gsLst>
-                <a:gs pos="0">
-                  <a:srgbClr val="A3F2FD"/>
-                </a:gs>
-                <a:gs pos="100000">
-                  <a:srgbClr val="45B1D2"/>
-                </a:gs>
-              </a:gsLst>
-              <a:lin ang="2700000" scaled="1"/>
-              <a:tileRect/>
-            </a:gradFill>
-          </a:ln>
-          <a:effectLst>
-            <a:glow rad="139700">
-              <a:schemeClr val="accent5">
-                <a:satMod val="175000"/>
-                <a:alpha val="20000"/>
-              </a:schemeClr>
-            </a:glow>
-          </a:effectLst>
-        </p:spPr>
-        <p:style>
-          <a:lnRef idx="2">
-            <a:schemeClr val="accent1">
-              <a:shade val="50000"/>
-            </a:schemeClr>
-          </a:lnRef>
-          <a:fillRef idx="1">
-            <a:schemeClr val="accent1"/>
-          </a:fillRef>
-          <a:effectRef idx="0">
-            <a:schemeClr val="accent1"/>
-          </a:effectRef>
-          <a:fontRef idx="minor">
-            <a:schemeClr val="lt1"/>
-          </a:fontRef>
-        </p:style>
-        <p:txBody>
-          <a:bodyPr rtlCol="0" anchor="ctr"/>
-          <a:lstStyle/>
-          <a:p>
-            <a:pPr algn="ctr"/>
-            <a:r>
-              <a:rPr lang="zh-CN" altLang="en-US" sz="2000" dirty="0">
-                <a:solidFill>
-                  <a:schemeClr val="bg1"/>
-                </a:solidFill>
-                <a:latin typeface="微软雅黑" panose="020B0503020204020204" pitchFamily="34" charset="-122"/>
-                <a:ea typeface="微软雅黑" panose="020B0503020204020204" pitchFamily="34" charset="-122"/>
-              </a:rPr>
-              <a:t>二、单击此处添加标题</a:t>
-            </a:r>
-            <a:endParaRPr lang="zh-CN" altLang="en-US" sz="2000" dirty="0">
-              <a:solidFill>
-                <a:schemeClr val="bg1"/>
-              </a:solidFill>
-              <a:latin typeface="微软雅黑" panose="020B0503020204020204" pitchFamily="34" charset="-122"/>
-              <a:ea typeface="微软雅黑" panose="020B0503020204020204" pitchFamily="34" charset="-122"/>
-            </a:endParaRPr>
-          </a:p>
-        </p:txBody>
-      </p:sp>
-      <p:sp>
-        <p:nvSpPr>
-          <p:cNvPr id="4" name="圆角矩形 3"/>
-          <p:cNvSpPr/>
-          <p:nvPr/>
-        </p:nvSpPr>
-        <p:spPr>
-          <a:xfrm>
-            <a:off x="3269942" y="3693030"/>
-            <a:ext cx="5706380" cy="576064"/>
-          </a:xfrm>
-          <a:prstGeom prst="roundRect">
-            <a:avLst/>
-          </a:prstGeom>
-          <a:solidFill>
-            <a:srgbClr val="45B1D2">
-              <a:alpha val="20000"/>
-            </a:srgbClr>
-          </a:solidFill>
-          <a:ln>
-            <a:gradFill flip="none" rotWithShape="1">
-              <a:gsLst>
-                <a:gs pos="0">
-                  <a:srgbClr val="A3F2FD"/>
-                </a:gs>
-                <a:gs pos="100000">
-                  <a:srgbClr val="45B1D2"/>
-                </a:gs>
-              </a:gsLst>
-              <a:lin ang="2700000" scaled="1"/>
-              <a:tileRect/>
-            </a:gradFill>
-          </a:ln>
-          <a:effectLst>
-            <a:glow rad="139700">
-              <a:schemeClr val="accent5">
-                <a:satMod val="175000"/>
-                <a:alpha val="20000"/>
-              </a:schemeClr>
-            </a:glow>
-          </a:effectLst>
-        </p:spPr>
-        <p:style>
-          <a:lnRef idx="2">
-            <a:schemeClr val="accent1">
-              <a:shade val="50000"/>
-            </a:schemeClr>
-          </a:lnRef>
-          <a:fillRef idx="1">
-            <a:schemeClr val="accent1"/>
-          </a:fillRef>
-          <a:effectRef idx="0">
-            <a:schemeClr val="accent1"/>
-          </a:effectRef>
-          <a:fontRef idx="minor">
-            <a:schemeClr val="lt1"/>
-          </a:fontRef>
-        </p:style>
-        <p:txBody>
-          <a:bodyPr rtlCol="0" anchor="ctr"/>
-          <a:lstStyle/>
-          <a:p>
-            <a:pPr algn="ctr"/>
-            <a:r>
-              <a:rPr lang="zh-CN" altLang="en-US" sz="2000" dirty="0">
-                <a:solidFill>
-                  <a:schemeClr val="bg1"/>
-                </a:solidFill>
-                <a:latin typeface="微软雅黑" panose="020B0503020204020204" pitchFamily="34" charset="-122"/>
-                <a:ea typeface="微软雅黑" panose="020B0503020204020204" pitchFamily="34" charset="-122"/>
-              </a:rPr>
-              <a:t>三、单击此处添加标题</a:t>
-            </a:r>
-            <a:endParaRPr lang="zh-CN" altLang="en-US" sz="2000" dirty="0">
-              <a:solidFill>
-                <a:schemeClr val="bg1"/>
-              </a:solidFill>
-              <a:latin typeface="微软雅黑" panose="020B0503020204020204" pitchFamily="34" charset="-122"/>
-              <a:ea typeface="微软雅黑" panose="020B0503020204020204" pitchFamily="34" charset="-122"/>
-            </a:endParaRPr>
-          </a:p>
-        </p:txBody>
-      </p:sp>
-      <p:sp>
-        <p:nvSpPr>
-          <p:cNvPr id="5" name="圆角矩形 4"/>
-          <p:cNvSpPr/>
-          <p:nvPr/>
-        </p:nvSpPr>
-        <p:spPr>
-          <a:xfrm>
-            <a:off x="3269942" y="4653136"/>
-            <a:ext cx="5706380" cy="576064"/>
-          </a:xfrm>
-          <a:prstGeom prst="roundRect">
-            <a:avLst/>
-          </a:prstGeom>
-          <a:solidFill>
-            <a:srgbClr val="45B1D2">
-              <a:alpha val="20000"/>
-            </a:srgbClr>
-          </a:solidFill>
-          <a:ln>
-            <a:gradFill flip="none" rotWithShape="1">
-              <a:gsLst>
-                <a:gs pos="0">
-                  <a:srgbClr val="A3F2FD"/>
-                </a:gs>
-                <a:gs pos="100000">
-                  <a:srgbClr val="45B1D2"/>
-                </a:gs>
-              </a:gsLst>
-              <a:lin ang="2700000" scaled="1"/>
-              <a:tileRect/>
-            </a:gradFill>
-          </a:ln>
-          <a:effectLst>
-            <a:glow rad="139700">
-              <a:schemeClr val="accent5">
-                <a:satMod val="175000"/>
-                <a:alpha val="20000"/>
-              </a:schemeClr>
-            </a:glow>
-          </a:effectLst>
-        </p:spPr>
-        <p:style>
-          <a:lnRef idx="2">
-            <a:schemeClr val="accent1">
-              <a:shade val="50000"/>
-            </a:schemeClr>
-          </a:lnRef>
-          <a:fillRef idx="1">
-            <a:schemeClr val="accent1"/>
-          </a:fillRef>
-          <a:effectRef idx="0">
-            <a:schemeClr val="accent1"/>
-          </a:effectRef>
-          <a:fontRef idx="minor">
-            <a:schemeClr val="lt1"/>
-          </a:fontRef>
-        </p:style>
-        <p:txBody>
-          <a:bodyPr rtlCol="0" anchor="ctr"/>
-          <a:lstStyle/>
-          <a:p>
-            <a:pPr algn="ctr"/>
-            <a:r>
-              <a:rPr lang="zh-CN" altLang="en-US" sz="2000" dirty="0">
-                <a:solidFill>
-                  <a:schemeClr val="bg1"/>
-                </a:solidFill>
-                <a:latin typeface="微软雅黑" panose="020B0503020204020204" pitchFamily="34" charset="-122"/>
-                <a:ea typeface="微软雅黑" panose="020B0503020204020204" pitchFamily="34" charset="-122"/>
-              </a:rPr>
-              <a:t>四、单击此处添加标题</a:t>
-            </a:r>
-            <a:endParaRPr lang="zh-CN" altLang="en-US" sz="2000" dirty="0">
-              <a:solidFill>
-                <a:schemeClr val="bg1"/>
-              </a:solidFill>
-              <a:latin typeface="微软雅黑" panose="020B0503020204020204" pitchFamily="34" charset="-122"/>
-              <a:ea typeface="微软雅黑" panose="020B0503020204020204" pitchFamily="34" charset="-122"/>
-            </a:endParaRPr>
-          </a:p>
-        </p:txBody>
-      </p:sp>
       <p:sp>
         <p:nvSpPr>
           <p:cNvPr id="8" name="矩形 7"/>
@@ -23127,7 +23119,7 @@
         </p:nvSpPr>
         <p:spPr>
           <a:xfrm>
-            <a:off x="3269942" y="1770595"/>
+            <a:off x="3269942" y="1815680"/>
             <a:ext cx="5706380" cy="576064"/>
           </a:xfrm>
           <a:prstGeom prst="roundRect">
@@ -23226,7 +23218,7 @@
         </p:nvSpPr>
         <p:spPr>
           <a:xfrm>
-            <a:off x="3256495" y="2722367"/>
+            <a:off x="3270465" y="2754752"/>
             <a:ext cx="5706380" cy="576064"/>
           </a:xfrm>
           <a:prstGeom prst="roundRect">
@@ -23305,7 +23297,7 @@
         </p:nvSpPr>
         <p:spPr>
           <a:xfrm>
-            <a:off x="3316185" y="3662797"/>
+            <a:off x="3270465" y="3704072"/>
             <a:ext cx="5706380" cy="576064"/>
           </a:xfrm>
           <a:prstGeom prst="roundRect">
@@ -23384,7 +23376,7 @@
         </p:nvSpPr>
         <p:spPr>
           <a:xfrm>
-            <a:off x="3269942" y="4653136"/>
+            <a:off x="3269942" y="4708381"/>
             <a:ext cx="5706380" cy="576064"/>
           </a:xfrm>
           <a:prstGeom prst="roundRect">
@@ -23471,9 +23463,288 @@
   <p:timing>
     <p:tnLst>
       <p:par>
-        <p:cTn id="1" dur="indefinite" restart="never" nodeType="tmRoot"/>
+        <p:cTn id="1" dur="indefinite" restart="never" nodeType="tmRoot">
+          <p:childTnLst>
+            <p:seq concurrent="1" nextAc="seek">
+              <p:cTn id="2" dur="indefinite" nodeType="mainSeq">
+                <p:childTnLst>
+                  <p:par>
+                    <p:cTn id="3" fill="hold">
+                      <p:stCondLst>
+                        <p:cond delay="indefinite"/>
+                      </p:stCondLst>
+                      <p:childTnLst>
+                        <p:par>
+                          <p:cTn id="4" fill="hold">
+                            <p:stCondLst>
+                              <p:cond delay="0"/>
+                            </p:stCondLst>
+                            <p:childTnLst>
+                              <p:par>
+                                <p:cTn id="5" presetID="24" presetClass="entr" presetSubtype="0" fill="hold" grpId="0" nodeType="clickEffect">
+                                  <p:stCondLst>
+                                    <p:cond delay="0"/>
+                                  </p:stCondLst>
+                                  <p:childTnLst>
+                                    <p:set>
+                                      <p:cBhvr>
+                                        <p:cTn id="6" dur="1" fill="hold">
+                                          <p:stCondLst>
+                                            <p:cond delay="0"/>
+                                          </p:stCondLst>
+                                        </p:cTn>
+                                        <p:tgtEl>
+                                          <p:spTgt spid="10"/>
+                                        </p:tgtEl>
+                                        <p:attrNameLst>
+                                          <p:attrName>style.visibility</p:attrName>
+                                        </p:attrNameLst>
+                                      </p:cBhvr>
+                                      <p:to>
+                                        <p:strVal val="visible"/>
+                                      </p:to>
+                                    </p:set>
+                                    <p:anim to="" calcmode="lin" valueType="num">
+                                      <p:cBhvr>
+                                        <p:cTn id="7" dur="1" fill="hold"/>
+                                        <p:tgtEl>
+                                          <p:spTgt spid="10"/>
+                                        </p:tgtEl>
+                                      </p:cBhvr>
+                                    </p:anim>
+                                  </p:childTnLst>
+                                </p:cTn>
+                              </p:par>
+                            </p:childTnLst>
+                          </p:cTn>
+                        </p:par>
+                      </p:childTnLst>
+                    </p:cTn>
+                  </p:par>
+                  <p:par>
+                    <p:cTn id="8" fill="hold">
+                      <p:stCondLst>
+                        <p:cond delay="indefinite"/>
+                      </p:stCondLst>
+                      <p:childTnLst>
+                        <p:par>
+                          <p:cTn id="9" fill="hold">
+                            <p:stCondLst>
+                              <p:cond delay="0"/>
+                            </p:stCondLst>
+                            <p:childTnLst>
+                              <p:par>
+                                <p:cTn id="10" presetID="2" presetClass="entr" presetSubtype="4" fill="hold" grpId="0" nodeType="clickEffect">
+                                  <p:stCondLst>
+                                    <p:cond delay="0"/>
+                                  </p:stCondLst>
+                                  <p:childTnLst>
+                                    <p:set>
+                                      <p:cBhvr>
+                                        <p:cTn id="11" dur="1" fill="hold">
+                                          <p:stCondLst>
+                                            <p:cond delay="0"/>
+                                          </p:stCondLst>
+                                        </p:cTn>
+                                        <p:tgtEl>
+                                          <p:spTgt spid="9"/>
+                                        </p:tgtEl>
+                                        <p:attrNameLst>
+                                          <p:attrName>style.visibility</p:attrName>
+                                        </p:attrNameLst>
+                                      </p:cBhvr>
+                                      <p:to>
+                                        <p:strVal val="visible"/>
+                                      </p:to>
+                                    </p:set>
+                                    <p:anim calcmode="lin" valueType="num">
+                                      <p:cBhvr additive="base">
+                                        <p:cTn id="12" dur="500" fill="hold"/>
+                                        <p:tgtEl>
+                                          <p:spTgt spid="9"/>
+                                        </p:tgtEl>
+                                        <p:attrNameLst>
+                                          <p:attrName>ppt_x</p:attrName>
+                                        </p:attrNameLst>
+                                      </p:cBhvr>
+                                      <p:tavLst>
+                                        <p:tav tm="0">
+                                          <p:val>
+                                            <p:strVal val="#ppt_x"/>
+                                          </p:val>
+                                        </p:tav>
+                                        <p:tav tm="100000">
+                                          <p:val>
+                                            <p:strVal val="#ppt_x"/>
+                                          </p:val>
+                                        </p:tav>
+                                      </p:tavLst>
+                                    </p:anim>
+                                    <p:anim calcmode="lin" valueType="num">
+                                      <p:cBhvr additive="base">
+                                        <p:cTn id="13" dur="500" fill="hold"/>
+                                        <p:tgtEl>
+                                          <p:spTgt spid="9"/>
+                                        </p:tgtEl>
+                                        <p:attrNameLst>
+                                          <p:attrName>ppt_y</p:attrName>
+                                        </p:attrNameLst>
+                                      </p:cBhvr>
+                                      <p:tavLst>
+                                        <p:tav tm="0">
+                                          <p:val>
+                                            <p:strVal val="1+#ppt_h/2"/>
+                                          </p:val>
+                                        </p:tav>
+                                        <p:tav tm="100000">
+                                          <p:val>
+                                            <p:strVal val="#ppt_y"/>
+                                          </p:val>
+                                        </p:tav>
+                                      </p:tavLst>
+                                    </p:anim>
+                                  </p:childTnLst>
+                                </p:cTn>
+                              </p:par>
+                            </p:childTnLst>
+                          </p:cTn>
+                        </p:par>
+                      </p:childTnLst>
+                    </p:cTn>
+                  </p:par>
+                  <p:par>
+                    <p:cTn id="14" fill="hold">
+                      <p:stCondLst>
+                        <p:cond delay="indefinite"/>
+                      </p:stCondLst>
+                      <p:childTnLst>
+                        <p:par>
+                          <p:cTn id="15" fill="hold">
+                            <p:stCondLst>
+                              <p:cond delay="0"/>
+                            </p:stCondLst>
+                            <p:childTnLst>
+                              <p:par>
+                                <p:cTn id="16" presetID="24" presetClass="entr" presetSubtype="0" fill="hold" grpId="0" nodeType="clickEffect">
+                                  <p:stCondLst>
+                                    <p:cond delay="0"/>
+                                  </p:stCondLst>
+                                  <p:childTnLst>
+                                    <p:set>
+                                      <p:cBhvr>
+                                        <p:cTn id="17" dur="1" fill="hold">
+                                          <p:stCondLst>
+                                            <p:cond delay="0"/>
+                                          </p:stCondLst>
+                                        </p:cTn>
+                                        <p:tgtEl>
+                                          <p:spTgt spid="11"/>
+                                        </p:tgtEl>
+                                        <p:attrNameLst>
+                                          <p:attrName>style.visibility</p:attrName>
+                                        </p:attrNameLst>
+                                      </p:cBhvr>
+                                      <p:to>
+                                        <p:strVal val="visible"/>
+                                      </p:to>
+                                    </p:set>
+                                    <p:anim to="" calcmode="lin" valueType="num">
+                                      <p:cBhvr>
+                                        <p:cTn id="18" dur="1" fill="hold"/>
+                                        <p:tgtEl>
+                                          <p:spTgt spid="11"/>
+                                        </p:tgtEl>
+                                      </p:cBhvr>
+                                    </p:anim>
+                                  </p:childTnLst>
+                                </p:cTn>
+                              </p:par>
+                            </p:childTnLst>
+                          </p:cTn>
+                        </p:par>
+                      </p:childTnLst>
+                    </p:cTn>
+                  </p:par>
+                  <p:par>
+                    <p:cTn id="19" fill="hold">
+                      <p:stCondLst>
+                        <p:cond delay="indefinite"/>
+                      </p:stCondLst>
+                      <p:childTnLst>
+                        <p:par>
+                          <p:cTn id="20" fill="hold">
+                            <p:stCondLst>
+                              <p:cond delay="0"/>
+                            </p:stCondLst>
+                            <p:childTnLst>
+                              <p:par>
+                                <p:cTn id="21" presetID="24" presetClass="entr" presetSubtype="0" fill="hold" grpId="0" nodeType="clickEffect">
+                                  <p:stCondLst>
+                                    <p:cond delay="0"/>
+                                  </p:stCondLst>
+                                  <p:childTnLst>
+                                    <p:set>
+                                      <p:cBhvr>
+                                        <p:cTn id="22" dur="1" fill="hold">
+                                          <p:stCondLst>
+                                            <p:cond delay="0"/>
+                                          </p:stCondLst>
+                                        </p:cTn>
+                                        <p:tgtEl>
+                                          <p:spTgt spid="12"/>
+                                        </p:tgtEl>
+                                        <p:attrNameLst>
+                                          <p:attrName>style.visibility</p:attrName>
+                                        </p:attrNameLst>
+                                      </p:cBhvr>
+                                      <p:to>
+                                        <p:strVal val="visible"/>
+                                      </p:to>
+                                    </p:set>
+                                    <p:anim to="" calcmode="lin" valueType="num">
+                                      <p:cBhvr>
+                                        <p:cTn id="23" dur="1" fill="hold"/>
+                                        <p:tgtEl>
+                                          <p:spTgt spid="12"/>
+                                        </p:tgtEl>
+                                      </p:cBhvr>
+                                    </p:anim>
+                                  </p:childTnLst>
+                                </p:cTn>
+                              </p:par>
+                            </p:childTnLst>
+                          </p:cTn>
+                        </p:par>
+                      </p:childTnLst>
+                    </p:cTn>
+                  </p:par>
+                </p:childTnLst>
+              </p:cTn>
+              <p:prevCondLst>
+                <p:cond evt="onPrev" delay="0">
+                  <p:tgtEl>
+                    <p:sldTgt/>
+                  </p:tgtEl>
+                </p:cond>
+              </p:prevCondLst>
+              <p:nextCondLst>
+                <p:cond evt="onNext" delay="0">
+                  <p:tgtEl>
+                    <p:sldTgt/>
+                  </p:tgtEl>
+                </p:cond>
+              </p:nextCondLst>
+            </p:seq>
+          </p:childTnLst>
+        </p:cTn>
       </p:par>
     </p:tnLst>
+    <p:bldLst>
+      <p:bldP spid="10" grpId="0" bldLvl="0" animBg="1"/>
+      <p:bldP spid="9" grpId="0" animBg="1"/>
+      <p:bldP spid="11" grpId="0" animBg="1"/>
+      <p:bldP spid="12" grpId="0" animBg="1"/>
+    </p:bldLst>
   </p:timing>
 </p:sld>
 </file>
@@ -23734,7 +24005,7 @@
         </p:nvSpPr>
         <p:spPr>
           <a:xfrm>
-            <a:off x="2180022" y="4592643"/>
+            <a:off x="2134937" y="4592643"/>
             <a:ext cx="3600451" cy="420687"/>
           </a:xfrm>
           <a:prstGeom prst="roundRect">
@@ -24586,7 +24857,7 @@
   <mc:AlternateContent xmlns:mc="http://schemas.openxmlformats.org/markup-compatibility/2006">
     <mc:Choice xmlns:p14="http://schemas.microsoft.com/office/powerpoint/2010/main" Requires="p14">
       <p:transition spd="slow" p14:dur="2000" advTm="3595">
-        <p14:reveal thruBlk="1"/>
+        <p14:reveal dir="r"/>
       </p:transition>
     </mc:Choice>
     <mc:Fallback>
@@ -25257,7 +25528,7 @@
     <p:bldLst>
       <p:bldP spid="23" grpId="0" animBg="1"/>
       <p:bldP spid="24" grpId="0" animBg="1"/>
-      <p:bldP spid="25" grpId="0" animBg="1"/>
+      <p:bldP spid="25" grpId="0" bldLvl="0" animBg="1"/>
       <p:bldP spid="28" grpId="0" animBg="1"/>
       <p:bldP spid="29" grpId="0" animBg="1"/>
       <p:bldP spid="30" grpId="0" animBg="1"/>
@@ -25352,7 +25623,7 @@
         </p:nvGrpSpPr>
         <p:grpSpPr>
           <a:xfrm>
-            <a:off x="3935760" y="1043189"/>
+            <a:off x="3935760" y="1033029"/>
             <a:ext cx="7236309" cy="5586552"/>
             <a:chOff x="2474701" y="1290298"/>
             <a:chExt cx="4516363" cy="4176691"/>
@@ -26110,7 +26381,7 @@
           </p:nvSpPr>
           <p:spPr bwMode="auto">
             <a:xfrm>
-              <a:off x="3635375" y="2460955"/>
+              <a:off x="3654399" y="2441965"/>
               <a:ext cx="1873250" cy="1835774"/>
             </a:xfrm>
             <a:custGeom>
@@ -26774,7 +27045,7 @@
   <mc:AlternateContent xmlns:mc="http://schemas.openxmlformats.org/markup-compatibility/2006">
     <mc:Choice xmlns:p14="http://schemas.microsoft.com/office/powerpoint/2010/main" Requires="p14">
       <p:transition spd="slow" p14:dur="2000" advTm="2348">
-        <p14:reveal thruBlk="1"/>
+        <p14:reveal dir="r"/>
       </p:transition>
     </mc:Choice>
     <mc:Fallback>
@@ -26795,9 +27066,6 @@
                     <p:cTn id="3" fill="hold">
                       <p:stCondLst>
                         <p:cond delay="indefinite"/>
-                        <p:cond evt="onBegin" delay="0">
-                          <p:tn val="2"/>
-                        </p:cond>
                       </p:stCondLst>
                       <p:childTnLst>
                         <p:par>
@@ -26807,7 +27075,7 @@
                             </p:stCondLst>
                             <p:childTnLst>
                               <p:par>
-                                <p:cTn id="5" presetID="2" presetClass="entr" presetSubtype="8" fill="hold" nodeType="withEffect">
+                                <p:cTn id="5" presetID="21" presetClass="entr" presetSubtype="1" fill="hold" nodeType="clickEffect">
                                   <p:stCondLst>
                                     <p:cond delay="0"/>
                                   </p:stCondLst>
@@ -26830,72 +27098,14 @@
                                         <p:strVal val="visible"/>
                                       </p:to>
                                     </p:set>
-                                    <p:anim calcmode="lin" valueType="num">
-                                      <p:cBhvr additive="base">
-                                        <p:cTn id="7" dur="1000" fill="hold"/>
+                                    <p:animEffect transition="in" filter="wheel(1)">
+                                      <p:cBhvr>
+                                        <p:cTn id="7" dur="2000"/>
                                         <p:tgtEl>
                                           <p:spTgt spid="14"/>
                                         </p:tgtEl>
-                                        <p:attrNameLst>
-                                          <p:attrName>ppt_x</p:attrName>
-                                        </p:attrNameLst>
                                       </p:cBhvr>
-                                      <p:tavLst>
-                                        <p:tav tm="0">
-                                          <p:val>
-                                            <p:strVal val="0-#ppt_w/2"/>
-                                          </p:val>
-                                        </p:tav>
-                                        <p:tav tm="100000">
-                                          <p:val>
-                                            <p:strVal val="#ppt_x"/>
-                                          </p:val>
-                                        </p:tav>
-                                      </p:tavLst>
-                                    </p:anim>
-                                    <p:anim calcmode="lin" valueType="num">
-                                      <p:cBhvr additive="base">
-                                        <p:cTn id="8" dur="1000" fill="hold"/>
-                                        <p:tgtEl>
-                                          <p:spTgt spid="14"/>
-                                        </p:tgtEl>
-                                        <p:attrNameLst>
-                                          <p:attrName>ppt_y</p:attrName>
-                                        </p:attrNameLst>
-                                      </p:cBhvr>
-                                      <p:tavLst>
-                                        <p:tav tm="0">
-                                          <p:val>
-                                            <p:strVal val="#ppt_y"/>
-                                          </p:val>
-                                        </p:tav>
-                                        <p:tav tm="100000">
-                                          <p:val>
-                                            <p:strVal val="#ppt_y"/>
-                                          </p:val>
-                                        </p:tav>
-                                      </p:tavLst>
-                                    </p:anim>
-                                  </p:childTnLst>
-                                </p:cTn>
-                              </p:par>
-                              <p:par>
-                                <p:cTn id="9" presetID="8" presetClass="emph" presetSubtype="0" fill="hold" nodeType="withEffect">
-                                  <p:stCondLst>
-                                    <p:cond delay="0"/>
-                                  </p:stCondLst>
-                                  <p:childTnLst>
-                                    <p:animRot by="21600000">
-                                      <p:cBhvr>
-                                        <p:cTn id="10" dur="1000" fill="hold"/>
-                                        <p:tgtEl>
-                                          <p:spTgt spid="14"/>
-                                        </p:tgtEl>
-                                        <p:attrNameLst>
-                                          <p:attrName>r</p:attrName>
-                                        </p:attrNameLst>
-                                      </p:cBhvr>
-                                    </p:animRot>
+                                    </p:animEffect>
                                   </p:childTnLst>
                                 </p:cTn>
                               </p:par>
@@ -27321,7 +27531,7 @@
         <p:spPr>
           <a:xfrm>
             <a:off x="4502349" y="4655100"/>
-            <a:ext cx="2839239" cy="646331"/>
+            <a:ext cx="2811780" cy="645160"/>
           </a:xfrm>
           <a:prstGeom prst="rect">
             <a:avLst/>
@@ -27371,7 +27581,7 @@
                 <a:latin typeface="微软雅黑" panose="020B0503020204020204" pitchFamily="34" charset="-122"/>
                 <a:ea typeface="微软雅黑" panose="020B0503020204020204" pitchFamily="34" charset="-122"/>
               </a:rPr>
-              <a:t>完成手机短信验证</a:t>
+              <a:t>完成手机短信验证用户</a:t>
             </a:r>
             <a:endParaRPr lang="en-US" altLang="zh-CN" kern="0" dirty="0">
               <a:solidFill>
@@ -27392,7 +27602,7 @@
         <p:spPr>
           <a:xfrm>
             <a:off x="8161538" y="2708922"/>
-            <a:ext cx="3589444" cy="738664"/>
+            <a:ext cx="3382010" cy="737235"/>
           </a:xfrm>
           <a:prstGeom prst="rect">
             <a:avLst/>
@@ -27458,7 +27668,7 @@
                 <a:latin typeface="微软雅黑" panose="020B0503020204020204" pitchFamily="34" charset="-122"/>
                 <a:ea typeface="微软雅黑" panose="020B0503020204020204" pitchFamily="34" charset="-122"/>
               </a:rPr>
-              <a:t>，</a:t>
+              <a:t>表达式</a:t>
             </a:r>
             <a:r>
               <a:rPr lang="en-US" altLang="zh-CN" sz="1400" kern="0" dirty="0" smtClean="0">
@@ -27468,7 +27678,7 @@
                 <a:latin typeface="微软雅黑" panose="020B0503020204020204" pitchFamily="34" charset="-122"/>
                 <a:ea typeface="微软雅黑" panose="020B0503020204020204" pitchFamily="34" charset="-122"/>
               </a:rPr>
-              <a:t>session </a:t>
+              <a:t> </a:t>
             </a:r>
             <a:r>
               <a:rPr lang="zh-CN" altLang="en-US" sz="1400" kern="0" dirty="0" smtClean="0">
@@ -27609,6 +27819,16 @@
               <a:t>ssm</a:t>
             </a:r>
             <a:r>
+              <a:rPr lang="zh-CN" altLang="en-US" sz="1400" kern="0" dirty="0" err="1" smtClean="0">
+                <a:solidFill>
+                  <a:schemeClr val="bg1"/>
+                </a:solidFill>
+                <a:latin typeface="微软雅黑" panose="020B0503020204020204" pitchFamily="34" charset="-122"/>
+                <a:ea typeface="微软雅黑" panose="020B0503020204020204" pitchFamily="34" charset="-122"/>
+              </a:rPr>
+              <a:t>框架</a:t>
+            </a:r>
+            <a:r>
               <a:rPr lang="zh-CN" altLang="en-US" sz="1400" kern="0" dirty="0" smtClean="0">
                 <a:solidFill>
                   <a:schemeClr val="bg1"/>
@@ -27628,7 +27848,27 @@
               </a:rPr>
               <a:t>maven</a:t>
             </a:r>
-            <a:endParaRPr lang="zh-CN" altLang="en-US" sz="1400" kern="0" dirty="0">
+            <a:r>
+              <a:rPr lang="zh-CN" altLang="en-US" sz="1400" kern="0" dirty="0" smtClean="0">
+                <a:solidFill>
+                  <a:schemeClr val="bg1"/>
+                </a:solidFill>
+                <a:latin typeface="微软雅黑" panose="020B0503020204020204" pitchFamily="34" charset="-122"/>
+                <a:ea typeface="微软雅黑" panose="020B0503020204020204" pitchFamily="34" charset="-122"/>
+              </a:rPr>
+              <a:t>多</a:t>
+            </a:r>
+            <a:r>
+              <a:rPr lang="zh-CN" altLang="en-US" sz="1400" kern="0" dirty="0" smtClean="0">
+                <a:solidFill>
+                  <a:schemeClr val="bg1"/>
+                </a:solidFill>
+                <a:latin typeface="微软雅黑" panose="020B0503020204020204" pitchFamily="34" charset="-122"/>
+                <a:ea typeface="微软雅黑" panose="020B0503020204020204" pitchFamily="34" charset="-122"/>
+              </a:rPr>
+              <a:t>模块整合</a:t>
+            </a:r>
+            <a:endParaRPr lang="zh-CN" altLang="en-US" sz="1400" kern="0" dirty="0" smtClean="0">
               <a:solidFill>
                 <a:schemeClr val="bg1"/>
               </a:solidFill>
@@ -28237,7 +28477,7 @@
   <mc:AlternateContent xmlns:mc="http://schemas.openxmlformats.org/markup-compatibility/2006">
     <mc:Choice xmlns:p14="http://schemas.microsoft.com/office/powerpoint/2010/main" Requires="p14">
       <p:transition spd="slow" p14:dur="2000" advTm="5074">
-        <p14:reveal thruBlk="1"/>
+        <p14:reveal dir="r"/>
       </p:transition>
     </mc:Choice>
     <mc:Fallback>
@@ -30210,7 +30450,7 @@
   <mc:AlternateContent xmlns:mc="http://schemas.openxmlformats.org/markup-compatibility/2006">
     <mc:Choice xmlns:p14="http://schemas.microsoft.com/office/powerpoint/2010/main" Requires="p14">
       <p:transition spd="slow" p14:dur="2000" advTm="4768">
-        <p14:reveal thruBlk="1"/>
+        <p14:reveal dir="r"/>
       </p:transition>
     </mc:Choice>
     <mc:Fallback>
@@ -31173,8 +31413,8 @@
           </p:nvSpPr>
           <p:spPr>
             <a:xfrm>
-              <a:off x="4117359" y="1737682"/>
-              <a:ext cx="1174722" cy="657873"/>
+              <a:off x="4155062" y="1866375"/>
+              <a:ext cx="1174722" cy="364464"/>
             </a:xfrm>
             <a:prstGeom prst="rect">
               <a:avLst/>
@@ -31186,26 +31426,6 @@
               <a:spAutoFit/>
             </a:bodyPr>
             <a:lstStyle/>
-            <a:p>
-              <a:pPr algn="ctr"/>
-              <a:endParaRPr lang="en-US" altLang="zh-CN" sz="2400" b="1" dirty="0" smtClean="0">
-                <a:gradFill>
-                  <a:gsLst>
-                    <a:gs pos="100000">
-                      <a:srgbClr val="398EB6"/>
-                    </a:gs>
-                    <a:gs pos="0">
-                      <a:srgbClr val="B4DAF1"/>
-                    </a:gs>
-                  </a:gsLst>
-                  <a:path path="circle">
-                    <a:fillToRect l="50000" t="50000" r="50000" b="50000"/>
-                  </a:path>
-                </a:gradFill>
-                <a:latin typeface="微软雅黑" panose="020B0503020204020204" pitchFamily="34" charset="-122"/>
-                <a:ea typeface="微软雅黑" panose="020B0503020204020204" pitchFamily="34" charset="-122"/>
-              </a:endParaRPr>
-            </a:p>
             <a:p>
               <a:pPr algn="ctr"/>
               <a:r>
@@ -31257,7 +31477,7 @@
         </p:nvGrpSpPr>
         <p:grpSpPr>
           <a:xfrm>
-            <a:off x="6888088" y="1563145"/>
+            <a:off x="6898248" y="1419000"/>
             <a:ext cx="1728192" cy="1728192"/>
             <a:chOff x="3635896" y="3429000"/>
             <a:chExt cx="1368152" cy="1368152"/>
@@ -31329,7 +31549,7 @@
           </p:nvSpPr>
           <p:spPr>
             <a:xfrm>
-              <a:off x="3708180" y="3824173"/>
+              <a:off x="3732310" y="3930747"/>
               <a:ext cx="1174722" cy="365485"/>
             </a:xfrm>
             <a:prstGeom prst="rect">
@@ -31393,9 +31613,9 @@
         </p:nvGrpSpPr>
         <p:grpSpPr>
           <a:xfrm>
-            <a:off x="5087888" y="4365104"/>
+            <a:off x="4965968" y="4372089"/>
             <a:ext cx="1728192" cy="1728192"/>
-            <a:chOff x="5076056" y="5085184"/>
+            <a:chOff x="4979536" y="5090714"/>
             <a:chExt cx="1368152" cy="1368152"/>
           </a:xfrm>
         </p:grpSpPr>
@@ -31407,7 +31627,7 @@
           </p:nvSpPr>
           <p:spPr>
             <a:xfrm>
-              <a:off x="5076056" y="5085184"/>
+              <a:off x="4979536" y="5090714"/>
               <a:ext cx="1368152" cy="1368152"/>
             </a:xfrm>
             <a:prstGeom prst="ellipse">
@@ -31465,7 +31685,7 @@
           </p:nvSpPr>
           <p:spPr>
             <a:xfrm>
-              <a:off x="5172771" y="5446094"/>
+              <a:off x="5075748" y="5446094"/>
               <a:ext cx="1174722" cy="657873"/>
             </a:xfrm>
             <a:prstGeom prst="rect">
@@ -31892,7 +32112,7 @@
   <mc:AlternateContent xmlns:mc="http://schemas.openxmlformats.org/markup-compatibility/2006">
     <mc:Choice xmlns:p14="http://schemas.microsoft.com/office/powerpoint/2010/main" Requires="p14">
       <p:transition spd="slow" p14:dur="2000" advTm="3532">
-        <p14:reveal thruBlk="1"/>
+        <p14:reveal dir="r"/>
       </p:transition>
     </mc:Choice>
     <mc:Fallback>
